--- a/presentation-prototype.pptx
+++ b/presentation-prototype.pptx
@@ -5,17 +5,18 @@
     <p:sldMasterId id="2147483648" r:id="rId1"/>
   </p:sldMasterIdLst>
   <p:notesMasterIdLst>
-    <p:notesMasterId r:id="rId10"/>
+    <p:notesMasterId r:id="rId11"/>
   </p:notesMasterIdLst>
   <p:sldIdLst>
-    <p:sldId id="256" r:id="rId2"/>
+    <p:sldId id="271" r:id="rId2"/>
     <p:sldId id="258" r:id="rId3"/>
-    <p:sldId id="259" r:id="rId4"/>
-    <p:sldId id="267" r:id="rId5"/>
-    <p:sldId id="262" r:id="rId6"/>
-    <p:sldId id="268" r:id="rId7"/>
+    <p:sldId id="267" r:id="rId4"/>
+    <p:sldId id="273" r:id="rId5"/>
+    <p:sldId id="274" r:id="rId6"/>
+    <p:sldId id="262" r:id="rId7"/>
     <p:sldId id="264" r:id="rId8"/>
-    <p:sldId id="270" r:id="rId9"/>
+    <p:sldId id="276" r:id="rId9"/>
+    <p:sldId id="270" r:id="rId10"/>
   </p:sldIdLst>
   <p:sldSz cx="12192000" cy="6858000"/>
   <p:notesSz cx="12192000" cy="6858000"/>
@@ -133,6 +134,14 @@
 </p:presentation>
 </file>
 
+<file path=ppt/revisionInfo.xml><?xml version="1.0" encoding="utf-8"?>
+<p1510:revInfo xmlns:a="http://schemas.openxmlformats.org/drawingml/2006/main" xmlns:r="http://schemas.openxmlformats.org/officeDocument/2006/relationships" xmlns:p1510="http://schemas.microsoft.com/office/powerpoint/2015/10/main">
+  <p1510:revLst>
+    <p1510:client id="{25080D6A-8894-495D-B6E8-D0DAEAE8741B}" v="973" dt="2023-04-10T16:40:36.154"/>
+  </p1510:revLst>
+</p1510:revInfo>
+</file>
+
 <file path=ppt/notesMasters/notesMaster1.xml><?xml version="1.0" encoding="utf-8"?>
 <p:notesMaster xmlns:a="http://schemas.openxmlformats.org/drawingml/2006/main" xmlns:r="http://schemas.openxmlformats.org/officeDocument/2006/relationships" xmlns:p="http://schemas.openxmlformats.org/presentationml/2006/main">
   <p:cSld>
@@ -215,7 +224,7 @@
           <a:p>
             <a:fld id="{492946F0-055C-43F7-8444-F40AC5AA1FF6}" type="datetimeFigureOut">
               <a:rPr lang="pt-PT" smtClean="0"/>
-              <a:t>09/04/2023</a:t>
+              <a:t>10/04/2023</a:t>
             </a:fld>
             <a:endParaRPr lang="pt-PT"/>
           </a:p>
@@ -373,7 +382,7 @@
           <a:p>
             <a:fld id="{A23BA633-D24B-473E-B335-FB4AC6894846}" type="slidenum">
               <a:rPr lang="pt-PT" smtClean="0"/>
-              <a:t>‹#›</a:t>
+              <a:t>‹nº›</a:t>
             </a:fld>
             <a:endParaRPr lang="pt-PT"/>
           </a:p>
@@ -621,7 +630,7 @@
           <a:p>
             <a:fld id="{1D8BD707-D9CF-40AE-B4C6-C98DA3205C09}" type="datetimeFigureOut">
               <a:rPr lang="en-US"/>
-              <a:t>4/9/2023</a:t>
+              <a:t>4/10/2023</a:t>
             </a:fld>
             <a:endParaRPr lang="en-US"/>
           </a:p>
@@ -659,7 +668,7 @@
             </a:pPr>
             <a:fld id="{81D60167-4931-47E6-BA6A-407CBD079E47}" type="slidenum">
               <a:rPr dirty="0"/>
-              <a:t>‹#›</a:t>
+              <a:t>‹nº›</a:t>
             </a:fld>
             <a:endParaRPr dirty="0"/>
           </a:p>
@@ -802,7 +811,7 @@
           <a:p>
             <a:fld id="{1D8BD707-D9CF-40AE-B4C6-C98DA3205C09}" type="datetimeFigureOut">
               <a:rPr lang="en-US"/>
-              <a:t>4/9/2023</a:t>
+              <a:t>4/10/2023</a:t>
             </a:fld>
             <a:endParaRPr lang="en-US"/>
           </a:p>
@@ -840,7 +849,7 @@
             </a:pPr>
             <a:fld id="{81D60167-4931-47E6-BA6A-407CBD079E47}" type="slidenum">
               <a:rPr dirty="0"/>
-              <a:t>‹#›</a:t>
+              <a:t>‹nº›</a:t>
             </a:fld>
             <a:endParaRPr dirty="0"/>
           </a:p>
@@ -1022,7 +1031,7 @@
           <a:p>
             <a:fld id="{1D8BD707-D9CF-40AE-B4C6-C98DA3205C09}" type="datetimeFigureOut">
               <a:rPr lang="en-US"/>
-              <a:t>4/9/2023</a:t>
+              <a:t>4/10/2023</a:t>
             </a:fld>
             <a:endParaRPr lang="en-US"/>
           </a:p>
@@ -1060,7 +1069,7 @@
             </a:pPr>
             <a:fld id="{81D60167-4931-47E6-BA6A-407CBD079E47}" type="slidenum">
               <a:rPr dirty="0"/>
-              <a:t>‹#›</a:t>
+              <a:t>‹nº›</a:t>
             </a:fld>
             <a:endParaRPr dirty="0"/>
           </a:p>
@@ -1176,7 +1185,7 @@
           <a:p>
             <a:fld id="{1D8BD707-D9CF-40AE-B4C6-C98DA3205C09}" type="datetimeFigureOut">
               <a:rPr lang="en-US"/>
-              <a:t>4/9/2023</a:t>
+              <a:t>4/10/2023</a:t>
             </a:fld>
             <a:endParaRPr lang="en-US"/>
           </a:p>
@@ -1214,7 +1223,7 @@
             </a:pPr>
             <a:fld id="{81D60167-4931-47E6-BA6A-407CBD079E47}" type="slidenum">
               <a:rPr dirty="0"/>
-              <a:t>‹#›</a:t>
+              <a:t>‹nº›</a:t>
             </a:fld>
             <a:endParaRPr dirty="0"/>
           </a:p>
@@ -1331,7 +1340,7 @@
           <a:p>
             <a:fld id="{1D8BD707-D9CF-40AE-B4C6-C98DA3205C09}" type="datetimeFigureOut">
               <a:rPr lang="en-US"/>
-              <a:t>4/9/2023</a:t>
+              <a:t>4/10/2023</a:t>
             </a:fld>
             <a:endParaRPr lang="en-US"/>
           </a:p>
@@ -1369,7 +1378,7 @@
             </a:pPr>
             <a:fld id="{81D60167-4931-47E6-BA6A-407CBD079E47}" type="slidenum">
               <a:rPr dirty="0"/>
-              <a:t>‹#›</a:t>
+              <a:t>‹nº›</a:t>
             </a:fld>
             <a:endParaRPr dirty="0"/>
           </a:p>
@@ -1560,7 +1569,7 @@
           <a:p>
             <a:fld id="{1D8BD707-D9CF-40AE-B4C6-C98DA3205C09}" type="datetimeFigureOut">
               <a:rPr lang="en-US"/>
-              <a:t>4/9/2023</a:t>
+              <a:t>4/10/2023</a:t>
             </a:fld>
             <a:endParaRPr lang="en-US"/>
           </a:p>
@@ -1608,7 +1617,7 @@
             </a:pPr>
             <a:fld id="{81D60167-4931-47E6-BA6A-407CBD079E47}" type="slidenum">
               <a:rPr dirty="0"/>
-              <a:t>‹#›</a:t>
+              <a:t>‹nº›</a:t>
             </a:fld>
             <a:endParaRPr dirty="0"/>
           </a:p>
@@ -1787,831 +1796,189 @@
       </p:grpSpPr>
       <p:sp>
         <p:nvSpPr>
-          <p:cNvPr id="2" name="object 2"/>
-          <p:cNvSpPr txBox="1"/>
-          <p:nvPr/>
+          <p:cNvPr id="2" name="Título 1">
+            <a:extLst>
+              <a:ext uri="{FF2B5EF4-FFF2-40B4-BE49-F238E27FC236}">
+                <a16:creationId xmlns:a16="http://schemas.microsoft.com/office/drawing/2014/main" id="{3E8AD2B1-3BA9-838A-5348-F933F136D85C}"/>
+              </a:ext>
+            </a:extLst>
+          </p:cNvPr>
+          <p:cNvSpPr>
+            <a:spLocks noGrp="1"/>
+          </p:cNvSpPr>
+          <p:nvPr>
+            <p:ph type="ctrTitle"/>
+          </p:nvPr>
         </p:nvSpPr>
         <p:spPr>
           <a:xfrm>
-            <a:off x="2888995" y="1892630"/>
-            <a:ext cx="6428105" cy="2537233"/>
+            <a:off x="914400" y="2848757"/>
+            <a:ext cx="10363200" cy="1154162"/>
+          </a:xfrm>
+        </p:spPr>
+        <p:txBody>
+          <a:bodyPr wrap="square" lIns="0" tIns="0" rIns="0" bIns="0" anchor="ctr">
+            <a:spAutoFit/>
+          </a:bodyPr>
+          <a:lstStyle/>
+          <a:p>
+            <a:pPr algn="ctr"/>
+            <a:r>
+              <a:rPr lang="pt-PT" sz="4500" b="1" dirty="0">
+                <a:latin typeface="Arial"/>
+              </a:rPr>
+              <a:t>AI </a:t>
+            </a:r>
+            <a:r>
+              <a:rPr lang="pt-PT" sz="4500" b="1" dirty="0" err="1">
+                <a:latin typeface="Arial"/>
+              </a:rPr>
+              <a:t>Text</a:t>
+            </a:r>
+            <a:r>
+              <a:rPr lang="pt-PT" sz="4500" b="1" dirty="0">
+                <a:latin typeface="Arial"/>
+              </a:rPr>
+              <a:t> </a:t>
+            </a:r>
+            <a:r>
+              <a:rPr lang="pt-PT" sz="4500" b="1" dirty="0" err="1">
+                <a:latin typeface="Arial"/>
+              </a:rPr>
+              <a:t>Detector</a:t>
+            </a:r>
+            <a:br>
+              <a:rPr lang="pt-PT" sz="4500" b="1" dirty="0">
+                <a:latin typeface="Arial"/>
+              </a:rPr>
+            </a:br>
+            <a:r>
+              <a:rPr lang="pt-PT" sz="3000" dirty="0" err="1">
+                <a:latin typeface="Arial"/>
+              </a:rPr>
+              <a:t>Prototype</a:t>
+            </a:r>
+            <a:endParaRPr lang="pt-PT" sz="3000">
+              <a:latin typeface="Arial"/>
+            </a:endParaRPr>
+          </a:p>
+        </p:txBody>
+      </p:sp>
+      <p:sp>
+        <p:nvSpPr>
+          <p:cNvPr id="3" name="Subtítulo 2">
+            <a:extLst>
+              <a:ext uri="{FF2B5EF4-FFF2-40B4-BE49-F238E27FC236}">
+                <a16:creationId xmlns:a16="http://schemas.microsoft.com/office/drawing/2014/main" id="{37C7799E-5EF2-C278-7DE1-1940A5E1DF2F}"/>
+              </a:ext>
+            </a:extLst>
+          </p:cNvPr>
+          <p:cNvSpPr>
+            <a:spLocks noGrp="1"/>
+          </p:cNvSpPr>
+          <p:nvPr>
+            <p:ph type="subTitle" idx="4"/>
+          </p:nvPr>
+        </p:nvSpPr>
+        <p:spPr>
+          <a:xfrm>
+            <a:off x="1828800" y="5073996"/>
+            <a:ext cx="8534400" cy="1015663"/>
+          </a:xfrm>
+        </p:spPr>
+        <p:txBody>
+          <a:bodyPr wrap="square" lIns="0" tIns="0" rIns="0" bIns="0" anchor="t">
+            <a:spAutoFit/>
+          </a:bodyPr>
+          <a:lstStyle/>
+          <a:p>
+            <a:pPr algn="ctr"/>
+            <a:r>
+              <a:rPr lang="pt-PT" sz="2200" dirty="0">
+                <a:latin typeface="Arial"/>
+                <a:cs typeface="Calibri"/>
+              </a:rPr>
+              <a:t>Alexandre </a:t>
+            </a:r>
+            <a:r>
+              <a:rPr lang="pt-PT" sz="2200" dirty="0" err="1">
+                <a:latin typeface="Arial"/>
+                <a:cs typeface="Calibri"/>
+              </a:rPr>
+              <a:t>Gazur</a:t>
+            </a:r>
+            <a:r>
+              <a:rPr lang="pt-PT" sz="2200" dirty="0">
+                <a:latin typeface="Arial"/>
+                <a:cs typeface="Calibri"/>
+              </a:rPr>
+              <a:t> (102751)</a:t>
+            </a:r>
+            <a:br>
+              <a:rPr lang="pt-PT" sz="2200" dirty="0">
+                <a:latin typeface="Arial"/>
+                <a:cs typeface="Calibri"/>
+              </a:rPr>
+            </a:br>
+            <a:r>
+              <a:rPr lang="pt-PT" sz="2200" dirty="0">
+                <a:latin typeface="Arial"/>
+                <a:cs typeface="Calibri"/>
+              </a:rPr>
+              <a:t>Daniel Ferreira (102885)</a:t>
+            </a:r>
+            <a:br>
+              <a:rPr lang="pt-PT" sz="2200" dirty="0">
+                <a:latin typeface="Arial"/>
+                <a:cs typeface="Calibri"/>
+              </a:rPr>
+            </a:br>
+            <a:r>
+              <a:rPr lang="pt-PT" sz="2200" dirty="0">
+                <a:latin typeface="Arial"/>
+                <a:cs typeface="Calibri"/>
+              </a:rPr>
+              <a:t>Ricardo Pinto (103078)</a:t>
+            </a:r>
+          </a:p>
+        </p:txBody>
+      </p:sp>
+      <p:pic>
+        <p:nvPicPr>
+          <p:cNvPr id="4" name="Imagem 4" descr="Uma imagem com texto&#10;&#10;Descrição gerada automaticamente">
+            <a:extLst>
+              <a:ext uri="{FF2B5EF4-FFF2-40B4-BE49-F238E27FC236}">
+                <a16:creationId xmlns:a16="http://schemas.microsoft.com/office/drawing/2014/main" id="{CFDA4BD9-D82F-0141-9245-F3D49E1788C4}"/>
+              </a:ext>
+            </a:extLst>
+          </p:cNvPr>
+          <p:cNvPicPr>
+            <a:picLocks noChangeAspect="1"/>
+          </p:cNvPicPr>
+          <p:nvPr/>
+        </p:nvPicPr>
+        <p:blipFill>
+          <a:blip r:embed="rId2"/>
+          <a:stretch>
+            <a:fillRect/>
+          </a:stretch>
+        </p:blipFill>
+        <p:spPr>
+          <a:xfrm>
+            <a:off x="4724400" y="209881"/>
+            <a:ext cx="2743200" cy="1024028"/>
           </a:xfrm>
           <a:prstGeom prst="rect">
             <a:avLst/>
           </a:prstGeom>
         </p:spPr>
-        <p:txBody>
-          <a:bodyPr vert="horz" wrap="square" lIns="0" tIns="13335" rIns="0" bIns="0" rtlCol="0">
-            <a:spAutoFit/>
-          </a:bodyPr>
-          <a:lstStyle/>
-          <a:p>
-            <a:pPr algn="ctr">
-              <a:lnSpc>
-                <a:spcPts val="1664"/>
-              </a:lnSpc>
-              <a:spcBef>
-                <a:spcPts val="105"/>
-              </a:spcBef>
-            </a:pPr>
-            <a:r>
-              <a:rPr sz="1400" spc="-25" dirty="0">
-                <a:latin typeface="Arial MT"/>
-                <a:cs typeface="Arial MT"/>
-              </a:rPr>
-              <a:t>DEPARTAMENTO</a:t>
-            </a:r>
-            <a:r>
-              <a:rPr sz="1400" spc="10" dirty="0">
-                <a:latin typeface="Arial MT"/>
-                <a:cs typeface="Arial MT"/>
-              </a:rPr>
-              <a:t> </a:t>
-            </a:r>
-            <a:r>
-              <a:rPr sz="1400" spc="-5" dirty="0">
-                <a:latin typeface="Arial MT"/>
-                <a:cs typeface="Arial MT"/>
-              </a:rPr>
-              <a:t>DE </a:t>
-            </a:r>
-            <a:r>
-              <a:rPr sz="1400" dirty="0">
-                <a:latin typeface="Arial MT"/>
-                <a:cs typeface="Arial MT"/>
-              </a:rPr>
-              <a:t>ELETRÓNICA,</a:t>
-            </a:r>
-            <a:r>
-              <a:rPr sz="1400" spc="-25" dirty="0">
-                <a:latin typeface="Arial MT"/>
-                <a:cs typeface="Arial MT"/>
-              </a:rPr>
-              <a:t> </a:t>
-            </a:r>
-            <a:r>
-              <a:rPr sz="1400" dirty="0">
-                <a:latin typeface="Arial MT"/>
-                <a:cs typeface="Arial MT"/>
-              </a:rPr>
-              <a:t>TELECOMUNICAÇÕES</a:t>
-            </a:r>
-            <a:r>
-              <a:rPr sz="1400" spc="-5" dirty="0">
-                <a:latin typeface="Arial MT"/>
-                <a:cs typeface="Arial MT"/>
-              </a:rPr>
-              <a:t> </a:t>
-            </a:r>
-            <a:r>
-              <a:rPr sz="1400" dirty="0">
-                <a:latin typeface="Arial MT"/>
-                <a:cs typeface="Arial MT"/>
-              </a:rPr>
-              <a:t>E</a:t>
-            </a:r>
-            <a:r>
-              <a:rPr sz="1400" spc="5" dirty="0">
-                <a:latin typeface="Arial MT"/>
-                <a:cs typeface="Arial MT"/>
-              </a:rPr>
-              <a:t> </a:t>
-            </a:r>
-            <a:r>
-              <a:rPr sz="1400" dirty="0">
-                <a:latin typeface="Arial MT"/>
-                <a:cs typeface="Arial MT"/>
-              </a:rPr>
-              <a:t>INFORMÁTICA</a:t>
-            </a:r>
-          </a:p>
-          <a:p>
-            <a:pPr marR="6985" algn="ctr">
-              <a:lnSpc>
-                <a:spcPts val="3345"/>
-              </a:lnSpc>
-            </a:pPr>
-            <a:r>
-              <a:rPr sz="2800" spc="-10" dirty="0">
-                <a:latin typeface="Arial MT"/>
-                <a:cs typeface="Arial MT"/>
-              </a:rPr>
-              <a:t>UNIVERSIDADE</a:t>
-            </a:r>
-            <a:r>
-              <a:rPr sz="2800" spc="20" dirty="0">
-                <a:latin typeface="Arial MT"/>
-                <a:cs typeface="Arial MT"/>
-              </a:rPr>
-              <a:t> </a:t>
-            </a:r>
-            <a:r>
-              <a:rPr sz="2800" spc="-5" dirty="0">
-                <a:latin typeface="Arial MT"/>
-                <a:cs typeface="Arial MT"/>
-              </a:rPr>
-              <a:t>DE</a:t>
-            </a:r>
-            <a:r>
-              <a:rPr sz="2800" spc="-175" dirty="0">
-                <a:latin typeface="Arial MT"/>
-                <a:cs typeface="Arial MT"/>
-              </a:rPr>
-              <a:t> </a:t>
-            </a:r>
-            <a:r>
-              <a:rPr sz="2800" spc="-40" dirty="0">
-                <a:latin typeface="Arial MT"/>
-                <a:cs typeface="Arial MT"/>
-              </a:rPr>
-              <a:t>AVEIRO</a:t>
-            </a:r>
-            <a:endParaRPr sz="2800" dirty="0">
-              <a:latin typeface="Arial MT"/>
-              <a:cs typeface="Arial MT"/>
-            </a:endParaRPr>
-          </a:p>
-          <a:p>
-            <a:pPr>
-              <a:lnSpc>
-                <a:spcPct val="100000"/>
-              </a:lnSpc>
-              <a:spcBef>
-                <a:spcPts val="20"/>
-              </a:spcBef>
-            </a:pPr>
-            <a:endParaRPr sz="3700" dirty="0">
-              <a:latin typeface="Arial MT"/>
-              <a:cs typeface="Arial MT"/>
-            </a:endParaRPr>
-          </a:p>
-          <a:p>
-            <a:pPr algn="ctr">
-              <a:lnSpc>
-                <a:spcPts val="2105"/>
-              </a:lnSpc>
-            </a:pPr>
-            <a:r>
-              <a:rPr sz="1800" b="1" spc="-20" dirty="0">
-                <a:latin typeface="Calibri"/>
-                <a:cs typeface="Calibri"/>
-              </a:rPr>
-              <a:t>APRESENTAÇÃO</a:t>
-            </a:r>
-            <a:r>
-              <a:rPr sz="1800" b="1" spc="-15" dirty="0">
-                <a:latin typeface="Calibri"/>
-                <a:cs typeface="Calibri"/>
-              </a:rPr>
-              <a:t> </a:t>
-            </a:r>
-            <a:r>
-              <a:rPr sz="1800" b="1" spc="-5" dirty="0">
-                <a:latin typeface="Calibri"/>
-                <a:cs typeface="Calibri"/>
-              </a:rPr>
-              <a:t>D</a:t>
-            </a:r>
-            <a:r>
-              <a:rPr lang="pt-PT" b="1" spc="-5" dirty="0">
-                <a:latin typeface="Calibri"/>
-                <a:cs typeface="Calibri"/>
-              </a:rPr>
-              <a:t>E</a:t>
-            </a:r>
-            <a:r>
-              <a:rPr sz="1800" b="1" spc="-15" dirty="0">
-                <a:latin typeface="Calibri"/>
-                <a:cs typeface="Calibri"/>
-              </a:rPr>
-              <a:t> </a:t>
-            </a:r>
-            <a:r>
-              <a:rPr lang="pt-PT" sz="1800" b="1" spc="-5" dirty="0">
-                <a:latin typeface="Calibri"/>
-                <a:cs typeface="Calibri"/>
-              </a:rPr>
-              <a:t>PROJETO DE INFORMÁTICA – PROTOTYPE</a:t>
-            </a:r>
-            <a:endParaRPr sz="1800" dirty="0">
-              <a:latin typeface="Calibri"/>
-              <a:cs typeface="Calibri"/>
-            </a:endParaRPr>
-          </a:p>
-          <a:p>
-            <a:pPr marR="2540" algn="ctr">
-              <a:lnSpc>
-                <a:spcPts val="4265"/>
-              </a:lnSpc>
-            </a:pPr>
-            <a:r>
-              <a:rPr lang="pt-PT" sz="3600" b="1" dirty="0">
-                <a:latin typeface="Calibri"/>
-                <a:cs typeface="Calibri"/>
-              </a:rPr>
-              <a:t>DETEÇÃO DE TEXTO SINTÉTICO</a:t>
-            </a:r>
-            <a:endParaRPr sz="3600" dirty="0">
-              <a:latin typeface="Calibri"/>
-              <a:cs typeface="Calibri"/>
-            </a:endParaRPr>
-          </a:p>
-          <a:p>
-            <a:pPr marR="6350" algn="ctr">
-              <a:lnSpc>
-                <a:spcPct val="100000"/>
-              </a:lnSpc>
-              <a:spcBef>
-                <a:spcPts val="25"/>
-              </a:spcBef>
-            </a:pPr>
-            <a:r>
-              <a:rPr sz="3200" spc="-5" dirty="0">
-                <a:latin typeface="Calibri"/>
-                <a:cs typeface="Calibri"/>
-              </a:rPr>
-              <a:t>2022-2023</a:t>
-            </a:r>
-            <a:endParaRPr sz="3200" dirty="0">
-              <a:latin typeface="Calibri"/>
-              <a:cs typeface="Calibri"/>
-            </a:endParaRPr>
-          </a:p>
-        </p:txBody>
-      </p:sp>
-      <p:sp>
-        <p:nvSpPr>
-          <p:cNvPr id="4" name="object 4"/>
-          <p:cNvSpPr txBox="1">
-            <a:spLocks noGrp="1"/>
-          </p:cNvSpPr>
-          <p:nvPr>
-            <p:ph type="sldNum" sz="quarter" idx="7"/>
-          </p:nvPr>
-        </p:nvSpPr>
-        <p:spPr>
-          <a:prstGeom prst="rect">
-            <a:avLst/>
-          </a:prstGeom>
-        </p:spPr>
-        <p:txBody>
-          <a:bodyPr vert="horz" wrap="square" lIns="0" tIns="0" rIns="0" bIns="0" rtlCol="0">
-            <a:spAutoFit/>
-          </a:bodyPr>
-          <a:lstStyle/>
-          <a:p>
-            <a:pPr marL="38100">
-              <a:lnSpc>
-                <a:spcPts val="2380"/>
-              </a:lnSpc>
-            </a:pPr>
-            <a:fld id="{81D60167-4931-47E6-BA6A-407CBD079E47}" type="slidenum">
-              <a:rPr dirty="0"/>
-              <a:t>1</a:t>
-            </a:fld>
-            <a:endParaRPr dirty="0"/>
-          </a:p>
-        </p:txBody>
-      </p:sp>
-      <p:graphicFrame>
-        <p:nvGraphicFramePr>
-          <p:cNvPr id="3" name="object 3"/>
-          <p:cNvGraphicFramePr>
-            <a:graphicFrameLocks noGrp="1"/>
-          </p:cNvGraphicFramePr>
-          <p:nvPr>
-            <p:extLst>
-              <p:ext uri="{D42A27DB-BD31-4B8C-83A1-F6EECF244321}">
-                <p14:modId xmlns:p14="http://schemas.microsoft.com/office/powerpoint/2010/main" val="3033746974"/>
-              </p:ext>
-            </p:extLst>
-          </p:nvPr>
-        </p:nvGraphicFramePr>
-        <p:xfrm>
-          <a:off x="2775839" y="4649215"/>
-          <a:ext cx="6633844" cy="1482241"/>
-        </p:xfrm>
-        <a:graphic>
-          <a:graphicData uri="http://schemas.openxmlformats.org/drawingml/2006/table">
-            <a:tbl>
-              <a:tblPr firstRow="1" bandRow="1">
-                <a:tableStyleId>{2D5ABB26-0587-4C30-8999-92F81FD0307C}</a:tableStyleId>
-              </a:tblPr>
-              <a:tblGrid>
-                <a:gridCol w="4532630">
-                  <a:extLst>
-                    <a:ext uri="{9D8B030D-6E8A-4147-A177-3AD203B41FA5}">
-                      <a16:colId xmlns:a16="http://schemas.microsoft.com/office/drawing/2014/main" val="20000"/>
-                    </a:ext>
-                  </a:extLst>
-                </a:gridCol>
-                <a:gridCol w="2101214">
-                  <a:extLst>
-                    <a:ext uri="{9D8B030D-6E8A-4147-A177-3AD203B41FA5}">
-                      <a16:colId xmlns:a16="http://schemas.microsoft.com/office/drawing/2014/main" val="20001"/>
-                    </a:ext>
-                  </a:extLst>
-                </a:gridCol>
-              </a:tblGrid>
-              <a:tr h="369823">
-                <a:tc>
-                  <a:txBody>
-                    <a:bodyPr/>
-                    <a:lstStyle/>
-                    <a:p>
-                      <a:pPr marL="91440">
-                        <a:lnSpc>
-                          <a:spcPct val="100000"/>
-                        </a:lnSpc>
-                        <a:spcBef>
-                          <a:spcPts val="270"/>
-                        </a:spcBef>
-                      </a:pPr>
-                      <a:r>
-                        <a:rPr sz="1800" dirty="0">
-                          <a:latin typeface="Calibri"/>
-                          <a:cs typeface="Calibri"/>
-                        </a:rPr>
-                        <a:t>ALEXANDRE</a:t>
-                      </a:r>
-                      <a:r>
-                        <a:rPr sz="1800" spc="-30" dirty="0">
-                          <a:latin typeface="Calibri"/>
-                          <a:cs typeface="Calibri"/>
-                        </a:rPr>
-                        <a:t> </a:t>
-                      </a:r>
-                      <a:r>
-                        <a:rPr sz="1800" spc="-5" dirty="0">
-                          <a:latin typeface="Calibri"/>
-                          <a:cs typeface="Calibri"/>
-                        </a:rPr>
-                        <a:t>LIMA</a:t>
-                      </a:r>
-                      <a:r>
-                        <a:rPr sz="1800" spc="-30" dirty="0">
-                          <a:latin typeface="Calibri"/>
-                          <a:cs typeface="Calibri"/>
-                        </a:rPr>
-                        <a:t> </a:t>
-                      </a:r>
-                      <a:r>
-                        <a:rPr sz="1800" dirty="0">
-                          <a:latin typeface="Calibri"/>
-                          <a:cs typeface="Calibri"/>
-                        </a:rPr>
-                        <a:t>GAZUR</a:t>
-                      </a:r>
-                    </a:p>
-                  </a:txBody>
-                  <a:tcPr marL="0" marR="0" marT="34290" marB="0">
-                    <a:lnL w="6350">
-                      <a:solidFill>
-                        <a:srgbClr val="A4A4A4"/>
-                      </a:solidFill>
-                      <a:prstDash val="solid"/>
-                    </a:lnL>
-                    <a:lnT w="6350">
-                      <a:solidFill>
-                        <a:srgbClr val="A4A4A4"/>
-                      </a:solidFill>
-                      <a:prstDash val="solid"/>
-                    </a:lnT>
-                    <a:lnB w="6350">
-                      <a:solidFill>
-                        <a:srgbClr val="A4A4A4"/>
-                      </a:solidFill>
-                      <a:prstDash val="solid"/>
-                    </a:lnB>
-                  </a:tcPr>
-                </a:tc>
-                <a:tc>
-                  <a:txBody>
-                    <a:bodyPr/>
-                    <a:lstStyle/>
-                    <a:p>
-                      <a:pPr marR="341630" algn="r">
-                        <a:lnSpc>
-                          <a:spcPct val="100000"/>
-                        </a:lnSpc>
-                        <a:spcBef>
-                          <a:spcPts val="270"/>
-                        </a:spcBef>
-                      </a:pPr>
-                      <a:r>
-                        <a:rPr sz="1800" spc="-5" dirty="0">
-                          <a:latin typeface="Calibri"/>
-                          <a:cs typeface="Calibri"/>
-                        </a:rPr>
-                        <a:t>102751</a:t>
-                      </a:r>
-                      <a:endParaRPr sz="1800">
-                        <a:latin typeface="Calibri"/>
-                        <a:cs typeface="Calibri"/>
-                      </a:endParaRPr>
-                    </a:p>
-                  </a:txBody>
-                  <a:tcPr marL="0" marR="0" marT="34290" marB="0">
-                    <a:lnR w="6350">
-                      <a:solidFill>
-                        <a:srgbClr val="A4A4A4"/>
-                      </a:solidFill>
-                      <a:prstDash val="solid"/>
-                    </a:lnR>
-                    <a:lnT w="6350">
-                      <a:solidFill>
-                        <a:srgbClr val="A4A4A4"/>
-                      </a:solidFill>
-                      <a:prstDash val="solid"/>
-                    </a:lnT>
-                    <a:lnB w="6350">
-                      <a:solidFill>
-                        <a:srgbClr val="A4A4A4"/>
-                      </a:solidFill>
-                      <a:prstDash val="solid"/>
-                    </a:lnB>
-                  </a:tcPr>
-                </a:tc>
-                <a:extLst>
-                  <a:ext uri="{0D108BD9-81ED-4DB2-BD59-A6C34878D82A}">
-                    <a16:rowId xmlns:a16="http://schemas.microsoft.com/office/drawing/2014/main" val="10000"/>
-                  </a:ext>
-                </a:extLst>
-              </a:tr>
-              <a:tr h="370840">
-                <a:tc>
-                  <a:txBody>
-                    <a:bodyPr/>
-                    <a:lstStyle/>
-                    <a:p>
-                      <a:pPr marL="91440">
-                        <a:lnSpc>
-                          <a:spcPct val="100000"/>
-                        </a:lnSpc>
-                        <a:spcBef>
-                          <a:spcPts val="245"/>
-                        </a:spcBef>
-                      </a:pPr>
-                      <a:r>
-                        <a:rPr sz="1800" spc="-5" dirty="0">
-                          <a:latin typeface="Calibri"/>
-                          <a:cs typeface="Calibri"/>
-                        </a:rPr>
-                        <a:t>DANIEL</a:t>
-                      </a:r>
-                      <a:r>
-                        <a:rPr sz="1800" spc="-10" dirty="0">
-                          <a:latin typeface="Calibri"/>
-                          <a:cs typeface="Calibri"/>
-                        </a:rPr>
-                        <a:t> </a:t>
-                      </a:r>
-                      <a:r>
-                        <a:rPr sz="1800" spc="-5" dirty="0">
-                          <a:latin typeface="Calibri"/>
-                          <a:cs typeface="Calibri"/>
-                        </a:rPr>
-                        <a:t>JORGE BERNARDO</a:t>
-                      </a:r>
-                      <a:r>
-                        <a:rPr sz="1800" spc="-15" dirty="0">
-                          <a:latin typeface="Calibri"/>
-                          <a:cs typeface="Calibri"/>
-                        </a:rPr>
-                        <a:t> </a:t>
-                      </a:r>
-                      <a:r>
-                        <a:rPr sz="1800" spc="-10" dirty="0">
-                          <a:latin typeface="Calibri"/>
-                          <a:cs typeface="Calibri"/>
-                        </a:rPr>
-                        <a:t>FERREIRA</a:t>
-                      </a:r>
-                      <a:endParaRPr sz="1800">
-                        <a:latin typeface="Calibri"/>
-                        <a:cs typeface="Calibri"/>
-                      </a:endParaRPr>
-                    </a:p>
-                  </a:txBody>
-                  <a:tcPr marL="0" marR="0" marT="31115" marB="0">
-                    <a:lnL w="6350">
-                      <a:solidFill>
-                        <a:srgbClr val="A4A4A4"/>
-                      </a:solidFill>
-                      <a:prstDash val="solid"/>
-                    </a:lnL>
-                    <a:lnT w="6350">
-                      <a:solidFill>
-                        <a:srgbClr val="A4A4A4"/>
-                      </a:solidFill>
-                      <a:prstDash val="solid"/>
-                    </a:lnT>
-                    <a:lnB w="6350">
-                      <a:solidFill>
-                        <a:srgbClr val="A4A4A4"/>
-                      </a:solidFill>
-                      <a:prstDash val="solid"/>
-                    </a:lnB>
-                  </a:tcPr>
-                </a:tc>
-                <a:tc>
-                  <a:txBody>
-                    <a:bodyPr/>
-                    <a:lstStyle/>
-                    <a:p>
-                      <a:pPr marR="341630" algn="r">
-                        <a:lnSpc>
-                          <a:spcPct val="100000"/>
-                        </a:lnSpc>
-                        <a:spcBef>
-                          <a:spcPts val="245"/>
-                        </a:spcBef>
-                      </a:pPr>
-                      <a:r>
-                        <a:rPr sz="1800" spc="-5" dirty="0">
-                          <a:latin typeface="Calibri"/>
-                          <a:cs typeface="Calibri"/>
-                        </a:rPr>
-                        <a:t>102885</a:t>
-                      </a:r>
-                      <a:endParaRPr sz="1800">
-                        <a:latin typeface="Calibri"/>
-                        <a:cs typeface="Calibri"/>
-                      </a:endParaRPr>
-                    </a:p>
-                  </a:txBody>
-                  <a:tcPr marL="0" marR="0" marT="31115" marB="0">
-                    <a:lnR w="6350">
-                      <a:solidFill>
-                        <a:srgbClr val="A4A4A4"/>
-                      </a:solidFill>
-                      <a:prstDash val="solid"/>
-                    </a:lnR>
-                    <a:lnT w="6350">
-                      <a:solidFill>
-                        <a:srgbClr val="A4A4A4"/>
-                      </a:solidFill>
-                      <a:prstDash val="solid"/>
-                    </a:lnT>
-                    <a:lnB w="6350">
-                      <a:solidFill>
-                        <a:srgbClr val="A4A4A4"/>
-                      </a:solidFill>
-                      <a:prstDash val="solid"/>
-                    </a:lnB>
-                  </a:tcPr>
-                </a:tc>
-                <a:extLst>
-                  <a:ext uri="{0D108BD9-81ED-4DB2-BD59-A6C34878D82A}">
-                    <a16:rowId xmlns:a16="http://schemas.microsoft.com/office/drawing/2014/main" val="10001"/>
-                  </a:ext>
-                </a:extLst>
-              </a:tr>
-              <a:tr h="370789">
-                <a:tc>
-                  <a:txBody>
-                    <a:bodyPr/>
-                    <a:lstStyle/>
-                    <a:p>
-                      <a:pPr marL="91440">
-                        <a:lnSpc>
-                          <a:spcPct val="100000"/>
-                        </a:lnSpc>
-                        <a:spcBef>
-                          <a:spcPts val="270"/>
-                        </a:spcBef>
-                      </a:pPr>
-                      <a:r>
-                        <a:rPr sz="1800" spc="-5" dirty="0">
-                          <a:latin typeface="Calibri"/>
-                          <a:cs typeface="Calibri"/>
-                        </a:rPr>
-                        <a:t>RICARDO</a:t>
-                      </a:r>
-                      <a:r>
-                        <a:rPr sz="1800" spc="-15" dirty="0">
-                          <a:latin typeface="Calibri"/>
-                          <a:cs typeface="Calibri"/>
-                        </a:rPr>
-                        <a:t> </a:t>
-                      </a:r>
-                      <a:r>
-                        <a:rPr sz="1800" spc="-5" dirty="0">
-                          <a:latin typeface="Calibri"/>
-                          <a:cs typeface="Calibri"/>
-                        </a:rPr>
-                        <a:t>JORGE</a:t>
-                      </a:r>
-                      <a:r>
-                        <a:rPr sz="1800" spc="-10" dirty="0">
-                          <a:latin typeface="Calibri"/>
-                          <a:cs typeface="Calibri"/>
-                        </a:rPr>
-                        <a:t> SANTOS</a:t>
-                      </a:r>
-                      <a:r>
-                        <a:rPr sz="1800" spc="-45" dirty="0">
-                          <a:latin typeface="Calibri"/>
-                          <a:cs typeface="Calibri"/>
-                        </a:rPr>
-                        <a:t> </a:t>
-                      </a:r>
-                      <a:r>
-                        <a:rPr sz="1800" spc="-15" dirty="0">
-                          <a:latin typeface="Calibri"/>
-                          <a:cs typeface="Calibri"/>
-                        </a:rPr>
-                        <a:t>PINTO</a:t>
-                      </a:r>
-                      <a:endParaRPr sz="1800" dirty="0">
-                        <a:latin typeface="Calibri"/>
-                        <a:cs typeface="Calibri"/>
-                      </a:endParaRPr>
-                    </a:p>
-                  </a:txBody>
-                  <a:tcPr marL="0" marR="0" marT="34290" marB="0">
-                    <a:lnL w="6350">
-                      <a:solidFill>
-                        <a:srgbClr val="A4A4A4"/>
-                      </a:solidFill>
-                      <a:prstDash val="solid"/>
-                    </a:lnL>
-                    <a:lnT w="6350">
-                      <a:solidFill>
-                        <a:srgbClr val="A4A4A4"/>
-                      </a:solidFill>
-                      <a:prstDash val="solid"/>
-                    </a:lnT>
-                    <a:lnB w="6350" cap="flat" cmpd="sng" algn="ctr">
-                      <a:solidFill>
-                        <a:srgbClr val="A4A4A4"/>
-                      </a:solidFill>
-                      <a:prstDash val="solid"/>
-                      <a:round/>
-                      <a:headEnd type="none" w="med" len="med"/>
-                      <a:tailEnd type="none" w="med" len="med"/>
-                    </a:lnB>
-                  </a:tcPr>
-                </a:tc>
-                <a:tc>
-                  <a:txBody>
-                    <a:bodyPr/>
-                    <a:lstStyle/>
-                    <a:p>
-                      <a:pPr marR="341630" algn="r">
-                        <a:lnSpc>
-                          <a:spcPct val="100000"/>
-                        </a:lnSpc>
-                        <a:spcBef>
-                          <a:spcPts val="270"/>
-                        </a:spcBef>
-                      </a:pPr>
-                      <a:r>
-                        <a:rPr sz="1800" spc="-5" dirty="0">
-                          <a:latin typeface="Calibri"/>
-                          <a:cs typeface="Calibri"/>
-                        </a:rPr>
-                        <a:t>103078</a:t>
-                      </a:r>
-                      <a:endParaRPr sz="1800" dirty="0">
-                        <a:latin typeface="Calibri"/>
-                        <a:cs typeface="Calibri"/>
-                      </a:endParaRPr>
-                    </a:p>
-                  </a:txBody>
-                  <a:tcPr marL="0" marR="0" marT="34290" marB="0">
-                    <a:lnR w="6350">
-                      <a:solidFill>
-                        <a:srgbClr val="A4A4A4"/>
-                      </a:solidFill>
-                      <a:prstDash val="solid"/>
-                    </a:lnR>
-                    <a:lnT w="6350">
-                      <a:solidFill>
-                        <a:srgbClr val="A4A4A4"/>
-                      </a:solidFill>
-                      <a:prstDash val="solid"/>
-                    </a:lnT>
-                    <a:lnB w="6350" cap="flat" cmpd="sng" algn="ctr">
-                      <a:solidFill>
-                        <a:srgbClr val="A4A4A4"/>
-                      </a:solidFill>
-                      <a:prstDash val="solid"/>
-                      <a:round/>
-                      <a:headEnd type="none" w="med" len="med"/>
-                      <a:tailEnd type="none" w="med" len="med"/>
-                    </a:lnB>
-                  </a:tcPr>
-                </a:tc>
-                <a:extLst>
-                  <a:ext uri="{0D108BD9-81ED-4DB2-BD59-A6C34878D82A}">
-                    <a16:rowId xmlns:a16="http://schemas.microsoft.com/office/drawing/2014/main" val="10002"/>
-                  </a:ext>
-                </a:extLst>
-              </a:tr>
-              <a:tr h="370789">
-                <a:tc>
-                  <a:txBody>
-                    <a:bodyPr/>
-                    <a:lstStyle/>
-                    <a:p>
-                      <a:pPr marL="91440">
-                        <a:lnSpc>
-                          <a:spcPct val="100000"/>
-                        </a:lnSpc>
-                        <a:spcBef>
-                          <a:spcPts val="270"/>
-                        </a:spcBef>
-                      </a:pPr>
-                      <a:r>
-                        <a:rPr lang="pt-PT" dirty="0"/>
-                        <a:t>JOÃO RICARDO PAÇO MATOS</a:t>
-                      </a:r>
-                      <a:endParaRPr sz="1800" dirty="0">
-                        <a:latin typeface="Calibri"/>
-                        <a:cs typeface="Calibri"/>
-                      </a:endParaRPr>
-                    </a:p>
-                  </a:txBody>
-                  <a:tcPr marL="0" marR="0" marT="34290" marB="0">
-                    <a:lnL w="6350">
-                      <a:solidFill>
-                        <a:srgbClr val="A4A4A4"/>
-                      </a:solidFill>
-                      <a:prstDash val="solid"/>
-                    </a:lnL>
-                    <a:lnT w="6350">
-                      <a:solidFill>
-                        <a:srgbClr val="A4A4A4"/>
-                      </a:solidFill>
-                      <a:prstDash val="solid"/>
-                    </a:lnT>
-                    <a:lnB w="6350">
-                      <a:solidFill>
-                        <a:srgbClr val="A4A4A4"/>
-                      </a:solidFill>
-                      <a:prstDash val="solid"/>
-                    </a:lnB>
-                  </a:tcPr>
-                </a:tc>
-                <a:tc>
-                  <a:txBody>
-                    <a:bodyPr/>
-                    <a:lstStyle/>
-                    <a:p>
-                      <a:pPr marR="341630" algn="r">
-                        <a:lnSpc>
-                          <a:spcPct val="100000"/>
-                        </a:lnSpc>
-                        <a:spcBef>
-                          <a:spcPts val="270"/>
-                        </a:spcBef>
-                      </a:pPr>
-                      <a:r>
-                        <a:rPr lang="pt-PT" sz="1800" dirty="0">
-                          <a:latin typeface="Arial"/>
-                          <a:cs typeface="Calibri"/>
-                        </a:rPr>
-                        <a:t>103182</a:t>
-                      </a:r>
-                      <a:endParaRPr sz="1800" dirty="0">
-                        <a:latin typeface="Calibri"/>
-                        <a:cs typeface="Calibri"/>
-                      </a:endParaRPr>
-                    </a:p>
-                  </a:txBody>
-                  <a:tcPr marL="0" marR="0" marT="34290" marB="0">
-                    <a:lnR w="6350">
-                      <a:solidFill>
-                        <a:srgbClr val="A4A4A4"/>
-                      </a:solidFill>
-                      <a:prstDash val="solid"/>
-                    </a:lnR>
-                    <a:lnT w="6350">
-                      <a:solidFill>
-                        <a:srgbClr val="A4A4A4"/>
-                      </a:solidFill>
-                      <a:prstDash val="solid"/>
-                    </a:lnT>
-                    <a:lnB w="6350">
-                      <a:solidFill>
-                        <a:srgbClr val="A4A4A4"/>
-                      </a:solidFill>
-                      <a:prstDash val="solid"/>
-                    </a:lnB>
-                  </a:tcPr>
-                </a:tc>
-                <a:extLst>
-                  <a:ext uri="{0D108BD9-81ED-4DB2-BD59-A6C34878D82A}">
-                    <a16:rowId xmlns:a16="http://schemas.microsoft.com/office/drawing/2014/main" val="3169058911"/>
-                  </a:ext>
-                </a:extLst>
-              </a:tr>
-            </a:tbl>
-          </a:graphicData>
-        </a:graphic>
-      </p:graphicFrame>
+      </p:pic>
     </p:spTree>
+    <p:extLst>
+      <p:ext uri="{BB962C8B-B14F-4D97-AF65-F5344CB8AC3E}">
+        <p14:creationId xmlns:p14="http://schemas.microsoft.com/office/powerpoint/2010/main" val="121631737"/>
+      </p:ext>
+    </p:extLst>
   </p:cSld>
   <p:clrMapOvr>
     <a:masterClrMapping/>
@@ -3178,262 +2545,6 @@
 </file>
 
 <file path=ppt/slides/slide3.xml><?xml version="1.0" encoding="utf-8"?>
-<p:sld xmlns:a="http://schemas.openxmlformats.org/drawingml/2006/main" xmlns:r="http://schemas.openxmlformats.org/officeDocument/2006/relationships" xmlns:p="http://schemas.openxmlformats.org/presentationml/2006/main">
-  <p:cSld>
-    <p:spTree>
-      <p:nvGrpSpPr>
-        <p:cNvPr id="1" name=""/>
-        <p:cNvGrpSpPr/>
-        <p:nvPr/>
-      </p:nvGrpSpPr>
-      <p:grpSpPr>
-        <a:xfrm>
-          <a:off x="0" y="0"/>
-          <a:ext cx="0" cy="0"/>
-          <a:chOff x="0" y="0"/>
-          <a:chExt cx="0" cy="0"/>
-        </a:xfrm>
-      </p:grpSpPr>
-      <p:sp>
-        <p:nvSpPr>
-          <p:cNvPr id="2" name="Título 1">
-            <a:extLst>
-              <a:ext uri="{FF2B5EF4-FFF2-40B4-BE49-F238E27FC236}">
-                <a16:creationId xmlns:a16="http://schemas.microsoft.com/office/drawing/2014/main" id="{36D3FD89-1446-FF1A-2ADD-A1F89E5EFBA9}"/>
-              </a:ext>
-            </a:extLst>
-          </p:cNvPr>
-          <p:cNvSpPr>
-            <a:spLocks noGrp="1"/>
-          </p:cNvSpPr>
-          <p:nvPr>
-            <p:ph type="title"/>
-          </p:nvPr>
-        </p:nvSpPr>
-        <p:spPr/>
-        <p:txBody>
-          <a:bodyPr/>
-          <a:lstStyle/>
-          <a:p>
-            <a:r>
-              <a:rPr lang="pt-PT" dirty="0" err="1">
-                <a:latin typeface="+mj-lt"/>
-              </a:rPr>
-              <a:t>Goals</a:t>
-            </a:r>
-            <a:endParaRPr lang="pt-PT" dirty="0">
-              <a:latin typeface="+mj-lt"/>
-            </a:endParaRPr>
-          </a:p>
-        </p:txBody>
-      </p:sp>
-      <p:sp>
-        <p:nvSpPr>
-          <p:cNvPr id="3" name="Marcador de Posição do Texto 2">
-            <a:extLst>
-              <a:ext uri="{FF2B5EF4-FFF2-40B4-BE49-F238E27FC236}">
-                <a16:creationId xmlns:a16="http://schemas.microsoft.com/office/drawing/2014/main" id="{F0B85A34-97D5-5848-7028-080AA0290CDB}"/>
-              </a:ext>
-            </a:extLst>
-          </p:cNvPr>
-          <p:cNvSpPr>
-            <a:spLocks noGrp="1"/>
-          </p:cNvSpPr>
-          <p:nvPr>
-            <p:ph type="body" idx="1"/>
-          </p:nvPr>
-        </p:nvSpPr>
-        <p:spPr>
-          <a:xfrm>
-            <a:off x="916939" y="1773682"/>
-            <a:ext cx="10358120" cy="4339650"/>
-          </a:xfrm>
-        </p:spPr>
-        <p:txBody>
-          <a:bodyPr/>
-          <a:lstStyle/>
-          <a:p>
-            <a:pPr marL="342900" indent="-342900">
-              <a:buFont typeface="Arial" panose="020B0604020202020204" pitchFamily="34" charset="0"/>
-              <a:buChar char="•"/>
-            </a:pPr>
-            <a:r>
-              <a:rPr lang="en-US" sz="2400" dirty="0">
-                <a:latin typeface="Calibri Light" panose="020F0302020204030204" pitchFamily="34" charset="0"/>
-                <a:ea typeface="Calibri Light" panose="020F0302020204030204" pitchFamily="34" charset="0"/>
-                <a:cs typeface="Calibri Light" panose="020F0302020204030204" pitchFamily="34" charset="0"/>
-              </a:rPr>
-              <a:t>AI text detector (real time) as a browser extension</a:t>
-            </a:r>
-          </a:p>
-          <a:p>
-            <a:endParaRPr lang="en-US" sz="2400" dirty="0">
-              <a:latin typeface="Calibri Light" panose="020F0302020204030204" pitchFamily="34" charset="0"/>
-              <a:ea typeface="Calibri Light" panose="020F0302020204030204" pitchFamily="34" charset="0"/>
-              <a:cs typeface="Calibri Light" panose="020F0302020204030204" pitchFamily="34" charset="0"/>
-            </a:endParaRPr>
-          </a:p>
-          <a:p>
-            <a:pPr marL="342900" indent="-342900">
-              <a:buFont typeface="Arial" panose="020B0604020202020204" pitchFamily="34" charset="0"/>
-              <a:buChar char="•"/>
-            </a:pPr>
-            <a:r>
-              <a:rPr lang="en-US" sz="2400" dirty="0">
-                <a:latin typeface="Calibri Light" panose="020F0302020204030204" pitchFamily="34" charset="0"/>
-                <a:ea typeface="Calibri Light" panose="020F0302020204030204" pitchFamily="34" charset="0"/>
-                <a:cs typeface="Calibri Light" panose="020F0302020204030204" pitchFamily="34" charset="0"/>
-              </a:rPr>
-              <a:t>For any web user</a:t>
-            </a:r>
-          </a:p>
-          <a:p>
-            <a:endParaRPr lang="en-US" sz="2400" dirty="0">
-              <a:latin typeface="Calibri Light" panose="020F0302020204030204" pitchFamily="34" charset="0"/>
-              <a:ea typeface="Calibri Light" panose="020F0302020204030204" pitchFamily="34" charset="0"/>
-              <a:cs typeface="Calibri Light" panose="020F0302020204030204" pitchFamily="34" charset="0"/>
-            </a:endParaRPr>
-          </a:p>
-          <a:p>
-            <a:pPr marL="342900" indent="-342900">
-              <a:buFont typeface="Arial" panose="020B0604020202020204" pitchFamily="34" charset="0"/>
-              <a:buChar char="•"/>
-            </a:pPr>
-            <a:r>
-              <a:rPr lang="en-US" sz="2400" dirty="0">
-                <a:latin typeface="Calibri Light" panose="020F0302020204030204" pitchFamily="34" charset="0"/>
-                <a:ea typeface="Calibri Light" panose="020F0302020204030204" pitchFamily="34" charset="0"/>
-                <a:cs typeface="Calibri Light" panose="020F0302020204030204" pitchFamily="34" charset="0"/>
-              </a:rPr>
-              <a:t>Better web surfing experience</a:t>
-            </a:r>
-          </a:p>
-          <a:p>
-            <a:endParaRPr lang="en-US" sz="2400" dirty="0">
-              <a:latin typeface="Calibri Light" panose="020F0302020204030204" pitchFamily="34" charset="0"/>
-              <a:ea typeface="Calibri Light" panose="020F0302020204030204" pitchFamily="34" charset="0"/>
-              <a:cs typeface="Calibri Light" panose="020F0302020204030204" pitchFamily="34" charset="0"/>
-            </a:endParaRPr>
-          </a:p>
-          <a:p>
-            <a:pPr marL="342900" indent="-342900">
-              <a:buFont typeface="Arial" panose="020B0604020202020204" pitchFamily="34" charset="0"/>
-              <a:buChar char="•"/>
-            </a:pPr>
-            <a:r>
-              <a:rPr lang="en-US" sz="2400" dirty="0">
-                <a:latin typeface="Calibri Light" panose="020F0302020204030204" pitchFamily="34" charset="0"/>
-                <a:ea typeface="Calibri Light" panose="020F0302020204030204" pitchFamily="34" charset="0"/>
-                <a:cs typeface="Calibri Light" panose="020F0302020204030204" pitchFamily="34" charset="0"/>
-              </a:rPr>
-              <a:t>PDF documents</a:t>
-            </a:r>
-          </a:p>
-          <a:p>
-            <a:endParaRPr lang="en-US" sz="2400" dirty="0">
-              <a:latin typeface="Calibri Light" panose="020F0302020204030204" pitchFamily="34" charset="0"/>
-              <a:ea typeface="Calibri Light" panose="020F0302020204030204" pitchFamily="34" charset="0"/>
-              <a:cs typeface="Calibri Light" panose="020F0302020204030204" pitchFamily="34" charset="0"/>
-            </a:endParaRPr>
-          </a:p>
-          <a:p>
-            <a:pPr marL="342900" indent="-342900">
-              <a:buFont typeface="Arial" panose="020B0604020202020204" pitchFamily="34" charset="0"/>
-              <a:buChar char="•"/>
-            </a:pPr>
-            <a:r>
-              <a:rPr lang="en-US" sz="2400" dirty="0">
-                <a:latin typeface="Calibri Light" panose="020F0302020204030204" pitchFamily="34" charset="0"/>
-                <a:ea typeface="Calibri Light" panose="020F0302020204030204" pitchFamily="34" charset="0"/>
-                <a:cs typeface="Calibri Light" panose="020F0302020204030204" pitchFamily="34" charset="0"/>
-              </a:rPr>
-              <a:t>Flexible - language models and metrics</a:t>
-            </a:r>
-          </a:p>
-          <a:p>
-            <a:endParaRPr lang="en-US" sz="2400" dirty="0">
-              <a:latin typeface="Calibri Light" panose="020F0302020204030204" pitchFamily="34" charset="0"/>
-              <a:ea typeface="Calibri Light" panose="020F0302020204030204" pitchFamily="34" charset="0"/>
-              <a:cs typeface="Calibri Light" panose="020F0302020204030204" pitchFamily="34" charset="0"/>
-            </a:endParaRPr>
-          </a:p>
-          <a:p>
-            <a:pPr marL="342900" indent="-342900">
-              <a:buFont typeface="Arial" panose="020B0604020202020204" pitchFamily="34" charset="0"/>
-              <a:buChar char="•"/>
-            </a:pPr>
-            <a:r>
-              <a:rPr lang="en-US" sz="2400" dirty="0">
-                <a:latin typeface="Calibri Light" panose="020F0302020204030204" pitchFamily="34" charset="0"/>
-                <a:ea typeface="Calibri Light" panose="020F0302020204030204" pitchFamily="34" charset="0"/>
-                <a:cs typeface="Calibri Light" panose="020F0302020204030204" pitchFamily="34" charset="0"/>
-              </a:rPr>
-              <a:t>Website showing our work</a:t>
-            </a:r>
-          </a:p>
-          <a:p>
-            <a:endParaRPr lang="pt-PT" dirty="0"/>
-          </a:p>
-        </p:txBody>
-      </p:sp>
-      <p:sp>
-        <p:nvSpPr>
-          <p:cNvPr id="4" name="object 4">
-            <a:extLst>
-              <a:ext uri="{FF2B5EF4-FFF2-40B4-BE49-F238E27FC236}">
-                <a16:creationId xmlns:a16="http://schemas.microsoft.com/office/drawing/2014/main" id="{626A2113-7206-1CC1-8865-C76E1E0B5136}"/>
-              </a:ext>
-            </a:extLst>
-          </p:cNvPr>
-          <p:cNvSpPr txBox="1">
-            <a:spLocks noGrp="1"/>
-          </p:cNvSpPr>
-          <p:nvPr>
-            <p:ph type="sldNum" sz="quarter" idx="7"/>
-          </p:nvPr>
-        </p:nvSpPr>
-        <p:spPr>
-          <a:xfrm>
-            <a:off x="11908535" y="6537756"/>
-            <a:ext cx="231140" cy="330200"/>
-          </a:xfrm>
-          <a:prstGeom prst="rect">
-            <a:avLst/>
-          </a:prstGeom>
-        </p:spPr>
-        <p:txBody>
-          <a:bodyPr vert="horz" wrap="square" lIns="0" tIns="0" rIns="0" bIns="0" rtlCol="0">
-            <a:spAutoFit/>
-          </a:bodyPr>
-          <a:lstStyle/>
-          <a:p>
-            <a:pPr marL="38100">
-              <a:lnSpc>
-                <a:spcPts val="2380"/>
-              </a:lnSpc>
-            </a:pPr>
-            <a:fld id="{81D60167-4931-47E6-BA6A-407CBD079E47}" type="slidenum">
-              <a:rPr dirty="0"/>
-              <a:t>3</a:t>
-            </a:fld>
-            <a:endParaRPr dirty="0"/>
-          </a:p>
-        </p:txBody>
-      </p:sp>
-    </p:spTree>
-    <p:extLst>
-      <p:ext uri="{BB962C8B-B14F-4D97-AF65-F5344CB8AC3E}">
-        <p14:creationId xmlns:p14="http://schemas.microsoft.com/office/powerpoint/2010/main" val="2149066390"/>
-      </p:ext>
-    </p:extLst>
-  </p:cSld>
-  <p:clrMapOvr>
-    <a:masterClrMapping/>
-  </p:clrMapOvr>
-</p:sld>
-</file>
-
-<file path=ppt/slides/slide4.xml><?xml version="1.0" encoding="utf-8"?>
 <p:sld xmlns:a="http://schemas.openxmlformats.org/drawingml/2006/main" xmlns:r="http://schemas.openxmlformats.org/officeDocument/2006/relationships" xmlns:p="http://schemas.openxmlformats.org/presentationml/2006/main">
   <p:cSld>
     <p:spTree>
@@ -4577,7 +3688,7 @@
             </a:pPr>
             <a:fld id="{81D60167-4931-47E6-BA6A-407CBD079E47}" type="slidenum">
               <a:rPr dirty="0"/>
-              <a:t>4</a:t>
+              <a:t>3</a:t>
             </a:fld>
             <a:endParaRPr dirty="0"/>
           </a:p>
@@ -4596,7 +3707,1037 @@
 </p:sld>
 </file>
 
+<file path=ppt/slides/slide4.xml><?xml version="1.0" encoding="utf-8"?>
+<p:sld xmlns:a="http://schemas.openxmlformats.org/drawingml/2006/main" xmlns:r="http://schemas.openxmlformats.org/officeDocument/2006/relationships" xmlns:p="http://schemas.openxmlformats.org/presentationml/2006/main">
+  <p:cSld>
+    <p:spTree>
+      <p:nvGrpSpPr>
+        <p:cNvPr id="1" name=""/>
+        <p:cNvGrpSpPr/>
+        <p:nvPr/>
+      </p:nvGrpSpPr>
+      <p:grpSpPr>
+        <a:xfrm>
+          <a:off x="0" y="0"/>
+          <a:ext cx="0" cy="0"/>
+          <a:chOff x="0" y="0"/>
+          <a:chExt cx="0" cy="0"/>
+        </a:xfrm>
+      </p:grpSpPr>
+      <p:sp>
+        <p:nvSpPr>
+          <p:cNvPr id="2" name="Título 1">
+            <a:extLst>
+              <a:ext uri="{FF2B5EF4-FFF2-40B4-BE49-F238E27FC236}">
+                <a16:creationId xmlns:a16="http://schemas.microsoft.com/office/drawing/2014/main" id="{34D2DC7F-147B-28CC-8152-C6B9EB18ABF4}"/>
+              </a:ext>
+            </a:extLst>
+          </p:cNvPr>
+          <p:cNvSpPr>
+            <a:spLocks noGrp="1"/>
+          </p:cNvSpPr>
+          <p:nvPr>
+            <p:ph type="title"/>
+          </p:nvPr>
+        </p:nvSpPr>
+        <p:spPr>
+          <a:xfrm>
+            <a:off x="916939" y="288834"/>
+            <a:ext cx="10358120" cy="697230"/>
+          </a:xfrm>
+        </p:spPr>
+        <p:txBody>
+          <a:bodyPr/>
+          <a:lstStyle/>
+          <a:p>
+            <a:r>
+              <a:rPr lang="pt-PT" sz="4400" dirty="0" err="1">
+                <a:latin typeface="+mj-lt"/>
+                <a:cs typeface="Arial" panose="020B0604020202020204" pitchFamily="34" charset="0"/>
+              </a:rPr>
+              <a:t>Functional</a:t>
+            </a:r>
+            <a:r>
+              <a:rPr lang="pt-PT" sz="4400" dirty="0">
+                <a:latin typeface="+mj-lt"/>
+                <a:cs typeface="Arial" panose="020B0604020202020204" pitchFamily="34" charset="0"/>
+              </a:rPr>
+              <a:t> </a:t>
+            </a:r>
+            <a:r>
+              <a:rPr lang="pt-PT" sz="4400" dirty="0" err="1">
+                <a:latin typeface="+mj-lt"/>
+                <a:cs typeface="Arial" panose="020B0604020202020204" pitchFamily="34" charset="0"/>
+              </a:rPr>
+              <a:t>requirements</a:t>
+            </a:r>
+            <a:endParaRPr lang="pt-PT" dirty="0">
+              <a:latin typeface="+mj-lt"/>
+              <a:cs typeface="Arial" panose="020B0604020202020204" pitchFamily="34" charset="0"/>
+            </a:endParaRPr>
+          </a:p>
+        </p:txBody>
+      </p:sp>
+      <p:sp>
+        <p:nvSpPr>
+          <p:cNvPr id="3" name="Marcador de Posição do Texto 2">
+            <a:extLst>
+              <a:ext uri="{FF2B5EF4-FFF2-40B4-BE49-F238E27FC236}">
+                <a16:creationId xmlns:a16="http://schemas.microsoft.com/office/drawing/2014/main" id="{AF8953A9-B3E3-9AA3-2A00-7FF1803650A1}"/>
+              </a:ext>
+            </a:extLst>
+          </p:cNvPr>
+          <p:cNvSpPr>
+            <a:spLocks noGrp="1"/>
+          </p:cNvSpPr>
+          <p:nvPr>
+            <p:ph type="body" idx="1"/>
+          </p:nvPr>
+        </p:nvSpPr>
+        <p:spPr>
+          <a:xfrm>
+            <a:off x="916939" y="1339516"/>
+            <a:ext cx="10358120" cy="5816977"/>
+          </a:xfrm>
+        </p:spPr>
+        <p:txBody>
+          <a:bodyPr wrap="square" lIns="0" tIns="0" rIns="0" bIns="0" anchor="t">
+            <a:spAutoFit/>
+          </a:bodyPr>
+          <a:lstStyle/>
+          <a:p>
+            <a:pPr marL="285750" indent="-285750">
+              <a:buFont typeface="Arial" panose="020B0604020202020204" pitchFamily="34" charset="0"/>
+              <a:buChar char="•"/>
+            </a:pPr>
+            <a:r>
+              <a:rPr lang="pt-PT" sz="2400" dirty="0" err="1">
+                <a:latin typeface="Calibri Light"/>
+                <a:ea typeface="Calibri Light" panose="020F0302020204030204" pitchFamily="34" charset="0"/>
+                <a:cs typeface="Calibri Light"/>
+              </a:rPr>
+              <a:t>Downloadable</a:t>
+            </a:r>
+            <a:r>
+              <a:rPr lang="pt-PT" sz="2400" dirty="0">
+                <a:latin typeface="Calibri Light"/>
+                <a:ea typeface="Calibri Light" panose="020F0302020204030204" pitchFamily="34" charset="0"/>
+                <a:cs typeface="Calibri Light"/>
+              </a:rPr>
+              <a:t> - Chrome</a:t>
+            </a:r>
+            <a:endParaRPr lang="pt-PT" sz="2400" dirty="0">
+              <a:latin typeface="Calibri Light"/>
+              <a:ea typeface="Calibri Light" panose="020F0302020204030204" pitchFamily="34" charset="0"/>
+              <a:cs typeface="Calibri Light" panose="020F0302020204030204" pitchFamily="34" charset="0"/>
+            </a:endParaRPr>
+          </a:p>
+          <a:p>
+            <a:endParaRPr lang="pt-PT" sz="2400" dirty="0">
+              <a:latin typeface="Calibri Light" panose="020F0302020204030204" pitchFamily="34" charset="0"/>
+              <a:ea typeface="Calibri Light" panose="020F0302020204030204" pitchFamily="34" charset="0"/>
+              <a:cs typeface="Calibri Light" panose="020F0302020204030204" pitchFamily="34" charset="0"/>
+            </a:endParaRPr>
+          </a:p>
+          <a:p>
+            <a:pPr marL="285750" indent="-285750">
+              <a:buFont typeface="Arial" panose="020B0604020202020204" pitchFamily="34" charset="0"/>
+              <a:buChar char="•"/>
+            </a:pPr>
+            <a:r>
+              <a:rPr lang="pt-PT" sz="2400" dirty="0" err="1">
+                <a:latin typeface="Calibri Light" panose="020F0302020204030204" pitchFamily="34" charset="0"/>
+                <a:ea typeface="Calibri Light" panose="020F0302020204030204" pitchFamily="34" charset="0"/>
+                <a:cs typeface="Calibri Light" panose="020F0302020204030204" pitchFamily="34" charset="0"/>
+              </a:rPr>
+              <a:t>Overall</a:t>
+            </a:r>
+            <a:r>
+              <a:rPr lang="pt-PT" sz="2400" dirty="0">
+                <a:latin typeface="Calibri Light" panose="020F0302020204030204" pitchFamily="34" charset="0"/>
+                <a:ea typeface="Calibri Light" panose="020F0302020204030204" pitchFamily="34" charset="0"/>
+                <a:cs typeface="Calibri Light" panose="020F0302020204030204" pitchFamily="34" charset="0"/>
+              </a:rPr>
+              <a:t> </a:t>
+            </a:r>
+            <a:r>
+              <a:rPr lang="pt-PT" sz="2400" dirty="0" err="1">
+                <a:latin typeface="Calibri Light" panose="020F0302020204030204" pitchFamily="34" charset="0"/>
+                <a:ea typeface="Calibri Light" panose="020F0302020204030204" pitchFamily="34" charset="0"/>
+                <a:cs typeface="Calibri Light" panose="020F0302020204030204" pitchFamily="34" charset="0"/>
+              </a:rPr>
+              <a:t>evaluation</a:t>
+            </a:r>
+            <a:r>
+              <a:rPr lang="pt-PT" sz="2400" dirty="0">
+                <a:latin typeface="Calibri Light" panose="020F0302020204030204" pitchFamily="34" charset="0"/>
+                <a:ea typeface="Calibri Light" panose="020F0302020204030204" pitchFamily="34" charset="0"/>
+                <a:cs typeface="Calibri Light" panose="020F0302020204030204" pitchFamily="34" charset="0"/>
+              </a:rPr>
+              <a:t> </a:t>
+            </a:r>
+            <a:r>
+              <a:rPr lang="pt-PT" sz="2400" dirty="0" err="1">
+                <a:latin typeface="Calibri Light" panose="020F0302020204030204" pitchFamily="34" charset="0"/>
+                <a:ea typeface="Calibri Light" panose="020F0302020204030204" pitchFamily="34" charset="0"/>
+                <a:cs typeface="Calibri Light" panose="020F0302020204030204" pitchFamily="34" charset="0"/>
+              </a:rPr>
+              <a:t>of</a:t>
+            </a:r>
+            <a:r>
+              <a:rPr lang="pt-PT" sz="2400" dirty="0">
+                <a:latin typeface="Calibri Light" panose="020F0302020204030204" pitchFamily="34" charset="0"/>
+                <a:ea typeface="Calibri Light" panose="020F0302020204030204" pitchFamily="34" charset="0"/>
+                <a:cs typeface="Calibri Light" panose="020F0302020204030204" pitchFamily="34" charset="0"/>
+              </a:rPr>
+              <a:t> </a:t>
+            </a:r>
+            <a:r>
+              <a:rPr lang="pt-PT" sz="2400" dirty="0" err="1">
+                <a:latin typeface="Calibri Light" panose="020F0302020204030204" pitchFamily="34" charset="0"/>
+                <a:ea typeface="Calibri Light" panose="020F0302020204030204" pitchFamily="34" charset="0"/>
+                <a:cs typeface="Calibri Light" panose="020F0302020204030204" pitchFamily="34" charset="0"/>
+              </a:rPr>
+              <a:t>current</a:t>
+            </a:r>
+            <a:r>
+              <a:rPr lang="pt-PT" sz="2400" dirty="0">
+                <a:latin typeface="Calibri Light" panose="020F0302020204030204" pitchFamily="34" charset="0"/>
+                <a:ea typeface="Calibri Light" panose="020F0302020204030204" pitchFamily="34" charset="0"/>
+                <a:cs typeface="Calibri Light" panose="020F0302020204030204" pitchFamily="34" charset="0"/>
+              </a:rPr>
+              <a:t> website </a:t>
+            </a:r>
+            <a:r>
+              <a:rPr lang="pt-PT" sz="2400" dirty="0" err="1">
+                <a:latin typeface="Calibri Light" panose="020F0302020204030204" pitchFamily="34" charset="0"/>
+                <a:ea typeface="Calibri Light" panose="020F0302020204030204" pitchFamily="34" charset="0"/>
+                <a:cs typeface="Calibri Light" panose="020F0302020204030204" pitchFamily="34" charset="0"/>
+              </a:rPr>
+              <a:t>or</a:t>
+            </a:r>
+            <a:r>
+              <a:rPr lang="pt-PT" sz="2400" dirty="0">
+                <a:latin typeface="Calibri Light" panose="020F0302020204030204" pitchFamily="34" charset="0"/>
+                <a:ea typeface="Calibri Light" panose="020F0302020204030204" pitchFamily="34" charset="0"/>
+                <a:cs typeface="Calibri Light" panose="020F0302020204030204" pitchFamily="34" charset="0"/>
+              </a:rPr>
+              <a:t> PDF</a:t>
+            </a:r>
+          </a:p>
+          <a:p>
+            <a:endParaRPr lang="pt-PT" sz="2400" dirty="0">
+              <a:latin typeface="Calibri Light" panose="020F0302020204030204" pitchFamily="34" charset="0"/>
+              <a:ea typeface="Calibri Light" panose="020F0302020204030204" pitchFamily="34" charset="0"/>
+              <a:cs typeface="Calibri Light" panose="020F0302020204030204" pitchFamily="34" charset="0"/>
+            </a:endParaRPr>
+          </a:p>
+          <a:p>
+            <a:pPr marL="285750" indent="-285750">
+              <a:buFont typeface="Arial" panose="020B0604020202020204" pitchFamily="34" charset="0"/>
+              <a:buChar char="•"/>
+            </a:pPr>
+            <a:r>
+              <a:rPr lang="en-US" sz="2400" dirty="0">
+                <a:latin typeface="Calibri Light" panose="020F0302020204030204" pitchFamily="34" charset="0"/>
+                <a:ea typeface="Calibri Light" panose="020F0302020204030204" pitchFamily="34" charset="0"/>
+                <a:cs typeface="Calibri Light" panose="020F0302020204030204" pitchFamily="34" charset="0"/>
+              </a:rPr>
+              <a:t>Highlight suspicious parts of web page or PDF</a:t>
+            </a:r>
+          </a:p>
+          <a:p>
+            <a:pPr marL="285750" indent="-285750">
+              <a:buFont typeface="Arial" panose="020B0604020202020204" pitchFamily="34" charset="0"/>
+              <a:buChar char="•"/>
+            </a:pPr>
+            <a:endParaRPr lang="en-US" sz="2400" dirty="0">
+              <a:latin typeface="Calibri Light" panose="020F0302020204030204" pitchFamily="34" charset="0"/>
+              <a:ea typeface="Calibri Light" panose="020F0302020204030204" pitchFamily="34" charset="0"/>
+              <a:cs typeface="Calibri Light" panose="020F0302020204030204" pitchFamily="34" charset="0"/>
+            </a:endParaRPr>
+          </a:p>
+          <a:p>
+            <a:pPr marL="285750" indent="-285750">
+              <a:buFont typeface="Arial" panose="020B0604020202020204" pitchFamily="34" charset="0"/>
+              <a:buChar char="•"/>
+            </a:pPr>
+            <a:r>
+              <a:rPr lang="en-US" sz="2400" dirty="0">
+                <a:solidFill>
+                  <a:srgbClr val="000000"/>
+                </a:solidFill>
+                <a:latin typeface="Calibri Light"/>
+                <a:ea typeface="Calibri Light" panose="020F0302020204030204" pitchFamily="34" charset="0"/>
+                <a:cs typeface="Calibri Light"/>
+              </a:rPr>
+              <a:t>Select any text and analyze it</a:t>
+            </a:r>
+          </a:p>
+          <a:p>
+            <a:endParaRPr lang="pt-PT" sz="2400" dirty="0">
+              <a:solidFill>
+                <a:srgbClr val="000000"/>
+              </a:solidFill>
+              <a:latin typeface="Calibri Light" panose="020F0302020204030204" pitchFamily="34" charset="0"/>
+              <a:ea typeface="Calibri Light" panose="020F0302020204030204" pitchFamily="34" charset="0"/>
+              <a:cs typeface="Calibri Light" panose="020F0302020204030204" pitchFamily="34" charset="0"/>
+            </a:endParaRPr>
+          </a:p>
+          <a:p>
+            <a:pPr marL="285750" indent="-285750" algn="l">
+              <a:buFont typeface="Arial" panose="020B0604020202020204" pitchFamily="34" charset="0"/>
+              <a:buChar char="•"/>
+            </a:pPr>
+            <a:r>
+              <a:rPr lang="pt-PT" sz="2400" b="0" i="0" dirty="0">
+                <a:solidFill>
+                  <a:srgbClr val="000000"/>
+                </a:solidFill>
+                <a:effectLst/>
+                <a:latin typeface="Calibri Light" panose="020F0302020204030204" pitchFamily="34" charset="0"/>
+                <a:ea typeface="Calibri Light" panose="020F0302020204030204" pitchFamily="34" charset="0"/>
+                <a:cs typeface="Calibri Light" panose="020F0302020204030204" pitchFamily="34" charset="0"/>
+              </a:rPr>
+              <a:t>UI/UX Design</a:t>
+            </a:r>
+            <a:endParaRPr lang="en-US" sz="2400" dirty="0">
+              <a:latin typeface="Calibri Light" panose="020F0302020204030204" pitchFamily="34" charset="0"/>
+              <a:ea typeface="Calibri Light" panose="020F0302020204030204" pitchFamily="34" charset="0"/>
+              <a:cs typeface="Calibri Light" panose="020F0302020204030204" pitchFamily="34" charset="0"/>
+            </a:endParaRPr>
+          </a:p>
+          <a:p>
+            <a:pPr marL="800100" lvl="1" indent="-342900">
+              <a:buFont typeface="Arial" panose="020B0604020202020204" pitchFamily="34" charset="0"/>
+              <a:buChar char="•"/>
+            </a:pPr>
+            <a:r>
+              <a:rPr lang="en-US" sz="2400" dirty="0">
+                <a:latin typeface="Calibri Light"/>
+                <a:ea typeface="Calibri Light" panose="020F0302020204030204" pitchFamily="34" charset="0"/>
+                <a:cs typeface="Calibri Light"/>
+              </a:rPr>
+              <a:t>Turn off/on</a:t>
+            </a:r>
+          </a:p>
+          <a:p>
+            <a:pPr marL="800100" lvl="1" indent="-342900">
+              <a:buFont typeface="Arial" panose="020B0604020202020204" pitchFamily="34" charset="0"/>
+              <a:buChar char="•"/>
+            </a:pPr>
+            <a:r>
+              <a:rPr lang="en-US" sz="2400" dirty="0">
+                <a:latin typeface="Calibri Light"/>
+                <a:ea typeface="Calibri Light" panose="020F0302020204030204" pitchFamily="34" charset="0"/>
+                <a:cs typeface="Calibri Light"/>
+              </a:rPr>
+              <a:t>Select language models</a:t>
+            </a:r>
+          </a:p>
+          <a:p>
+            <a:pPr marL="800100" lvl="1" indent="-342900">
+              <a:buFont typeface="Arial" panose="020B0604020202020204" pitchFamily="34" charset="0"/>
+              <a:buChar char="•"/>
+            </a:pPr>
+            <a:r>
+              <a:rPr lang="en-US" sz="2400" dirty="0">
+                <a:latin typeface="Calibri Light"/>
+                <a:ea typeface="Calibri Light" panose="020F0302020204030204" pitchFamily="34" charset="0"/>
+                <a:cs typeface="Calibri Light"/>
+              </a:rPr>
+              <a:t>Select threshold probabilities</a:t>
+            </a:r>
+          </a:p>
+          <a:p>
+            <a:pPr marL="800100" lvl="1" indent="-342900">
+              <a:buFont typeface="Arial" panose="020B0604020202020204" pitchFamily="34" charset="0"/>
+              <a:buChar char="•"/>
+            </a:pPr>
+            <a:r>
+              <a:rPr lang="en-US" sz="2400" dirty="0">
+                <a:latin typeface="Calibri Light"/>
+                <a:ea typeface="Calibri Light" panose="020F0302020204030204" pitchFamily="34" charset="0"/>
+                <a:cs typeface="Calibri Light"/>
+              </a:rPr>
+              <a:t>Pick highlight color(s)</a:t>
+            </a:r>
+          </a:p>
+          <a:p>
+            <a:endParaRPr lang="pt-PT" sz="2400" dirty="0">
+              <a:latin typeface="Calibri Light" panose="020F0302020204030204" pitchFamily="34" charset="0"/>
+              <a:ea typeface="Calibri Light" panose="020F0302020204030204" pitchFamily="34" charset="0"/>
+              <a:cs typeface="Calibri Light" panose="020F0302020204030204" pitchFamily="34" charset="0"/>
+            </a:endParaRPr>
+          </a:p>
+          <a:p>
+            <a:pPr marL="285750" indent="-285750">
+              <a:buFont typeface="Arial" panose="020B0604020202020204" pitchFamily="34" charset="0"/>
+              <a:buChar char="•"/>
+            </a:pPr>
+            <a:r>
+              <a:rPr lang="en-US" sz="2400" dirty="0">
+                <a:latin typeface="Calibri Light"/>
+                <a:ea typeface="Calibri Light" panose="020F0302020204030204" pitchFamily="34" charset="0"/>
+                <a:cs typeface="Calibri Light"/>
+              </a:rPr>
+              <a:t>Upload LMs – LM Hub</a:t>
+            </a:r>
+            <a:endParaRPr lang="en-US" sz="2400" dirty="0">
+              <a:latin typeface="Calibri Light"/>
+              <a:ea typeface="Calibri Light" panose="020F0302020204030204" pitchFamily="34" charset="0"/>
+              <a:cs typeface="Calibri Light" panose="020F0302020204030204" pitchFamily="34" charset="0"/>
+            </a:endParaRPr>
+          </a:p>
+          <a:p>
+            <a:pPr marL="285750" indent="-285750">
+              <a:buFont typeface="Arial" panose="020B0604020202020204" pitchFamily="34" charset="0"/>
+              <a:buChar char="•"/>
+            </a:pPr>
+            <a:endParaRPr lang="pt-PT" dirty="0"/>
+          </a:p>
+        </p:txBody>
+      </p:sp>
+      <p:sp>
+        <p:nvSpPr>
+          <p:cNvPr id="4" name="object 4">
+            <a:extLst>
+              <a:ext uri="{FF2B5EF4-FFF2-40B4-BE49-F238E27FC236}">
+                <a16:creationId xmlns:a16="http://schemas.microsoft.com/office/drawing/2014/main" id="{12F3930D-8B0C-D838-7865-FFA0748E3201}"/>
+              </a:ext>
+            </a:extLst>
+          </p:cNvPr>
+          <p:cNvSpPr txBox="1">
+            <a:spLocks noGrp="1"/>
+          </p:cNvSpPr>
+          <p:nvPr>
+            <p:ph type="sldNum" sz="quarter" idx="7"/>
+          </p:nvPr>
+        </p:nvSpPr>
+        <p:spPr>
+          <a:xfrm>
+            <a:off x="11908535" y="6537756"/>
+            <a:ext cx="231140" cy="330200"/>
+          </a:xfrm>
+          <a:prstGeom prst="rect">
+            <a:avLst/>
+          </a:prstGeom>
+        </p:spPr>
+        <p:txBody>
+          <a:bodyPr vert="horz" wrap="square" lIns="0" tIns="0" rIns="0" bIns="0" rtlCol="0">
+            <a:spAutoFit/>
+          </a:bodyPr>
+          <a:lstStyle/>
+          <a:p>
+            <a:pPr marL="38100">
+              <a:lnSpc>
+                <a:spcPts val="2380"/>
+              </a:lnSpc>
+            </a:pPr>
+            <a:fld id="{81D60167-4931-47E6-BA6A-407CBD079E47}" type="slidenum">
+              <a:rPr dirty="0"/>
+              <a:t>4</a:t>
+            </a:fld>
+            <a:endParaRPr dirty="0"/>
+          </a:p>
+        </p:txBody>
+      </p:sp>
+    </p:spTree>
+    <p:extLst>
+      <p:ext uri="{BB962C8B-B14F-4D97-AF65-F5344CB8AC3E}">
+        <p14:creationId xmlns:p14="http://schemas.microsoft.com/office/powerpoint/2010/main" val="1306777140"/>
+      </p:ext>
+    </p:extLst>
+  </p:cSld>
+  <p:clrMapOvr>
+    <a:masterClrMapping/>
+  </p:clrMapOvr>
+</p:sld>
+</file>
+
 <file path=ppt/slides/slide5.xml><?xml version="1.0" encoding="utf-8"?>
+<p:sld xmlns:a="http://schemas.openxmlformats.org/drawingml/2006/main" xmlns:r="http://schemas.openxmlformats.org/officeDocument/2006/relationships" xmlns:p="http://schemas.openxmlformats.org/presentationml/2006/main">
+  <p:cSld>
+    <p:spTree>
+      <p:nvGrpSpPr>
+        <p:cNvPr id="1" name=""/>
+        <p:cNvGrpSpPr/>
+        <p:nvPr/>
+      </p:nvGrpSpPr>
+      <p:grpSpPr>
+        <a:xfrm>
+          <a:off x="0" y="0"/>
+          <a:ext cx="0" cy="0"/>
+          <a:chOff x="0" y="0"/>
+          <a:chExt cx="0" cy="0"/>
+        </a:xfrm>
+      </p:grpSpPr>
+      <p:sp>
+        <p:nvSpPr>
+          <p:cNvPr id="2" name="Título 1">
+            <a:extLst>
+              <a:ext uri="{FF2B5EF4-FFF2-40B4-BE49-F238E27FC236}">
+                <a16:creationId xmlns:a16="http://schemas.microsoft.com/office/drawing/2014/main" id="{34D2DC7F-147B-28CC-8152-C6B9EB18ABF4}"/>
+              </a:ext>
+            </a:extLst>
+          </p:cNvPr>
+          <p:cNvSpPr>
+            <a:spLocks noGrp="1"/>
+          </p:cNvSpPr>
+          <p:nvPr>
+            <p:ph type="title"/>
+          </p:nvPr>
+        </p:nvSpPr>
+        <p:spPr>
+          <a:xfrm>
+            <a:off x="916939" y="288834"/>
+            <a:ext cx="10358120" cy="697230"/>
+          </a:xfrm>
+        </p:spPr>
+        <p:txBody>
+          <a:bodyPr wrap="square" lIns="0" tIns="0" rIns="0" bIns="0" anchor="t">
+            <a:spAutoFit/>
+          </a:bodyPr>
+          <a:lstStyle/>
+          <a:p>
+            <a:r>
+              <a:rPr lang="pt-PT" dirty="0">
+                <a:latin typeface="+mj-lt"/>
+                <a:cs typeface="Arial"/>
+              </a:rPr>
+              <a:t>Non </a:t>
+            </a:r>
+            <a:r>
+              <a:rPr lang="pt-PT" dirty="0" err="1">
+                <a:latin typeface="+mj-lt"/>
+                <a:cs typeface="Arial"/>
+              </a:rPr>
+              <a:t>functional</a:t>
+            </a:r>
+            <a:r>
+              <a:rPr lang="pt-PT" sz="4400" dirty="0">
+                <a:latin typeface="+mj-lt"/>
+                <a:cs typeface="Arial"/>
+              </a:rPr>
+              <a:t> </a:t>
+            </a:r>
+            <a:r>
+              <a:rPr lang="pt-PT" sz="4400" dirty="0" err="1">
+                <a:latin typeface="+mj-lt"/>
+                <a:cs typeface="Arial"/>
+              </a:rPr>
+              <a:t>requirements</a:t>
+            </a:r>
+            <a:endParaRPr lang="pt-PT" dirty="0">
+              <a:latin typeface="+mj-lt"/>
+              <a:cs typeface="Arial"/>
+            </a:endParaRPr>
+          </a:p>
+        </p:txBody>
+      </p:sp>
+      <p:sp>
+        <p:nvSpPr>
+          <p:cNvPr id="3" name="Marcador de Posição do Texto 2">
+            <a:extLst>
+              <a:ext uri="{FF2B5EF4-FFF2-40B4-BE49-F238E27FC236}">
+                <a16:creationId xmlns:a16="http://schemas.microsoft.com/office/drawing/2014/main" id="{AF8953A9-B3E3-9AA3-2A00-7FF1803650A1}"/>
+              </a:ext>
+            </a:extLst>
+          </p:cNvPr>
+          <p:cNvSpPr>
+            <a:spLocks noGrp="1"/>
+          </p:cNvSpPr>
+          <p:nvPr>
+            <p:ph type="body" idx="1"/>
+          </p:nvPr>
+        </p:nvSpPr>
+        <p:spPr>
+          <a:xfrm>
+            <a:off x="916939" y="1479884"/>
+            <a:ext cx="10358120" cy="5447645"/>
+          </a:xfrm>
+        </p:spPr>
+        <p:txBody>
+          <a:bodyPr wrap="square" lIns="0" tIns="0" rIns="0" bIns="0" anchor="t">
+            <a:spAutoFit/>
+          </a:bodyPr>
+          <a:lstStyle/>
+          <a:p>
+            <a:pPr marL="285750" indent="-285750">
+              <a:buFont typeface="Arial" panose="020B0604020202020204" pitchFamily="34" charset="0"/>
+              <a:buChar char="•"/>
+            </a:pPr>
+            <a:r>
+              <a:rPr lang="pt-PT" sz="2400" dirty="0" err="1">
+                <a:latin typeface="Calibri Light"/>
+                <a:ea typeface="Calibri Light" panose="020F0302020204030204" pitchFamily="34" charset="0"/>
+                <a:cs typeface="Calibri Light"/>
+              </a:rPr>
+              <a:t>Usability</a:t>
+            </a:r>
+            <a:endParaRPr lang="pt-PT" sz="2400">
+              <a:latin typeface="Calibri Light"/>
+              <a:ea typeface="Calibri Light" panose="020F0302020204030204" pitchFamily="34" charset="0"/>
+              <a:cs typeface="Calibri Light" panose="020F0302020204030204" pitchFamily="34" charset="0"/>
+            </a:endParaRPr>
+          </a:p>
+          <a:p>
+            <a:pPr marL="742950" lvl="1" indent="-285750">
+              <a:buFont typeface="Arial" panose="020B0604020202020204" pitchFamily="34" charset="0"/>
+              <a:buChar char="•"/>
+            </a:pPr>
+            <a:r>
+              <a:rPr lang="pt-PT" sz="2400" dirty="0">
+                <a:latin typeface="Calibri Light"/>
+                <a:cs typeface="Calibri Light"/>
+              </a:rPr>
+              <a:t>UI</a:t>
+            </a:r>
+          </a:p>
+          <a:p>
+            <a:pPr marL="742950" lvl="1" indent="-285750">
+              <a:buFont typeface="Arial" panose="020B0604020202020204" pitchFamily="34" charset="0"/>
+              <a:buChar char="•"/>
+            </a:pPr>
+            <a:r>
+              <a:rPr lang="pt-PT" sz="2400" dirty="0" err="1">
+                <a:latin typeface="Calibri Light"/>
+                <a:cs typeface="Calibri Light"/>
+              </a:rPr>
+              <a:t>Extension</a:t>
+            </a:r>
+            <a:r>
+              <a:rPr lang="pt-PT" sz="2400" dirty="0">
+                <a:latin typeface="Calibri Light"/>
+                <a:cs typeface="Calibri Light"/>
+              </a:rPr>
+              <a:t> </a:t>
+            </a:r>
+            <a:r>
+              <a:rPr lang="pt-PT" sz="2400" dirty="0" err="1">
+                <a:latin typeface="Calibri Light"/>
+                <a:cs typeface="Calibri Light"/>
+              </a:rPr>
+              <a:t>settings</a:t>
+            </a:r>
+            <a:endParaRPr lang="pt-PT" sz="2400" dirty="0">
+              <a:latin typeface="Calibri Light"/>
+              <a:cs typeface="Calibri Light"/>
+            </a:endParaRPr>
+          </a:p>
+          <a:p>
+            <a:pPr marL="742950" lvl="1" indent="-285750">
+              <a:buFont typeface="Arial" panose="020B0604020202020204" pitchFamily="34" charset="0"/>
+              <a:buChar char="•"/>
+            </a:pPr>
+            <a:r>
+              <a:rPr lang="pt-PT" sz="2400" dirty="0">
+                <a:latin typeface="Calibri Light"/>
+                <a:cs typeface="Calibri Light"/>
+              </a:rPr>
+              <a:t>LM </a:t>
+            </a:r>
+            <a:r>
+              <a:rPr lang="pt-PT" sz="2400" dirty="0" err="1">
+                <a:latin typeface="Calibri Light"/>
+                <a:cs typeface="Calibri Light"/>
+              </a:rPr>
+              <a:t>Hub</a:t>
+            </a:r>
+            <a:endParaRPr lang="pt-PT" sz="2400">
+              <a:latin typeface="Calibri Light"/>
+              <a:cs typeface="Calibri Light"/>
+            </a:endParaRPr>
+          </a:p>
+          <a:p>
+            <a:pPr marL="742950" lvl="1" indent="-285750">
+              <a:buFont typeface="Arial" panose="020B0604020202020204" pitchFamily="34" charset="0"/>
+              <a:buChar char="•"/>
+            </a:pPr>
+            <a:endParaRPr lang="pt-PT" sz="2400" dirty="0">
+              <a:latin typeface="Calibri Light"/>
+              <a:cs typeface="Calibri Light"/>
+            </a:endParaRPr>
+          </a:p>
+          <a:p>
+            <a:pPr marL="285750" indent="-285750">
+              <a:buFont typeface="Arial,Sans-Serif" panose="020B0604020202020204" pitchFamily="34" charset="0"/>
+              <a:buChar char="•"/>
+            </a:pPr>
+            <a:r>
+              <a:rPr lang="pt-PT" sz="2400" dirty="0">
+                <a:latin typeface="Calibri Light"/>
+                <a:cs typeface="Calibri Light"/>
+              </a:rPr>
+              <a:t>Performance</a:t>
+            </a:r>
+            <a:endParaRPr lang="pt-PT" sz="2400">
+              <a:latin typeface="Calibri Light"/>
+              <a:ea typeface="+mn-lt"/>
+              <a:cs typeface="+mn-lt"/>
+            </a:endParaRPr>
+          </a:p>
+          <a:p>
+            <a:pPr marL="742950" lvl="1" indent="-285750">
+              <a:buFont typeface="Arial,Sans-Serif" panose="020B0604020202020204" pitchFamily="34" charset="0"/>
+              <a:buChar char="•"/>
+            </a:pPr>
+            <a:r>
+              <a:rPr lang="pt-PT" sz="2400" dirty="0" err="1">
+                <a:latin typeface="Calibri Light"/>
+                <a:cs typeface="Calibri Light"/>
+              </a:rPr>
+              <a:t>Efficient</a:t>
+            </a:r>
+            <a:r>
+              <a:rPr lang="pt-PT" sz="2400" dirty="0">
+                <a:latin typeface="Calibri Light"/>
+                <a:cs typeface="Calibri Light"/>
+              </a:rPr>
+              <a:t> </a:t>
+            </a:r>
+            <a:r>
+              <a:rPr lang="pt-PT" sz="2400" dirty="0" err="1">
+                <a:latin typeface="Calibri Light"/>
+                <a:cs typeface="Calibri Light"/>
+              </a:rPr>
+              <a:t>and</a:t>
+            </a:r>
+            <a:r>
+              <a:rPr lang="pt-PT" sz="2400" dirty="0">
+                <a:latin typeface="Calibri Light"/>
+                <a:cs typeface="Calibri Light"/>
+              </a:rPr>
+              <a:t> fast </a:t>
+            </a:r>
+            <a:r>
+              <a:rPr lang="pt-PT" sz="2400" dirty="0" err="1">
+                <a:latin typeface="Calibri Light"/>
+                <a:cs typeface="Calibri Light"/>
+              </a:rPr>
+              <a:t>even</a:t>
+            </a:r>
+            <a:r>
+              <a:rPr lang="pt-PT" sz="2400" dirty="0">
+                <a:latin typeface="Calibri Light"/>
+                <a:cs typeface="Calibri Light"/>
+              </a:rPr>
+              <a:t> </a:t>
+            </a:r>
+            <a:r>
+              <a:rPr lang="pt-PT" sz="2400" dirty="0" err="1">
+                <a:latin typeface="Calibri Light"/>
+                <a:cs typeface="Calibri Light"/>
+              </a:rPr>
+              <a:t>on</a:t>
+            </a:r>
+            <a:r>
+              <a:rPr lang="pt-PT" sz="2400" dirty="0">
+                <a:latin typeface="Calibri Light"/>
+                <a:cs typeface="Calibri Light"/>
+              </a:rPr>
+              <a:t> </a:t>
+            </a:r>
+            <a:r>
+              <a:rPr lang="pt-PT" sz="2400" dirty="0" err="1">
+                <a:latin typeface="Calibri Light"/>
+                <a:cs typeface="Calibri Light"/>
+              </a:rPr>
+              <a:t>long</a:t>
+            </a:r>
+            <a:r>
+              <a:rPr lang="pt-PT" sz="2400" dirty="0">
+                <a:latin typeface="Calibri Light"/>
+                <a:cs typeface="Calibri Light"/>
+              </a:rPr>
+              <a:t> web </a:t>
+            </a:r>
+            <a:r>
+              <a:rPr lang="pt-PT" sz="2400" dirty="0" err="1">
+                <a:latin typeface="Calibri Light"/>
+                <a:cs typeface="Calibri Light"/>
+              </a:rPr>
+              <a:t>pages</a:t>
+            </a:r>
+            <a:r>
+              <a:rPr lang="pt-PT" sz="2400" dirty="0">
+                <a:latin typeface="Calibri Light"/>
+                <a:cs typeface="Calibri Light"/>
+              </a:rPr>
+              <a:t> </a:t>
+            </a:r>
+            <a:r>
+              <a:rPr lang="pt-PT" sz="2400" dirty="0" err="1">
+                <a:latin typeface="Calibri Light"/>
+                <a:cs typeface="Calibri Light"/>
+              </a:rPr>
+              <a:t>and</a:t>
+            </a:r>
+            <a:r>
+              <a:rPr lang="pt-PT" sz="2400" dirty="0">
+                <a:latin typeface="Calibri Light"/>
+                <a:cs typeface="Calibri Light"/>
+              </a:rPr>
+              <a:t> </a:t>
+            </a:r>
+            <a:r>
+              <a:rPr lang="pt-PT" sz="2400" dirty="0" err="1">
+                <a:latin typeface="Calibri Light"/>
+                <a:cs typeface="Calibri Light"/>
+              </a:rPr>
+              <a:t>PDFs</a:t>
+            </a:r>
+          </a:p>
+          <a:p>
+            <a:pPr marL="742950" lvl="1" indent="-285750">
+              <a:buFont typeface="Arial,Sans-Serif" panose="020B0604020202020204" pitchFamily="34" charset="0"/>
+              <a:buChar char="•"/>
+            </a:pPr>
+            <a:endParaRPr lang="pt-PT" sz="2400" dirty="0">
+              <a:latin typeface="Calibri Light"/>
+              <a:cs typeface="Calibri Light"/>
+            </a:endParaRPr>
+          </a:p>
+          <a:p>
+            <a:pPr marL="285750" indent="-285750">
+              <a:buFont typeface="Arial,Sans-Serif" panose="020B0604020202020204" pitchFamily="34" charset="0"/>
+              <a:buChar char="•"/>
+            </a:pPr>
+            <a:r>
+              <a:rPr lang="pt-PT" sz="2400" dirty="0" err="1">
+                <a:latin typeface="Calibri Light"/>
+                <a:cs typeface="Calibri Light"/>
+              </a:rPr>
+              <a:t>Reliability</a:t>
+            </a:r>
+            <a:endParaRPr lang="pt-PT" sz="2400">
+              <a:latin typeface="Calibri Light"/>
+              <a:ea typeface="+mn-lt"/>
+              <a:cs typeface="+mn-lt"/>
+            </a:endParaRPr>
+          </a:p>
+          <a:p>
+            <a:pPr marL="742950" lvl="1" indent="-285750">
+              <a:buFont typeface="Arial,Sans-Serif" panose="020B0604020202020204" pitchFamily="34" charset="0"/>
+              <a:buChar char="•"/>
+            </a:pPr>
+            <a:r>
+              <a:rPr lang="pt-PT" sz="2400" dirty="0" err="1">
+                <a:latin typeface="Calibri Light"/>
+                <a:cs typeface="Calibri Light"/>
+              </a:rPr>
+              <a:t>Accurate</a:t>
+            </a:r>
+            <a:r>
+              <a:rPr lang="pt-PT" sz="2400" dirty="0">
+                <a:latin typeface="Calibri Light"/>
+                <a:cs typeface="Calibri Light"/>
+              </a:rPr>
+              <a:t> </a:t>
+            </a:r>
+            <a:r>
+              <a:rPr lang="pt-PT" sz="2400" dirty="0" err="1">
+                <a:latin typeface="Calibri Light"/>
+                <a:cs typeface="Calibri Light"/>
+              </a:rPr>
+              <a:t>detection</a:t>
+            </a:r>
+            <a:endParaRPr lang="pt-PT" sz="2400" dirty="0">
+              <a:latin typeface="Calibri Light"/>
+              <a:cs typeface="Calibri Light"/>
+            </a:endParaRPr>
+          </a:p>
+          <a:p>
+            <a:pPr marL="742950" lvl="1" indent="-285750">
+              <a:buFont typeface="Arial,Sans-Serif" panose="020B0604020202020204" pitchFamily="34" charset="0"/>
+              <a:buChar char="•"/>
+            </a:pPr>
+            <a:r>
+              <a:rPr lang="pt-PT" sz="2400" dirty="0" err="1">
+                <a:latin typeface="Calibri Light"/>
+                <a:cs typeface="Calibri Light"/>
+              </a:rPr>
+              <a:t>Reduced</a:t>
+            </a:r>
+            <a:r>
+              <a:rPr lang="pt-PT" sz="2400" dirty="0">
+                <a:latin typeface="Calibri Light"/>
+                <a:cs typeface="Calibri Light"/>
+              </a:rPr>
+              <a:t> false positives </a:t>
+            </a:r>
+            <a:r>
+              <a:rPr lang="pt-PT" sz="2400" dirty="0" err="1">
+                <a:latin typeface="Calibri Light"/>
+                <a:cs typeface="Calibri Light"/>
+              </a:rPr>
+              <a:t>and</a:t>
+            </a:r>
+            <a:r>
+              <a:rPr lang="pt-PT" sz="2400" dirty="0">
+                <a:latin typeface="Calibri Light"/>
+                <a:cs typeface="Calibri Light"/>
+              </a:rPr>
+              <a:t> negatives</a:t>
+            </a:r>
+          </a:p>
+          <a:p>
+            <a:pPr marL="742950" lvl="1" indent="-285750">
+              <a:buFont typeface="Arial,Sans-Serif" panose="020B0604020202020204" pitchFamily="34" charset="0"/>
+              <a:buChar char="•"/>
+            </a:pPr>
+            <a:endParaRPr lang="pt-PT" sz="2400" dirty="0">
+              <a:latin typeface="Calibri Light"/>
+              <a:cs typeface="Calibri Light"/>
+            </a:endParaRPr>
+          </a:p>
+          <a:p>
+            <a:pPr marL="285750" indent="-285750">
+              <a:buFont typeface="Arial,Sans-Serif" panose="020B0604020202020204" pitchFamily="34" charset="0"/>
+              <a:buChar char="•"/>
+            </a:pPr>
+            <a:r>
+              <a:rPr lang="pt-PT" sz="2400" dirty="0" err="1">
+                <a:latin typeface="Calibri Light"/>
+                <a:cs typeface="Calibri Light"/>
+              </a:rPr>
+              <a:t>Flexibility</a:t>
+            </a:r>
+            <a:endParaRPr lang="pt-PT" sz="2400">
+              <a:latin typeface="Calibri Light"/>
+              <a:ea typeface="+mn-lt"/>
+              <a:cs typeface="+mn-lt"/>
+            </a:endParaRPr>
+          </a:p>
+          <a:p>
+            <a:pPr marL="742950" lvl="1" indent="-285750">
+              <a:buFont typeface="Arial,Sans-Serif" panose="020B0604020202020204" pitchFamily="34" charset="0"/>
+              <a:buChar char="•"/>
+            </a:pPr>
+            <a:r>
+              <a:rPr lang="pt-PT" sz="2400" dirty="0" err="1">
+                <a:latin typeface="Calibri Light"/>
+                <a:cs typeface="Calibri Light"/>
+              </a:rPr>
+              <a:t>LMs</a:t>
+            </a:r>
+            <a:r>
+              <a:rPr lang="pt-PT" sz="2400" dirty="0">
+                <a:latin typeface="Calibri Light"/>
+                <a:cs typeface="Calibri Light"/>
+              </a:rPr>
+              <a:t> </a:t>
+            </a:r>
+            <a:r>
+              <a:rPr lang="pt-PT" sz="2400" dirty="0" err="1">
+                <a:latin typeface="Calibri Light"/>
+                <a:cs typeface="Calibri Light"/>
+              </a:rPr>
+              <a:t>addition</a:t>
+            </a:r>
+            <a:r>
+              <a:rPr lang="pt-PT" sz="2400" dirty="0">
+                <a:latin typeface="Calibri Light"/>
+                <a:cs typeface="Calibri Light"/>
+              </a:rPr>
+              <a:t> </a:t>
+            </a:r>
+            <a:r>
+              <a:rPr lang="pt-PT" sz="2400" dirty="0" err="1">
+                <a:latin typeface="Calibri Light"/>
+                <a:cs typeface="Calibri Light"/>
+              </a:rPr>
+              <a:t>and</a:t>
+            </a:r>
+            <a:r>
+              <a:rPr lang="pt-PT" sz="2400" dirty="0">
+                <a:latin typeface="Calibri Light"/>
+                <a:cs typeface="Calibri Light"/>
+              </a:rPr>
+              <a:t> </a:t>
+            </a:r>
+            <a:r>
+              <a:rPr lang="pt-PT" sz="2400" dirty="0" err="1">
+                <a:latin typeface="Calibri Light"/>
+                <a:cs typeface="Calibri Light"/>
+              </a:rPr>
+              <a:t>removal</a:t>
+            </a:r>
+            <a:endParaRPr lang="pt-PT" dirty="0" err="1">
+              <a:latin typeface="Calibri"/>
+              <a:cs typeface="Calibri"/>
+            </a:endParaRPr>
+          </a:p>
+          <a:p>
+            <a:pPr marL="742950" lvl="1" indent="-285750">
+              <a:buFont typeface="Arial,Sans-Serif" panose="020B0604020202020204" pitchFamily="34" charset="0"/>
+              <a:buChar char="•"/>
+            </a:pPr>
+            <a:endParaRPr lang="pt-PT" dirty="0">
+              <a:latin typeface="Calibri Light"/>
+              <a:cs typeface="Calibri Light"/>
+            </a:endParaRPr>
+          </a:p>
+        </p:txBody>
+      </p:sp>
+      <p:sp>
+        <p:nvSpPr>
+          <p:cNvPr id="4" name="object 4">
+            <a:extLst>
+              <a:ext uri="{FF2B5EF4-FFF2-40B4-BE49-F238E27FC236}">
+                <a16:creationId xmlns:a16="http://schemas.microsoft.com/office/drawing/2014/main" id="{12F3930D-8B0C-D838-7865-FFA0748E3201}"/>
+              </a:ext>
+            </a:extLst>
+          </p:cNvPr>
+          <p:cNvSpPr txBox="1">
+            <a:spLocks noGrp="1"/>
+          </p:cNvSpPr>
+          <p:nvPr>
+            <p:ph type="sldNum" sz="quarter" idx="7"/>
+          </p:nvPr>
+        </p:nvSpPr>
+        <p:spPr>
+          <a:xfrm>
+            <a:off x="11908535" y="6537756"/>
+            <a:ext cx="231140" cy="330200"/>
+          </a:xfrm>
+          <a:prstGeom prst="rect">
+            <a:avLst/>
+          </a:prstGeom>
+        </p:spPr>
+        <p:txBody>
+          <a:bodyPr vert="horz" wrap="square" lIns="0" tIns="0" rIns="0" bIns="0" rtlCol="0">
+            <a:spAutoFit/>
+          </a:bodyPr>
+          <a:lstStyle/>
+          <a:p>
+            <a:pPr marL="38100">
+              <a:lnSpc>
+                <a:spcPts val="2380"/>
+              </a:lnSpc>
+            </a:pPr>
+            <a:fld id="{81D60167-4931-47E6-BA6A-407CBD079E47}" type="slidenum">
+              <a:rPr dirty="0"/>
+              <a:t>5</a:t>
+            </a:fld>
+            <a:endParaRPr dirty="0"/>
+          </a:p>
+        </p:txBody>
+      </p:sp>
+    </p:spTree>
+    <p:extLst>
+      <p:ext uri="{BB962C8B-B14F-4D97-AF65-F5344CB8AC3E}">
+        <p14:creationId xmlns:p14="http://schemas.microsoft.com/office/powerpoint/2010/main" val="3720306176"/>
+      </p:ext>
+    </p:extLst>
+  </p:cSld>
+  <p:clrMapOvr>
+    <a:masterClrMapping/>
+  </p:clrMapOvr>
+</p:sld>
+</file>
+
+<file path=ppt/slides/slide6.xml><?xml version="1.0" encoding="utf-8"?>
 <p:sld xmlns:a="http://schemas.openxmlformats.org/drawingml/2006/main" xmlns:r="http://schemas.openxmlformats.org/officeDocument/2006/relationships" xmlns:p="http://schemas.openxmlformats.org/presentationml/2006/main">
   <p:cSld>
     <p:spTree>
@@ -4684,7 +4825,7 @@
             </a:pPr>
             <a:fld id="{81D60167-4931-47E6-BA6A-407CBD079E47}" type="slidenum">
               <a:rPr dirty="0"/>
-              <a:t>5</a:t>
+              <a:t>6</a:t>
             </a:fld>
             <a:endParaRPr dirty="0"/>
           </a:p>
@@ -8275,7 +8416,7 @@
             </a:bodyPr>
             <a:lstStyle/>
             <a:p>
-              <a:pPr marL="0" lvl="0" indent="0" algn="l" rtl="0">
+              <a:pPr marL="0" lvl="0" indent="0" algn="l">
                 <a:spcBef>
                   <a:spcPts val="0"/>
                 </a:spcBef>
@@ -8284,7 +8425,9 @@
                 </a:spcAft>
                 <a:buNone/>
               </a:pPr>
-              <a:endParaRPr/>
+              <a:endParaRPr lang="pt-PT" dirty="0">
+                <a:cs typeface="Calibri"/>
+              </a:endParaRPr>
             </a:p>
           </p:txBody>
         </p:sp>
@@ -8830,115 +8973,6 @@
 </p:sld>
 </file>
 
-<file path=ppt/slides/slide6.xml><?xml version="1.0" encoding="utf-8"?>
-<p:sld xmlns:a="http://schemas.openxmlformats.org/drawingml/2006/main" xmlns:r="http://schemas.openxmlformats.org/officeDocument/2006/relationships" xmlns:p="http://schemas.openxmlformats.org/presentationml/2006/main">
-  <p:cSld>
-    <p:spTree>
-      <p:nvGrpSpPr>
-        <p:cNvPr id="1" name=""/>
-        <p:cNvGrpSpPr/>
-        <p:nvPr/>
-      </p:nvGrpSpPr>
-      <p:grpSpPr>
-        <a:xfrm>
-          <a:off x="0" y="0"/>
-          <a:ext cx="0" cy="0"/>
-          <a:chOff x="0" y="0"/>
-          <a:chExt cx="0" cy="0"/>
-        </a:xfrm>
-      </p:grpSpPr>
-      <p:sp>
-        <p:nvSpPr>
-          <p:cNvPr id="2" name="Title 1">
-            <a:extLst>
-              <a:ext uri="{FF2B5EF4-FFF2-40B4-BE49-F238E27FC236}">
-                <a16:creationId xmlns:a16="http://schemas.microsoft.com/office/drawing/2014/main" id="{101EA60F-F3A8-7A8C-DAFC-D12C26798119}"/>
-              </a:ext>
-            </a:extLst>
-          </p:cNvPr>
-          <p:cNvSpPr>
-            <a:spLocks noGrp="1"/>
-          </p:cNvSpPr>
-          <p:nvPr>
-            <p:ph type="title"/>
-          </p:nvPr>
-        </p:nvSpPr>
-        <p:spPr>
-          <a:xfrm>
-            <a:off x="0" y="3080385"/>
-            <a:ext cx="12192000" cy="697230"/>
-          </a:xfrm>
-        </p:spPr>
-        <p:txBody>
-          <a:bodyPr/>
-          <a:lstStyle/>
-          <a:p>
-            <a:pPr algn="ctr"/>
-            <a:r>
-              <a:rPr lang="pt-PT" dirty="0" err="1"/>
-              <a:t>Architecture</a:t>
-            </a:r>
-            <a:endParaRPr lang="en-US" dirty="0"/>
-          </a:p>
-        </p:txBody>
-      </p:sp>
-      <p:sp>
-        <p:nvSpPr>
-          <p:cNvPr id="3" name="object 4">
-            <a:extLst>
-              <a:ext uri="{FF2B5EF4-FFF2-40B4-BE49-F238E27FC236}">
-                <a16:creationId xmlns:a16="http://schemas.microsoft.com/office/drawing/2014/main" id="{DAC83BC6-553A-F1E9-B9DB-13639409BA04}"/>
-              </a:ext>
-            </a:extLst>
-          </p:cNvPr>
-          <p:cNvSpPr txBox="1">
-            <a:spLocks noGrp="1"/>
-          </p:cNvSpPr>
-          <p:nvPr>
-            <p:ph type="sldNum" sz="quarter" idx="7"/>
-          </p:nvPr>
-        </p:nvSpPr>
-        <p:spPr>
-          <a:xfrm>
-            <a:off x="11908535" y="6537756"/>
-            <a:ext cx="231140" cy="330200"/>
-          </a:xfrm>
-          <a:prstGeom prst="rect">
-            <a:avLst/>
-          </a:prstGeom>
-        </p:spPr>
-        <p:txBody>
-          <a:bodyPr vert="horz" wrap="square" lIns="0" tIns="0" rIns="0" bIns="0" rtlCol="0">
-            <a:spAutoFit/>
-          </a:bodyPr>
-          <a:lstStyle/>
-          <a:p>
-            <a:pPr marL="38100">
-              <a:lnSpc>
-                <a:spcPts val="2380"/>
-              </a:lnSpc>
-            </a:pPr>
-            <a:fld id="{81D60167-4931-47E6-BA6A-407CBD079E47}" type="slidenum">
-              <a:rPr dirty="0"/>
-              <a:t>6</a:t>
-            </a:fld>
-            <a:endParaRPr dirty="0"/>
-          </a:p>
-        </p:txBody>
-      </p:sp>
-    </p:spTree>
-    <p:extLst>
-      <p:ext uri="{BB962C8B-B14F-4D97-AF65-F5344CB8AC3E}">
-        <p14:creationId xmlns:p14="http://schemas.microsoft.com/office/powerpoint/2010/main" val="485702489"/>
-      </p:ext>
-    </p:extLst>
-  </p:cSld>
-  <p:clrMapOvr>
-    <a:masterClrMapping/>
-  </p:clrMapOvr>
-</p:sld>
-</file>
-
 <file path=ppt/slides/slide7.xml><?xml version="1.0" encoding="utf-8"?>
 <p:sld xmlns:a="http://schemas.openxmlformats.org/drawingml/2006/main" xmlns:r="http://schemas.openxmlformats.org/officeDocument/2006/relationships" xmlns:p="http://schemas.openxmlformats.org/presentationml/2006/main">
   <p:cSld>
@@ -8983,8 +9017,8 @@
         </p:blipFill>
         <p:spPr>
           <a:xfrm>
-            <a:off x="1494816" y="182705"/>
-            <a:ext cx="9202368" cy="6492589"/>
+            <a:off x="1344422" y="22284"/>
+            <a:ext cx="9633498" cy="6803404"/>
           </a:xfrm>
           <a:prstGeom prst="rect">
             <a:avLst/>
@@ -9067,6 +9101,291 @@
       </p:grpSpPr>
       <p:sp>
         <p:nvSpPr>
+          <p:cNvPr id="2" name="Título 1">
+            <a:extLst>
+              <a:ext uri="{FF2B5EF4-FFF2-40B4-BE49-F238E27FC236}">
+                <a16:creationId xmlns:a16="http://schemas.microsoft.com/office/drawing/2014/main" id="{34D2DC7F-147B-28CC-8152-C6B9EB18ABF4}"/>
+              </a:ext>
+            </a:extLst>
+          </p:cNvPr>
+          <p:cNvSpPr>
+            <a:spLocks noGrp="1"/>
+          </p:cNvSpPr>
+          <p:nvPr>
+            <p:ph type="title"/>
+          </p:nvPr>
+        </p:nvSpPr>
+        <p:spPr>
+          <a:xfrm>
+            <a:off x="916939" y="288834"/>
+            <a:ext cx="10358120" cy="697230"/>
+          </a:xfrm>
+        </p:spPr>
+        <p:txBody>
+          <a:bodyPr wrap="square" lIns="0" tIns="0" rIns="0" bIns="0" anchor="t">
+            <a:spAutoFit/>
+          </a:bodyPr>
+          <a:lstStyle/>
+          <a:p>
+            <a:r>
+              <a:rPr lang="pt-PT" dirty="0" err="1">
+                <a:latin typeface="+mj-lt"/>
+                <a:cs typeface="Arial"/>
+              </a:rPr>
+              <a:t>Methods</a:t>
+            </a:r>
+            <a:endParaRPr lang="pt-PT" dirty="0" err="1"/>
+          </a:p>
+        </p:txBody>
+      </p:sp>
+      <p:sp>
+        <p:nvSpPr>
+          <p:cNvPr id="3" name="Marcador de Posição do Texto 2">
+            <a:extLst>
+              <a:ext uri="{FF2B5EF4-FFF2-40B4-BE49-F238E27FC236}">
+                <a16:creationId xmlns:a16="http://schemas.microsoft.com/office/drawing/2014/main" id="{AF8953A9-B3E3-9AA3-2A00-7FF1803650A1}"/>
+              </a:ext>
+            </a:extLst>
+          </p:cNvPr>
+          <p:cNvSpPr>
+            <a:spLocks noGrp="1"/>
+          </p:cNvSpPr>
+          <p:nvPr>
+            <p:ph type="body" idx="1"/>
+          </p:nvPr>
+        </p:nvSpPr>
+        <p:spPr>
+          <a:xfrm>
+            <a:off x="916939" y="1479884"/>
+            <a:ext cx="10358120" cy="3600986"/>
+          </a:xfrm>
+        </p:spPr>
+        <p:txBody>
+          <a:bodyPr wrap="square" lIns="0" tIns="0" rIns="0" bIns="0" anchor="t">
+            <a:spAutoFit/>
+          </a:bodyPr>
+          <a:lstStyle/>
+          <a:p>
+            <a:pPr marL="285750" indent="-285750">
+              <a:buFont typeface="Arial" panose="020B0604020202020204" pitchFamily="34" charset="0"/>
+              <a:buChar char="•"/>
+            </a:pPr>
+            <a:r>
+              <a:rPr lang="pt-PT" sz="2400" dirty="0" err="1">
+                <a:latin typeface="Calibri Light"/>
+                <a:cs typeface="Calibri Light"/>
+              </a:rPr>
+              <a:t>Github</a:t>
+            </a:r>
+            <a:r>
+              <a:rPr lang="pt-PT" sz="2400" dirty="0">
+                <a:latin typeface="Calibri Light"/>
+                <a:cs typeface="Calibri Light"/>
+              </a:rPr>
+              <a:t> </a:t>
+            </a:r>
+          </a:p>
+          <a:p>
+            <a:pPr marL="285750" indent="-285750">
+              <a:buFont typeface="Arial" panose="020B0604020202020204" pitchFamily="34" charset="0"/>
+              <a:buChar char="•"/>
+            </a:pPr>
+            <a:endParaRPr lang="pt-PT" sz="2400" dirty="0">
+              <a:latin typeface="Calibri Light"/>
+              <a:cs typeface="Calibri Light"/>
+            </a:endParaRPr>
+          </a:p>
+          <a:p>
+            <a:pPr marL="285750" indent="-285750">
+              <a:buFont typeface="Arial" panose="020B0604020202020204" pitchFamily="34" charset="0"/>
+              <a:buChar char="•"/>
+            </a:pPr>
+            <a:r>
+              <a:rPr lang="pt-PT" sz="2400" dirty="0" err="1">
+                <a:latin typeface="Calibri Light"/>
+                <a:cs typeface="Calibri Light"/>
+              </a:rPr>
+              <a:t>Discord</a:t>
+            </a:r>
+            <a:r>
+              <a:rPr lang="pt-PT" sz="2400" dirty="0">
+                <a:latin typeface="Calibri Light"/>
+                <a:cs typeface="Calibri Light"/>
+              </a:rPr>
+              <a:t> </a:t>
+            </a:r>
+          </a:p>
+          <a:p>
+            <a:pPr marL="285750" indent="-285750">
+              <a:buFont typeface="Arial" panose="020B0604020202020204" pitchFamily="34" charset="0"/>
+              <a:buChar char="•"/>
+            </a:pPr>
+            <a:endParaRPr lang="pt-PT" sz="2400" dirty="0">
+              <a:latin typeface="Calibri Light"/>
+              <a:cs typeface="Calibri Light"/>
+            </a:endParaRPr>
+          </a:p>
+          <a:p>
+            <a:pPr marL="285750" indent="-285750">
+              <a:buFont typeface="Arial" panose="020B0604020202020204" pitchFamily="34" charset="0"/>
+              <a:buChar char="•"/>
+            </a:pPr>
+            <a:r>
+              <a:rPr lang="pt-PT" sz="2400" dirty="0" err="1">
+                <a:latin typeface="Calibri Light"/>
+                <a:cs typeface="Calibri Light"/>
+              </a:rPr>
+              <a:t>OpenUP</a:t>
+            </a:r>
+            <a:endParaRPr lang="pt-PT" sz="2400">
+              <a:latin typeface="Calibri Light"/>
+              <a:cs typeface="Calibri Light"/>
+            </a:endParaRPr>
+          </a:p>
+          <a:p>
+            <a:pPr marL="742950" lvl="1" indent="-285750">
+              <a:buFont typeface="Arial" panose="020B0604020202020204" pitchFamily="34" charset="0"/>
+              <a:buChar char="•"/>
+            </a:pPr>
+            <a:r>
+              <a:rPr lang="pt-PT" sz="2400">
+                <a:latin typeface="Calibri Light"/>
+                <a:cs typeface="Calibri Light"/>
+              </a:rPr>
+              <a:t>Inception</a:t>
+            </a:r>
+            <a:endParaRPr lang="pt-PT" sz="2400" dirty="0">
+              <a:latin typeface="Calibri Light"/>
+              <a:cs typeface="Calibri Light"/>
+            </a:endParaRPr>
+          </a:p>
+          <a:p>
+            <a:pPr marL="742950" lvl="1" indent="-285750">
+              <a:buFont typeface="Arial" panose="020B0604020202020204" pitchFamily="34" charset="0"/>
+              <a:buChar char="•"/>
+            </a:pPr>
+            <a:r>
+              <a:rPr lang="pt-PT" sz="2400" dirty="0" err="1">
+                <a:latin typeface="Calibri Light"/>
+                <a:cs typeface="Calibri Light"/>
+              </a:rPr>
+              <a:t>Elaboration</a:t>
+            </a:r>
+          </a:p>
+          <a:p>
+            <a:pPr marL="742950" lvl="1" indent="-285750">
+              <a:buFont typeface="Arial" panose="020B0604020202020204" pitchFamily="34" charset="0"/>
+              <a:buChar char="•"/>
+            </a:pPr>
+            <a:r>
+              <a:rPr lang="pt-PT" sz="2400" dirty="0" err="1">
+                <a:latin typeface="Calibri Light"/>
+                <a:cs typeface="Calibri Light"/>
+              </a:rPr>
+              <a:t>Construction</a:t>
+            </a:r>
+          </a:p>
+          <a:p>
+            <a:pPr marL="742950" lvl="1" indent="-285750">
+              <a:buFont typeface="Arial" panose="020B0604020202020204" pitchFamily="34" charset="0"/>
+              <a:buChar char="•"/>
+            </a:pPr>
+            <a:r>
+              <a:rPr lang="pt-PT" sz="2400" dirty="0" err="1">
+                <a:latin typeface="Calibri Light"/>
+                <a:cs typeface="Calibri Light"/>
+              </a:rPr>
+              <a:t>Transition</a:t>
+            </a:r>
+          </a:p>
+          <a:p>
+            <a:pPr marL="742950" lvl="1" indent="-285750">
+              <a:buFont typeface="Arial,Sans-Serif" panose="020B0604020202020204" pitchFamily="34" charset="0"/>
+              <a:buChar char="•"/>
+            </a:pPr>
+            <a:endParaRPr lang="pt-PT" dirty="0">
+              <a:latin typeface="Calibri Light"/>
+              <a:cs typeface="Calibri Light"/>
+            </a:endParaRPr>
+          </a:p>
+        </p:txBody>
+      </p:sp>
+      <p:sp>
+        <p:nvSpPr>
+          <p:cNvPr id="4" name="object 4">
+            <a:extLst>
+              <a:ext uri="{FF2B5EF4-FFF2-40B4-BE49-F238E27FC236}">
+                <a16:creationId xmlns:a16="http://schemas.microsoft.com/office/drawing/2014/main" id="{12F3930D-8B0C-D838-7865-FFA0748E3201}"/>
+              </a:ext>
+            </a:extLst>
+          </p:cNvPr>
+          <p:cNvSpPr txBox="1">
+            <a:spLocks noGrp="1"/>
+          </p:cNvSpPr>
+          <p:nvPr>
+            <p:ph type="sldNum" sz="quarter" idx="7"/>
+          </p:nvPr>
+        </p:nvSpPr>
+        <p:spPr>
+          <a:xfrm>
+            <a:off x="11908535" y="6537756"/>
+            <a:ext cx="231140" cy="330200"/>
+          </a:xfrm>
+          <a:prstGeom prst="rect">
+            <a:avLst/>
+          </a:prstGeom>
+        </p:spPr>
+        <p:txBody>
+          <a:bodyPr vert="horz" wrap="square" lIns="0" tIns="0" rIns="0" bIns="0" rtlCol="0">
+            <a:spAutoFit/>
+          </a:bodyPr>
+          <a:lstStyle/>
+          <a:p>
+            <a:pPr marL="38100">
+              <a:lnSpc>
+                <a:spcPts val="2380"/>
+              </a:lnSpc>
+            </a:pPr>
+            <a:fld id="{81D60167-4931-47E6-BA6A-407CBD079E47}" type="slidenum">
+              <a:rPr dirty="0"/>
+              <a:t>8</a:t>
+            </a:fld>
+            <a:endParaRPr dirty="0"/>
+          </a:p>
+        </p:txBody>
+      </p:sp>
+    </p:spTree>
+    <p:extLst>
+      <p:ext uri="{BB962C8B-B14F-4D97-AF65-F5344CB8AC3E}">
+        <p14:creationId xmlns:p14="http://schemas.microsoft.com/office/powerpoint/2010/main" val="2565629924"/>
+      </p:ext>
+    </p:extLst>
+  </p:cSld>
+  <p:clrMapOvr>
+    <a:masterClrMapping/>
+  </p:clrMapOvr>
+</p:sld>
+</file>
+
+<file path=ppt/slides/slide9.xml><?xml version="1.0" encoding="utf-8"?>
+<p:sld xmlns:a="http://schemas.openxmlformats.org/drawingml/2006/main" xmlns:r="http://schemas.openxmlformats.org/officeDocument/2006/relationships" xmlns:p="http://schemas.openxmlformats.org/presentationml/2006/main">
+  <p:cSld>
+    <p:spTree>
+      <p:nvGrpSpPr>
+        <p:cNvPr id="1" name=""/>
+        <p:cNvGrpSpPr/>
+        <p:nvPr/>
+      </p:nvGrpSpPr>
+      <p:grpSpPr>
+        <a:xfrm>
+          <a:off x="0" y="0"/>
+          <a:ext cx="0" cy="0"/>
+          <a:chOff x="0" y="0"/>
+          <a:chExt cx="0" cy="0"/>
+        </a:xfrm>
+      </p:grpSpPr>
+      <p:sp>
+        <p:nvSpPr>
           <p:cNvPr id="2" name="Title 1">
             <a:extLst>
               <a:ext uri="{FF2B5EF4-FFF2-40B4-BE49-F238E27FC236}">
@@ -9084,19 +9403,43 @@
         <p:spPr>
           <a:xfrm>
             <a:off x="0" y="3080385"/>
-            <a:ext cx="12192000" cy="697230"/>
+            <a:ext cx="12192000" cy="615553"/>
           </a:xfrm>
         </p:spPr>
         <p:txBody>
-          <a:bodyPr/>
+          <a:bodyPr wrap="square" lIns="0" tIns="0" rIns="0" bIns="0" anchor="t">
+            <a:spAutoFit/>
+          </a:bodyPr>
           <a:lstStyle/>
           <a:p>
             <a:pPr algn="ctr"/>
             <a:r>
-              <a:rPr lang="pt-PT" dirty="0" err="1"/>
-              <a:t>Prototype</a:t>
-            </a:r>
-            <a:endParaRPr lang="en-US" dirty="0"/>
+              <a:rPr lang="pt-PT" sz="4000" b="1" dirty="0">
+                <a:latin typeface="Arial"/>
+              </a:rPr>
+              <a:t>Project website </a:t>
+            </a:r>
+            <a:r>
+              <a:rPr lang="pt-PT" sz="4000" b="1" dirty="0" err="1">
+                <a:latin typeface="Arial"/>
+              </a:rPr>
+              <a:t>and</a:t>
+            </a:r>
+            <a:r>
+              <a:rPr lang="pt-PT" sz="4000" b="1" dirty="0">
+                <a:latin typeface="Arial"/>
+              </a:rPr>
+              <a:t> </a:t>
+            </a:r>
+            <a:r>
+              <a:rPr lang="pt-PT" sz="4000" b="1" dirty="0" err="1">
+                <a:latin typeface="Arial"/>
+              </a:rPr>
+              <a:t>prototype</a:t>
+            </a:r>
+            <a:endParaRPr lang="en-US" sz="4000" b="1">
+              <a:latin typeface="Arial"/>
+            </a:endParaRPr>
           </a:p>
         </p:txBody>
       </p:sp>
@@ -9138,7 +9481,7 @@
             </a:pPr>
             <a:fld id="{81D60167-4931-47E6-BA6A-407CBD079E47}" type="slidenum">
               <a:rPr dirty="0"/>
-              <a:t>8</a:t>
+              <a:t>9</a:t>
             </a:fld>
             <a:endParaRPr dirty="0"/>
           </a:p>

--- a/presentation-prototype.pptx
+++ b/presentation-prototype.pptx
@@ -5,18 +5,16 @@
     <p:sldMasterId id="2147483648" r:id="rId1"/>
   </p:sldMasterIdLst>
   <p:notesMasterIdLst>
-    <p:notesMasterId r:id="rId11"/>
+    <p:notesMasterId r:id="rId9"/>
   </p:notesMasterIdLst>
   <p:sldIdLst>
     <p:sldId id="271" r:id="rId2"/>
     <p:sldId id="258" r:id="rId3"/>
-    <p:sldId id="267" r:id="rId4"/>
-    <p:sldId id="273" r:id="rId5"/>
-    <p:sldId id="274" r:id="rId6"/>
-    <p:sldId id="262" r:id="rId7"/>
-    <p:sldId id="264" r:id="rId8"/>
-    <p:sldId id="276" r:id="rId9"/>
-    <p:sldId id="270" r:id="rId10"/>
+    <p:sldId id="273" r:id="rId4"/>
+    <p:sldId id="274" r:id="rId5"/>
+    <p:sldId id="262" r:id="rId6"/>
+    <p:sldId id="264" r:id="rId7"/>
+    <p:sldId id="270" r:id="rId8"/>
   </p:sldIdLst>
   <p:sldSz cx="12192000" cy="6858000"/>
   <p:notesSz cx="12192000" cy="6858000"/>
@@ -138,6 +136,7 @@
 <p1510:revInfo xmlns:a="http://schemas.openxmlformats.org/drawingml/2006/main" xmlns:r="http://schemas.openxmlformats.org/officeDocument/2006/relationships" xmlns:p1510="http://schemas.microsoft.com/office/powerpoint/2015/10/main">
   <p1510:revLst>
     <p1510:client id="{25080D6A-8894-495D-B6E8-D0DAEAE8741B}" v="973" dt="2023-04-10T16:40:36.154"/>
+    <p1510:client id="{E9482C1C-1776-4E21-A425-84FC5140169B}" v="2" dt="2023-04-10T16:50:12.339"/>
   </p1510:revLst>
 </p1510:revInfo>
 </file>
@@ -2566,7 +2565,7 @@
           <p:cNvPr id="2" name="Título 1">
             <a:extLst>
               <a:ext uri="{FF2B5EF4-FFF2-40B4-BE49-F238E27FC236}">
-                <a16:creationId xmlns:a16="http://schemas.microsoft.com/office/drawing/2014/main" id="{43E6C5E7-7A47-CF99-48C5-5D0AB9F5BF40}"/>
+                <a16:creationId xmlns:a16="http://schemas.microsoft.com/office/drawing/2014/main" id="{34D2DC7F-147B-28CC-8152-C6B9EB18ABF4}"/>
               </a:ext>
             </a:extLst>
           </p:cNvPr>
@@ -2577,1085 +2576,370 @@
             <p:ph type="title"/>
           </p:nvPr>
         </p:nvSpPr>
-        <p:spPr/>
+        <p:spPr>
+          <a:xfrm>
+            <a:off x="916939" y="288834"/>
+            <a:ext cx="10358120" cy="697230"/>
+          </a:xfrm>
+        </p:spPr>
         <p:txBody>
           <a:bodyPr/>
           <a:lstStyle/>
           <a:p>
             <a:r>
-              <a:rPr lang="pt-PT" dirty="0" err="1">
+              <a:rPr lang="pt-PT" sz="4400" dirty="0" err="1">
                 <a:latin typeface="+mj-lt"/>
-              </a:rPr>
-              <a:t>State</a:t>
-            </a:r>
-            <a:r>
-              <a:rPr lang="pt-PT" dirty="0">
+                <a:cs typeface="Arial" panose="020B0604020202020204" pitchFamily="34" charset="0"/>
+              </a:rPr>
+              <a:t>Functional</a:t>
+            </a:r>
+            <a:r>
+              <a:rPr lang="pt-PT" sz="4400" dirty="0">
                 <a:latin typeface="+mj-lt"/>
+                <a:cs typeface="Arial" panose="020B0604020202020204" pitchFamily="34" charset="0"/>
               </a:rPr>
               <a:t> </a:t>
             </a:r>
             <a:r>
-              <a:rPr lang="pt-PT" dirty="0" err="1">
+              <a:rPr lang="pt-PT" sz="4400" dirty="0" err="1">
                 <a:latin typeface="+mj-lt"/>
-              </a:rPr>
-              <a:t>of</a:t>
-            </a:r>
-            <a:r>
-              <a:rPr lang="pt-PT" dirty="0">
-                <a:latin typeface="+mj-lt"/>
-              </a:rPr>
-              <a:t> </a:t>
-            </a:r>
-            <a:r>
-              <a:rPr lang="pt-PT" dirty="0" err="1">
-                <a:latin typeface="+mj-lt"/>
-              </a:rPr>
-              <a:t>art</a:t>
+                <a:cs typeface="Arial" panose="020B0604020202020204" pitchFamily="34" charset="0"/>
+              </a:rPr>
+              <a:t>requirements</a:t>
             </a:r>
             <a:endParaRPr lang="pt-PT" dirty="0">
               <a:latin typeface="+mj-lt"/>
+              <a:cs typeface="Arial" panose="020B0604020202020204" pitchFamily="34" charset="0"/>
             </a:endParaRPr>
-          </a:p>
-        </p:txBody>
-      </p:sp>
-      <p:grpSp>
-        <p:nvGrpSpPr>
-          <p:cNvPr id="20" name="Agrupar 19">
-            <a:extLst>
-              <a:ext uri="{FF2B5EF4-FFF2-40B4-BE49-F238E27FC236}">
-                <a16:creationId xmlns:a16="http://schemas.microsoft.com/office/drawing/2014/main" id="{7385BFEB-B4A7-0157-3F01-2527DA8F2C47}"/>
-              </a:ext>
-            </a:extLst>
-          </p:cNvPr>
-          <p:cNvGrpSpPr/>
-          <p:nvPr/>
-        </p:nvGrpSpPr>
-        <p:grpSpPr>
-          <a:xfrm>
-            <a:off x="1124643" y="2113200"/>
-            <a:ext cx="9902122" cy="3886124"/>
-            <a:chOff x="2133600" y="2606832"/>
-            <a:chExt cx="7647700" cy="3001368"/>
-          </a:xfrm>
-        </p:grpSpPr>
-        <p:sp>
-          <p:nvSpPr>
-            <p:cNvPr id="4" name="Google Shape;413;p67">
-              <a:extLst>
-                <a:ext uri="{FF2B5EF4-FFF2-40B4-BE49-F238E27FC236}">
-                  <a16:creationId xmlns:a16="http://schemas.microsoft.com/office/drawing/2014/main" id="{356BFCA7-F6F4-B566-4143-5A48A2739762}"/>
-                </a:ext>
-              </a:extLst>
-            </p:cNvPr>
-            <p:cNvSpPr txBox="1">
-              <a:spLocks/>
-            </p:cNvSpPr>
-            <p:nvPr/>
-          </p:nvSpPr>
-          <p:spPr>
-            <a:xfrm>
-              <a:off x="2388390" y="4539423"/>
-              <a:ext cx="1922285" cy="795600"/>
-            </a:xfrm>
-            <a:prstGeom prst="rect">
-              <a:avLst/>
-            </a:prstGeom>
-          </p:spPr>
-          <p:txBody>
-            <a:bodyPr spcFirstLastPara="1" wrap="square" lIns="91425" tIns="91425" rIns="91425" bIns="91425" anchor="ctr" anchorCtr="0">
-              <a:noAutofit/>
-            </a:bodyPr>
-            <a:lstStyle>
-              <a:lvl1pPr marL="0">
-                <a:defRPr b="0" i="0">
-                  <a:solidFill>
-                    <a:schemeClr val="tx1"/>
-                  </a:solidFill>
-                  <a:latin typeface="+mn-lt"/>
-                  <a:ea typeface="+mn-ea"/>
-                  <a:cs typeface="+mn-cs"/>
-                </a:defRPr>
-              </a:lvl1pPr>
-              <a:lvl2pPr marL="457200">
-                <a:defRPr>
-                  <a:latin typeface="+mn-lt"/>
-                  <a:ea typeface="+mn-ea"/>
-                  <a:cs typeface="+mn-cs"/>
-                </a:defRPr>
-              </a:lvl2pPr>
-              <a:lvl3pPr marL="914400">
-                <a:defRPr>
-                  <a:latin typeface="+mn-lt"/>
-                  <a:ea typeface="+mn-ea"/>
-                  <a:cs typeface="+mn-cs"/>
-                </a:defRPr>
-              </a:lvl3pPr>
-              <a:lvl4pPr marL="1371600">
-                <a:defRPr>
-                  <a:latin typeface="+mn-lt"/>
-                  <a:ea typeface="+mn-ea"/>
-                  <a:cs typeface="+mn-cs"/>
-                </a:defRPr>
-              </a:lvl4pPr>
-              <a:lvl5pPr marL="1828800">
-                <a:defRPr>
-                  <a:latin typeface="+mn-lt"/>
-                  <a:ea typeface="+mn-ea"/>
-                  <a:cs typeface="+mn-cs"/>
-                </a:defRPr>
-              </a:lvl5pPr>
-              <a:lvl6pPr marL="2286000">
-                <a:defRPr>
-                  <a:latin typeface="+mn-lt"/>
-                  <a:ea typeface="+mn-ea"/>
-                  <a:cs typeface="+mn-cs"/>
-                </a:defRPr>
-              </a:lvl6pPr>
-              <a:lvl7pPr marL="2743200">
-                <a:defRPr>
-                  <a:latin typeface="+mn-lt"/>
-                  <a:ea typeface="+mn-ea"/>
-                  <a:cs typeface="+mn-cs"/>
-                </a:defRPr>
-              </a:lvl7pPr>
-              <a:lvl8pPr marL="3200400">
-                <a:defRPr>
-                  <a:latin typeface="+mn-lt"/>
-                  <a:ea typeface="+mn-ea"/>
-                  <a:cs typeface="+mn-cs"/>
-                </a:defRPr>
-              </a:lvl8pPr>
-              <a:lvl9pPr marL="3657600">
-                <a:defRPr>
-                  <a:latin typeface="+mn-lt"/>
-                  <a:ea typeface="+mn-ea"/>
-                  <a:cs typeface="+mn-cs"/>
-                </a:defRPr>
-              </a:lvl9pPr>
-            </a:lstStyle>
-            <a:p>
-              <a:r>
-                <a:rPr lang="en-US" sz="2000" kern="0" dirty="0">
-                  <a:latin typeface="Calibri Light" panose="020F0302020204030204" pitchFamily="34" charset="0"/>
-                  <a:ea typeface="Calibri Light" panose="020F0302020204030204" pitchFamily="34" charset="0"/>
-                  <a:cs typeface="Calibri Light" panose="020F0302020204030204" pitchFamily="34" charset="0"/>
-                </a:rPr>
-                <a:t>Plagiarism checking</a:t>
-              </a:r>
-            </a:p>
-            <a:p>
-              <a:r>
-                <a:rPr lang="en-US" sz="2000" kern="0" dirty="0">
-                  <a:latin typeface="Calibri Light" panose="020F0302020204030204" pitchFamily="34" charset="0"/>
-                  <a:ea typeface="Calibri Light" panose="020F0302020204030204" pitchFamily="34" charset="0"/>
-                  <a:cs typeface="Calibri Light" panose="020F0302020204030204" pitchFamily="34" charset="0"/>
-                </a:rPr>
-                <a:t>Bad usability</a:t>
-              </a:r>
-            </a:p>
-            <a:p>
-              <a:r>
-                <a:rPr lang="en-US" sz="2000" kern="0" dirty="0">
-                  <a:latin typeface="Calibri Light" panose="020F0302020204030204" pitchFamily="34" charset="0"/>
-                  <a:ea typeface="Calibri Light" panose="020F0302020204030204" pitchFamily="34" charset="0"/>
-                  <a:cs typeface="Calibri Light" panose="020F0302020204030204" pitchFamily="34" charset="0"/>
-                </a:rPr>
-                <a:t>Unreliable detection</a:t>
-              </a:r>
-            </a:p>
-          </p:txBody>
-        </p:sp>
-        <p:sp>
-          <p:nvSpPr>
-            <p:cNvPr id="5" name="Google Shape;415;p67">
-              <a:extLst>
-                <a:ext uri="{FF2B5EF4-FFF2-40B4-BE49-F238E27FC236}">
-                  <a16:creationId xmlns:a16="http://schemas.microsoft.com/office/drawing/2014/main" id="{61E4C243-3D86-2CE9-BC67-18A4B449CD09}"/>
-                </a:ext>
-              </a:extLst>
-            </p:cNvPr>
-            <p:cNvSpPr txBox="1">
-              <a:spLocks/>
-            </p:cNvSpPr>
-            <p:nvPr/>
-          </p:nvSpPr>
-          <p:spPr>
-            <a:xfrm>
-              <a:off x="2676165" y="3619429"/>
-              <a:ext cx="1386869" cy="483600"/>
-            </a:xfrm>
-            <a:prstGeom prst="rect">
-              <a:avLst/>
-            </a:prstGeom>
-          </p:spPr>
-          <p:txBody>
-            <a:bodyPr spcFirstLastPara="1" wrap="square" lIns="91425" tIns="91425" rIns="91425" bIns="91425" anchor="ctr" anchorCtr="0">
-              <a:noAutofit/>
-            </a:bodyPr>
-            <a:lstStyle>
-              <a:lvl1pPr>
-                <a:defRPr>
-                  <a:latin typeface="+mj-lt"/>
-                  <a:ea typeface="+mj-ea"/>
-                  <a:cs typeface="+mj-cs"/>
-                </a:defRPr>
-              </a:lvl1pPr>
-            </a:lstStyle>
-            <a:p>
-              <a:r>
-                <a:rPr lang="pt-PT" sz="2400" kern="0" dirty="0">
-                  <a:solidFill>
-                    <a:sysClr val="windowText" lastClr="000000"/>
-                  </a:solidFill>
-                </a:rPr>
-                <a:t>Originality.AI</a:t>
-              </a:r>
-            </a:p>
-          </p:txBody>
-        </p:sp>
-        <p:sp>
-          <p:nvSpPr>
-            <p:cNvPr id="6" name="Google Shape;416;p67">
-              <a:extLst>
-                <a:ext uri="{FF2B5EF4-FFF2-40B4-BE49-F238E27FC236}">
-                  <a16:creationId xmlns:a16="http://schemas.microsoft.com/office/drawing/2014/main" id="{2D29D55F-983A-69B6-BC3A-56F87E105B70}"/>
-                </a:ext>
-              </a:extLst>
-            </p:cNvPr>
-            <p:cNvSpPr txBox="1">
-              <a:spLocks/>
-            </p:cNvSpPr>
-            <p:nvPr/>
-          </p:nvSpPr>
-          <p:spPr>
-            <a:xfrm>
-              <a:off x="4777181" y="3619429"/>
-              <a:ext cx="2409300" cy="483600"/>
-            </a:xfrm>
-            <a:prstGeom prst="rect">
-              <a:avLst/>
-            </a:prstGeom>
-          </p:spPr>
-          <p:txBody>
-            <a:bodyPr spcFirstLastPara="1" wrap="square" lIns="91425" tIns="91425" rIns="91425" bIns="91425" anchor="ctr" anchorCtr="0">
-              <a:noAutofit/>
-            </a:bodyPr>
-            <a:lstStyle>
-              <a:lvl1pPr>
-                <a:defRPr>
-                  <a:latin typeface="+mj-lt"/>
-                  <a:ea typeface="+mj-ea"/>
-                  <a:cs typeface="+mj-cs"/>
-                </a:defRPr>
-              </a:lvl1pPr>
-            </a:lstStyle>
-            <a:p>
-              <a:pPr algn="ctr" rtl="0">
-                <a:buClr>
-                  <a:schemeClr val="dk1"/>
-                </a:buClr>
-                <a:buSzPts val="1100"/>
-                <a:buFont typeface="Arial"/>
-                <a:buNone/>
-              </a:pPr>
-              <a:r>
-                <a:rPr lang="pt-PT" sz="2400" kern="0" dirty="0" err="1">
-                  <a:solidFill>
-                    <a:sysClr val="windowText" lastClr="000000"/>
-                  </a:solidFill>
-                </a:rPr>
-                <a:t>GPT</a:t>
-              </a:r>
-              <a:r>
-                <a:rPr lang="pt-PT" sz="2400" kern="0" dirty="0" err="1">
-                  <a:solidFill>
-                    <a:schemeClr val="tx1">
-                      <a:lumMod val="75000"/>
-                      <a:lumOff val="25000"/>
-                    </a:schemeClr>
-                  </a:solidFill>
-                </a:rPr>
-                <a:t>Zero</a:t>
-              </a:r>
-              <a:endParaRPr lang="pt-PT" sz="2400" kern="0" dirty="0">
-                <a:solidFill>
-                  <a:schemeClr val="tx1">
-                    <a:lumMod val="75000"/>
-                    <a:lumOff val="25000"/>
-                  </a:schemeClr>
-                </a:solidFill>
-              </a:endParaRPr>
-            </a:p>
-          </p:txBody>
-        </p:sp>
-        <p:sp>
-          <p:nvSpPr>
-            <p:cNvPr id="7" name="Google Shape;417;p67">
-              <a:extLst>
-                <a:ext uri="{FF2B5EF4-FFF2-40B4-BE49-F238E27FC236}">
-                  <a16:creationId xmlns:a16="http://schemas.microsoft.com/office/drawing/2014/main" id="{EDBAC944-D5A3-414E-91CF-825E7D70061A}"/>
-                </a:ext>
-              </a:extLst>
-            </p:cNvPr>
-            <p:cNvSpPr txBox="1">
-              <a:spLocks/>
-            </p:cNvSpPr>
-            <p:nvPr/>
-          </p:nvSpPr>
-          <p:spPr>
-            <a:xfrm>
-              <a:off x="5248909" y="4541622"/>
-              <a:ext cx="1465844" cy="795600"/>
-            </a:xfrm>
-            <a:prstGeom prst="rect">
-              <a:avLst/>
-            </a:prstGeom>
-          </p:spPr>
-          <p:txBody>
-            <a:bodyPr spcFirstLastPara="1" wrap="square" lIns="91425" tIns="91425" rIns="91425" bIns="91425" anchor="ctr" anchorCtr="0">
-              <a:noAutofit/>
-            </a:bodyPr>
-            <a:lstStyle>
-              <a:lvl1pPr marL="0">
-                <a:defRPr>
-                  <a:latin typeface="+mn-lt"/>
-                  <a:ea typeface="+mn-ea"/>
-                  <a:cs typeface="+mn-cs"/>
-                </a:defRPr>
-              </a:lvl1pPr>
-              <a:lvl2pPr marL="457200">
-                <a:defRPr>
-                  <a:latin typeface="+mn-lt"/>
-                  <a:ea typeface="+mn-ea"/>
-                  <a:cs typeface="+mn-cs"/>
-                </a:defRPr>
-              </a:lvl2pPr>
-              <a:lvl3pPr marL="914400">
-                <a:defRPr>
-                  <a:latin typeface="+mn-lt"/>
-                  <a:ea typeface="+mn-ea"/>
-                  <a:cs typeface="+mn-cs"/>
-                </a:defRPr>
-              </a:lvl3pPr>
-              <a:lvl4pPr marL="1371600">
-                <a:defRPr>
-                  <a:latin typeface="+mn-lt"/>
-                  <a:ea typeface="+mn-ea"/>
-                  <a:cs typeface="+mn-cs"/>
-                </a:defRPr>
-              </a:lvl4pPr>
-              <a:lvl5pPr marL="1828800">
-                <a:defRPr>
-                  <a:latin typeface="+mn-lt"/>
-                  <a:ea typeface="+mn-ea"/>
-                  <a:cs typeface="+mn-cs"/>
-                </a:defRPr>
-              </a:lvl5pPr>
-              <a:lvl6pPr marL="2286000">
-                <a:defRPr>
-                  <a:latin typeface="+mn-lt"/>
-                  <a:ea typeface="+mn-ea"/>
-                  <a:cs typeface="+mn-cs"/>
-                </a:defRPr>
-              </a:lvl6pPr>
-              <a:lvl7pPr marL="2743200">
-                <a:defRPr>
-                  <a:latin typeface="+mn-lt"/>
-                  <a:ea typeface="+mn-ea"/>
-                  <a:cs typeface="+mn-cs"/>
-                </a:defRPr>
-              </a:lvl7pPr>
-              <a:lvl8pPr marL="3200400">
-                <a:defRPr>
-                  <a:latin typeface="+mn-lt"/>
-                  <a:ea typeface="+mn-ea"/>
-                  <a:cs typeface="+mn-cs"/>
-                </a:defRPr>
-              </a:lvl8pPr>
-              <a:lvl9pPr marL="3657600">
-                <a:defRPr>
-                  <a:latin typeface="+mn-lt"/>
-                  <a:ea typeface="+mn-ea"/>
-                  <a:cs typeface="+mn-cs"/>
-                </a:defRPr>
-              </a:lvl9pPr>
-            </a:lstStyle>
-            <a:p>
-              <a:pPr>
-                <a:buClr>
-                  <a:schemeClr val="dk1"/>
-                </a:buClr>
-                <a:buSzPts val="1100"/>
-              </a:pPr>
-              <a:r>
-                <a:rPr lang="en-US" sz="2000" kern="0" dirty="0">
-                  <a:solidFill>
-                    <a:sysClr val="windowText" lastClr="000000"/>
-                  </a:solidFill>
-                  <a:latin typeface="Calibri Light" panose="020F0302020204030204" pitchFamily="34" charset="0"/>
-                  <a:ea typeface="Calibri Light" panose="020F0302020204030204" pitchFamily="34" charset="0"/>
-                  <a:cs typeface="Calibri Light" panose="020F0302020204030204" pitchFamily="34" charset="0"/>
-                </a:rPr>
-                <a:t>File uploads</a:t>
-              </a:r>
-            </a:p>
-            <a:p>
-              <a:pPr>
-                <a:buClr>
-                  <a:schemeClr val="dk1"/>
-                </a:buClr>
-                <a:buSzPts val="1100"/>
-              </a:pPr>
-              <a:r>
-                <a:rPr lang="en-US" sz="2000" kern="0" dirty="0">
-                  <a:solidFill>
-                    <a:sysClr val="windowText" lastClr="000000"/>
-                  </a:solidFill>
-                  <a:latin typeface="Calibri Light" panose="020F0302020204030204" pitchFamily="34" charset="0"/>
-                  <a:ea typeface="Calibri Light" panose="020F0302020204030204" pitchFamily="34" charset="0"/>
-                  <a:cs typeface="Calibri Light" panose="020F0302020204030204" pitchFamily="34" charset="0"/>
-                </a:rPr>
-                <a:t>Character limits</a:t>
-              </a:r>
-            </a:p>
-            <a:p>
-              <a:pPr>
-                <a:buClr>
-                  <a:schemeClr val="dk1"/>
-                </a:buClr>
-                <a:buSzPts val="1100"/>
-              </a:pPr>
-              <a:r>
-                <a:rPr lang="en-US" sz="2000" kern="0" dirty="0">
-                  <a:solidFill>
-                    <a:sysClr val="windowText" lastClr="000000"/>
-                  </a:solidFill>
-                  <a:latin typeface="Calibri Light" panose="020F0302020204030204" pitchFamily="34" charset="0"/>
-                  <a:ea typeface="Calibri Light" panose="020F0302020204030204" pitchFamily="34" charset="0"/>
-                  <a:cs typeface="Calibri Light" panose="020F0302020204030204" pitchFamily="34" charset="0"/>
-                </a:rPr>
-                <a:t>Good detection</a:t>
-              </a:r>
-              <a:endParaRPr lang="en" sz="2000" kern="0" dirty="0">
-                <a:solidFill>
-                  <a:sysClr val="windowText" lastClr="000000"/>
-                </a:solidFill>
-                <a:latin typeface="Calibri Light" panose="020F0302020204030204" pitchFamily="34" charset="0"/>
-                <a:ea typeface="Calibri Light" panose="020F0302020204030204" pitchFamily="34" charset="0"/>
-                <a:cs typeface="Calibri Light" panose="020F0302020204030204" pitchFamily="34" charset="0"/>
-              </a:endParaRPr>
-            </a:p>
-          </p:txBody>
-        </p:sp>
-        <p:sp>
-          <p:nvSpPr>
-            <p:cNvPr id="8" name="Google Shape;418;p67">
-              <a:extLst>
-                <a:ext uri="{FF2B5EF4-FFF2-40B4-BE49-F238E27FC236}">
-                  <a16:creationId xmlns:a16="http://schemas.microsoft.com/office/drawing/2014/main" id="{83941953-7CFB-4DE1-FB3E-3D8CD17DBBD7}"/>
-                </a:ext>
-              </a:extLst>
-            </p:cNvPr>
-            <p:cNvSpPr txBox="1">
-              <a:spLocks/>
-            </p:cNvSpPr>
-            <p:nvPr/>
-          </p:nvSpPr>
-          <p:spPr>
-            <a:xfrm>
-              <a:off x="7372000" y="3619429"/>
-              <a:ext cx="2409300" cy="483600"/>
-            </a:xfrm>
-            <a:prstGeom prst="rect">
-              <a:avLst/>
-            </a:prstGeom>
-          </p:spPr>
-          <p:txBody>
-            <a:bodyPr spcFirstLastPara="1" wrap="square" lIns="91425" tIns="91425" rIns="91425" bIns="91425" anchor="ctr" anchorCtr="0">
-              <a:noAutofit/>
-            </a:bodyPr>
-            <a:lstStyle>
-              <a:defPPr>
-                <a:defRPr lang="pt-PT"/>
-              </a:defPPr>
-              <a:lvl1pPr marL="0" algn="ctr" defTabSz="914400" rtl="0" eaLnBrk="1" latinLnBrk="0" hangingPunct="1">
-                <a:defRPr sz="1800" kern="1200">
-                  <a:solidFill>
-                    <a:schemeClr val="tx1">
-                      <a:tint val="75000"/>
-                    </a:schemeClr>
-                  </a:solidFill>
-                  <a:latin typeface="+mn-lt"/>
-                  <a:ea typeface="+mn-ea"/>
-                  <a:cs typeface="+mn-cs"/>
-                </a:defRPr>
-              </a:lvl1pPr>
-              <a:lvl2pPr marL="457200" algn="l" defTabSz="914400" rtl="0" eaLnBrk="1" latinLnBrk="0" hangingPunct="1">
-                <a:defRPr sz="1800" kern="1200">
-                  <a:solidFill>
-                    <a:schemeClr val="tx1"/>
-                  </a:solidFill>
-                  <a:latin typeface="+mn-lt"/>
-                  <a:ea typeface="+mn-ea"/>
-                  <a:cs typeface="+mn-cs"/>
-                </a:defRPr>
-              </a:lvl2pPr>
-              <a:lvl3pPr marL="914400" algn="l" defTabSz="914400" rtl="0" eaLnBrk="1" latinLnBrk="0" hangingPunct="1">
-                <a:defRPr sz="1800" kern="1200">
-                  <a:solidFill>
-                    <a:schemeClr val="tx1"/>
-                  </a:solidFill>
-                  <a:latin typeface="+mn-lt"/>
-                  <a:ea typeface="+mn-ea"/>
-                  <a:cs typeface="+mn-cs"/>
-                </a:defRPr>
-              </a:lvl3pPr>
-              <a:lvl4pPr marL="1371600" algn="l" defTabSz="914400" rtl="0" eaLnBrk="1" latinLnBrk="0" hangingPunct="1">
-                <a:defRPr sz="1800" kern="1200">
-                  <a:solidFill>
-                    <a:schemeClr val="tx1"/>
-                  </a:solidFill>
-                  <a:latin typeface="+mn-lt"/>
-                  <a:ea typeface="+mn-ea"/>
-                  <a:cs typeface="+mn-cs"/>
-                </a:defRPr>
-              </a:lvl4pPr>
-              <a:lvl5pPr marL="1828800" algn="l" defTabSz="914400" rtl="0" eaLnBrk="1" latinLnBrk="0" hangingPunct="1">
-                <a:defRPr sz="1800" kern="1200">
-                  <a:solidFill>
-                    <a:schemeClr val="tx1"/>
-                  </a:solidFill>
-                  <a:latin typeface="+mn-lt"/>
-                  <a:ea typeface="+mn-ea"/>
-                  <a:cs typeface="+mn-cs"/>
-                </a:defRPr>
-              </a:lvl5pPr>
-              <a:lvl6pPr marL="2286000" algn="l" defTabSz="914400" rtl="0" eaLnBrk="1" latinLnBrk="0" hangingPunct="1">
-                <a:defRPr sz="1800" kern="1200">
-                  <a:solidFill>
-                    <a:schemeClr val="tx1"/>
-                  </a:solidFill>
-                  <a:latin typeface="+mn-lt"/>
-                  <a:ea typeface="+mn-ea"/>
-                  <a:cs typeface="+mn-cs"/>
-                </a:defRPr>
-              </a:lvl6pPr>
-              <a:lvl7pPr marL="2743200" algn="l" defTabSz="914400" rtl="0" eaLnBrk="1" latinLnBrk="0" hangingPunct="1">
-                <a:defRPr sz="1800" kern="1200">
-                  <a:solidFill>
-                    <a:schemeClr val="tx1"/>
-                  </a:solidFill>
-                  <a:latin typeface="+mn-lt"/>
-                  <a:ea typeface="+mn-ea"/>
-                  <a:cs typeface="+mn-cs"/>
-                </a:defRPr>
-              </a:lvl7pPr>
-              <a:lvl8pPr marL="3200400" algn="l" defTabSz="914400" rtl="0" eaLnBrk="1" latinLnBrk="0" hangingPunct="1">
-                <a:defRPr sz="1800" kern="1200">
-                  <a:solidFill>
-                    <a:schemeClr val="tx1"/>
-                  </a:solidFill>
-                  <a:latin typeface="+mn-lt"/>
-                  <a:ea typeface="+mn-ea"/>
-                  <a:cs typeface="+mn-cs"/>
-                </a:defRPr>
-              </a:lvl8pPr>
-              <a:lvl9pPr marL="3657600" algn="l" defTabSz="914400" rtl="0" eaLnBrk="1" latinLnBrk="0" hangingPunct="1">
-                <a:defRPr sz="1800" kern="1200">
-                  <a:solidFill>
-                    <a:schemeClr val="tx1"/>
-                  </a:solidFill>
-                  <a:latin typeface="+mn-lt"/>
-                  <a:ea typeface="+mn-ea"/>
-                  <a:cs typeface="+mn-cs"/>
-                </a:defRPr>
-              </a:lvl9pPr>
-            </a:lstStyle>
-            <a:p>
-              <a:pPr>
-                <a:buClr>
-                  <a:schemeClr val="dk1"/>
-                </a:buClr>
-                <a:buSzPts val="1100"/>
-              </a:pPr>
-              <a:r>
-                <a:rPr lang="pt-PT" sz="2400" dirty="0" err="1">
-                  <a:solidFill>
-                    <a:schemeClr val="tx1"/>
-                  </a:solidFill>
-                  <a:latin typeface="+mj-lt"/>
-                </a:rPr>
-                <a:t>OpenAI</a:t>
-              </a:r>
-              <a:endParaRPr lang="pt-PT" sz="2400" dirty="0">
-                <a:solidFill>
-                  <a:schemeClr val="tx1"/>
-                </a:solidFill>
-                <a:latin typeface="+mj-lt"/>
-              </a:endParaRPr>
-            </a:p>
-          </p:txBody>
-        </p:sp>
-        <p:sp>
-          <p:nvSpPr>
-            <p:cNvPr id="9" name="Google Shape;419;p67">
-              <a:extLst>
-                <a:ext uri="{FF2B5EF4-FFF2-40B4-BE49-F238E27FC236}">
-                  <a16:creationId xmlns:a16="http://schemas.microsoft.com/office/drawing/2014/main" id="{091F7420-4A50-6816-BA58-C1BCEFBDA276}"/>
-                </a:ext>
-              </a:extLst>
-            </p:cNvPr>
-            <p:cNvSpPr txBox="1">
-              <a:spLocks/>
-            </p:cNvSpPr>
-            <p:nvPr/>
-          </p:nvSpPr>
-          <p:spPr>
-            <a:xfrm>
-              <a:off x="7668079" y="4539423"/>
-              <a:ext cx="1817140" cy="795600"/>
-            </a:xfrm>
-            <a:prstGeom prst="rect">
-              <a:avLst/>
-            </a:prstGeom>
-          </p:spPr>
-          <p:txBody>
-            <a:bodyPr spcFirstLastPara="1" wrap="square" lIns="91425" tIns="91425" rIns="91425" bIns="91425" anchor="ctr" anchorCtr="0">
-              <a:noAutofit/>
-            </a:bodyPr>
-            <a:lstStyle>
-              <a:defPPr>
-                <a:defRPr lang="pt-PT"/>
-              </a:defPPr>
-              <a:lvl1pPr marL="0" algn="l" defTabSz="914400" rtl="0" eaLnBrk="1" latinLnBrk="0" hangingPunct="1">
-                <a:defRPr sz="1800" kern="1200">
-                  <a:solidFill>
-                    <a:schemeClr val="tx1">
-                      <a:tint val="75000"/>
-                    </a:schemeClr>
-                  </a:solidFill>
-                  <a:latin typeface="+mn-lt"/>
-                  <a:ea typeface="+mn-ea"/>
-                  <a:cs typeface="+mn-cs"/>
-                </a:defRPr>
-              </a:lvl1pPr>
-              <a:lvl2pPr marL="457200" algn="l" defTabSz="914400" rtl="0" eaLnBrk="1" latinLnBrk="0" hangingPunct="1">
-                <a:defRPr sz="1800" kern="1200">
-                  <a:solidFill>
-                    <a:schemeClr val="tx1"/>
-                  </a:solidFill>
-                  <a:latin typeface="+mn-lt"/>
-                  <a:ea typeface="+mn-ea"/>
-                  <a:cs typeface="+mn-cs"/>
-                </a:defRPr>
-              </a:lvl2pPr>
-              <a:lvl3pPr marL="914400" algn="l" defTabSz="914400" rtl="0" eaLnBrk="1" latinLnBrk="0" hangingPunct="1">
-                <a:defRPr sz="1800" kern="1200">
-                  <a:solidFill>
-                    <a:schemeClr val="tx1"/>
-                  </a:solidFill>
-                  <a:latin typeface="+mn-lt"/>
-                  <a:ea typeface="+mn-ea"/>
-                  <a:cs typeface="+mn-cs"/>
-                </a:defRPr>
-              </a:lvl3pPr>
-              <a:lvl4pPr marL="1371600" algn="l" defTabSz="914400" rtl="0" eaLnBrk="1" latinLnBrk="0" hangingPunct="1">
-                <a:defRPr sz="1800" kern="1200">
-                  <a:solidFill>
-                    <a:schemeClr val="tx1"/>
-                  </a:solidFill>
-                  <a:latin typeface="+mn-lt"/>
-                  <a:ea typeface="+mn-ea"/>
-                  <a:cs typeface="+mn-cs"/>
-                </a:defRPr>
-              </a:lvl4pPr>
-              <a:lvl5pPr marL="1828800" algn="l" defTabSz="914400" rtl="0" eaLnBrk="1" latinLnBrk="0" hangingPunct="1">
-                <a:defRPr sz="1800" kern="1200">
-                  <a:solidFill>
-                    <a:schemeClr val="tx1"/>
-                  </a:solidFill>
-                  <a:latin typeface="+mn-lt"/>
-                  <a:ea typeface="+mn-ea"/>
-                  <a:cs typeface="+mn-cs"/>
-                </a:defRPr>
-              </a:lvl5pPr>
-              <a:lvl6pPr marL="2286000" algn="l" defTabSz="914400" rtl="0" eaLnBrk="1" latinLnBrk="0" hangingPunct="1">
-                <a:defRPr sz="1800" kern="1200">
-                  <a:solidFill>
-                    <a:schemeClr val="tx1"/>
-                  </a:solidFill>
-                  <a:latin typeface="+mn-lt"/>
-                  <a:ea typeface="+mn-ea"/>
-                  <a:cs typeface="+mn-cs"/>
-                </a:defRPr>
-              </a:lvl6pPr>
-              <a:lvl7pPr marL="2743200" algn="l" defTabSz="914400" rtl="0" eaLnBrk="1" latinLnBrk="0" hangingPunct="1">
-                <a:defRPr sz="1800" kern="1200">
-                  <a:solidFill>
-                    <a:schemeClr val="tx1"/>
-                  </a:solidFill>
-                  <a:latin typeface="+mn-lt"/>
-                  <a:ea typeface="+mn-ea"/>
-                  <a:cs typeface="+mn-cs"/>
-                </a:defRPr>
-              </a:lvl7pPr>
-              <a:lvl8pPr marL="3200400" algn="l" defTabSz="914400" rtl="0" eaLnBrk="1" latinLnBrk="0" hangingPunct="1">
-                <a:defRPr sz="1800" kern="1200">
-                  <a:solidFill>
-                    <a:schemeClr val="tx1"/>
-                  </a:solidFill>
-                  <a:latin typeface="+mn-lt"/>
-                  <a:ea typeface="+mn-ea"/>
-                  <a:cs typeface="+mn-cs"/>
-                </a:defRPr>
-              </a:lvl8pPr>
-              <a:lvl9pPr marL="3657600" algn="l" defTabSz="914400" rtl="0" eaLnBrk="1" latinLnBrk="0" hangingPunct="1">
-                <a:defRPr sz="1800" kern="1200">
-                  <a:solidFill>
-                    <a:schemeClr val="tx1"/>
-                  </a:solidFill>
-                  <a:latin typeface="+mn-lt"/>
-                  <a:ea typeface="+mn-ea"/>
-                  <a:cs typeface="+mn-cs"/>
-                </a:defRPr>
-              </a:lvl9pPr>
-            </a:lstStyle>
-            <a:p>
-              <a:pPr>
-                <a:buClr>
-                  <a:schemeClr val="dk1"/>
-                </a:buClr>
-                <a:buSzPts val="1100"/>
-                <a:buFont typeface="Arial"/>
-                <a:buNone/>
-              </a:pPr>
-              <a:r>
-                <a:rPr lang="en-US" sz="2000" dirty="0">
-                  <a:solidFill>
-                    <a:schemeClr val="tx1"/>
-                  </a:solidFill>
-                  <a:latin typeface="Calibri Light" panose="020F0302020204030204" pitchFamily="34" charset="0"/>
-                  <a:ea typeface="Calibri Light" panose="020F0302020204030204" pitchFamily="34" charset="0"/>
-                  <a:cs typeface="Calibri Light" panose="020F0302020204030204" pitchFamily="34" charset="0"/>
-                </a:rPr>
-                <a:t>Same as </a:t>
-              </a:r>
-              <a:r>
-                <a:rPr lang="en-US" sz="2000" dirty="0" err="1">
-                  <a:solidFill>
-                    <a:schemeClr val="tx1"/>
-                  </a:solidFill>
-                  <a:latin typeface="Calibri Light" panose="020F0302020204030204" pitchFamily="34" charset="0"/>
-                  <a:ea typeface="Calibri Light" panose="020F0302020204030204" pitchFamily="34" charset="0"/>
-                  <a:cs typeface="Calibri Light" panose="020F0302020204030204" pitchFamily="34" charset="0"/>
-                </a:rPr>
-                <a:t>GPTZero</a:t>
-              </a:r>
-              <a:endParaRPr lang="en-US" sz="2000" dirty="0">
-                <a:solidFill>
-                  <a:schemeClr val="tx1"/>
-                </a:solidFill>
-                <a:latin typeface="Calibri Light" panose="020F0302020204030204" pitchFamily="34" charset="0"/>
-                <a:ea typeface="Calibri Light" panose="020F0302020204030204" pitchFamily="34" charset="0"/>
-                <a:cs typeface="Calibri Light" panose="020F0302020204030204" pitchFamily="34" charset="0"/>
-              </a:endParaRPr>
-            </a:p>
-            <a:p>
-              <a:pPr>
-                <a:buClr>
-                  <a:schemeClr val="dk1"/>
-                </a:buClr>
-                <a:buSzPts val="1100"/>
-                <a:buFont typeface="Arial"/>
-                <a:buNone/>
-              </a:pPr>
-              <a:r>
-                <a:rPr lang="en-US" sz="2000" dirty="0">
-                  <a:solidFill>
-                    <a:schemeClr val="tx1"/>
-                  </a:solidFill>
-                  <a:latin typeface="Calibri Light" panose="020F0302020204030204" pitchFamily="34" charset="0"/>
-                  <a:ea typeface="Calibri Light" panose="020F0302020204030204" pitchFamily="34" charset="0"/>
-                  <a:cs typeface="Calibri Light" panose="020F0302020204030204" pitchFamily="34" charset="0"/>
-                </a:rPr>
-                <a:t>Unreliable detection </a:t>
-              </a:r>
-            </a:p>
-          </p:txBody>
-        </p:sp>
-        <p:sp>
-          <p:nvSpPr>
-            <p:cNvPr id="15" name="Google Shape;435;p67">
-              <a:extLst>
-                <a:ext uri="{FF2B5EF4-FFF2-40B4-BE49-F238E27FC236}">
-                  <a16:creationId xmlns:a16="http://schemas.microsoft.com/office/drawing/2014/main" id="{9E91508B-512F-F88E-70FE-32AD82B99584}"/>
-                </a:ext>
-              </a:extLst>
-            </p:cNvPr>
-            <p:cNvSpPr/>
-            <p:nvPr/>
-          </p:nvSpPr>
-          <p:spPr>
-            <a:xfrm>
-              <a:off x="2133600" y="4267200"/>
-              <a:ext cx="2472000" cy="1341000"/>
-            </a:xfrm>
-            <a:prstGeom prst="frame">
-              <a:avLst>
-                <a:gd name="adj1" fmla="val 2831"/>
-              </a:avLst>
-            </a:prstGeom>
-            <a:solidFill>
-              <a:schemeClr val="tx1"/>
-            </a:solidFill>
-            <a:ln>
-              <a:noFill/>
-            </a:ln>
-          </p:spPr>
-          <p:style>
-            <a:lnRef idx="2">
-              <a:schemeClr val="accent1"/>
-            </a:lnRef>
-            <a:fillRef idx="1">
-              <a:schemeClr val="lt1"/>
-            </a:fillRef>
-            <a:effectRef idx="0">
-              <a:schemeClr val="accent1"/>
-            </a:effectRef>
-            <a:fontRef idx="minor">
-              <a:schemeClr val="dk1"/>
-            </a:fontRef>
-          </p:style>
-          <p:txBody>
-            <a:bodyPr spcFirstLastPara="1" wrap="square" lIns="91425" tIns="91425" rIns="91425" bIns="91425" anchor="ctr" anchorCtr="0">
-              <a:noAutofit/>
-            </a:bodyPr>
-            <a:lstStyle/>
-            <a:p>
-              <a:pPr marL="0" lvl="0" indent="0" algn="l" rtl="0">
-                <a:spcBef>
-                  <a:spcPts val="0"/>
-                </a:spcBef>
-                <a:spcAft>
-                  <a:spcPts val="0"/>
-                </a:spcAft>
-                <a:buNone/>
-              </a:pPr>
-              <a:endParaRPr dirty="0" err="1"/>
-            </a:p>
-          </p:txBody>
-        </p:sp>
-        <p:sp>
-          <p:nvSpPr>
-            <p:cNvPr id="16" name="Google Shape;436;p67">
-              <a:extLst>
-                <a:ext uri="{FF2B5EF4-FFF2-40B4-BE49-F238E27FC236}">
-                  <a16:creationId xmlns:a16="http://schemas.microsoft.com/office/drawing/2014/main" id="{7B845B13-D533-1488-4DE2-B2DB3C006401}"/>
-                </a:ext>
-              </a:extLst>
-            </p:cNvPr>
-            <p:cNvSpPr/>
-            <p:nvPr/>
-          </p:nvSpPr>
-          <p:spPr>
-            <a:xfrm>
-              <a:off x="4745831" y="4267200"/>
-              <a:ext cx="2472000" cy="1341000"/>
-            </a:xfrm>
-            <a:prstGeom prst="frame">
-              <a:avLst>
-                <a:gd name="adj1" fmla="val 2831"/>
-              </a:avLst>
-            </a:prstGeom>
-            <a:solidFill>
-              <a:schemeClr val="tx1"/>
-            </a:solidFill>
-            <a:ln>
-              <a:noFill/>
-            </a:ln>
-          </p:spPr>
-          <p:txBody>
-            <a:bodyPr spcFirstLastPara="1" wrap="square" lIns="91425" tIns="91425" rIns="91425" bIns="91425" anchor="ctr" anchorCtr="0">
-              <a:noAutofit/>
-            </a:bodyPr>
-            <a:lstStyle/>
-            <a:p>
-              <a:pPr marL="0" lvl="0" indent="0" algn="l" rtl="0">
-                <a:spcBef>
-                  <a:spcPts val="0"/>
-                </a:spcBef>
-                <a:spcAft>
-                  <a:spcPts val="0"/>
-                </a:spcAft>
-                <a:buNone/>
-              </a:pPr>
-              <a:endParaRPr dirty="0"/>
-            </a:p>
-          </p:txBody>
-        </p:sp>
-        <p:pic>
-          <p:nvPicPr>
-            <p:cNvPr id="18" name="Picture 2">
-              <a:extLst>
-                <a:ext uri="{FF2B5EF4-FFF2-40B4-BE49-F238E27FC236}">
-                  <a16:creationId xmlns:a16="http://schemas.microsoft.com/office/drawing/2014/main" id="{199E1AE4-90F7-1E63-EBF6-48B92EB19549}"/>
-                </a:ext>
-              </a:extLst>
-            </p:cNvPr>
-            <p:cNvPicPr>
-              <a:picLocks noChangeAspect="1"/>
-            </p:cNvPicPr>
-            <p:nvPr/>
-          </p:nvPicPr>
-          <p:blipFill rotWithShape="1">
-            <a:blip r:embed="rId2"/>
-            <a:srcRect l="52" t="-235" r="75325" b="-437"/>
-            <a:stretch/>
-          </p:blipFill>
-          <p:spPr>
-            <a:xfrm>
-              <a:off x="2870933" y="2609895"/>
-              <a:ext cx="957199" cy="948150"/>
-            </a:xfrm>
-            <a:prstGeom prst="rect">
-              <a:avLst/>
-            </a:prstGeom>
-            <a:ln>
-              <a:noFill/>
-            </a:ln>
-          </p:spPr>
-        </p:pic>
-        <p:pic>
-          <p:nvPicPr>
-            <p:cNvPr id="19" name="Picture 4" descr="Shape, arrow&#10;&#10;Description automatically generated">
-              <a:extLst>
-                <a:ext uri="{FF2B5EF4-FFF2-40B4-BE49-F238E27FC236}">
-                  <a16:creationId xmlns:a16="http://schemas.microsoft.com/office/drawing/2014/main" id="{7E24A7B6-5AF6-18ED-EF5C-A8A2A0EBCCFB}"/>
-                </a:ext>
-              </a:extLst>
-            </p:cNvPr>
-            <p:cNvPicPr>
-              <a:picLocks noChangeAspect="1"/>
-            </p:cNvPicPr>
-            <p:nvPr/>
-          </p:nvPicPr>
-          <p:blipFill rotWithShape="1">
-            <a:blip r:embed="rId3"/>
-            <a:srcRect l="63359" t="10300" r="8049" b="39657"/>
-            <a:stretch/>
-          </p:blipFill>
-          <p:spPr>
-            <a:xfrm>
-              <a:off x="5534090" y="2606832"/>
-              <a:ext cx="951612" cy="981904"/>
-            </a:xfrm>
-            <a:prstGeom prst="rect">
-              <a:avLst/>
-            </a:prstGeom>
-          </p:spPr>
-        </p:pic>
-      </p:grpSp>
-      <p:pic>
-        <p:nvPicPr>
-          <p:cNvPr id="1026" name="Picture 2" descr="Open Ai Logo PNG Vectors Free Download">
-            <a:extLst>
-              <a:ext uri="{FF2B5EF4-FFF2-40B4-BE49-F238E27FC236}">
-                <a16:creationId xmlns:a16="http://schemas.microsoft.com/office/drawing/2014/main" id="{D6CCA727-465B-5FC6-E787-6AA4CC2E5898}"/>
-              </a:ext>
-            </a:extLst>
-          </p:cNvPr>
-          <p:cNvPicPr>
-            <a:picLocks noChangeAspect="1" noChangeArrowheads="1"/>
-          </p:cNvPicPr>
-          <p:nvPr/>
-        </p:nvPicPr>
-        <p:blipFill>
-          <a:blip r:embed="rId4">
-            <a:extLst>
-              <a:ext uri="{28A0092B-C50C-407E-A947-70E740481C1C}">
-                <a14:useLocalDpi xmlns:a14="http://schemas.microsoft.com/office/drawing/2010/main" val="0"/>
-              </a:ext>
-            </a:extLst>
-          </a:blip>
-          <a:srcRect/>
-          <a:stretch>
-            <a:fillRect/>
-          </a:stretch>
-        </p:blipFill>
-        <p:spPr bwMode="auto">
-          <a:xfrm>
-            <a:off x="8840074" y="2286000"/>
-            <a:ext cx="1253856" cy="1270800"/>
-          </a:xfrm>
-          <a:prstGeom prst="rect">
-            <a:avLst/>
-          </a:prstGeom>
-          <a:noFill/>
-          <a:extLst>
-            <a:ext uri="{909E8E84-426E-40DD-AFC4-6F175D3DCCD1}">
-              <a14:hiddenFill xmlns:a14="http://schemas.microsoft.com/office/drawing/2010/main">
-                <a:solidFill>
-                  <a:srgbClr val="FFFFFF"/>
-                </a:solidFill>
-              </a14:hiddenFill>
-            </a:ext>
-          </a:extLst>
-        </p:spPr>
-      </p:pic>
-      <p:sp>
-        <p:nvSpPr>
-          <p:cNvPr id="24" name="Google Shape;436;p67">
-            <a:extLst>
-              <a:ext uri="{FF2B5EF4-FFF2-40B4-BE49-F238E27FC236}">
-                <a16:creationId xmlns:a16="http://schemas.microsoft.com/office/drawing/2014/main" id="{9776FFC2-1D61-C4CE-A55D-57F7665643B1}"/>
-              </a:ext>
-            </a:extLst>
-          </p:cNvPr>
-          <p:cNvSpPr/>
-          <p:nvPr/>
-        </p:nvSpPr>
-        <p:spPr>
-          <a:xfrm>
-            <a:off x="7866650" y="4262400"/>
-            <a:ext cx="3200707" cy="1736306"/>
-          </a:xfrm>
-          <a:prstGeom prst="frame">
-            <a:avLst>
-              <a:gd name="adj1" fmla="val 2831"/>
-            </a:avLst>
-          </a:prstGeom>
-          <a:solidFill>
-            <a:schemeClr val="tx1"/>
-          </a:solidFill>
-          <a:ln>
-            <a:noFill/>
-          </a:ln>
-        </p:spPr>
-        <p:txBody>
-          <a:bodyPr spcFirstLastPara="1" wrap="square" lIns="91425" tIns="91425" rIns="91425" bIns="91425" anchor="ctr" anchorCtr="0">
-            <a:noAutofit/>
-          </a:bodyPr>
-          <a:lstStyle/>
-          <a:p>
-            <a:pPr marL="0" lvl="0" indent="0" algn="l" rtl="0">
-              <a:spcBef>
-                <a:spcPts val="0"/>
-              </a:spcBef>
-              <a:spcAft>
-                <a:spcPts val="0"/>
-              </a:spcAft>
-              <a:buNone/>
-            </a:pPr>
-            <a:endParaRPr dirty="0"/>
           </a:p>
         </p:txBody>
       </p:sp>
       <p:sp>
         <p:nvSpPr>
-          <p:cNvPr id="3" name="object 4">
+          <p:cNvPr id="3" name="Marcador de Posição do Texto 2">
             <a:extLst>
               <a:ext uri="{FF2B5EF4-FFF2-40B4-BE49-F238E27FC236}">
-                <a16:creationId xmlns:a16="http://schemas.microsoft.com/office/drawing/2014/main" id="{03236AE1-0556-DB61-A058-6683A9236999}"/>
+                <a16:creationId xmlns:a16="http://schemas.microsoft.com/office/drawing/2014/main" id="{AF8953A9-B3E3-9AA3-2A00-7FF1803650A1}"/>
+              </a:ext>
+            </a:extLst>
+          </p:cNvPr>
+          <p:cNvSpPr>
+            <a:spLocks noGrp="1"/>
+          </p:cNvSpPr>
+          <p:nvPr>
+            <p:ph type="body" idx="1"/>
+          </p:nvPr>
+        </p:nvSpPr>
+        <p:spPr>
+          <a:xfrm>
+            <a:off x="916939" y="1339516"/>
+            <a:ext cx="10358120" cy="5816977"/>
+          </a:xfrm>
+        </p:spPr>
+        <p:txBody>
+          <a:bodyPr wrap="square" lIns="0" tIns="0" rIns="0" bIns="0" anchor="t">
+            <a:spAutoFit/>
+          </a:bodyPr>
+          <a:lstStyle/>
+          <a:p>
+            <a:pPr marL="285750" indent="-285750">
+              <a:buFont typeface="Arial" panose="020B0604020202020204" pitchFamily="34" charset="0"/>
+              <a:buChar char="•"/>
+            </a:pPr>
+            <a:r>
+              <a:rPr lang="pt-PT" sz="2400" dirty="0" err="1">
+                <a:latin typeface="Calibri Light"/>
+                <a:ea typeface="Calibri Light" panose="020F0302020204030204" pitchFamily="34" charset="0"/>
+                <a:cs typeface="Calibri Light"/>
+              </a:rPr>
+              <a:t>Downloadable</a:t>
+            </a:r>
+            <a:r>
+              <a:rPr lang="pt-PT" sz="2400" dirty="0">
+                <a:latin typeface="Calibri Light"/>
+                <a:ea typeface="Calibri Light" panose="020F0302020204030204" pitchFamily="34" charset="0"/>
+                <a:cs typeface="Calibri Light"/>
+              </a:rPr>
+              <a:t> - Chrome</a:t>
+            </a:r>
+            <a:endParaRPr lang="pt-PT" sz="2400" dirty="0">
+              <a:latin typeface="Calibri Light"/>
+              <a:ea typeface="Calibri Light" panose="020F0302020204030204" pitchFamily="34" charset="0"/>
+              <a:cs typeface="Calibri Light" panose="020F0302020204030204" pitchFamily="34" charset="0"/>
+            </a:endParaRPr>
+          </a:p>
+          <a:p>
+            <a:endParaRPr lang="pt-PT" sz="2400" dirty="0">
+              <a:latin typeface="Calibri Light" panose="020F0302020204030204" pitchFamily="34" charset="0"/>
+              <a:ea typeface="Calibri Light" panose="020F0302020204030204" pitchFamily="34" charset="0"/>
+              <a:cs typeface="Calibri Light" panose="020F0302020204030204" pitchFamily="34" charset="0"/>
+            </a:endParaRPr>
+          </a:p>
+          <a:p>
+            <a:pPr marL="285750" indent="-285750">
+              <a:buFont typeface="Arial" panose="020B0604020202020204" pitchFamily="34" charset="0"/>
+              <a:buChar char="•"/>
+            </a:pPr>
+            <a:r>
+              <a:rPr lang="pt-PT" sz="2400" dirty="0" err="1">
+                <a:latin typeface="Calibri Light" panose="020F0302020204030204" pitchFamily="34" charset="0"/>
+                <a:ea typeface="Calibri Light" panose="020F0302020204030204" pitchFamily="34" charset="0"/>
+                <a:cs typeface="Calibri Light" panose="020F0302020204030204" pitchFamily="34" charset="0"/>
+              </a:rPr>
+              <a:t>Overall</a:t>
+            </a:r>
+            <a:r>
+              <a:rPr lang="pt-PT" sz="2400" dirty="0">
+                <a:latin typeface="Calibri Light" panose="020F0302020204030204" pitchFamily="34" charset="0"/>
+                <a:ea typeface="Calibri Light" panose="020F0302020204030204" pitchFamily="34" charset="0"/>
+                <a:cs typeface="Calibri Light" panose="020F0302020204030204" pitchFamily="34" charset="0"/>
+              </a:rPr>
+              <a:t> </a:t>
+            </a:r>
+            <a:r>
+              <a:rPr lang="pt-PT" sz="2400" dirty="0" err="1">
+                <a:latin typeface="Calibri Light" panose="020F0302020204030204" pitchFamily="34" charset="0"/>
+                <a:ea typeface="Calibri Light" panose="020F0302020204030204" pitchFamily="34" charset="0"/>
+                <a:cs typeface="Calibri Light" panose="020F0302020204030204" pitchFamily="34" charset="0"/>
+              </a:rPr>
+              <a:t>evaluation</a:t>
+            </a:r>
+            <a:r>
+              <a:rPr lang="pt-PT" sz="2400" dirty="0">
+                <a:latin typeface="Calibri Light" panose="020F0302020204030204" pitchFamily="34" charset="0"/>
+                <a:ea typeface="Calibri Light" panose="020F0302020204030204" pitchFamily="34" charset="0"/>
+                <a:cs typeface="Calibri Light" panose="020F0302020204030204" pitchFamily="34" charset="0"/>
+              </a:rPr>
+              <a:t> </a:t>
+            </a:r>
+            <a:r>
+              <a:rPr lang="pt-PT" sz="2400" dirty="0" err="1">
+                <a:latin typeface="Calibri Light" panose="020F0302020204030204" pitchFamily="34" charset="0"/>
+                <a:ea typeface="Calibri Light" panose="020F0302020204030204" pitchFamily="34" charset="0"/>
+                <a:cs typeface="Calibri Light" panose="020F0302020204030204" pitchFamily="34" charset="0"/>
+              </a:rPr>
+              <a:t>of</a:t>
+            </a:r>
+            <a:r>
+              <a:rPr lang="pt-PT" sz="2400" dirty="0">
+                <a:latin typeface="Calibri Light" panose="020F0302020204030204" pitchFamily="34" charset="0"/>
+                <a:ea typeface="Calibri Light" panose="020F0302020204030204" pitchFamily="34" charset="0"/>
+                <a:cs typeface="Calibri Light" panose="020F0302020204030204" pitchFamily="34" charset="0"/>
+              </a:rPr>
+              <a:t> </a:t>
+            </a:r>
+            <a:r>
+              <a:rPr lang="pt-PT" sz="2400" dirty="0" err="1">
+                <a:latin typeface="Calibri Light" panose="020F0302020204030204" pitchFamily="34" charset="0"/>
+                <a:ea typeface="Calibri Light" panose="020F0302020204030204" pitchFamily="34" charset="0"/>
+                <a:cs typeface="Calibri Light" panose="020F0302020204030204" pitchFamily="34" charset="0"/>
+              </a:rPr>
+              <a:t>current</a:t>
+            </a:r>
+            <a:r>
+              <a:rPr lang="pt-PT" sz="2400" dirty="0">
+                <a:latin typeface="Calibri Light" panose="020F0302020204030204" pitchFamily="34" charset="0"/>
+                <a:ea typeface="Calibri Light" panose="020F0302020204030204" pitchFamily="34" charset="0"/>
+                <a:cs typeface="Calibri Light" panose="020F0302020204030204" pitchFamily="34" charset="0"/>
+              </a:rPr>
+              <a:t> website </a:t>
+            </a:r>
+            <a:r>
+              <a:rPr lang="pt-PT" sz="2400" dirty="0" err="1">
+                <a:latin typeface="Calibri Light" panose="020F0302020204030204" pitchFamily="34" charset="0"/>
+                <a:ea typeface="Calibri Light" panose="020F0302020204030204" pitchFamily="34" charset="0"/>
+                <a:cs typeface="Calibri Light" panose="020F0302020204030204" pitchFamily="34" charset="0"/>
+              </a:rPr>
+              <a:t>or</a:t>
+            </a:r>
+            <a:r>
+              <a:rPr lang="pt-PT" sz="2400" dirty="0">
+                <a:latin typeface="Calibri Light" panose="020F0302020204030204" pitchFamily="34" charset="0"/>
+                <a:ea typeface="Calibri Light" panose="020F0302020204030204" pitchFamily="34" charset="0"/>
+                <a:cs typeface="Calibri Light" panose="020F0302020204030204" pitchFamily="34" charset="0"/>
+              </a:rPr>
+              <a:t> PDF</a:t>
+            </a:r>
+          </a:p>
+          <a:p>
+            <a:endParaRPr lang="pt-PT" sz="2400" dirty="0">
+              <a:latin typeface="Calibri Light" panose="020F0302020204030204" pitchFamily="34" charset="0"/>
+              <a:ea typeface="Calibri Light" panose="020F0302020204030204" pitchFamily="34" charset="0"/>
+              <a:cs typeface="Calibri Light" panose="020F0302020204030204" pitchFamily="34" charset="0"/>
+            </a:endParaRPr>
+          </a:p>
+          <a:p>
+            <a:pPr marL="285750" indent="-285750">
+              <a:buFont typeface="Arial" panose="020B0604020202020204" pitchFamily="34" charset="0"/>
+              <a:buChar char="•"/>
+            </a:pPr>
+            <a:r>
+              <a:rPr lang="en-US" sz="2400" dirty="0">
+                <a:latin typeface="Calibri Light" panose="020F0302020204030204" pitchFamily="34" charset="0"/>
+                <a:ea typeface="Calibri Light" panose="020F0302020204030204" pitchFamily="34" charset="0"/>
+                <a:cs typeface="Calibri Light" panose="020F0302020204030204" pitchFamily="34" charset="0"/>
+              </a:rPr>
+              <a:t>Highlight suspicious parts of web page or PDF</a:t>
+            </a:r>
+          </a:p>
+          <a:p>
+            <a:pPr marL="285750" indent="-285750">
+              <a:buFont typeface="Arial" panose="020B0604020202020204" pitchFamily="34" charset="0"/>
+              <a:buChar char="•"/>
+            </a:pPr>
+            <a:endParaRPr lang="en-US" sz="2400" dirty="0">
+              <a:latin typeface="Calibri Light" panose="020F0302020204030204" pitchFamily="34" charset="0"/>
+              <a:ea typeface="Calibri Light" panose="020F0302020204030204" pitchFamily="34" charset="0"/>
+              <a:cs typeface="Calibri Light" panose="020F0302020204030204" pitchFamily="34" charset="0"/>
+            </a:endParaRPr>
+          </a:p>
+          <a:p>
+            <a:pPr marL="285750" indent="-285750">
+              <a:buFont typeface="Arial" panose="020B0604020202020204" pitchFamily="34" charset="0"/>
+              <a:buChar char="•"/>
+            </a:pPr>
+            <a:r>
+              <a:rPr lang="en-US" sz="2400" dirty="0">
+                <a:solidFill>
+                  <a:srgbClr val="000000"/>
+                </a:solidFill>
+                <a:latin typeface="Calibri Light"/>
+                <a:ea typeface="Calibri Light" panose="020F0302020204030204" pitchFamily="34" charset="0"/>
+                <a:cs typeface="Calibri Light"/>
+              </a:rPr>
+              <a:t>Select any text and analyze it</a:t>
+            </a:r>
+          </a:p>
+          <a:p>
+            <a:endParaRPr lang="pt-PT" sz="2400" dirty="0">
+              <a:solidFill>
+                <a:srgbClr val="000000"/>
+              </a:solidFill>
+              <a:latin typeface="Calibri Light" panose="020F0302020204030204" pitchFamily="34" charset="0"/>
+              <a:ea typeface="Calibri Light" panose="020F0302020204030204" pitchFamily="34" charset="0"/>
+              <a:cs typeface="Calibri Light" panose="020F0302020204030204" pitchFamily="34" charset="0"/>
+            </a:endParaRPr>
+          </a:p>
+          <a:p>
+            <a:pPr marL="285750" indent="-285750" algn="l">
+              <a:buFont typeface="Arial" panose="020B0604020202020204" pitchFamily="34" charset="0"/>
+              <a:buChar char="•"/>
+            </a:pPr>
+            <a:r>
+              <a:rPr lang="pt-PT" sz="2400" b="0" i="0" dirty="0">
+                <a:solidFill>
+                  <a:srgbClr val="000000"/>
+                </a:solidFill>
+                <a:effectLst/>
+                <a:latin typeface="Calibri Light" panose="020F0302020204030204" pitchFamily="34" charset="0"/>
+                <a:ea typeface="Calibri Light" panose="020F0302020204030204" pitchFamily="34" charset="0"/>
+                <a:cs typeface="Calibri Light" panose="020F0302020204030204" pitchFamily="34" charset="0"/>
+              </a:rPr>
+              <a:t>UI/UX Design</a:t>
+            </a:r>
+            <a:endParaRPr lang="en-US" sz="2400" dirty="0">
+              <a:latin typeface="Calibri Light" panose="020F0302020204030204" pitchFamily="34" charset="0"/>
+              <a:ea typeface="Calibri Light" panose="020F0302020204030204" pitchFamily="34" charset="0"/>
+              <a:cs typeface="Calibri Light" panose="020F0302020204030204" pitchFamily="34" charset="0"/>
+            </a:endParaRPr>
+          </a:p>
+          <a:p>
+            <a:pPr marL="800100" lvl="1" indent="-342900">
+              <a:buFont typeface="Arial" panose="020B0604020202020204" pitchFamily="34" charset="0"/>
+              <a:buChar char="•"/>
+            </a:pPr>
+            <a:r>
+              <a:rPr lang="en-US" sz="2400" dirty="0">
+                <a:latin typeface="Calibri Light"/>
+                <a:ea typeface="Calibri Light" panose="020F0302020204030204" pitchFamily="34" charset="0"/>
+                <a:cs typeface="Calibri Light"/>
+              </a:rPr>
+              <a:t>Turn off/on</a:t>
+            </a:r>
+          </a:p>
+          <a:p>
+            <a:pPr marL="800100" lvl="1" indent="-342900">
+              <a:buFont typeface="Arial" panose="020B0604020202020204" pitchFamily="34" charset="0"/>
+              <a:buChar char="•"/>
+            </a:pPr>
+            <a:r>
+              <a:rPr lang="en-US" sz="2400" dirty="0">
+                <a:latin typeface="Calibri Light"/>
+                <a:ea typeface="Calibri Light" panose="020F0302020204030204" pitchFamily="34" charset="0"/>
+                <a:cs typeface="Calibri Light"/>
+              </a:rPr>
+              <a:t>Select language models</a:t>
+            </a:r>
+          </a:p>
+          <a:p>
+            <a:pPr marL="800100" lvl="1" indent="-342900">
+              <a:buFont typeface="Arial" panose="020B0604020202020204" pitchFamily="34" charset="0"/>
+              <a:buChar char="•"/>
+            </a:pPr>
+            <a:r>
+              <a:rPr lang="en-US" sz="2400" dirty="0">
+                <a:latin typeface="Calibri Light"/>
+                <a:ea typeface="Calibri Light" panose="020F0302020204030204" pitchFamily="34" charset="0"/>
+                <a:cs typeface="Calibri Light"/>
+              </a:rPr>
+              <a:t>Select threshold probabilities</a:t>
+            </a:r>
+          </a:p>
+          <a:p>
+            <a:pPr marL="800100" lvl="1" indent="-342900">
+              <a:buFont typeface="Arial" panose="020B0604020202020204" pitchFamily="34" charset="0"/>
+              <a:buChar char="•"/>
+            </a:pPr>
+            <a:r>
+              <a:rPr lang="en-US" sz="2400" dirty="0">
+                <a:latin typeface="Calibri Light"/>
+                <a:ea typeface="Calibri Light" panose="020F0302020204030204" pitchFamily="34" charset="0"/>
+                <a:cs typeface="Calibri Light"/>
+              </a:rPr>
+              <a:t>Pick highlight color(s)</a:t>
+            </a:r>
+          </a:p>
+          <a:p>
+            <a:endParaRPr lang="pt-PT" sz="2400" dirty="0">
+              <a:latin typeface="Calibri Light" panose="020F0302020204030204" pitchFamily="34" charset="0"/>
+              <a:ea typeface="Calibri Light" panose="020F0302020204030204" pitchFamily="34" charset="0"/>
+              <a:cs typeface="Calibri Light" panose="020F0302020204030204" pitchFamily="34" charset="0"/>
+            </a:endParaRPr>
+          </a:p>
+          <a:p>
+            <a:pPr marL="285750" indent="-285750">
+              <a:buFont typeface="Arial" panose="020B0604020202020204" pitchFamily="34" charset="0"/>
+              <a:buChar char="•"/>
+            </a:pPr>
+            <a:r>
+              <a:rPr lang="en-US" sz="2400" dirty="0">
+                <a:latin typeface="Calibri Light"/>
+                <a:ea typeface="Calibri Light" panose="020F0302020204030204" pitchFamily="34" charset="0"/>
+                <a:cs typeface="Calibri Light"/>
+              </a:rPr>
+              <a:t>Upload LMs – LM Hub</a:t>
+            </a:r>
+            <a:endParaRPr lang="en-US" sz="2400" dirty="0">
+              <a:latin typeface="Calibri Light"/>
+              <a:ea typeface="Calibri Light" panose="020F0302020204030204" pitchFamily="34" charset="0"/>
+              <a:cs typeface="Calibri Light" panose="020F0302020204030204" pitchFamily="34" charset="0"/>
+            </a:endParaRPr>
+          </a:p>
+          <a:p>
+            <a:pPr marL="285750" indent="-285750">
+              <a:buFont typeface="Arial" panose="020B0604020202020204" pitchFamily="34" charset="0"/>
+              <a:buChar char="•"/>
+            </a:pPr>
+            <a:endParaRPr lang="pt-PT" dirty="0"/>
+          </a:p>
+        </p:txBody>
+      </p:sp>
+      <p:sp>
+        <p:nvSpPr>
+          <p:cNvPr id="4" name="object 4">
+            <a:extLst>
+              <a:ext uri="{FF2B5EF4-FFF2-40B4-BE49-F238E27FC236}">
+                <a16:creationId xmlns:a16="http://schemas.microsoft.com/office/drawing/2014/main" id="{12F3930D-8B0C-D838-7865-FFA0748E3201}"/>
               </a:ext>
             </a:extLst>
           </p:cNvPr>
@@ -3697,7 +2981,7 @@
     </p:spTree>
     <p:extLst>
       <p:ext uri="{BB962C8B-B14F-4D97-AF65-F5344CB8AC3E}">
-        <p14:creationId xmlns:p14="http://schemas.microsoft.com/office/powerpoint/2010/main" val="2829635568"/>
+        <p14:creationId xmlns:p14="http://schemas.microsoft.com/office/powerpoint/2010/main" val="1306777140"/>
       </p:ext>
     </p:extLst>
   </p:cSld>
@@ -3747,33 +3031,42 @@
           </a:xfrm>
         </p:spPr>
         <p:txBody>
-          <a:bodyPr/>
+          <a:bodyPr wrap="square" lIns="0" tIns="0" rIns="0" bIns="0" anchor="t">
+            <a:spAutoFit/>
+          </a:bodyPr>
           <a:lstStyle/>
           <a:p>
+            <a:r>
+              <a:rPr lang="pt-PT" dirty="0">
+                <a:latin typeface="+mj-lt"/>
+                <a:cs typeface="Arial"/>
+              </a:rPr>
+              <a:t>Non </a:t>
+            </a:r>
+            <a:r>
+              <a:rPr lang="pt-PT" dirty="0" err="1">
+                <a:latin typeface="+mj-lt"/>
+                <a:cs typeface="Arial"/>
+              </a:rPr>
+              <a:t>functional</a:t>
+            </a:r>
+            <a:r>
+              <a:rPr lang="pt-PT" sz="4400" dirty="0">
+                <a:latin typeface="+mj-lt"/>
+                <a:cs typeface="Arial"/>
+              </a:rPr>
+              <a:t> </a:t>
+            </a:r>
             <a:r>
               <a:rPr lang="pt-PT" sz="4400" dirty="0" err="1">
                 <a:latin typeface="+mj-lt"/>
-                <a:cs typeface="Arial" panose="020B0604020202020204" pitchFamily="34" charset="0"/>
-              </a:rPr>
-              <a:t>Functional</a:t>
-            </a:r>
-            <a:r>
-              <a:rPr lang="pt-PT" sz="4400" dirty="0">
-                <a:latin typeface="+mj-lt"/>
-                <a:cs typeface="Arial" panose="020B0604020202020204" pitchFamily="34" charset="0"/>
-              </a:rPr>
-              <a:t> </a:t>
-            </a:r>
-            <a:r>
-              <a:rPr lang="pt-PT" sz="4400" dirty="0" err="1">
-                <a:latin typeface="+mj-lt"/>
-                <a:cs typeface="Arial" panose="020B0604020202020204" pitchFamily="34" charset="0"/>
+                <a:cs typeface="Arial"/>
               </a:rPr>
               <a:t>requirements</a:t>
             </a:r>
             <a:endParaRPr lang="pt-PT" dirty="0">
               <a:latin typeface="+mj-lt"/>
-              <a:cs typeface="Arial" panose="020B0604020202020204" pitchFamily="34" charset="0"/>
+              <a:cs typeface="Arial"/>
             </a:endParaRPr>
           </a:p>
         </p:txBody>
@@ -3796,8 +3089,8 @@
         </p:nvSpPr>
         <p:spPr>
           <a:xfrm>
-            <a:off x="916939" y="1339516"/>
-            <a:ext cx="10358120" cy="5816977"/>
+            <a:off x="916939" y="1479884"/>
+            <a:ext cx="10358120" cy="5447645"/>
           </a:xfrm>
         </p:spPr>
         <p:txBody>
@@ -3816,285 +3109,410 @@
                 <a:ea typeface="Calibri Light" panose="020F0302020204030204" pitchFamily="34" charset="0"/>
                 <a:cs typeface="Calibri Light"/>
               </a:rPr>
-              <a:t>Downloadable</a:t>
-            </a:r>
-            <a:r>
-              <a:rPr lang="pt-PT" sz="2400" dirty="0">
-                <a:latin typeface="Calibri Light"/>
-                <a:ea typeface="Calibri Light" panose="020F0302020204030204" pitchFamily="34" charset="0"/>
-                <a:cs typeface="Calibri Light"/>
-              </a:rPr>
-              <a:t> - Chrome</a:t>
-            </a:r>
-            <a:endParaRPr lang="pt-PT" sz="2400" dirty="0">
+              <a:t>Usability</a:t>
+            </a:r>
+            <a:endParaRPr lang="pt-PT" sz="2400">
               <a:latin typeface="Calibri Light"/>
               <a:ea typeface="Calibri Light" panose="020F0302020204030204" pitchFamily="34" charset="0"/>
               <a:cs typeface="Calibri Light" panose="020F0302020204030204" pitchFamily="34" charset="0"/>
             </a:endParaRPr>
           </a:p>
           <a:p>
-            <a:endParaRPr lang="pt-PT" sz="2400" dirty="0">
-              <a:latin typeface="Calibri Light" panose="020F0302020204030204" pitchFamily="34" charset="0"/>
-              <a:ea typeface="Calibri Light" panose="020F0302020204030204" pitchFamily="34" charset="0"/>
-              <a:cs typeface="Calibri Light" panose="020F0302020204030204" pitchFamily="34" charset="0"/>
-            </a:endParaRPr>
-          </a:p>
-          <a:p>
-            <a:pPr marL="285750" indent="-285750">
+            <a:pPr marL="742950" lvl="1" indent="-285750">
               <a:buFont typeface="Arial" panose="020B0604020202020204" pitchFamily="34" charset="0"/>
               <a:buChar char="•"/>
             </a:pPr>
             <a:r>
-              <a:rPr lang="pt-PT" sz="2400" dirty="0" err="1">
-                <a:latin typeface="Calibri Light" panose="020F0302020204030204" pitchFamily="34" charset="0"/>
-                <a:ea typeface="Calibri Light" panose="020F0302020204030204" pitchFamily="34" charset="0"/>
-                <a:cs typeface="Calibri Light" panose="020F0302020204030204" pitchFamily="34" charset="0"/>
-              </a:rPr>
-              <a:t>Overall</a:t>
-            </a:r>
-            <a:r>
               <a:rPr lang="pt-PT" sz="2400" dirty="0">
-                <a:latin typeface="Calibri Light" panose="020F0302020204030204" pitchFamily="34" charset="0"/>
-                <a:ea typeface="Calibri Light" panose="020F0302020204030204" pitchFamily="34" charset="0"/>
-                <a:cs typeface="Calibri Light" panose="020F0302020204030204" pitchFamily="34" charset="0"/>
-              </a:rPr>
-              <a:t> </a:t>
-            </a:r>
-            <a:r>
-              <a:rPr lang="pt-PT" sz="2400" dirty="0" err="1">
-                <a:latin typeface="Calibri Light" panose="020F0302020204030204" pitchFamily="34" charset="0"/>
-                <a:ea typeface="Calibri Light" panose="020F0302020204030204" pitchFamily="34" charset="0"/>
-                <a:cs typeface="Calibri Light" panose="020F0302020204030204" pitchFamily="34" charset="0"/>
-              </a:rPr>
-              <a:t>evaluation</a:t>
-            </a:r>
-            <a:r>
-              <a:rPr lang="pt-PT" sz="2400" dirty="0">
-                <a:latin typeface="Calibri Light" panose="020F0302020204030204" pitchFamily="34" charset="0"/>
-                <a:ea typeface="Calibri Light" panose="020F0302020204030204" pitchFamily="34" charset="0"/>
-                <a:cs typeface="Calibri Light" panose="020F0302020204030204" pitchFamily="34" charset="0"/>
-              </a:rPr>
-              <a:t> </a:t>
-            </a:r>
-            <a:r>
-              <a:rPr lang="pt-PT" sz="2400" dirty="0" err="1">
-                <a:latin typeface="Calibri Light" panose="020F0302020204030204" pitchFamily="34" charset="0"/>
-                <a:ea typeface="Calibri Light" panose="020F0302020204030204" pitchFamily="34" charset="0"/>
-                <a:cs typeface="Calibri Light" panose="020F0302020204030204" pitchFamily="34" charset="0"/>
-              </a:rPr>
-              <a:t>of</a:t>
-            </a:r>
-            <a:r>
-              <a:rPr lang="pt-PT" sz="2400" dirty="0">
-                <a:latin typeface="Calibri Light" panose="020F0302020204030204" pitchFamily="34" charset="0"/>
-                <a:ea typeface="Calibri Light" panose="020F0302020204030204" pitchFamily="34" charset="0"/>
-                <a:cs typeface="Calibri Light" panose="020F0302020204030204" pitchFamily="34" charset="0"/>
-              </a:rPr>
-              <a:t> </a:t>
-            </a:r>
-            <a:r>
-              <a:rPr lang="pt-PT" sz="2400" dirty="0" err="1">
-                <a:latin typeface="Calibri Light" panose="020F0302020204030204" pitchFamily="34" charset="0"/>
-                <a:ea typeface="Calibri Light" panose="020F0302020204030204" pitchFamily="34" charset="0"/>
-                <a:cs typeface="Calibri Light" panose="020F0302020204030204" pitchFamily="34" charset="0"/>
-              </a:rPr>
-              <a:t>current</a:t>
-            </a:r>
-            <a:r>
-              <a:rPr lang="pt-PT" sz="2400" dirty="0">
-                <a:latin typeface="Calibri Light" panose="020F0302020204030204" pitchFamily="34" charset="0"/>
-                <a:ea typeface="Calibri Light" panose="020F0302020204030204" pitchFamily="34" charset="0"/>
-                <a:cs typeface="Calibri Light" panose="020F0302020204030204" pitchFamily="34" charset="0"/>
-              </a:rPr>
-              <a:t> website </a:t>
-            </a:r>
-            <a:r>
-              <a:rPr lang="pt-PT" sz="2400" dirty="0" err="1">
-                <a:latin typeface="Calibri Light" panose="020F0302020204030204" pitchFamily="34" charset="0"/>
-                <a:ea typeface="Calibri Light" panose="020F0302020204030204" pitchFamily="34" charset="0"/>
-                <a:cs typeface="Calibri Light" panose="020F0302020204030204" pitchFamily="34" charset="0"/>
-              </a:rPr>
-              <a:t>or</a:t>
-            </a:r>
-            <a:r>
-              <a:rPr lang="pt-PT" sz="2400" dirty="0">
-                <a:latin typeface="Calibri Light" panose="020F0302020204030204" pitchFamily="34" charset="0"/>
-                <a:ea typeface="Calibri Light" panose="020F0302020204030204" pitchFamily="34" charset="0"/>
-                <a:cs typeface="Calibri Light" panose="020F0302020204030204" pitchFamily="34" charset="0"/>
-              </a:rPr>
-              <a:t> PDF</a:t>
-            </a:r>
-          </a:p>
-          <a:p>
-            <a:endParaRPr lang="pt-PT" sz="2400" dirty="0">
-              <a:latin typeface="Calibri Light" panose="020F0302020204030204" pitchFamily="34" charset="0"/>
-              <a:ea typeface="Calibri Light" panose="020F0302020204030204" pitchFamily="34" charset="0"/>
-              <a:cs typeface="Calibri Light" panose="020F0302020204030204" pitchFamily="34" charset="0"/>
-            </a:endParaRPr>
-          </a:p>
-          <a:p>
-            <a:pPr marL="285750" indent="-285750">
+                <a:latin typeface="Calibri Light"/>
+                <a:cs typeface="Calibri Light"/>
+              </a:rPr>
+              <a:t>UI</a:t>
+            </a:r>
+          </a:p>
+          <a:p>
+            <a:pPr marL="742950" lvl="1" indent="-285750">
               <a:buFont typeface="Arial" panose="020B0604020202020204" pitchFamily="34" charset="0"/>
               <a:buChar char="•"/>
             </a:pPr>
             <a:r>
-              <a:rPr lang="en-US" sz="2400" dirty="0">
-                <a:latin typeface="Calibri Light" panose="020F0302020204030204" pitchFamily="34" charset="0"/>
-                <a:ea typeface="Calibri Light" panose="020F0302020204030204" pitchFamily="34" charset="0"/>
-                <a:cs typeface="Calibri Light" panose="020F0302020204030204" pitchFamily="34" charset="0"/>
-              </a:rPr>
-              <a:t>Highlight suspicious parts of web page or PDF</a:t>
-            </a:r>
-          </a:p>
-          <a:p>
-            <a:pPr marL="285750" indent="-285750">
+              <a:rPr lang="pt-PT" sz="2400" dirty="0" err="1">
+                <a:latin typeface="Calibri Light"/>
+                <a:cs typeface="Calibri Light"/>
+              </a:rPr>
+              <a:t>Extension</a:t>
+            </a:r>
+            <a:r>
+              <a:rPr lang="pt-PT" sz="2400" dirty="0">
+                <a:latin typeface="Calibri Light"/>
+                <a:cs typeface="Calibri Light"/>
+              </a:rPr>
+              <a:t> </a:t>
+            </a:r>
+            <a:r>
+              <a:rPr lang="pt-PT" sz="2400" dirty="0" err="1">
+                <a:latin typeface="Calibri Light"/>
+                <a:cs typeface="Calibri Light"/>
+              </a:rPr>
+              <a:t>settings</a:t>
+            </a:r>
+            <a:endParaRPr lang="pt-PT" sz="2400" dirty="0">
+              <a:latin typeface="Calibri Light"/>
+              <a:cs typeface="Calibri Light"/>
+            </a:endParaRPr>
+          </a:p>
+          <a:p>
+            <a:pPr marL="742950" lvl="1" indent="-285750">
               <a:buFont typeface="Arial" panose="020B0604020202020204" pitchFamily="34" charset="0"/>
               <a:buChar char="•"/>
             </a:pPr>
-            <a:endParaRPr lang="en-US" sz="2400" dirty="0">
-              <a:latin typeface="Calibri Light" panose="020F0302020204030204" pitchFamily="34" charset="0"/>
-              <a:ea typeface="Calibri Light" panose="020F0302020204030204" pitchFamily="34" charset="0"/>
-              <a:cs typeface="Calibri Light" panose="020F0302020204030204" pitchFamily="34" charset="0"/>
+            <a:r>
+              <a:rPr lang="pt-PT" sz="2400" dirty="0">
+                <a:latin typeface="Calibri Light"/>
+                <a:cs typeface="Calibri Light"/>
+              </a:rPr>
+              <a:t>LM </a:t>
+            </a:r>
+            <a:r>
+              <a:rPr lang="pt-PT" sz="2400" dirty="0" err="1">
+                <a:latin typeface="Calibri Light"/>
+                <a:cs typeface="Calibri Light"/>
+              </a:rPr>
+              <a:t>Hub</a:t>
+            </a:r>
+            <a:endParaRPr lang="pt-PT" sz="2400">
+              <a:latin typeface="Calibri Light"/>
+              <a:cs typeface="Calibri Light"/>
             </a:endParaRPr>
           </a:p>
           <a:p>
-            <a:pPr marL="285750" indent="-285750">
+            <a:pPr marL="742950" lvl="1" indent="-285750">
               <a:buFont typeface="Arial" panose="020B0604020202020204" pitchFamily="34" charset="0"/>
               <a:buChar char="•"/>
             </a:pPr>
-            <a:r>
-              <a:rPr lang="en-US" sz="2400" dirty="0">
-                <a:solidFill>
-                  <a:srgbClr val="000000"/>
-                </a:solidFill>
-                <a:latin typeface="Calibri Light"/>
-                <a:ea typeface="Calibri Light" panose="020F0302020204030204" pitchFamily="34" charset="0"/>
-                <a:cs typeface="Calibri Light"/>
-              </a:rPr>
-              <a:t>Select any text and analyze it</a:t>
-            </a:r>
-          </a:p>
-          <a:p>
             <a:endParaRPr lang="pt-PT" sz="2400" dirty="0">
-              <a:solidFill>
-                <a:srgbClr val="000000"/>
-              </a:solidFill>
-              <a:latin typeface="Calibri Light" panose="020F0302020204030204" pitchFamily="34" charset="0"/>
-              <a:ea typeface="Calibri Light" panose="020F0302020204030204" pitchFamily="34" charset="0"/>
-              <a:cs typeface="Calibri Light" panose="020F0302020204030204" pitchFamily="34" charset="0"/>
+              <a:latin typeface="Calibri Light"/>
+              <a:cs typeface="Calibri Light"/>
             </a:endParaRPr>
           </a:p>
           <a:p>
-            <a:pPr marL="285750" indent="-285750" algn="l">
-              <a:buFont typeface="Arial" panose="020B0604020202020204" pitchFamily="34" charset="0"/>
+            <a:pPr marL="285750" indent="-285750">
+              <a:buFont typeface="Arial,Sans-Serif" panose="020B0604020202020204" pitchFamily="34" charset="0"/>
               <a:buChar char="•"/>
             </a:pPr>
             <a:r>
-              <a:rPr lang="pt-PT" sz="2400" b="0" i="0" dirty="0">
-                <a:solidFill>
-                  <a:srgbClr val="000000"/>
-                </a:solidFill>
-                <a:effectLst/>
-                <a:latin typeface="Calibri Light" panose="020F0302020204030204" pitchFamily="34" charset="0"/>
-                <a:ea typeface="Calibri Light" panose="020F0302020204030204" pitchFamily="34" charset="0"/>
-                <a:cs typeface="Calibri Light" panose="020F0302020204030204" pitchFamily="34" charset="0"/>
-              </a:rPr>
-              <a:t>UI/UX Design</a:t>
-            </a:r>
-            <a:endParaRPr lang="en-US" sz="2400" dirty="0">
-              <a:latin typeface="Calibri Light" panose="020F0302020204030204" pitchFamily="34" charset="0"/>
-              <a:ea typeface="Calibri Light" panose="020F0302020204030204" pitchFamily="34" charset="0"/>
-              <a:cs typeface="Calibri Light" panose="020F0302020204030204" pitchFamily="34" charset="0"/>
+              <a:rPr lang="pt-PT" sz="2400" dirty="0">
+                <a:latin typeface="Calibri Light"/>
+                <a:cs typeface="Calibri Light"/>
+              </a:rPr>
+              <a:t>Performance</a:t>
+            </a:r>
+            <a:endParaRPr lang="pt-PT" sz="2400">
+              <a:latin typeface="Calibri Light"/>
+              <a:ea typeface="+mn-lt"/>
+              <a:cs typeface="+mn-lt"/>
             </a:endParaRPr>
           </a:p>
           <a:p>
-            <a:pPr marL="800100" lvl="1" indent="-342900">
-              <a:buFont typeface="Arial" panose="020B0604020202020204" pitchFamily="34" charset="0"/>
+            <a:pPr marL="742950" lvl="1" indent="-285750">
+              <a:buFont typeface="Arial,Sans-Serif" panose="020B0604020202020204" pitchFamily="34" charset="0"/>
               <a:buChar char="•"/>
             </a:pPr>
             <a:r>
-              <a:rPr lang="en-US" sz="2400" dirty="0">
+              <a:rPr lang="pt-PT" sz="2400" dirty="0" err="1">
                 <a:latin typeface="Calibri Light"/>
-                <a:ea typeface="Calibri Light" panose="020F0302020204030204" pitchFamily="34" charset="0"/>
                 <a:cs typeface="Calibri Light"/>
               </a:rPr>
-              <a:t>Turn off/on</a:t>
-            </a:r>
-          </a:p>
-          <a:p>
-            <a:pPr marL="800100" lvl="1" indent="-342900">
-              <a:buFont typeface="Arial" panose="020B0604020202020204" pitchFamily="34" charset="0"/>
+              <a:t>Efficient</a:t>
+            </a:r>
+            <a:r>
+              <a:rPr lang="pt-PT" sz="2400" dirty="0">
+                <a:latin typeface="Calibri Light"/>
+                <a:cs typeface="Calibri Light"/>
+              </a:rPr>
+              <a:t> </a:t>
+            </a:r>
+            <a:r>
+              <a:rPr lang="pt-PT" sz="2400" dirty="0" err="1">
+                <a:latin typeface="Calibri Light"/>
+                <a:cs typeface="Calibri Light"/>
+              </a:rPr>
+              <a:t>and</a:t>
+            </a:r>
+            <a:r>
+              <a:rPr lang="pt-PT" sz="2400" dirty="0">
+                <a:latin typeface="Calibri Light"/>
+                <a:cs typeface="Calibri Light"/>
+              </a:rPr>
+              <a:t> fast </a:t>
+            </a:r>
+            <a:r>
+              <a:rPr lang="pt-PT" sz="2400" dirty="0" err="1">
+                <a:latin typeface="Calibri Light"/>
+                <a:cs typeface="Calibri Light"/>
+              </a:rPr>
+              <a:t>even</a:t>
+            </a:r>
+            <a:r>
+              <a:rPr lang="pt-PT" sz="2400" dirty="0">
+                <a:latin typeface="Calibri Light"/>
+                <a:cs typeface="Calibri Light"/>
+              </a:rPr>
+              <a:t> </a:t>
+            </a:r>
+            <a:r>
+              <a:rPr lang="pt-PT" sz="2400" dirty="0" err="1">
+                <a:latin typeface="Calibri Light"/>
+                <a:cs typeface="Calibri Light"/>
+              </a:rPr>
+              <a:t>on</a:t>
+            </a:r>
+            <a:r>
+              <a:rPr lang="pt-PT" sz="2400" dirty="0">
+                <a:latin typeface="Calibri Light"/>
+                <a:cs typeface="Calibri Light"/>
+              </a:rPr>
+              <a:t> </a:t>
+            </a:r>
+            <a:r>
+              <a:rPr lang="pt-PT" sz="2400" dirty="0" err="1">
+                <a:latin typeface="Calibri Light"/>
+                <a:cs typeface="Calibri Light"/>
+              </a:rPr>
+              <a:t>long</a:t>
+            </a:r>
+            <a:r>
+              <a:rPr lang="pt-PT" sz="2400" dirty="0">
+                <a:latin typeface="Calibri Light"/>
+                <a:cs typeface="Calibri Light"/>
+              </a:rPr>
+              <a:t> web </a:t>
+            </a:r>
+            <a:r>
+              <a:rPr lang="pt-PT" sz="2400" dirty="0" err="1">
+                <a:latin typeface="Calibri Light"/>
+                <a:cs typeface="Calibri Light"/>
+              </a:rPr>
+              <a:t>pages</a:t>
+            </a:r>
+            <a:r>
+              <a:rPr lang="pt-PT" sz="2400" dirty="0">
+                <a:latin typeface="Calibri Light"/>
+                <a:cs typeface="Calibri Light"/>
+              </a:rPr>
+              <a:t> </a:t>
+            </a:r>
+            <a:r>
+              <a:rPr lang="pt-PT" sz="2400" dirty="0" err="1">
+                <a:latin typeface="Calibri Light"/>
+                <a:cs typeface="Calibri Light"/>
+              </a:rPr>
+              <a:t>and</a:t>
+            </a:r>
+            <a:r>
+              <a:rPr lang="pt-PT" sz="2400" dirty="0">
+                <a:latin typeface="Calibri Light"/>
+                <a:cs typeface="Calibri Light"/>
+              </a:rPr>
+              <a:t> </a:t>
+            </a:r>
+            <a:r>
+              <a:rPr lang="pt-PT" sz="2400" dirty="0" err="1">
+                <a:latin typeface="Calibri Light"/>
+                <a:cs typeface="Calibri Light"/>
+              </a:rPr>
+              <a:t>PDFs</a:t>
+            </a:r>
+          </a:p>
+          <a:p>
+            <a:pPr marL="742950" lvl="1" indent="-285750">
+              <a:buFont typeface="Arial,Sans-Serif" panose="020B0604020202020204" pitchFamily="34" charset="0"/>
               <a:buChar char="•"/>
             </a:pPr>
-            <a:r>
-              <a:rPr lang="en-US" sz="2400" dirty="0">
-                <a:latin typeface="Calibri Light"/>
-                <a:ea typeface="Calibri Light" panose="020F0302020204030204" pitchFamily="34" charset="0"/>
-                <a:cs typeface="Calibri Light"/>
-              </a:rPr>
-              <a:t>Select language models</a:t>
-            </a:r>
-          </a:p>
-          <a:p>
-            <a:pPr marL="800100" lvl="1" indent="-342900">
-              <a:buFont typeface="Arial" panose="020B0604020202020204" pitchFamily="34" charset="0"/>
+            <a:endParaRPr lang="pt-PT" sz="2400" dirty="0">
+              <a:latin typeface="Calibri Light"/>
+              <a:cs typeface="Calibri Light"/>
+            </a:endParaRPr>
+          </a:p>
+          <a:p>
+            <a:pPr marL="285750" indent="-285750">
+              <a:buFont typeface="Arial,Sans-Serif" panose="020B0604020202020204" pitchFamily="34" charset="0"/>
               <a:buChar char="•"/>
             </a:pPr>
             <a:r>
-              <a:rPr lang="en-US" sz="2400" dirty="0">
+              <a:rPr lang="pt-PT" sz="2400" dirty="0" err="1">
                 <a:latin typeface="Calibri Light"/>
-                <a:ea typeface="Calibri Light" panose="020F0302020204030204" pitchFamily="34" charset="0"/>
                 <a:cs typeface="Calibri Light"/>
               </a:rPr>
-              <a:t>Select threshold probabilities</a:t>
-            </a:r>
-          </a:p>
-          <a:p>
-            <a:pPr marL="800100" lvl="1" indent="-342900">
-              <a:buFont typeface="Arial" panose="020B0604020202020204" pitchFamily="34" charset="0"/>
+              <a:t>Reliability</a:t>
+            </a:r>
+            <a:endParaRPr lang="pt-PT" sz="2400">
+              <a:latin typeface="Calibri Light"/>
+              <a:ea typeface="+mn-lt"/>
+              <a:cs typeface="+mn-lt"/>
+            </a:endParaRPr>
+          </a:p>
+          <a:p>
+            <a:pPr marL="742950" lvl="1" indent="-285750">
+              <a:buFont typeface="Arial,Sans-Serif" panose="020B0604020202020204" pitchFamily="34" charset="0"/>
               <a:buChar char="•"/>
             </a:pPr>
             <a:r>
-              <a:rPr lang="en-US" sz="2400" dirty="0">
+              <a:rPr lang="pt-PT" sz="2400" dirty="0" err="1">
                 <a:latin typeface="Calibri Light"/>
-                <a:ea typeface="Calibri Light" panose="020F0302020204030204" pitchFamily="34" charset="0"/>
                 <a:cs typeface="Calibri Light"/>
               </a:rPr>
-              <a:t>Pick highlight color(s)</a:t>
-            </a:r>
-          </a:p>
-          <a:p>
+              <a:t>Accurate</a:t>
+            </a:r>
+            <a:r>
+              <a:rPr lang="pt-PT" sz="2400" dirty="0">
+                <a:latin typeface="Calibri Light"/>
+                <a:cs typeface="Calibri Light"/>
+              </a:rPr>
+              <a:t> </a:t>
+            </a:r>
+            <a:r>
+              <a:rPr lang="pt-PT" sz="2400" dirty="0" err="1">
+                <a:latin typeface="Calibri Light"/>
+                <a:cs typeface="Calibri Light"/>
+              </a:rPr>
+              <a:t>detection</a:t>
+            </a:r>
             <a:endParaRPr lang="pt-PT" sz="2400" dirty="0">
-              <a:latin typeface="Calibri Light" panose="020F0302020204030204" pitchFamily="34" charset="0"/>
-              <a:ea typeface="Calibri Light" panose="020F0302020204030204" pitchFamily="34" charset="0"/>
-              <a:cs typeface="Calibri Light" panose="020F0302020204030204" pitchFamily="34" charset="0"/>
+              <a:latin typeface="Calibri Light"/>
+              <a:cs typeface="Calibri Light"/>
             </a:endParaRPr>
           </a:p>
           <a:p>
-            <a:pPr marL="285750" indent="-285750">
-              <a:buFont typeface="Arial" panose="020B0604020202020204" pitchFamily="34" charset="0"/>
+            <a:pPr marL="742950" lvl="1" indent="-285750">
+              <a:buFont typeface="Arial,Sans-Serif" panose="020B0604020202020204" pitchFamily="34" charset="0"/>
               <a:buChar char="•"/>
             </a:pPr>
             <a:r>
-              <a:rPr lang="en-US" sz="2400" dirty="0">
+              <a:rPr lang="pt-PT" sz="2400" dirty="0" err="1">
                 <a:latin typeface="Calibri Light"/>
-                <a:ea typeface="Calibri Light" panose="020F0302020204030204" pitchFamily="34" charset="0"/>
                 <a:cs typeface="Calibri Light"/>
               </a:rPr>
-              <a:t>Upload LMs – LM Hub</a:t>
-            </a:r>
-            <a:endParaRPr lang="en-US" sz="2400" dirty="0">
-              <a:latin typeface="Calibri Light"/>
-              <a:ea typeface="Calibri Light" panose="020F0302020204030204" pitchFamily="34" charset="0"/>
-              <a:cs typeface="Calibri Light" panose="020F0302020204030204" pitchFamily="34" charset="0"/>
-            </a:endParaRPr>
-          </a:p>
-          <a:p>
-            <a:pPr marL="285750" indent="-285750">
-              <a:buFont typeface="Arial" panose="020B0604020202020204" pitchFamily="34" charset="0"/>
+              <a:t>Reduced</a:t>
+            </a:r>
+            <a:r>
+              <a:rPr lang="pt-PT" sz="2400" dirty="0">
+                <a:latin typeface="Calibri Light"/>
+                <a:cs typeface="Calibri Light"/>
+              </a:rPr>
+              <a:t> false positives </a:t>
+            </a:r>
+            <a:r>
+              <a:rPr lang="pt-PT" sz="2400" dirty="0" err="1">
+                <a:latin typeface="Calibri Light"/>
+                <a:cs typeface="Calibri Light"/>
+              </a:rPr>
+              <a:t>and</a:t>
+            </a:r>
+            <a:r>
+              <a:rPr lang="pt-PT" sz="2400" dirty="0">
+                <a:latin typeface="Calibri Light"/>
+                <a:cs typeface="Calibri Light"/>
+              </a:rPr>
+              <a:t> negatives</a:t>
+            </a:r>
+          </a:p>
+          <a:p>
+            <a:pPr marL="742950" lvl="1" indent="-285750">
+              <a:buFont typeface="Arial,Sans-Serif" panose="020B0604020202020204" pitchFamily="34" charset="0"/>
               <a:buChar char="•"/>
             </a:pPr>
-            <a:endParaRPr lang="pt-PT" dirty="0"/>
+            <a:endParaRPr lang="pt-PT" sz="2400" dirty="0">
+              <a:latin typeface="Calibri Light"/>
+              <a:cs typeface="Calibri Light"/>
+            </a:endParaRPr>
+          </a:p>
+          <a:p>
+            <a:pPr marL="285750" indent="-285750">
+              <a:buFont typeface="Arial,Sans-Serif" panose="020B0604020202020204" pitchFamily="34" charset="0"/>
+              <a:buChar char="•"/>
+            </a:pPr>
+            <a:r>
+              <a:rPr lang="pt-PT" sz="2400" dirty="0" err="1">
+                <a:latin typeface="Calibri Light"/>
+                <a:cs typeface="Calibri Light"/>
+              </a:rPr>
+              <a:t>Flexibility</a:t>
+            </a:r>
+            <a:endParaRPr lang="pt-PT" sz="2400">
+              <a:latin typeface="Calibri Light"/>
+              <a:ea typeface="+mn-lt"/>
+              <a:cs typeface="+mn-lt"/>
+            </a:endParaRPr>
+          </a:p>
+          <a:p>
+            <a:pPr marL="742950" lvl="1" indent="-285750">
+              <a:buFont typeface="Arial,Sans-Serif" panose="020B0604020202020204" pitchFamily="34" charset="0"/>
+              <a:buChar char="•"/>
+            </a:pPr>
+            <a:r>
+              <a:rPr lang="pt-PT" sz="2400" dirty="0" err="1">
+                <a:latin typeface="Calibri Light"/>
+                <a:cs typeface="Calibri Light"/>
+              </a:rPr>
+              <a:t>LMs</a:t>
+            </a:r>
+            <a:r>
+              <a:rPr lang="pt-PT" sz="2400" dirty="0">
+                <a:latin typeface="Calibri Light"/>
+                <a:cs typeface="Calibri Light"/>
+              </a:rPr>
+              <a:t> </a:t>
+            </a:r>
+            <a:r>
+              <a:rPr lang="pt-PT" sz="2400" dirty="0" err="1">
+                <a:latin typeface="Calibri Light"/>
+                <a:cs typeface="Calibri Light"/>
+              </a:rPr>
+              <a:t>addition</a:t>
+            </a:r>
+            <a:r>
+              <a:rPr lang="pt-PT" sz="2400" dirty="0">
+                <a:latin typeface="Calibri Light"/>
+                <a:cs typeface="Calibri Light"/>
+              </a:rPr>
+              <a:t> </a:t>
+            </a:r>
+            <a:r>
+              <a:rPr lang="pt-PT" sz="2400" dirty="0" err="1">
+                <a:latin typeface="Calibri Light"/>
+                <a:cs typeface="Calibri Light"/>
+              </a:rPr>
+              <a:t>and</a:t>
+            </a:r>
+            <a:r>
+              <a:rPr lang="pt-PT" sz="2400" dirty="0">
+                <a:latin typeface="Calibri Light"/>
+                <a:cs typeface="Calibri Light"/>
+              </a:rPr>
+              <a:t> </a:t>
+            </a:r>
+            <a:r>
+              <a:rPr lang="pt-PT" sz="2400" dirty="0" err="1">
+                <a:latin typeface="Calibri Light"/>
+                <a:cs typeface="Calibri Light"/>
+              </a:rPr>
+              <a:t>removal</a:t>
+            </a:r>
+            <a:endParaRPr lang="pt-PT" dirty="0" err="1">
+              <a:latin typeface="Calibri"/>
+              <a:cs typeface="Calibri"/>
+            </a:endParaRPr>
+          </a:p>
+          <a:p>
+            <a:pPr marL="742950" lvl="1" indent="-285750">
+              <a:buFont typeface="Arial,Sans-Serif" panose="020B0604020202020204" pitchFamily="34" charset="0"/>
+              <a:buChar char="•"/>
+            </a:pPr>
+            <a:endParaRPr lang="pt-PT" dirty="0">
+              <a:latin typeface="Calibri Light"/>
+              <a:cs typeface="Calibri Light"/>
+            </a:endParaRPr>
           </a:p>
         </p:txBody>
       </p:sp>
@@ -4145,7 +3563,7 @@
     </p:spTree>
     <p:extLst>
       <p:ext uri="{BB962C8B-B14F-4D97-AF65-F5344CB8AC3E}">
-        <p14:creationId xmlns:p14="http://schemas.microsoft.com/office/powerpoint/2010/main" val="1306777140"/>
+        <p14:creationId xmlns:p14="http://schemas.microsoft.com/office/powerpoint/2010/main" val="3720306176"/>
       </p:ext>
     </p:extLst>
   </p:cSld>
@@ -4156,588 +3574,6 @@
 </file>
 
 <file path=ppt/slides/slide5.xml><?xml version="1.0" encoding="utf-8"?>
-<p:sld xmlns:a="http://schemas.openxmlformats.org/drawingml/2006/main" xmlns:r="http://schemas.openxmlformats.org/officeDocument/2006/relationships" xmlns:p="http://schemas.openxmlformats.org/presentationml/2006/main">
-  <p:cSld>
-    <p:spTree>
-      <p:nvGrpSpPr>
-        <p:cNvPr id="1" name=""/>
-        <p:cNvGrpSpPr/>
-        <p:nvPr/>
-      </p:nvGrpSpPr>
-      <p:grpSpPr>
-        <a:xfrm>
-          <a:off x="0" y="0"/>
-          <a:ext cx="0" cy="0"/>
-          <a:chOff x="0" y="0"/>
-          <a:chExt cx="0" cy="0"/>
-        </a:xfrm>
-      </p:grpSpPr>
-      <p:sp>
-        <p:nvSpPr>
-          <p:cNvPr id="2" name="Título 1">
-            <a:extLst>
-              <a:ext uri="{FF2B5EF4-FFF2-40B4-BE49-F238E27FC236}">
-                <a16:creationId xmlns:a16="http://schemas.microsoft.com/office/drawing/2014/main" id="{34D2DC7F-147B-28CC-8152-C6B9EB18ABF4}"/>
-              </a:ext>
-            </a:extLst>
-          </p:cNvPr>
-          <p:cNvSpPr>
-            <a:spLocks noGrp="1"/>
-          </p:cNvSpPr>
-          <p:nvPr>
-            <p:ph type="title"/>
-          </p:nvPr>
-        </p:nvSpPr>
-        <p:spPr>
-          <a:xfrm>
-            <a:off x="916939" y="288834"/>
-            <a:ext cx="10358120" cy="697230"/>
-          </a:xfrm>
-        </p:spPr>
-        <p:txBody>
-          <a:bodyPr wrap="square" lIns="0" tIns="0" rIns="0" bIns="0" anchor="t">
-            <a:spAutoFit/>
-          </a:bodyPr>
-          <a:lstStyle/>
-          <a:p>
-            <a:r>
-              <a:rPr lang="pt-PT" dirty="0">
-                <a:latin typeface="+mj-lt"/>
-                <a:cs typeface="Arial"/>
-              </a:rPr>
-              <a:t>Non </a:t>
-            </a:r>
-            <a:r>
-              <a:rPr lang="pt-PT" dirty="0" err="1">
-                <a:latin typeface="+mj-lt"/>
-                <a:cs typeface="Arial"/>
-              </a:rPr>
-              <a:t>functional</a:t>
-            </a:r>
-            <a:r>
-              <a:rPr lang="pt-PT" sz="4400" dirty="0">
-                <a:latin typeface="+mj-lt"/>
-                <a:cs typeface="Arial"/>
-              </a:rPr>
-              <a:t> </a:t>
-            </a:r>
-            <a:r>
-              <a:rPr lang="pt-PT" sz="4400" dirty="0" err="1">
-                <a:latin typeface="+mj-lt"/>
-                <a:cs typeface="Arial"/>
-              </a:rPr>
-              <a:t>requirements</a:t>
-            </a:r>
-            <a:endParaRPr lang="pt-PT" dirty="0">
-              <a:latin typeface="+mj-lt"/>
-              <a:cs typeface="Arial"/>
-            </a:endParaRPr>
-          </a:p>
-        </p:txBody>
-      </p:sp>
-      <p:sp>
-        <p:nvSpPr>
-          <p:cNvPr id="3" name="Marcador de Posição do Texto 2">
-            <a:extLst>
-              <a:ext uri="{FF2B5EF4-FFF2-40B4-BE49-F238E27FC236}">
-                <a16:creationId xmlns:a16="http://schemas.microsoft.com/office/drawing/2014/main" id="{AF8953A9-B3E3-9AA3-2A00-7FF1803650A1}"/>
-              </a:ext>
-            </a:extLst>
-          </p:cNvPr>
-          <p:cNvSpPr>
-            <a:spLocks noGrp="1"/>
-          </p:cNvSpPr>
-          <p:nvPr>
-            <p:ph type="body" idx="1"/>
-          </p:nvPr>
-        </p:nvSpPr>
-        <p:spPr>
-          <a:xfrm>
-            <a:off x="916939" y="1479884"/>
-            <a:ext cx="10358120" cy="5447645"/>
-          </a:xfrm>
-        </p:spPr>
-        <p:txBody>
-          <a:bodyPr wrap="square" lIns="0" tIns="0" rIns="0" bIns="0" anchor="t">
-            <a:spAutoFit/>
-          </a:bodyPr>
-          <a:lstStyle/>
-          <a:p>
-            <a:pPr marL="285750" indent="-285750">
-              <a:buFont typeface="Arial" panose="020B0604020202020204" pitchFamily="34" charset="0"/>
-              <a:buChar char="•"/>
-            </a:pPr>
-            <a:r>
-              <a:rPr lang="pt-PT" sz="2400" dirty="0" err="1">
-                <a:latin typeface="Calibri Light"/>
-                <a:ea typeface="Calibri Light" panose="020F0302020204030204" pitchFamily="34" charset="0"/>
-                <a:cs typeface="Calibri Light"/>
-              </a:rPr>
-              <a:t>Usability</a:t>
-            </a:r>
-            <a:endParaRPr lang="pt-PT" sz="2400">
-              <a:latin typeface="Calibri Light"/>
-              <a:ea typeface="Calibri Light" panose="020F0302020204030204" pitchFamily="34" charset="0"/>
-              <a:cs typeface="Calibri Light" panose="020F0302020204030204" pitchFamily="34" charset="0"/>
-            </a:endParaRPr>
-          </a:p>
-          <a:p>
-            <a:pPr marL="742950" lvl="1" indent="-285750">
-              <a:buFont typeface="Arial" panose="020B0604020202020204" pitchFamily="34" charset="0"/>
-              <a:buChar char="•"/>
-            </a:pPr>
-            <a:r>
-              <a:rPr lang="pt-PT" sz="2400" dirty="0">
-                <a:latin typeface="Calibri Light"/>
-                <a:cs typeface="Calibri Light"/>
-              </a:rPr>
-              <a:t>UI</a:t>
-            </a:r>
-          </a:p>
-          <a:p>
-            <a:pPr marL="742950" lvl="1" indent="-285750">
-              <a:buFont typeface="Arial" panose="020B0604020202020204" pitchFamily="34" charset="0"/>
-              <a:buChar char="•"/>
-            </a:pPr>
-            <a:r>
-              <a:rPr lang="pt-PT" sz="2400" dirty="0" err="1">
-                <a:latin typeface="Calibri Light"/>
-                <a:cs typeface="Calibri Light"/>
-              </a:rPr>
-              <a:t>Extension</a:t>
-            </a:r>
-            <a:r>
-              <a:rPr lang="pt-PT" sz="2400" dirty="0">
-                <a:latin typeface="Calibri Light"/>
-                <a:cs typeface="Calibri Light"/>
-              </a:rPr>
-              <a:t> </a:t>
-            </a:r>
-            <a:r>
-              <a:rPr lang="pt-PT" sz="2400" dirty="0" err="1">
-                <a:latin typeface="Calibri Light"/>
-                <a:cs typeface="Calibri Light"/>
-              </a:rPr>
-              <a:t>settings</a:t>
-            </a:r>
-            <a:endParaRPr lang="pt-PT" sz="2400" dirty="0">
-              <a:latin typeface="Calibri Light"/>
-              <a:cs typeface="Calibri Light"/>
-            </a:endParaRPr>
-          </a:p>
-          <a:p>
-            <a:pPr marL="742950" lvl="1" indent="-285750">
-              <a:buFont typeface="Arial" panose="020B0604020202020204" pitchFamily="34" charset="0"/>
-              <a:buChar char="•"/>
-            </a:pPr>
-            <a:r>
-              <a:rPr lang="pt-PT" sz="2400" dirty="0">
-                <a:latin typeface="Calibri Light"/>
-                <a:cs typeface="Calibri Light"/>
-              </a:rPr>
-              <a:t>LM </a:t>
-            </a:r>
-            <a:r>
-              <a:rPr lang="pt-PT" sz="2400" dirty="0" err="1">
-                <a:latin typeface="Calibri Light"/>
-                <a:cs typeface="Calibri Light"/>
-              </a:rPr>
-              <a:t>Hub</a:t>
-            </a:r>
-            <a:endParaRPr lang="pt-PT" sz="2400">
-              <a:latin typeface="Calibri Light"/>
-              <a:cs typeface="Calibri Light"/>
-            </a:endParaRPr>
-          </a:p>
-          <a:p>
-            <a:pPr marL="742950" lvl="1" indent="-285750">
-              <a:buFont typeface="Arial" panose="020B0604020202020204" pitchFamily="34" charset="0"/>
-              <a:buChar char="•"/>
-            </a:pPr>
-            <a:endParaRPr lang="pt-PT" sz="2400" dirty="0">
-              <a:latin typeface="Calibri Light"/>
-              <a:cs typeface="Calibri Light"/>
-            </a:endParaRPr>
-          </a:p>
-          <a:p>
-            <a:pPr marL="285750" indent="-285750">
-              <a:buFont typeface="Arial,Sans-Serif" panose="020B0604020202020204" pitchFamily="34" charset="0"/>
-              <a:buChar char="•"/>
-            </a:pPr>
-            <a:r>
-              <a:rPr lang="pt-PT" sz="2400" dirty="0">
-                <a:latin typeface="Calibri Light"/>
-                <a:cs typeface="Calibri Light"/>
-              </a:rPr>
-              <a:t>Performance</a:t>
-            </a:r>
-            <a:endParaRPr lang="pt-PT" sz="2400">
-              <a:latin typeface="Calibri Light"/>
-              <a:ea typeface="+mn-lt"/>
-              <a:cs typeface="+mn-lt"/>
-            </a:endParaRPr>
-          </a:p>
-          <a:p>
-            <a:pPr marL="742950" lvl="1" indent="-285750">
-              <a:buFont typeface="Arial,Sans-Serif" panose="020B0604020202020204" pitchFamily="34" charset="0"/>
-              <a:buChar char="•"/>
-            </a:pPr>
-            <a:r>
-              <a:rPr lang="pt-PT" sz="2400" dirty="0" err="1">
-                <a:latin typeface="Calibri Light"/>
-                <a:cs typeface="Calibri Light"/>
-              </a:rPr>
-              <a:t>Efficient</a:t>
-            </a:r>
-            <a:r>
-              <a:rPr lang="pt-PT" sz="2400" dirty="0">
-                <a:latin typeface="Calibri Light"/>
-                <a:cs typeface="Calibri Light"/>
-              </a:rPr>
-              <a:t> </a:t>
-            </a:r>
-            <a:r>
-              <a:rPr lang="pt-PT" sz="2400" dirty="0" err="1">
-                <a:latin typeface="Calibri Light"/>
-                <a:cs typeface="Calibri Light"/>
-              </a:rPr>
-              <a:t>and</a:t>
-            </a:r>
-            <a:r>
-              <a:rPr lang="pt-PT" sz="2400" dirty="0">
-                <a:latin typeface="Calibri Light"/>
-                <a:cs typeface="Calibri Light"/>
-              </a:rPr>
-              <a:t> fast </a:t>
-            </a:r>
-            <a:r>
-              <a:rPr lang="pt-PT" sz="2400" dirty="0" err="1">
-                <a:latin typeface="Calibri Light"/>
-                <a:cs typeface="Calibri Light"/>
-              </a:rPr>
-              <a:t>even</a:t>
-            </a:r>
-            <a:r>
-              <a:rPr lang="pt-PT" sz="2400" dirty="0">
-                <a:latin typeface="Calibri Light"/>
-                <a:cs typeface="Calibri Light"/>
-              </a:rPr>
-              <a:t> </a:t>
-            </a:r>
-            <a:r>
-              <a:rPr lang="pt-PT" sz="2400" dirty="0" err="1">
-                <a:latin typeface="Calibri Light"/>
-                <a:cs typeface="Calibri Light"/>
-              </a:rPr>
-              <a:t>on</a:t>
-            </a:r>
-            <a:r>
-              <a:rPr lang="pt-PT" sz="2400" dirty="0">
-                <a:latin typeface="Calibri Light"/>
-                <a:cs typeface="Calibri Light"/>
-              </a:rPr>
-              <a:t> </a:t>
-            </a:r>
-            <a:r>
-              <a:rPr lang="pt-PT" sz="2400" dirty="0" err="1">
-                <a:latin typeface="Calibri Light"/>
-                <a:cs typeface="Calibri Light"/>
-              </a:rPr>
-              <a:t>long</a:t>
-            </a:r>
-            <a:r>
-              <a:rPr lang="pt-PT" sz="2400" dirty="0">
-                <a:latin typeface="Calibri Light"/>
-                <a:cs typeface="Calibri Light"/>
-              </a:rPr>
-              <a:t> web </a:t>
-            </a:r>
-            <a:r>
-              <a:rPr lang="pt-PT" sz="2400" dirty="0" err="1">
-                <a:latin typeface="Calibri Light"/>
-                <a:cs typeface="Calibri Light"/>
-              </a:rPr>
-              <a:t>pages</a:t>
-            </a:r>
-            <a:r>
-              <a:rPr lang="pt-PT" sz="2400" dirty="0">
-                <a:latin typeface="Calibri Light"/>
-                <a:cs typeface="Calibri Light"/>
-              </a:rPr>
-              <a:t> </a:t>
-            </a:r>
-            <a:r>
-              <a:rPr lang="pt-PT" sz="2400" dirty="0" err="1">
-                <a:latin typeface="Calibri Light"/>
-                <a:cs typeface="Calibri Light"/>
-              </a:rPr>
-              <a:t>and</a:t>
-            </a:r>
-            <a:r>
-              <a:rPr lang="pt-PT" sz="2400" dirty="0">
-                <a:latin typeface="Calibri Light"/>
-                <a:cs typeface="Calibri Light"/>
-              </a:rPr>
-              <a:t> </a:t>
-            </a:r>
-            <a:r>
-              <a:rPr lang="pt-PT" sz="2400" dirty="0" err="1">
-                <a:latin typeface="Calibri Light"/>
-                <a:cs typeface="Calibri Light"/>
-              </a:rPr>
-              <a:t>PDFs</a:t>
-            </a:r>
-          </a:p>
-          <a:p>
-            <a:pPr marL="742950" lvl="1" indent="-285750">
-              <a:buFont typeface="Arial,Sans-Serif" panose="020B0604020202020204" pitchFamily="34" charset="0"/>
-              <a:buChar char="•"/>
-            </a:pPr>
-            <a:endParaRPr lang="pt-PT" sz="2400" dirty="0">
-              <a:latin typeface="Calibri Light"/>
-              <a:cs typeface="Calibri Light"/>
-            </a:endParaRPr>
-          </a:p>
-          <a:p>
-            <a:pPr marL="285750" indent="-285750">
-              <a:buFont typeface="Arial,Sans-Serif" panose="020B0604020202020204" pitchFamily="34" charset="0"/>
-              <a:buChar char="•"/>
-            </a:pPr>
-            <a:r>
-              <a:rPr lang="pt-PT" sz="2400" dirty="0" err="1">
-                <a:latin typeface="Calibri Light"/>
-                <a:cs typeface="Calibri Light"/>
-              </a:rPr>
-              <a:t>Reliability</a:t>
-            </a:r>
-            <a:endParaRPr lang="pt-PT" sz="2400">
-              <a:latin typeface="Calibri Light"/>
-              <a:ea typeface="+mn-lt"/>
-              <a:cs typeface="+mn-lt"/>
-            </a:endParaRPr>
-          </a:p>
-          <a:p>
-            <a:pPr marL="742950" lvl="1" indent="-285750">
-              <a:buFont typeface="Arial,Sans-Serif" panose="020B0604020202020204" pitchFamily="34" charset="0"/>
-              <a:buChar char="•"/>
-            </a:pPr>
-            <a:r>
-              <a:rPr lang="pt-PT" sz="2400" dirty="0" err="1">
-                <a:latin typeface="Calibri Light"/>
-                <a:cs typeface="Calibri Light"/>
-              </a:rPr>
-              <a:t>Accurate</a:t>
-            </a:r>
-            <a:r>
-              <a:rPr lang="pt-PT" sz="2400" dirty="0">
-                <a:latin typeface="Calibri Light"/>
-                <a:cs typeface="Calibri Light"/>
-              </a:rPr>
-              <a:t> </a:t>
-            </a:r>
-            <a:r>
-              <a:rPr lang="pt-PT" sz="2400" dirty="0" err="1">
-                <a:latin typeface="Calibri Light"/>
-                <a:cs typeface="Calibri Light"/>
-              </a:rPr>
-              <a:t>detection</a:t>
-            </a:r>
-            <a:endParaRPr lang="pt-PT" sz="2400" dirty="0">
-              <a:latin typeface="Calibri Light"/>
-              <a:cs typeface="Calibri Light"/>
-            </a:endParaRPr>
-          </a:p>
-          <a:p>
-            <a:pPr marL="742950" lvl="1" indent="-285750">
-              <a:buFont typeface="Arial,Sans-Serif" panose="020B0604020202020204" pitchFamily="34" charset="0"/>
-              <a:buChar char="•"/>
-            </a:pPr>
-            <a:r>
-              <a:rPr lang="pt-PT" sz="2400" dirty="0" err="1">
-                <a:latin typeface="Calibri Light"/>
-                <a:cs typeface="Calibri Light"/>
-              </a:rPr>
-              <a:t>Reduced</a:t>
-            </a:r>
-            <a:r>
-              <a:rPr lang="pt-PT" sz="2400" dirty="0">
-                <a:latin typeface="Calibri Light"/>
-                <a:cs typeface="Calibri Light"/>
-              </a:rPr>
-              <a:t> false positives </a:t>
-            </a:r>
-            <a:r>
-              <a:rPr lang="pt-PT" sz="2400" dirty="0" err="1">
-                <a:latin typeface="Calibri Light"/>
-                <a:cs typeface="Calibri Light"/>
-              </a:rPr>
-              <a:t>and</a:t>
-            </a:r>
-            <a:r>
-              <a:rPr lang="pt-PT" sz="2400" dirty="0">
-                <a:latin typeface="Calibri Light"/>
-                <a:cs typeface="Calibri Light"/>
-              </a:rPr>
-              <a:t> negatives</a:t>
-            </a:r>
-          </a:p>
-          <a:p>
-            <a:pPr marL="742950" lvl="1" indent="-285750">
-              <a:buFont typeface="Arial,Sans-Serif" panose="020B0604020202020204" pitchFamily="34" charset="0"/>
-              <a:buChar char="•"/>
-            </a:pPr>
-            <a:endParaRPr lang="pt-PT" sz="2400" dirty="0">
-              <a:latin typeface="Calibri Light"/>
-              <a:cs typeface="Calibri Light"/>
-            </a:endParaRPr>
-          </a:p>
-          <a:p>
-            <a:pPr marL="285750" indent="-285750">
-              <a:buFont typeface="Arial,Sans-Serif" panose="020B0604020202020204" pitchFamily="34" charset="0"/>
-              <a:buChar char="•"/>
-            </a:pPr>
-            <a:r>
-              <a:rPr lang="pt-PT" sz="2400" dirty="0" err="1">
-                <a:latin typeface="Calibri Light"/>
-                <a:cs typeface="Calibri Light"/>
-              </a:rPr>
-              <a:t>Flexibility</a:t>
-            </a:r>
-            <a:endParaRPr lang="pt-PT" sz="2400">
-              <a:latin typeface="Calibri Light"/>
-              <a:ea typeface="+mn-lt"/>
-              <a:cs typeface="+mn-lt"/>
-            </a:endParaRPr>
-          </a:p>
-          <a:p>
-            <a:pPr marL="742950" lvl="1" indent="-285750">
-              <a:buFont typeface="Arial,Sans-Serif" panose="020B0604020202020204" pitchFamily="34" charset="0"/>
-              <a:buChar char="•"/>
-            </a:pPr>
-            <a:r>
-              <a:rPr lang="pt-PT" sz="2400" dirty="0" err="1">
-                <a:latin typeface="Calibri Light"/>
-                <a:cs typeface="Calibri Light"/>
-              </a:rPr>
-              <a:t>LMs</a:t>
-            </a:r>
-            <a:r>
-              <a:rPr lang="pt-PT" sz="2400" dirty="0">
-                <a:latin typeface="Calibri Light"/>
-                <a:cs typeface="Calibri Light"/>
-              </a:rPr>
-              <a:t> </a:t>
-            </a:r>
-            <a:r>
-              <a:rPr lang="pt-PT" sz="2400" dirty="0" err="1">
-                <a:latin typeface="Calibri Light"/>
-                <a:cs typeface="Calibri Light"/>
-              </a:rPr>
-              <a:t>addition</a:t>
-            </a:r>
-            <a:r>
-              <a:rPr lang="pt-PT" sz="2400" dirty="0">
-                <a:latin typeface="Calibri Light"/>
-                <a:cs typeface="Calibri Light"/>
-              </a:rPr>
-              <a:t> </a:t>
-            </a:r>
-            <a:r>
-              <a:rPr lang="pt-PT" sz="2400" dirty="0" err="1">
-                <a:latin typeface="Calibri Light"/>
-                <a:cs typeface="Calibri Light"/>
-              </a:rPr>
-              <a:t>and</a:t>
-            </a:r>
-            <a:r>
-              <a:rPr lang="pt-PT" sz="2400" dirty="0">
-                <a:latin typeface="Calibri Light"/>
-                <a:cs typeface="Calibri Light"/>
-              </a:rPr>
-              <a:t> </a:t>
-            </a:r>
-            <a:r>
-              <a:rPr lang="pt-PT" sz="2400" dirty="0" err="1">
-                <a:latin typeface="Calibri Light"/>
-                <a:cs typeface="Calibri Light"/>
-              </a:rPr>
-              <a:t>removal</a:t>
-            </a:r>
-            <a:endParaRPr lang="pt-PT" dirty="0" err="1">
-              <a:latin typeface="Calibri"/>
-              <a:cs typeface="Calibri"/>
-            </a:endParaRPr>
-          </a:p>
-          <a:p>
-            <a:pPr marL="742950" lvl="1" indent="-285750">
-              <a:buFont typeface="Arial,Sans-Serif" panose="020B0604020202020204" pitchFamily="34" charset="0"/>
-              <a:buChar char="•"/>
-            </a:pPr>
-            <a:endParaRPr lang="pt-PT" dirty="0">
-              <a:latin typeface="Calibri Light"/>
-              <a:cs typeface="Calibri Light"/>
-            </a:endParaRPr>
-          </a:p>
-        </p:txBody>
-      </p:sp>
-      <p:sp>
-        <p:nvSpPr>
-          <p:cNvPr id="4" name="object 4">
-            <a:extLst>
-              <a:ext uri="{FF2B5EF4-FFF2-40B4-BE49-F238E27FC236}">
-                <a16:creationId xmlns:a16="http://schemas.microsoft.com/office/drawing/2014/main" id="{12F3930D-8B0C-D838-7865-FFA0748E3201}"/>
-              </a:ext>
-            </a:extLst>
-          </p:cNvPr>
-          <p:cNvSpPr txBox="1">
-            <a:spLocks noGrp="1"/>
-          </p:cNvSpPr>
-          <p:nvPr>
-            <p:ph type="sldNum" sz="quarter" idx="7"/>
-          </p:nvPr>
-        </p:nvSpPr>
-        <p:spPr>
-          <a:xfrm>
-            <a:off x="11908535" y="6537756"/>
-            <a:ext cx="231140" cy="330200"/>
-          </a:xfrm>
-          <a:prstGeom prst="rect">
-            <a:avLst/>
-          </a:prstGeom>
-        </p:spPr>
-        <p:txBody>
-          <a:bodyPr vert="horz" wrap="square" lIns="0" tIns="0" rIns="0" bIns="0" rtlCol="0">
-            <a:spAutoFit/>
-          </a:bodyPr>
-          <a:lstStyle/>
-          <a:p>
-            <a:pPr marL="38100">
-              <a:lnSpc>
-                <a:spcPts val="2380"/>
-              </a:lnSpc>
-            </a:pPr>
-            <a:fld id="{81D60167-4931-47E6-BA6A-407CBD079E47}" type="slidenum">
-              <a:rPr dirty="0"/>
-              <a:t>5</a:t>
-            </a:fld>
-            <a:endParaRPr dirty="0"/>
-          </a:p>
-        </p:txBody>
-      </p:sp>
-    </p:spTree>
-    <p:extLst>
-      <p:ext uri="{BB962C8B-B14F-4D97-AF65-F5344CB8AC3E}">
-        <p14:creationId xmlns:p14="http://schemas.microsoft.com/office/powerpoint/2010/main" val="3720306176"/>
-      </p:ext>
-    </p:extLst>
-  </p:cSld>
-  <p:clrMapOvr>
-    <a:masterClrMapping/>
-  </p:clrMapOvr>
-</p:sld>
-</file>
-
-<file path=ppt/slides/slide6.xml><?xml version="1.0" encoding="utf-8"?>
 <p:sld xmlns:a="http://schemas.openxmlformats.org/drawingml/2006/main" xmlns:r="http://schemas.openxmlformats.org/officeDocument/2006/relationships" xmlns:p="http://schemas.openxmlformats.org/presentationml/2006/main">
   <p:cSld>
     <p:spTree>
@@ -4825,7 +3661,7 @@
             </a:pPr>
             <a:fld id="{81D60167-4931-47E6-BA6A-407CBD079E47}" type="slidenum">
               <a:rPr dirty="0"/>
-              <a:t>6</a:t>
+              <a:t>5</a:t>
             </a:fld>
             <a:endParaRPr dirty="0"/>
           </a:p>
@@ -8973,7 +7809,7 @@
 </p:sld>
 </file>
 
-<file path=ppt/slides/slide7.xml><?xml version="1.0" encoding="utf-8"?>
+<file path=ppt/slides/slide6.xml><?xml version="1.0" encoding="utf-8"?>
 <p:sld xmlns:a="http://schemas.openxmlformats.org/drawingml/2006/main" xmlns:r="http://schemas.openxmlformats.org/officeDocument/2006/relationships" xmlns:p="http://schemas.openxmlformats.org/presentationml/2006/main">
   <p:cSld>
     <p:spTree>
@@ -9063,7 +7899,7 @@
             </a:pPr>
             <a:fld id="{81D60167-4931-47E6-BA6A-407CBD079E47}" type="slidenum">
               <a:rPr dirty="0"/>
-              <a:t>7</a:t>
+              <a:t>6</a:t>
             </a:fld>
             <a:endParaRPr dirty="0"/>
           </a:p>
@@ -9082,292 +7918,7 @@
 </p:sld>
 </file>
 
-<file path=ppt/slides/slide8.xml><?xml version="1.0" encoding="utf-8"?>
-<p:sld xmlns:a="http://schemas.openxmlformats.org/drawingml/2006/main" xmlns:r="http://schemas.openxmlformats.org/officeDocument/2006/relationships" xmlns:p="http://schemas.openxmlformats.org/presentationml/2006/main">
-  <p:cSld>
-    <p:spTree>
-      <p:nvGrpSpPr>
-        <p:cNvPr id="1" name=""/>
-        <p:cNvGrpSpPr/>
-        <p:nvPr/>
-      </p:nvGrpSpPr>
-      <p:grpSpPr>
-        <a:xfrm>
-          <a:off x="0" y="0"/>
-          <a:ext cx="0" cy="0"/>
-          <a:chOff x="0" y="0"/>
-          <a:chExt cx="0" cy="0"/>
-        </a:xfrm>
-      </p:grpSpPr>
-      <p:sp>
-        <p:nvSpPr>
-          <p:cNvPr id="2" name="Título 1">
-            <a:extLst>
-              <a:ext uri="{FF2B5EF4-FFF2-40B4-BE49-F238E27FC236}">
-                <a16:creationId xmlns:a16="http://schemas.microsoft.com/office/drawing/2014/main" id="{34D2DC7F-147B-28CC-8152-C6B9EB18ABF4}"/>
-              </a:ext>
-            </a:extLst>
-          </p:cNvPr>
-          <p:cNvSpPr>
-            <a:spLocks noGrp="1"/>
-          </p:cNvSpPr>
-          <p:nvPr>
-            <p:ph type="title"/>
-          </p:nvPr>
-        </p:nvSpPr>
-        <p:spPr>
-          <a:xfrm>
-            <a:off x="916939" y="288834"/>
-            <a:ext cx="10358120" cy="697230"/>
-          </a:xfrm>
-        </p:spPr>
-        <p:txBody>
-          <a:bodyPr wrap="square" lIns="0" tIns="0" rIns="0" bIns="0" anchor="t">
-            <a:spAutoFit/>
-          </a:bodyPr>
-          <a:lstStyle/>
-          <a:p>
-            <a:r>
-              <a:rPr lang="pt-PT" dirty="0" err="1">
-                <a:latin typeface="+mj-lt"/>
-                <a:cs typeface="Arial"/>
-              </a:rPr>
-              <a:t>Methods</a:t>
-            </a:r>
-            <a:endParaRPr lang="pt-PT" dirty="0" err="1"/>
-          </a:p>
-        </p:txBody>
-      </p:sp>
-      <p:sp>
-        <p:nvSpPr>
-          <p:cNvPr id="3" name="Marcador de Posição do Texto 2">
-            <a:extLst>
-              <a:ext uri="{FF2B5EF4-FFF2-40B4-BE49-F238E27FC236}">
-                <a16:creationId xmlns:a16="http://schemas.microsoft.com/office/drawing/2014/main" id="{AF8953A9-B3E3-9AA3-2A00-7FF1803650A1}"/>
-              </a:ext>
-            </a:extLst>
-          </p:cNvPr>
-          <p:cNvSpPr>
-            <a:spLocks noGrp="1"/>
-          </p:cNvSpPr>
-          <p:nvPr>
-            <p:ph type="body" idx="1"/>
-          </p:nvPr>
-        </p:nvSpPr>
-        <p:spPr>
-          <a:xfrm>
-            <a:off x="916939" y="1479884"/>
-            <a:ext cx="10358120" cy="3600986"/>
-          </a:xfrm>
-        </p:spPr>
-        <p:txBody>
-          <a:bodyPr wrap="square" lIns="0" tIns="0" rIns="0" bIns="0" anchor="t">
-            <a:spAutoFit/>
-          </a:bodyPr>
-          <a:lstStyle/>
-          <a:p>
-            <a:pPr marL="285750" indent="-285750">
-              <a:buFont typeface="Arial" panose="020B0604020202020204" pitchFamily="34" charset="0"/>
-              <a:buChar char="•"/>
-            </a:pPr>
-            <a:r>
-              <a:rPr lang="pt-PT" sz="2400" dirty="0" err="1">
-                <a:latin typeface="Calibri Light"/>
-                <a:cs typeface="Calibri Light"/>
-              </a:rPr>
-              <a:t>Github</a:t>
-            </a:r>
-            <a:r>
-              <a:rPr lang="pt-PT" sz="2400" dirty="0">
-                <a:latin typeface="Calibri Light"/>
-                <a:cs typeface="Calibri Light"/>
-              </a:rPr>
-              <a:t> </a:t>
-            </a:r>
-          </a:p>
-          <a:p>
-            <a:pPr marL="285750" indent="-285750">
-              <a:buFont typeface="Arial" panose="020B0604020202020204" pitchFamily="34" charset="0"/>
-              <a:buChar char="•"/>
-            </a:pPr>
-            <a:endParaRPr lang="pt-PT" sz="2400" dirty="0">
-              <a:latin typeface="Calibri Light"/>
-              <a:cs typeface="Calibri Light"/>
-            </a:endParaRPr>
-          </a:p>
-          <a:p>
-            <a:pPr marL="285750" indent="-285750">
-              <a:buFont typeface="Arial" panose="020B0604020202020204" pitchFamily="34" charset="0"/>
-              <a:buChar char="•"/>
-            </a:pPr>
-            <a:r>
-              <a:rPr lang="pt-PT" sz="2400" dirty="0" err="1">
-                <a:latin typeface="Calibri Light"/>
-                <a:cs typeface="Calibri Light"/>
-              </a:rPr>
-              <a:t>Discord</a:t>
-            </a:r>
-            <a:r>
-              <a:rPr lang="pt-PT" sz="2400" dirty="0">
-                <a:latin typeface="Calibri Light"/>
-                <a:cs typeface="Calibri Light"/>
-              </a:rPr>
-              <a:t> </a:t>
-            </a:r>
-          </a:p>
-          <a:p>
-            <a:pPr marL="285750" indent="-285750">
-              <a:buFont typeface="Arial" panose="020B0604020202020204" pitchFamily="34" charset="0"/>
-              <a:buChar char="•"/>
-            </a:pPr>
-            <a:endParaRPr lang="pt-PT" sz="2400" dirty="0">
-              <a:latin typeface="Calibri Light"/>
-              <a:cs typeface="Calibri Light"/>
-            </a:endParaRPr>
-          </a:p>
-          <a:p>
-            <a:pPr marL="285750" indent="-285750">
-              <a:buFont typeface="Arial" panose="020B0604020202020204" pitchFamily="34" charset="0"/>
-              <a:buChar char="•"/>
-            </a:pPr>
-            <a:r>
-              <a:rPr lang="pt-PT" sz="2400" dirty="0" err="1">
-                <a:latin typeface="Calibri Light"/>
-                <a:cs typeface="Calibri Light"/>
-              </a:rPr>
-              <a:t>OpenUP</a:t>
-            </a:r>
-            <a:endParaRPr lang="pt-PT" sz="2400">
-              <a:latin typeface="Calibri Light"/>
-              <a:cs typeface="Calibri Light"/>
-            </a:endParaRPr>
-          </a:p>
-          <a:p>
-            <a:pPr marL="742950" lvl="1" indent="-285750">
-              <a:buFont typeface="Arial" panose="020B0604020202020204" pitchFamily="34" charset="0"/>
-              <a:buChar char="•"/>
-            </a:pPr>
-            <a:r>
-              <a:rPr lang="pt-PT" sz="2400">
-                <a:latin typeface="Calibri Light"/>
-                <a:cs typeface="Calibri Light"/>
-              </a:rPr>
-              <a:t>Inception</a:t>
-            </a:r>
-            <a:endParaRPr lang="pt-PT" sz="2400" dirty="0">
-              <a:latin typeface="Calibri Light"/>
-              <a:cs typeface="Calibri Light"/>
-            </a:endParaRPr>
-          </a:p>
-          <a:p>
-            <a:pPr marL="742950" lvl="1" indent="-285750">
-              <a:buFont typeface="Arial" panose="020B0604020202020204" pitchFamily="34" charset="0"/>
-              <a:buChar char="•"/>
-            </a:pPr>
-            <a:r>
-              <a:rPr lang="pt-PT" sz="2400" dirty="0" err="1">
-                <a:latin typeface="Calibri Light"/>
-                <a:cs typeface="Calibri Light"/>
-              </a:rPr>
-              <a:t>Elaboration</a:t>
-            </a:r>
-          </a:p>
-          <a:p>
-            <a:pPr marL="742950" lvl="1" indent="-285750">
-              <a:buFont typeface="Arial" panose="020B0604020202020204" pitchFamily="34" charset="0"/>
-              <a:buChar char="•"/>
-            </a:pPr>
-            <a:r>
-              <a:rPr lang="pt-PT" sz="2400" dirty="0" err="1">
-                <a:latin typeface="Calibri Light"/>
-                <a:cs typeface="Calibri Light"/>
-              </a:rPr>
-              <a:t>Construction</a:t>
-            </a:r>
-          </a:p>
-          <a:p>
-            <a:pPr marL="742950" lvl="1" indent="-285750">
-              <a:buFont typeface="Arial" panose="020B0604020202020204" pitchFamily="34" charset="0"/>
-              <a:buChar char="•"/>
-            </a:pPr>
-            <a:r>
-              <a:rPr lang="pt-PT" sz="2400" dirty="0" err="1">
-                <a:latin typeface="Calibri Light"/>
-                <a:cs typeface="Calibri Light"/>
-              </a:rPr>
-              <a:t>Transition</a:t>
-            </a:r>
-          </a:p>
-          <a:p>
-            <a:pPr marL="742950" lvl="1" indent="-285750">
-              <a:buFont typeface="Arial,Sans-Serif" panose="020B0604020202020204" pitchFamily="34" charset="0"/>
-              <a:buChar char="•"/>
-            </a:pPr>
-            <a:endParaRPr lang="pt-PT" dirty="0">
-              <a:latin typeface="Calibri Light"/>
-              <a:cs typeface="Calibri Light"/>
-            </a:endParaRPr>
-          </a:p>
-        </p:txBody>
-      </p:sp>
-      <p:sp>
-        <p:nvSpPr>
-          <p:cNvPr id="4" name="object 4">
-            <a:extLst>
-              <a:ext uri="{FF2B5EF4-FFF2-40B4-BE49-F238E27FC236}">
-                <a16:creationId xmlns:a16="http://schemas.microsoft.com/office/drawing/2014/main" id="{12F3930D-8B0C-D838-7865-FFA0748E3201}"/>
-              </a:ext>
-            </a:extLst>
-          </p:cNvPr>
-          <p:cNvSpPr txBox="1">
-            <a:spLocks noGrp="1"/>
-          </p:cNvSpPr>
-          <p:nvPr>
-            <p:ph type="sldNum" sz="quarter" idx="7"/>
-          </p:nvPr>
-        </p:nvSpPr>
-        <p:spPr>
-          <a:xfrm>
-            <a:off x="11908535" y="6537756"/>
-            <a:ext cx="231140" cy="330200"/>
-          </a:xfrm>
-          <a:prstGeom prst="rect">
-            <a:avLst/>
-          </a:prstGeom>
-        </p:spPr>
-        <p:txBody>
-          <a:bodyPr vert="horz" wrap="square" lIns="0" tIns="0" rIns="0" bIns="0" rtlCol="0">
-            <a:spAutoFit/>
-          </a:bodyPr>
-          <a:lstStyle/>
-          <a:p>
-            <a:pPr marL="38100">
-              <a:lnSpc>
-                <a:spcPts val="2380"/>
-              </a:lnSpc>
-            </a:pPr>
-            <a:fld id="{81D60167-4931-47E6-BA6A-407CBD079E47}" type="slidenum">
-              <a:rPr dirty="0"/>
-              <a:t>8</a:t>
-            </a:fld>
-            <a:endParaRPr dirty="0"/>
-          </a:p>
-        </p:txBody>
-      </p:sp>
-    </p:spTree>
-    <p:extLst>
-      <p:ext uri="{BB962C8B-B14F-4D97-AF65-F5344CB8AC3E}">
-        <p14:creationId xmlns:p14="http://schemas.microsoft.com/office/powerpoint/2010/main" val="2565629924"/>
-      </p:ext>
-    </p:extLst>
-  </p:cSld>
-  <p:clrMapOvr>
-    <a:masterClrMapping/>
-  </p:clrMapOvr>
-</p:sld>
-</file>
-
-<file path=ppt/slides/slide9.xml><?xml version="1.0" encoding="utf-8"?>
+<file path=ppt/slides/slide7.xml><?xml version="1.0" encoding="utf-8"?>
 <p:sld xmlns:a="http://schemas.openxmlformats.org/drawingml/2006/main" xmlns:r="http://schemas.openxmlformats.org/officeDocument/2006/relationships" xmlns:p="http://schemas.openxmlformats.org/presentationml/2006/main">
   <p:cSld>
     <p:spTree>
@@ -9481,7 +8032,7 @@
             </a:pPr>
             <a:fld id="{81D60167-4931-47E6-BA6A-407CBD079E47}" type="slidenum">
               <a:rPr dirty="0"/>
-              <a:t>9</a:t>
+              <a:t>7</a:t>
             </a:fld>
             <a:endParaRPr dirty="0"/>
           </a:p>

--- a/presentation-prototype.pptx
+++ b/presentation-prototype.pptx
@@ -5,16 +5,17 @@
     <p:sldMasterId id="2147483648" r:id="rId1"/>
   </p:sldMasterIdLst>
   <p:notesMasterIdLst>
-    <p:notesMasterId r:id="rId9"/>
+    <p:notesMasterId r:id="rId10"/>
   </p:notesMasterIdLst>
   <p:sldIdLst>
     <p:sldId id="271" r:id="rId2"/>
     <p:sldId id="258" r:id="rId3"/>
-    <p:sldId id="273" r:id="rId4"/>
+    <p:sldId id="275" r:id="rId4"/>
     <p:sldId id="274" r:id="rId5"/>
-    <p:sldId id="262" r:id="rId6"/>
-    <p:sldId id="264" r:id="rId7"/>
-    <p:sldId id="270" r:id="rId8"/>
+    <p:sldId id="273" r:id="rId6"/>
+    <p:sldId id="262" r:id="rId7"/>
+    <p:sldId id="264" r:id="rId8"/>
+    <p:sldId id="270" r:id="rId9"/>
   </p:sldIdLst>
   <p:sldSz cx="12192000" cy="6858000"/>
   <p:notesSz cx="12192000" cy="6858000"/>
@@ -135,6 +136,7 @@
 <file path=ppt/revisionInfo.xml><?xml version="1.0" encoding="utf-8"?>
 <p1510:revInfo xmlns:a="http://schemas.openxmlformats.org/drawingml/2006/main" xmlns:r="http://schemas.openxmlformats.org/officeDocument/2006/relationships" xmlns:p1510="http://schemas.microsoft.com/office/powerpoint/2015/10/main">
   <p1510:revLst>
+    <p1510:client id="{1CB2583A-4DE9-4468-8B82-6FC7F300763E}" v="231" dt="2023-04-10T20:13:30.830"/>
     <p1510:client id="{25080D6A-8894-495D-B6E8-D0DAEAE8741B}" v="973" dt="2023-04-10T16:40:36.154"/>
     <p1510:client id="{E9482C1C-1776-4E21-A425-84FC5140169B}" v="2" dt="2023-04-10T16:50:12.339"/>
   </p1510:revLst>
@@ -2565,7 +2567,7 @@
           <p:cNvPr id="2" name="Título 1">
             <a:extLst>
               <a:ext uri="{FF2B5EF4-FFF2-40B4-BE49-F238E27FC236}">
-                <a16:creationId xmlns:a16="http://schemas.microsoft.com/office/drawing/2014/main" id="{34D2DC7F-147B-28CC-8152-C6B9EB18ABF4}"/>
+                <a16:creationId xmlns:a16="http://schemas.microsoft.com/office/drawing/2014/main" id="{36D3FD89-1446-FF1A-2ADD-A1F89E5EFBA9}"/>
               </a:ext>
             </a:extLst>
           </p:cNvPr>
@@ -2576,40 +2578,19 @@
             <p:ph type="title"/>
           </p:nvPr>
         </p:nvSpPr>
-        <p:spPr>
-          <a:xfrm>
-            <a:off x="916939" y="288834"/>
-            <a:ext cx="10358120" cy="697230"/>
-          </a:xfrm>
-        </p:spPr>
+        <p:spPr/>
         <p:txBody>
           <a:bodyPr/>
           <a:lstStyle/>
           <a:p>
             <a:r>
-              <a:rPr lang="pt-PT" sz="4400" dirty="0" err="1">
+              <a:rPr lang="pt-PT" dirty="0" err="1">
                 <a:latin typeface="+mj-lt"/>
-                <a:cs typeface="Arial" panose="020B0604020202020204" pitchFamily="34" charset="0"/>
               </a:rPr>
-              <a:t>Functional</a:t>
-            </a:r>
-            <a:r>
-              <a:rPr lang="pt-PT" sz="4400" dirty="0">
-                <a:latin typeface="+mj-lt"/>
-                <a:cs typeface="Arial" panose="020B0604020202020204" pitchFamily="34" charset="0"/>
-              </a:rPr>
-              <a:t> </a:t>
-            </a:r>
-            <a:r>
-              <a:rPr lang="pt-PT" sz="4400" dirty="0" err="1">
-                <a:latin typeface="+mj-lt"/>
-                <a:cs typeface="Arial" panose="020B0604020202020204" pitchFamily="34" charset="0"/>
-              </a:rPr>
-              <a:t>requirements</a:t>
+              <a:t>Goals</a:t>
             </a:r>
             <a:endParaRPr lang="pt-PT" dirty="0">
               <a:latin typeface="+mj-lt"/>
-              <a:cs typeface="Arial" panose="020B0604020202020204" pitchFamily="34" charset="0"/>
             </a:endParaRPr>
           </a:p>
         </p:txBody>
@@ -2619,7 +2600,7 @@
           <p:cNvPr id="3" name="Marcador de Posição do Texto 2">
             <a:extLst>
               <a:ext uri="{FF2B5EF4-FFF2-40B4-BE49-F238E27FC236}">
-                <a16:creationId xmlns:a16="http://schemas.microsoft.com/office/drawing/2014/main" id="{AF8953A9-B3E3-9AA3-2A00-7FF1803650A1}"/>
+                <a16:creationId xmlns:a16="http://schemas.microsoft.com/office/drawing/2014/main" id="{F0B85A34-97D5-5848-7028-080AA0290CDB}"/>
               </a:ext>
             </a:extLst>
           </p:cNvPr>
@@ -2632,8 +2613,8 @@
         </p:nvSpPr>
         <p:spPr>
           <a:xfrm>
-            <a:off x="916939" y="1339516"/>
-            <a:ext cx="10358120" cy="5816977"/>
+            <a:off x="916939" y="1773682"/>
+            <a:ext cx="10358120" cy="4339650"/>
           </a:xfrm>
         </p:spPr>
         <p:txBody>
@@ -2642,134 +2623,28 @@
           </a:bodyPr>
           <a:lstStyle/>
           <a:p>
-            <a:pPr marL="285750" indent="-285750">
+            <a:pPr marL="342900" indent="-342900">
               <a:buFont typeface="Arial" panose="020B0604020202020204" pitchFamily="34" charset="0"/>
               <a:buChar char="•"/>
             </a:pPr>
             <a:r>
-              <a:rPr lang="pt-PT" sz="2400" dirty="0" err="1">
+              <a:rPr lang="en-US" sz="2400" dirty="0">
                 <a:latin typeface="Calibri Light"/>
                 <a:ea typeface="Calibri Light" panose="020F0302020204030204" pitchFamily="34" charset="0"/>
                 <a:cs typeface="Calibri Light"/>
               </a:rPr>
-              <a:t>Downloadable</a:t>
+              <a:t>AI text detector as a Chrome browser extension</a:t>
             </a:r>
-            <a:r>
-              <a:rPr lang="pt-PT" sz="2400" dirty="0">
-                <a:latin typeface="Calibri Light"/>
-                <a:ea typeface="Calibri Light" panose="020F0302020204030204" pitchFamily="34" charset="0"/>
-                <a:cs typeface="Calibri Light"/>
-              </a:rPr>
-              <a:t> - Chrome</a:t>
-            </a:r>
-            <a:endParaRPr lang="pt-PT" sz="2400" dirty="0">
-              <a:latin typeface="Calibri Light"/>
-              <a:ea typeface="Calibri Light" panose="020F0302020204030204" pitchFamily="34" charset="0"/>
-              <a:cs typeface="Calibri Light" panose="020F0302020204030204" pitchFamily="34" charset="0"/>
-            </a:endParaRPr>
-          </a:p>
-          <a:p>
-            <a:endParaRPr lang="pt-PT" sz="2400" dirty="0">
+          </a:p>
+          <a:p>
+            <a:endParaRPr lang="en-US" sz="2400" dirty="0">
               <a:latin typeface="Calibri Light" panose="020F0302020204030204" pitchFamily="34" charset="0"/>
               <a:ea typeface="Calibri Light" panose="020F0302020204030204" pitchFamily="34" charset="0"/>
               <a:cs typeface="Calibri Light" panose="020F0302020204030204" pitchFamily="34" charset="0"/>
             </a:endParaRPr>
           </a:p>
           <a:p>
-            <a:pPr marL="285750" indent="-285750">
-              <a:buFont typeface="Arial" panose="020B0604020202020204" pitchFamily="34" charset="0"/>
-              <a:buChar char="•"/>
-            </a:pPr>
-            <a:r>
-              <a:rPr lang="pt-PT" sz="2400" dirty="0" err="1">
-                <a:latin typeface="Calibri Light" panose="020F0302020204030204" pitchFamily="34" charset="0"/>
-                <a:ea typeface="Calibri Light" panose="020F0302020204030204" pitchFamily="34" charset="0"/>
-                <a:cs typeface="Calibri Light" panose="020F0302020204030204" pitchFamily="34" charset="0"/>
-              </a:rPr>
-              <a:t>Overall</a:t>
-            </a:r>
-            <a:r>
-              <a:rPr lang="pt-PT" sz="2400" dirty="0">
-                <a:latin typeface="Calibri Light" panose="020F0302020204030204" pitchFamily="34" charset="0"/>
-                <a:ea typeface="Calibri Light" panose="020F0302020204030204" pitchFamily="34" charset="0"/>
-                <a:cs typeface="Calibri Light" panose="020F0302020204030204" pitchFamily="34" charset="0"/>
-              </a:rPr>
-              <a:t> </a:t>
-            </a:r>
-            <a:r>
-              <a:rPr lang="pt-PT" sz="2400" dirty="0" err="1">
-                <a:latin typeface="Calibri Light" panose="020F0302020204030204" pitchFamily="34" charset="0"/>
-                <a:ea typeface="Calibri Light" panose="020F0302020204030204" pitchFamily="34" charset="0"/>
-                <a:cs typeface="Calibri Light" panose="020F0302020204030204" pitchFamily="34" charset="0"/>
-              </a:rPr>
-              <a:t>evaluation</a:t>
-            </a:r>
-            <a:r>
-              <a:rPr lang="pt-PT" sz="2400" dirty="0">
-                <a:latin typeface="Calibri Light" panose="020F0302020204030204" pitchFamily="34" charset="0"/>
-                <a:ea typeface="Calibri Light" panose="020F0302020204030204" pitchFamily="34" charset="0"/>
-                <a:cs typeface="Calibri Light" panose="020F0302020204030204" pitchFamily="34" charset="0"/>
-              </a:rPr>
-              <a:t> </a:t>
-            </a:r>
-            <a:r>
-              <a:rPr lang="pt-PT" sz="2400" dirty="0" err="1">
-                <a:latin typeface="Calibri Light" panose="020F0302020204030204" pitchFamily="34" charset="0"/>
-                <a:ea typeface="Calibri Light" panose="020F0302020204030204" pitchFamily="34" charset="0"/>
-                <a:cs typeface="Calibri Light" panose="020F0302020204030204" pitchFamily="34" charset="0"/>
-              </a:rPr>
-              <a:t>of</a:t>
-            </a:r>
-            <a:r>
-              <a:rPr lang="pt-PT" sz="2400" dirty="0">
-                <a:latin typeface="Calibri Light" panose="020F0302020204030204" pitchFamily="34" charset="0"/>
-                <a:ea typeface="Calibri Light" panose="020F0302020204030204" pitchFamily="34" charset="0"/>
-                <a:cs typeface="Calibri Light" panose="020F0302020204030204" pitchFamily="34" charset="0"/>
-              </a:rPr>
-              <a:t> </a:t>
-            </a:r>
-            <a:r>
-              <a:rPr lang="pt-PT" sz="2400" dirty="0" err="1">
-                <a:latin typeface="Calibri Light" panose="020F0302020204030204" pitchFamily="34" charset="0"/>
-                <a:ea typeface="Calibri Light" panose="020F0302020204030204" pitchFamily="34" charset="0"/>
-                <a:cs typeface="Calibri Light" panose="020F0302020204030204" pitchFamily="34" charset="0"/>
-              </a:rPr>
-              <a:t>current</a:t>
-            </a:r>
-            <a:r>
-              <a:rPr lang="pt-PT" sz="2400" dirty="0">
-                <a:latin typeface="Calibri Light" panose="020F0302020204030204" pitchFamily="34" charset="0"/>
-                <a:ea typeface="Calibri Light" panose="020F0302020204030204" pitchFamily="34" charset="0"/>
-                <a:cs typeface="Calibri Light" panose="020F0302020204030204" pitchFamily="34" charset="0"/>
-              </a:rPr>
-              <a:t> website </a:t>
-            </a:r>
-            <a:r>
-              <a:rPr lang="pt-PT" sz="2400" dirty="0" err="1">
-                <a:latin typeface="Calibri Light" panose="020F0302020204030204" pitchFamily="34" charset="0"/>
-                <a:ea typeface="Calibri Light" panose="020F0302020204030204" pitchFamily="34" charset="0"/>
-                <a:cs typeface="Calibri Light" panose="020F0302020204030204" pitchFamily="34" charset="0"/>
-              </a:rPr>
-              <a:t>or</a:t>
-            </a:r>
-            <a:r>
-              <a:rPr lang="pt-PT" sz="2400" dirty="0">
-                <a:latin typeface="Calibri Light" panose="020F0302020204030204" pitchFamily="34" charset="0"/>
-                <a:ea typeface="Calibri Light" panose="020F0302020204030204" pitchFamily="34" charset="0"/>
-                <a:cs typeface="Calibri Light" panose="020F0302020204030204" pitchFamily="34" charset="0"/>
-              </a:rPr>
-              <a:t> PDF</a:t>
-            </a:r>
-          </a:p>
-          <a:p>
-            <a:endParaRPr lang="pt-PT" sz="2400" dirty="0">
-              <a:latin typeface="Calibri Light" panose="020F0302020204030204" pitchFamily="34" charset="0"/>
-              <a:ea typeface="Calibri Light" panose="020F0302020204030204" pitchFamily="34" charset="0"/>
-              <a:cs typeface="Calibri Light" panose="020F0302020204030204" pitchFamily="34" charset="0"/>
-            </a:endParaRPr>
-          </a:p>
-          <a:p>
-            <a:pPr marL="285750" indent="-285750">
+            <a:pPr marL="342900" indent="-342900">
               <a:buFont typeface="Arial" panose="020B0604020202020204" pitchFamily="34" charset="0"/>
               <a:buChar char="•"/>
             </a:pPr>
@@ -2779,14 +2654,10 @@
                 <a:ea typeface="Calibri Light" panose="020F0302020204030204" pitchFamily="34" charset="0"/>
                 <a:cs typeface="Calibri Light" panose="020F0302020204030204" pitchFamily="34" charset="0"/>
               </a:rPr>
-              <a:t>Highlight suspicious parts of web page or PDF</a:t>
+              <a:t>For any web user</a:t>
             </a:r>
           </a:p>
           <a:p>
-            <a:pPr marL="285750" indent="-285750">
-              <a:buFont typeface="Arial" panose="020B0604020202020204" pitchFamily="34" charset="0"/>
-              <a:buChar char="•"/>
-            </a:pPr>
             <a:endParaRPr lang="en-US" sz="2400" dirty="0">
               <a:latin typeface="Calibri Light" panose="020F0302020204030204" pitchFamily="34" charset="0"/>
               <a:ea typeface="Calibri Light" panose="020F0302020204030204" pitchFamily="34" charset="0"/>
@@ -2794,49 +2665,20 @@
             </a:endParaRPr>
           </a:p>
           <a:p>
-            <a:pPr marL="285750" indent="-285750">
+            <a:pPr marL="342900" indent="-342900">
               <a:buFont typeface="Arial" panose="020B0604020202020204" pitchFamily="34" charset="0"/>
               <a:buChar char="•"/>
             </a:pPr>
             <a:r>
               <a:rPr lang="en-US" sz="2400" dirty="0">
-                <a:solidFill>
-                  <a:srgbClr val="000000"/>
-                </a:solidFill>
-                <a:latin typeface="Calibri Light"/>
-                <a:ea typeface="Calibri Light" panose="020F0302020204030204" pitchFamily="34" charset="0"/>
-                <a:cs typeface="Calibri Light"/>
-              </a:rPr>
-              <a:t>Select any text and analyze it</a:t>
-            </a:r>
-          </a:p>
-          <a:p>
-            <a:endParaRPr lang="pt-PT" sz="2400" dirty="0">
-              <a:solidFill>
-                <a:srgbClr val="000000"/>
-              </a:solidFill>
-              <a:latin typeface="Calibri Light" panose="020F0302020204030204" pitchFamily="34" charset="0"/>
-              <a:ea typeface="Calibri Light" panose="020F0302020204030204" pitchFamily="34" charset="0"/>
-              <a:cs typeface="Calibri Light" panose="020F0302020204030204" pitchFamily="34" charset="0"/>
-            </a:endParaRPr>
-          </a:p>
-          <a:p>
-            <a:pPr marL="285750" indent="-285750" algn="l">
-              <a:buFont typeface="Arial" panose="020B0604020202020204" pitchFamily="34" charset="0"/>
-              <a:buChar char="•"/>
-            </a:pPr>
-            <a:r>
-              <a:rPr lang="pt-PT" sz="2400" b="0" i="0" dirty="0">
-                <a:solidFill>
-                  <a:srgbClr val="000000"/>
-                </a:solidFill>
-                <a:effectLst/>
                 <a:latin typeface="Calibri Light" panose="020F0302020204030204" pitchFamily="34" charset="0"/>
                 <a:ea typeface="Calibri Light" panose="020F0302020204030204" pitchFamily="34" charset="0"/>
                 <a:cs typeface="Calibri Light" panose="020F0302020204030204" pitchFamily="34" charset="0"/>
               </a:rPr>
-              <a:t>UI/UX Design</a:t>
+              <a:t>Better web surfing experience</a:t>
             </a:r>
+          </a:p>
+          <a:p>
             <a:endParaRPr lang="en-US" sz="2400" dirty="0">
               <a:latin typeface="Calibri Light" panose="020F0302020204030204" pitchFamily="34" charset="0"/>
               <a:ea typeface="Calibri Light" panose="020F0302020204030204" pitchFamily="34" charset="0"/>
@@ -2844,7 +2686,28 @@
             </a:endParaRPr>
           </a:p>
           <a:p>
-            <a:pPr marL="800100" lvl="1" indent="-342900">
+            <a:pPr marL="342900" indent="-342900">
+              <a:buFont typeface="Arial" panose="020B0604020202020204" pitchFamily="34" charset="0"/>
+              <a:buChar char="•"/>
+            </a:pPr>
+            <a:r>
+              <a:rPr lang="en-US" sz="2400" dirty="0">
+                <a:latin typeface="Calibri Light" panose="020F0302020204030204" pitchFamily="34" charset="0"/>
+                <a:ea typeface="Calibri Light" panose="020F0302020204030204" pitchFamily="34" charset="0"/>
+                <a:cs typeface="Calibri Light" panose="020F0302020204030204" pitchFamily="34" charset="0"/>
+              </a:rPr>
+              <a:t>PDF documents</a:t>
+            </a:r>
+          </a:p>
+          <a:p>
+            <a:endParaRPr lang="en-US" sz="2400" dirty="0">
+              <a:latin typeface="Calibri Light" panose="020F0302020204030204" pitchFamily="34" charset="0"/>
+              <a:ea typeface="Calibri Light" panose="020F0302020204030204" pitchFamily="34" charset="0"/>
+              <a:cs typeface="Calibri Light" panose="020F0302020204030204" pitchFamily="34" charset="0"/>
+            </a:endParaRPr>
+          </a:p>
+          <a:p>
+            <a:pPr marL="342900" indent="-342900">
               <a:buFont typeface="Arial" panose="020B0604020202020204" pitchFamily="34" charset="0"/>
               <a:buChar char="•"/>
             </a:pPr>
@@ -2854,92 +2717,41 @@
                 <a:ea typeface="Calibri Light" panose="020F0302020204030204" pitchFamily="34" charset="0"/>
                 <a:cs typeface="Calibri Light"/>
               </a:rPr>
-              <a:t>Turn off/on</a:t>
+              <a:t>Flexible - language models</a:t>
             </a:r>
           </a:p>
           <a:p>
-            <a:pPr marL="800100" lvl="1" indent="-342900">
+            <a:endParaRPr lang="en-US" sz="2400" dirty="0">
+              <a:latin typeface="Calibri Light" panose="020F0302020204030204" pitchFamily="34" charset="0"/>
+              <a:ea typeface="Calibri Light" panose="020F0302020204030204" pitchFamily="34" charset="0"/>
+              <a:cs typeface="Calibri Light" panose="020F0302020204030204" pitchFamily="34" charset="0"/>
+            </a:endParaRPr>
+          </a:p>
+          <a:p>
+            <a:pPr marL="342900" indent="-342900">
               <a:buFont typeface="Arial" panose="020B0604020202020204" pitchFamily="34" charset="0"/>
               <a:buChar char="•"/>
             </a:pPr>
             <a:r>
               <a:rPr lang="en-US" sz="2400" dirty="0">
-                <a:latin typeface="Calibri Light"/>
+                <a:latin typeface="Calibri Light" panose="020F0302020204030204" pitchFamily="34" charset="0"/>
                 <a:ea typeface="Calibri Light" panose="020F0302020204030204" pitchFamily="34" charset="0"/>
-                <a:cs typeface="Calibri Light"/>
+                <a:cs typeface="Calibri Light" panose="020F0302020204030204" pitchFamily="34" charset="0"/>
               </a:rPr>
-              <a:t>Select language models</a:t>
+              <a:t>Website showing our work</a:t>
             </a:r>
           </a:p>
           <a:p>
-            <a:pPr marL="800100" lvl="1" indent="-342900">
-              <a:buFont typeface="Arial" panose="020B0604020202020204" pitchFamily="34" charset="0"/>
-              <a:buChar char="•"/>
-            </a:pPr>
-            <a:r>
-              <a:rPr lang="en-US" sz="2400" dirty="0">
-                <a:latin typeface="Calibri Light"/>
-                <a:ea typeface="Calibri Light" panose="020F0302020204030204" pitchFamily="34" charset="0"/>
-                <a:cs typeface="Calibri Light"/>
-              </a:rPr>
-              <a:t>Select threshold probabilities</a:t>
-            </a:r>
-          </a:p>
-          <a:p>
-            <a:pPr marL="800100" lvl="1" indent="-342900">
-              <a:buFont typeface="Arial" panose="020B0604020202020204" pitchFamily="34" charset="0"/>
-              <a:buChar char="•"/>
-            </a:pPr>
-            <a:r>
-              <a:rPr lang="en-US" sz="2400" dirty="0">
-                <a:latin typeface="Calibri Light"/>
-                <a:ea typeface="Calibri Light" panose="020F0302020204030204" pitchFamily="34" charset="0"/>
-                <a:cs typeface="Calibri Light"/>
-              </a:rPr>
-              <a:t>Pick highlight color(s)</a:t>
-            </a:r>
-          </a:p>
-          <a:p>
-            <a:endParaRPr lang="pt-PT" sz="2400" dirty="0">
-              <a:latin typeface="Calibri Light" panose="020F0302020204030204" pitchFamily="34" charset="0"/>
-              <a:ea typeface="Calibri Light" panose="020F0302020204030204" pitchFamily="34" charset="0"/>
-              <a:cs typeface="Calibri Light" panose="020F0302020204030204" pitchFamily="34" charset="0"/>
-            </a:endParaRPr>
-          </a:p>
-          <a:p>
-            <a:pPr marL="285750" indent="-285750">
-              <a:buFont typeface="Arial" panose="020B0604020202020204" pitchFamily="34" charset="0"/>
-              <a:buChar char="•"/>
-            </a:pPr>
-            <a:r>
-              <a:rPr lang="en-US" sz="2400" dirty="0">
-                <a:latin typeface="Calibri Light"/>
-                <a:ea typeface="Calibri Light" panose="020F0302020204030204" pitchFamily="34" charset="0"/>
-                <a:cs typeface="Calibri Light"/>
-              </a:rPr>
-              <a:t>Upload LMs – LM Hub</a:t>
-            </a:r>
-            <a:endParaRPr lang="en-US" sz="2400" dirty="0">
-              <a:latin typeface="Calibri Light"/>
-              <a:ea typeface="Calibri Light" panose="020F0302020204030204" pitchFamily="34" charset="0"/>
-              <a:cs typeface="Calibri Light" panose="020F0302020204030204" pitchFamily="34" charset="0"/>
-            </a:endParaRPr>
-          </a:p>
-          <a:p>
-            <a:pPr marL="285750" indent="-285750">
-              <a:buFont typeface="Arial" panose="020B0604020202020204" pitchFamily="34" charset="0"/>
-              <a:buChar char="•"/>
-            </a:pPr>
             <a:endParaRPr lang="pt-PT" dirty="0"/>
           </a:p>
         </p:txBody>
       </p:sp>
       <p:sp>
         <p:nvSpPr>
-          <p:cNvPr id="4" name="object 4">
+          <p:cNvPr id="6" name="object 4">
             <a:extLst>
               <a:ext uri="{FF2B5EF4-FFF2-40B4-BE49-F238E27FC236}">
-                <a16:creationId xmlns:a16="http://schemas.microsoft.com/office/drawing/2014/main" id="{12F3930D-8B0C-D838-7865-FFA0748E3201}"/>
+                <a16:creationId xmlns:a16="http://schemas.microsoft.com/office/drawing/2014/main" id="{7F89283F-4A62-CE86-DFE3-F87E2D19666B}"/>
               </a:ext>
             </a:extLst>
           </p:cNvPr>
@@ -2981,7 +2793,7 @@
     </p:spTree>
     <p:extLst>
       <p:ext uri="{BB962C8B-B14F-4D97-AF65-F5344CB8AC3E}">
-        <p14:creationId xmlns:p14="http://schemas.microsoft.com/office/powerpoint/2010/main" val="1306777140"/>
+        <p14:creationId xmlns:p14="http://schemas.microsoft.com/office/powerpoint/2010/main" val="841408725"/>
       </p:ext>
     </p:extLst>
   </p:cSld>
@@ -2992,6 +2804,1169 @@
 </file>
 
 <file path=ppt/slides/slide4.xml><?xml version="1.0" encoding="utf-8"?>
+<p:sld xmlns:a="http://schemas.openxmlformats.org/drawingml/2006/main" xmlns:r="http://schemas.openxmlformats.org/officeDocument/2006/relationships" xmlns:p="http://schemas.openxmlformats.org/presentationml/2006/main">
+  <p:cSld>
+    <p:spTree>
+      <p:nvGrpSpPr>
+        <p:cNvPr id="1" name=""/>
+        <p:cNvGrpSpPr/>
+        <p:nvPr/>
+      </p:nvGrpSpPr>
+      <p:grpSpPr>
+        <a:xfrm>
+          <a:off x="0" y="0"/>
+          <a:ext cx="0" cy="0"/>
+          <a:chOff x="0" y="0"/>
+          <a:chExt cx="0" cy="0"/>
+        </a:xfrm>
+      </p:grpSpPr>
+      <p:sp>
+        <p:nvSpPr>
+          <p:cNvPr id="2" name="Título 1">
+            <a:extLst>
+              <a:ext uri="{FF2B5EF4-FFF2-40B4-BE49-F238E27FC236}">
+                <a16:creationId xmlns:a16="http://schemas.microsoft.com/office/drawing/2014/main" id="{43E6C5E7-7A47-CF99-48C5-5D0AB9F5BF40}"/>
+              </a:ext>
+            </a:extLst>
+          </p:cNvPr>
+          <p:cNvSpPr>
+            <a:spLocks noGrp="1"/>
+          </p:cNvSpPr>
+          <p:nvPr>
+            <p:ph type="title"/>
+          </p:nvPr>
+        </p:nvSpPr>
+        <p:spPr/>
+        <p:txBody>
+          <a:bodyPr/>
+          <a:lstStyle/>
+          <a:p>
+            <a:r>
+              <a:rPr lang="pt-PT" dirty="0" err="1">
+                <a:latin typeface="+mj-lt"/>
+              </a:rPr>
+              <a:t>State</a:t>
+            </a:r>
+            <a:r>
+              <a:rPr lang="pt-PT" dirty="0">
+                <a:latin typeface="+mj-lt"/>
+              </a:rPr>
+              <a:t> </a:t>
+            </a:r>
+            <a:r>
+              <a:rPr lang="pt-PT" dirty="0" err="1">
+                <a:latin typeface="+mj-lt"/>
+              </a:rPr>
+              <a:t>of</a:t>
+            </a:r>
+            <a:r>
+              <a:rPr lang="pt-PT" dirty="0">
+                <a:latin typeface="+mj-lt"/>
+              </a:rPr>
+              <a:t> </a:t>
+            </a:r>
+            <a:r>
+              <a:rPr lang="pt-PT" dirty="0" err="1">
+                <a:latin typeface="+mj-lt"/>
+              </a:rPr>
+              <a:t>art</a:t>
+            </a:r>
+            <a:endParaRPr lang="pt-PT" dirty="0">
+              <a:latin typeface="+mj-lt"/>
+            </a:endParaRPr>
+          </a:p>
+        </p:txBody>
+      </p:sp>
+      <p:grpSp>
+        <p:nvGrpSpPr>
+          <p:cNvPr id="20" name="Agrupar 19">
+            <a:extLst>
+              <a:ext uri="{FF2B5EF4-FFF2-40B4-BE49-F238E27FC236}">
+                <a16:creationId xmlns:a16="http://schemas.microsoft.com/office/drawing/2014/main" id="{7385BFEB-B4A7-0157-3F01-2527DA8F2C47}"/>
+              </a:ext>
+            </a:extLst>
+          </p:cNvPr>
+          <p:cNvGrpSpPr/>
+          <p:nvPr/>
+        </p:nvGrpSpPr>
+        <p:grpSpPr>
+          <a:xfrm>
+            <a:off x="1124643" y="2113200"/>
+            <a:ext cx="9902122" cy="3886124"/>
+            <a:chOff x="2133600" y="2606832"/>
+            <a:chExt cx="7647700" cy="3001368"/>
+          </a:xfrm>
+        </p:grpSpPr>
+        <p:sp>
+          <p:nvSpPr>
+            <p:cNvPr id="4" name="Google Shape;413;p67">
+              <a:extLst>
+                <a:ext uri="{FF2B5EF4-FFF2-40B4-BE49-F238E27FC236}">
+                  <a16:creationId xmlns:a16="http://schemas.microsoft.com/office/drawing/2014/main" id="{356BFCA7-F6F4-B566-4143-5A48A2739762}"/>
+                </a:ext>
+              </a:extLst>
+            </p:cNvPr>
+            <p:cNvSpPr txBox="1">
+              <a:spLocks/>
+            </p:cNvSpPr>
+            <p:nvPr/>
+          </p:nvSpPr>
+          <p:spPr>
+            <a:xfrm>
+              <a:off x="2388390" y="4539423"/>
+              <a:ext cx="1922285" cy="795600"/>
+            </a:xfrm>
+            <a:prstGeom prst="rect">
+              <a:avLst/>
+            </a:prstGeom>
+          </p:spPr>
+          <p:txBody>
+            <a:bodyPr spcFirstLastPara="1" wrap="square" lIns="91425" tIns="91425" rIns="91425" bIns="91425" anchor="ctr" anchorCtr="0">
+              <a:noAutofit/>
+            </a:bodyPr>
+            <a:lstStyle>
+              <a:lvl1pPr marL="0">
+                <a:defRPr b="0" i="0">
+                  <a:solidFill>
+                    <a:schemeClr val="tx1"/>
+                  </a:solidFill>
+                  <a:latin typeface="+mn-lt"/>
+                  <a:ea typeface="+mn-ea"/>
+                  <a:cs typeface="+mn-cs"/>
+                </a:defRPr>
+              </a:lvl1pPr>
+              <a:lvl2pPr marL="457200">
+                <a:defRPr>
+                  <a:latin typeface="+mn-lt"/>
+                  <a:ea typeface="+mn-ea"/>
+                  <a:cs typeface="+mn-cs"/>
+                </a:defRPr>
+              </a:lvl2pPr>
+              <a:lvl3pPr marL="914400">
+                <a:defRPr>
+                  <a:latin typeface="+mn-lt"/>
+                  <a:ea typeface="+mn-ea"/>
+                  <a:cs typeface="+mn-cs"/>
+                </a:defRPr>
+              </a:lvl3pPr>
+              <a:lvl4pPr marL="1371600">
+                <a:defRPr>
+                  <a:latin typeface="+mn-lt"/>
+                  <a:ea typeface="+mn-ea"/>
+                  <a:cs typeface="+mn-cs"/>
+                </a:defRPr>
+              </a:lvl4pPr>
+              <a:lvl5pPr marL="1828800">
+                <a:defRPr>
+                  <a:latin typeface="+mn-lt"/>
+                  <a:ea typeface="+mn-ea"/>
+                  <a:cs typeface="+mn-cs"/>
+                </a:defRPr>
+              </a:lvl5pPr>
+              <a:lvl6pPr marL="2286000">
+                <a:defRPr>
+                  <a:latin typeface="+mn-lt"/>
+                  <a:ea typeface="+mn-ea"/>
+                  <a:cs typeface="+mn-cs"/>
+                </a:defRPr>
+              </a:lvl6pPr>
+              <a:lvl7pPr marL="2743200">
+                <a:defRPr>
+                  <a:latin typeface="+mn-lt"/>
+                  <a:ea typeface="+mn-ea"/>
+                  <a:cs typeface="+mn-cs"/>
+                </a:defRPr>
+              </a:lvl7pPr>
+              <a:lvl8pPr marL="3200400">
+                <a:defRPr>
+                  <a:latin typeface="+mn-lt"/>
+                  <a:ea typeface="+mn-ea"/>
+                  <a:cs typeface="+mn-cs"/>
+                </a:defRPr>
+              </a:lvl8pPr>
+              <a:lvl9pPr marL="3657600">
+                <a:defRPr>
+                  <a:latin typeface="+mn-lt"/>
+                  <a:ea typeface="+mn-ea"/>
+                  <a:cs typeface="+mn-cs"/>
+                </a:defRPr>
+              </a:lvl9pPr>
+            </a:lstStyle>
+            <a:p>
+              <a:r>
+                <a:rPr lang="en-US" sz="2000" kern="0" dirty="0">
+                  <a:latin typeface="Calibri Light" panose="020F0302020204030204" pitchFamily="34" charset="0"/>
+                  <a:ea typeface="Calibri Light" panose="020F0302020204030204" pitchFamily="34" charset="0"/>
+                  <a:cs typeface="Calibri Light" panose="020F0302020204030204" pitchFamily="34" charset="0"/>
+                </a:rPr>
+                <a:t>Plagiarism checking</a:t>
+              </a:r>
+            </a:p>
+            <a:p>
+              <a:r>
+                <a:rPr lang="en-US" sz="2000" kern="0" dirty="0">
+                  <a:latin typeface="Calibri Light" panose="020F0302020204030204" pitchFamily="34" charset="0"/>
+                  <a:ea typeface="Calibri Light" panose="020F0302020204030204" pitchFamily="34" charset="0"/>
+                  <a:cs typeface="Calibri Light" panose="020F0302020204030204" pitchFamily="34" charset="0"/>
+                </a:rPr>
+                <a:t>Bad usability</a:t>
+              </a:r>
+            </a:p>
+            <a:p>
+              <a:r>
+                <a:rPr lang="en-US" sz="2000" kern="0" dirty="0">
+                  <a:latin typeface="Calibri Light" panose="020F0302020204030204" pitchFamily="34" charset="0"/>
+                  <a:ea typeface="Calibri Light" panose="020F0302020204030204" pitchFamily="34" charset="0"/>
+                  <a:cs typeface="Calibri Light" panose="020F0302020204030204" pitchFamily="34" charset="0"/>
+                </a:rPr>
+                <a:t>Mediocre detection</a:t>
+              </a:r>
+            </a:p>
+          </p:txBody>
+        </p:sp>
+        <p:sp>
+          <p:nvSpPr>
+            <p:cNvPr id="5" name="Google Shape;415;p67">
+              <a:extLst>
+                <a:ext uri="{FF2B5EF4-FFF2-40B4-BE49-F238E27FC236}">
+                  <a16:creationId xmlns:a16="http://schemas.microsoft.com/office/drawing/2014/main" id="{61E4C243-3D86-2CE9-BC67-18A4B449CD09}"/>
+                </a:ext>
+              </a:extLst>
+            </p:cNvPr>
+            <p:cNvSpPr txBox="1">
+              <a:spLocks/>
+            </p:cNvSpPr>
+            <p:nvPr/>
+          </p:nvSpPr>
+          <p:spPr>
+            <a:xfrm>
+              <a:off x="2676165" y="3619429"/>
+              <a:ext cx="1386869" cy="483600"/>
+            </a:xfrm>
+            <a:prstGeom prst="rect">
+              <a:avLst/>
+            </a:prstGeom>
+          </p:spPr>
+          <p:txBody>
+            <a:bodyPr spcFirstLastPara="1" wrap="square" lIns="91425" tIns="91425" rIns="91425" bIns="91425" anchor="ctr" anchorCtr="0">
+              <a:noAutofit/>
+            </a:bodyPr>
+            <a:lstStyle>
+              <a:lvl1pPr>
+                <a:defRPr>
+                  <a:latin typeface="+mj-lt"/>
+                  <a:ea typeface="+mj-ea"/>
+                  <a:cs typeface="+mj-cs"/>
+                </a:defRPr>
+              </a:lvl1pPr>
+            </a:lstStyle>
+            <a:p>
+              <a:r>
+                <a:rPr lang="pt-PT" sz="2400" kern="0" dirty="0">
+                  <a:solidFill>
+                    <a:sysClr val="windowText" lastClr="000000"/>
+                  </a:solidFill>
+                </a:rPr>
+                <a:t>Originality.AI</a:t>
+              </a:r>
+            </a:p>
+          </p:txBody>
+        </p:sp>
+        <p:sp>
+          <p:nvSpPr>
+            <p:cNvPr id="6" name="Google Shape;416;p67">
+              <a:extLst>
+                <a:ext uri="{FF2B5EF4-FFF2-40B4-BE49-F238E27FC236}">
+                  <a16:creationId xmlns:a16="http://schemas.microsoft.com/office/drawing/2014/main" id="{2D29D55F-983A-69B6-BC3A-56F87E105B70}"/>
+                </a:ext>
+              </a:extLst>
+            </p:cNvPr>
+            <p:cNvSpPr txBox="1">
+              <a:spLocks/>
+            </p:cNvSpPr>
+            <p:nvPr/>
+          </p:nvSpPr>
+          <p:spPr>
+            <a:xfrm>
+              <a:off x="4777181" y="3619429"/>
+              <a:ext cx="2409300" cy="483600"/>
+            </a:xfrm>
+            <a:prstGeom prst="rect">
+              <a:avLst/>
+            </a:prstGeom>
+          </p:spPr>
+          <p:txBody>
+            <a:bodyPr spcFirstLastPara="1" wrap="square" lIns="91425" tIns="91425" rIns="91425" bIns="91425" anchor="ctr" anchorCtr="0">
+              <a:noAutofit/>
+            </a:bodyPr>
+            <a:lstStyle>
+              <a:lvl1pPr>
+                <a:defRPr>
+                  <a:latin typeface="+mj-lt"/>
+                  <a:ea typeface="+mj-ea"/>
+                  <a:cs typeface="+mj-cs"/>
+                </a:defRPr>
+              </a:lvl1pPr>
+            </a:lstStyle>
+            <a:p>
+              <a:pPr algn="ctr" rtl="0">
+                <a:buClr>
+                  <a:schemeClr val="dk1"/>
+                </a:buClr>
+                <a:buSzPts val="1100"/>
+                <a:buFont typeface="Arial"/>
+                <a:buNone/>
+              </a:pPr>
+              <a:r>
+                <a:rPr lang="pt-PT" sz="2400" kern="0" dirty="0" err="1">
+                  <a:solidFill>
+                    <a:sysClr val="windowText" lastClr="000000"/>
+                  </a:solidFill>
+                </a:rPr>
+                <a:t>GPT</a:t>
+              </a:r>
+              <a:r>
+                <a:rPr lang="pt-PT" sz="2400" kern="0" dirty="0" err="1">
+                  <a:solidFill>
+                    <a:schemeClr val="tx1">
+                      <a:lumMod val="75000"/>
+                      <a:lumOff val="25000"/>
+                    </a:schemeClr>
+                  </a:solidFill>
+                </a:rPr>
+                <a:t>Zero</a:t>
+              </a:r>
+              <a:endParaRPr lang="pt-PT" sz="2400" kern="0" dirty="0">
+                <a:solidFill>
+                  <a:schemeClr val="tx1">
+                    <a:lumMod val="75000"/>
+                    <a:lumOff val="25000"/>
+                  </a:schemeClr>
+                </a:solidFill>
+              </a:endParaRPr>
+            </a:p>
+          </p:txBody>
+        </p:sp>
+        <p:sp>
+          <p:nvSpPr>
+            <p:cNvPr id="7" name="Google Shape;417;p67">
+              <a:extLst>
+                <a:ext uri="{FF2B5EF4-FFF2-40B4-BE49-F238E27FC236}">
+                  <a16:creationId xmlns:a16="http://schemas.microsoft.com/office/drawing/2014/main" id="{EDBAC944-D5A3-414E-91CF-825E7D70061A}"/>
+                </a:ext>
+              </a:extLst>
+            </p:cNvPr>
+            <p:cNvSpPr txBox="1">
+              <a:spLocks/>
+            </p:cNvSpPr>
+            <p:nvPr/>
+          </p:nvSpPr>
+          <p:spPr>
+            <a:xfrm>
+              <a:off x="5248909" y="4541622"/>
+              <a:ext cx="1465844" cy="795600"/>
+            </a:xfrm>
+            <a:prstGeom prst="rect">
+              <a:avLst/>
+            </a:prstGeom>
+          </p:spPr>
+          <p:txBody>
+            <a:bodyPr spcFirstLastPara="1" wrap="square" lIns="91425" tIns="91425" rIns="91425" bIns="91425" anchor="ctr" anchorCtr="0">
+              <a:noAutofit/>
+            </a:bodyPr>
+            <a:lstStyle>
+              <a:lvl1pPr marL="0">
+                <a:defRPr>
+                  <a:latin typeface="+mn-lt"/>
+                  <a:ea typeface="+mn-ea"/>
+                  <a:cs typeface="+mn-cs"/>
+                </a:defRPr>
+              </a:lvl1pPr>
+              <a:lvl2pPr marL="457200">
+                <a:defRPr>
+                  <a:latin typeface="+mn-lt"/>
+                  <a:ea typeface="+mn-ea"/>
+                  <a:cs typeface="+mn-cs"/>
+                </a:defRPr>
+              </a:lvl2pPr>
+              <a:lvl3pPr marL="914400">
+                <a:defRPr>
+                  <a:latin typeface="+mn-lt"/>
+                  <a:ea typeface="+mn-ea"/>
+                  <a:cs typeface="+mn-cs"/>
+                </a:defRPr>
+              </a:lvl3pPr>
+              <a:lvl4pPr marL="1371600">
+                <a:defRPr>
+                  <a:latin typeface="+mn-lt"/>
+                  <a:ea typeface="+mn-ea"/>
+                  <a:cs typeface="+mn-cs"/>
+                </a:defRPr>
+              </a:lvl4pPr>
+              <a:lvl5pPr marL="1828800">
+                <a:defRPr>
+                  <a:latin typeface="+mn-lt"/>
+                  <a:ea typeface="+mn-ea"/>
+                  <a:cs typeface="+mn-cs"/>
+                </a:defRPr>
+              </a:lvl5pPr>
+              <a:lvl6pPr marL="2286000">
+                <a:defRPr>
+                  <a:latin typeface="+mn-lt"/>
+                  <a:ea typeface="+mn-ea"/>
+                  <a:cs typeface="+mn-cs"/>
+                </a:defRPr>
+              </a:lvl6pPr>
+              <a:lvl7pPr marL="2743200">
+                <a:defRPr>
+                  <a:latin typeface="+mn-lt"/>
+                  <a:ea typeface="+mn-ea"/>
+                  <a:cs typeface="+mn-cs"/>
+                </a:defRPr>
+              </a:lvl7pPr>
+              <a:lvl8pPr marL="3200400">
+                <a:defRPr>
+                  <a:latin typeface="+mn-lt"/>
+                  <a:ea typeface="+mn-ea"/>
+                  <a:cs typeface="+mn-cs"/>
+                </a:defRPr>
+              </a:lvl8pPr>
+              <a:lvl9pPr marL="3657600">
+                <a:defRPr>
+                  <a:latin typeface="+mn-lt"/>
+                  <a:ea typeface="+mn-ea"/>
+                  <a:cs typeface="+mn-cs"/>
+                </a:defRPr>
+              </a:lvl9pPr>
+            </a:lstStyle>
+            <a:p>
+              <a:pPr>
+                <a:buClr>
+                  <a:schemeClr val="dk1"/>
+                </a:buClr>
+                <a:buSzPts val="1100"/>
+              </a:pPr>
+              <a:r>
+                <a:rPr lang="en-US" sz="2000" kern="0" dirty="0">
+                  <a:solidFill>
+                    <a:sysClr val="windowText" lastClr="000000"/>
+                  </a:solidFill>
+                  <a:latin typeface="Calibri Light" panose="020F0302020204030204" pitchFamily="34" charset="0"/>
+                  <a:ea typeface="Calibri Light" panose="020F0302020204030204" pitchFamily="34" charset="0"/>
+                  <a:cs typeface="Calibri Light" panose="020F0302020204030204" pitchFamily="34" charset="0"/>
+                </a:rPr>
+                <a:t>File uploads</a:t>
+              </a:r>
+            </a:p>
+            <a:p>
+              <a:pPr>
+                <a:buClr>
+                  <a:schemeClr val="dk1"/>
+                </a:buClr>
+                <a:buSzPts val="1100"/>
+              </a:pPr>
+              <a:r>
+                <a:rPr lang="en-US" sz="2000" kern="0" dirty="0">
+                  <a:solidFill>
+                    <a:sysClr val="windowText" lastClr="000000"/>
+                  </a:solidFill>
+                  <a:latin typeface="Calibri Light" panose="020F0302020204030204" pitchFamily="34" charset="0"/>
+                  <a:ea typeface="Calibri Light" panose="020F0302020204030204" pitchFamily="34" charset="0"/>
+                  <a:cs typeface="Calibri Light" panose="020F0302020204030204" pitchFamily="34" charset="0"/>
+                </a:rPr>
+                <a:t>Character limits</a:t>
+              </a:r>
+            </a:p>
+            <a:p>
+              <a:pPr>
+                <a:buClr>
+                  <a:schemeClr val="dk1"/>
+                </a:buClr>
+                <a:buSzPts val="1100"/>
+              </a:pPr>
+              <a:r>
+                <a:rPr lang="en-US" sz="2000" kern="0" dirty="0">
+                  <a:solidFill>
+                    <a:sysClr val="windowText" lastClr="000000"/>
+                  </a:solidFill>
+                  <a:latin typeface="Calibri Light" panose="020F0302020204030204" pitchFamily="34" charset="0"/>
+                  <a:ea typeface="Calibri Light" panose="020F0302020204030204" pitchFamily="34" charset="0"/>
+                  <a:cs typeface="Calibri Light" panose="020F0302020204030204" pitchFamily="34" charset="0"/>
+                </a:rPr>
+                <a:t>Good detection</a:t>
+              </a:r>
+              <a:endParaRPr lang="en" sz="2000" kern="0" dirty="0">
+                <a:solidFill>
+                  <a:sysClr val="windowText" lastClr="000000"/>
+                </a:solidFill>
+                <a:latin typeface="Calibri Light" panose="020F0302020204030204" pitchFamily="34" charset="0"/>
+                <a:ea typeface="Calibri Light" panose="020F0302020204030204" pitchFamily="34" charset="0"/>
+                <a:cs typeface="Calibri Light" panose="020F0302020204030204" pitchFamily="34" charset="0"/>
+              </a:endParaRPr>
+            </a:p>
+          </p:txBody>
+        </p:sp>
+        <p:sp>
+          <p:nvSpPr>
+            <p:cNvPr id="8" name="Google Shape;418;p67">
+              <a:extLst>
+                <a:ext uri="{FF2B5EF4-FFF2-40B4-BE49-F238E27FC236}">
+                  <a16:creationId xmlns:a16="http://schemas.microsoft.com/office/drawing/2014/main" id="{83941953-7CFB-4DE1-FB3E-3D8CD17DBBD7}"/>
+                </a:ext>
+              </a:extLst>
+            </p:cNvPr>
+            <p:cNvSpPr txBox="1">
+              <a:spLocks/>
+            </p:cNvSpPr>
+            <p:nvPr/>
+          </p:nvSpPr>
+          <p:spPr>
+            <a:xfrm>
+              <a:off x="7372000" y="3619429"/>
+              <a:ext cx="2409300" cy="483600"/>
+            </a:xfrm>
+            <a:prstGeom prst="rect">
+              <a:avLst/>
+            </a:prstGeom>
+          </p:spPr>
+          <p:txBody>
+            <a:bodyPr spcFirstLastPara="1" wrap="square" lIns="91425" tIns="91425" rIns="91425" bIns="91425" anchor="ctr" anchorCtr="0">
+              <a:noAutofit/>
+            </a:bodyPr>
+            <a:lstStyle>
+              <a:defPPr>
+                <a:defRPr lang="pt-PT"/>
+              </a:defPPr>
+              <a:lvl1pPr marL="0" algn="ctr" defTabSz="914400" rtl="0" eaLnBrk="1" latinLnBrk="0" hangingPunct="1">
+                <a:defRPr sz="1800" kern="1200">
+                  <a:solidFill>
+                    <a:schemeClr val="tx1">
+                      <a:tint val="75000"/>
+                    </a:schemeClr>
+                  </a:solidFill>
+                  <a:latin typeface="+mn-lt"/>
+                  <a:ea typeface="+mn-ea"/>
+                  <a:cs typeface="+mn-cs"/>
+                </a:defRPr>
+              </a:lvl1pPr>
+              <a:lvl2pPr marL="457200" algn="l" defTabSz="914400" rtl="0" eaLnBrk="1" latinLnBrk="0" hangingPunct="1">
+                <a:defRPr sz="1800" kern="1200">
+                  <a:solidFill>
+                    <a:schemeClr val="tx1"/>
+                  </a:solidFill>
+                  <a:latin typeface="+mn-lt"/>
+                  <a:ea typeface="+mn-ea"/>
+                  <a:cs typeface="+mn-cs"/>
+                </a:defRPr>
+              </a:lvl2pPr>
+              <a:lvl3pPr marL="914400" algn="l" defTabSz="914400" rtl="0" eaLnBrk="1" latinLnBrk="0" hangingPunct="1">
+                <a:defRPr sz="1800" kern="1200">
+                  <a:solidFill>
+                    <a:schemeClr val="tx1"/>
+                  </a:solidFill>
+                  <a:latin typeface="+mn-lt"/>
+                  <a:ea typeface="+mn-ea"/>
+                  <a:cs typeface="+mn-cs"/>
+                </a:defRPr>
+              </a:lvl3pPr>
+              <a:lvl4pPr marL="1371600" algn="l" defTabSz="914400" rtl="0" eaLnBrk="1" latinLnBrk="0" hangingPunct="1">
+                <a:defRPr sz="1800" kern="1200">
+                  <a:solidFill>
+                    <a:schemeClr val="tx1"/>
+                  </a:solidFill>
+                  <a:latin typeface="+mn-lt"/>
+                  <a:ea typeface="+mn-ea"/>
+                  <a:cs typeface="+mn-cs"/>
+                </a:defRPr>
+              </a:lvl4pPr>
+              <a:lvl5pPr marL="1828800" algn="l" defTabSz="914400" rtl="0" eaLnBrk="1" latinLnBrk="0" hangingPunct="1">
+                <a:defRPr sz="1800" kern="1200">
+                  <a:solidFill>
+                    <a:schemeClr val="tx1"/>
+                  </a:solidFill>
+                  <a:latin typeface="+mn-lt"/>
+                  <a:ea typeface="+mn-ea"/>
+                  <a:cs typeface="+mn-cs"/>
+                </a:defRPr>
+              </a:lvl5pPr>
+              <a:lvl6pPr marL="2286000" algn="l" defTabSz="914400" rtl="0" eaLnBrk="1" latinLnBrk="0" hangingPunct="1">
+                <a:defRPr sz="1800" kern="1200">
+                  <a:solidFill>
+                    <a:schemeClr val="tx1"/>
+                  </a:solidFill>
+                  <a:latin typeface="+mn-lt"/>
+                  <a:ea typeface="+mn-ea"/>
+                  <a:cs typeface="+mn-cs"/>
+                </a:defRPr>
+              </a:lvl6pPr>
+              <a:lvl7pPr marL="2743200" algn="l" defTabSz="914400" rtl="0" eaLnBrk="1" latinLnBrk="0" hangingPunct="1">
+                <a:defRPr sz="1800" kern="1200">
+                  <a:solidFill>
+                    <a:schemeClr val="tx1"/>
+                  </a:solidFill>
+                  <a:latin typeface="+mn-lt"/>
+                  <a:ea typeface="+mn-ea"/>
+                  <a:cs typeface="+mn-cs"/>
+                </a:defRPr>
+              </a:lvl7pPr>
+              <a:lvl8pPr marL="3200400" algn="l" defTabSz="914400" rtl="0" eaLnBrk="1" latinLnBrk="0" hangingPunct="1">
+                <a:defRPr sz="1800" kern="1200">
+                  <a:solidFill>
+                    <a:schemeClr val="tx1"/>
+                  </a:solidFill>
+                  <a:latin typeface="+mn-lt"/>
+                  <a:ea typeface="+mn-ea"/>
+                  <a:cs typeface="+mn-cs"/>
+                </a:defRPr>
+              </a:lvl8pPr>
+              <a:lvl9pPr marL="3657600" algn="l" defTabSz="914400" rtl="0" eaLnBrk="1" latinLnBrk="0" hangingPunct="1">
+                <a:defRPr sz="1800" kern="1200">
+                  <a:solidFill>
+                    <a:schemeClr val="tx1"/>
+                  </a:solidFill>
+                  <a:latin typeface="+mn-lt"/>
+                  <a:ea typeface="+mn-ea"/>
+                  <a:cs typeface="+mn-cs"/>
+                </a:defRPr>
+              </a:lvl9pPr>
+            </a:lstStyle>
+            <a:p>
+              <a:pPr>
+                <a:buClr>
+                  <a:schemeClr val="dk1"/>
+                </a:buClr>
+                <a:buSzPts val="1100"/>
+              </a:pPr>
+              <a:r>
+                <a:rPr lang="pt-PT" sz="2400" dirty="0" err="1">
+                  <a:solidFill>
+                    <a:schemeClr val="tx1"/>
+                  </a:solidFill>
+                  <a:latin typeface="+mj-lt"/>
+                </a:rPr>
+                <a:t>OpenAI</a:t>
+              </a:r>
+              <a:endParaRPr lang="pt-PT" sz="2400" dirty="0">
+                <a:solidFill>
+                  <a:schemeClr val="tx1"/>
+                </a:solidFill>
+                <a:latin typeface="+mj-lt"/>
+              </a:endParaRPr>
+            </a:p>
+          </p:txBody>
+        </p:sp>
+        <p:sp>
+          <p:nvSpPr>
+            <p:cNvPr id="9" name="Google Shape;419;p67">
+              <a:extLst>
+                <a:ext uri="{FF2B5EF4-FFF2-40B4-BE49-F238E27FC236}">
+                  <a16:creationId xmlns:a16="http://schemas.microsoft.com/office/drawing/2014/main" id="{091F7420-4A50-6816-BA58-C1BCEFBDA276}"/>
+                </a:ext>
+              </a:extLst>
+            </p:cNvPr>
+            <p:cNvSpPr txBox="1">
+              <a:spLocks/>
+            </p:cNvSpPr>
+            <p:nvPr/>
+          </p:nvSpPr>
+          <p:spPr>
+            <a:xfrm>
+              <a:off x="7740721" y="4539423"/>
+              <a:ext cx="1671856" cy="795600"/>
+            </a:xfrm>
+            <a:prstGeom prst="rect">
+              <a:avLst/>
+            </a:prstGeom>
+          </p:spPr>
+          <p:txBody>
+            <a:bodyPr spcFirstLastPara="1" wrap="square" lIns="91425" tIns="91425" rIns="91425" bIns="91425" anchor="ctr" anchorCtr="0">
+              <a:noAutofit/>
+            </a:bodyPr>
+            <a:lstStyle>
+              <a:defPPr>
+                <a:defRPr lang="pt-PT"/>
+              </a:defPPr>
+              <a:lvl1pPr marL="0" algn="l" defTabSz="914400" rtl="0" eaLnBrk="1" latinLnBrk="0" hangingPunct="1">
+                <a:defRPr sz="1800" kern="1200">
+                  <a:solidFill>
+                    <a:schemeClr val="tx1">
+                      <a:tint val="75000"/>
+                    </a:schemeClr>
+                  </a:solidFill>
+                  <a:latin typeface="+mn-lt"/>
+                  <a:ea typeface="+mn-ea"/>
+                  <a:cs typeface="+mn-cs"/>
+                </a:defRPr>
+              </a:lvl1pPr>
+              <a:lvl2pPr marL="457200" algn="l" defTabSz="914400" rtl="0" eaLnBrk="1" latinLnBrk="0" hangingPunct="1">
+                <a:defRPr sz="1800" kern="1200">
+                  <a:solidFill>
+                    <a:schemeClr val="tx1"/>
+                  </a:solidFill>
+                  <a:latin typeface="+mn-lt"/>
+                  <a:ea typeface="+mn-ea"/>
+                  <a:cs typeface="+mn-cs"/>
+                </a:defRPr>
+              </a:lvl2pPr>
+              <a:lvl3pPr marL="914400" algn="l" defTabSz="914400" rtl="0" eaLnBrk="1" latinLnBrk="0" hangingPunct="1">
+                <a:defRPr sz="1800" kern="1200">
+                  <a:solidFill>
+                    <a:schemeClr val="tx1"/>
+                  </a:solidFill>
+                  <a:latin typeface="+mn-lt"/>
+                  <a:ea typeface="+mn-ea"/>
+                  <a:cs typeface="+mn-cs"/>
+                </a:defRPr>
+              </a:lvl3pPr>
+              <a:lvl4pPr marL="1371600" algn="l" defTabSz="914400" rtl="0" eaLnBrk="1" latinLnBrk="0" hangingPunct="1">
+                <a:defRPr sz="1800" kern="1200">
+                  <a:solidFill>
+                    <a:schemeClr val="tx1"/>
+                  </a:solidFill>
+                  <a:latin typeface="+mn-lt"/>
+                  <a:ea typeface="+mn-ea"/>
+                  <a:cs typeface="+mn-cs"/>
+                </a:defRPr>
+              </a:lvl4pPr>
+              <a:lvl5pPr marL="1828800" algn="l" defTabSz="914400" rtl="0" eaLnBrk="1" latinLnBrk="0" hangingPunct="1">
+                <a:defRPr sz="1800" kern="1200">
+                  <a:solidFill>
+                    <a:schemeClr val="tx1"/>
+                  </a:solidFill>
+                  <a:latin typeface="+mn-lt"/>
+                  <a:ea typeface="+mn-ea"/>
+                  <a:cs typeface="+mn-cs"/>
+                </a:defRPr>
+              </a:lvl5pPr>
+              <a:lvl6pPr marL="2286000" algn="l" defTabSz="914400" rtl="0" eaLnBrk="1" latinLnBrk="0" hangingPunct="1">
+                <a:defRPr sz="1800" kern="1200">
+                  <a:solidFill>
+                    <a:schemeClr val="tx1"/>
+                  </a:solidFill>
+                  <a:latin typeface="+mn-lt"/>
+                  <a:ea typeface="+mn-ea"/>
+                  <a:cs typeface="+mn-cs"/>
+                </a:defRPr>
+              </a:lvl6pPr>
+              <a:lvl7pPr marL="2743200" algn="l" defTabSz="914400" rtl="0" eaLnBrk="1" latinLnBrk="0" hangingPunct="1">
+                <a:defRPr sz="1800" kern="1200">
+                  <a:solidFill>
+                    <a:schemeClr val="tx1"/>
+                  </a:solidFill>
+                  <a:latin typeface="+mn-lt"/>
+                  <a:ea typeface="+mn-ea"/>
+                  <a:cs typeface="+mn-cs"/>
+                </a:defRPr>
+              </a:lvl7pPr>
+              <a:lvl8pPr marL="3200400" algn="l" defTabSz="914400" rtl="0" eaLnBrk="1" latinLnBrk="0" hangingPunct="1">
+                <a:defRPr sz="1800" kern="1200">
+                  <a:solidFill>
+                    <a:schemeClr val="tx1"/>
+                  </a:solidFill>
+                  <a:latin typeface="+mn-lt"/>
+                  <a:ea typeface="+mn-ea"/>
+                  <a:cs typeface="+mn-cs"/>
+                </a:defRPr>
+              </a:lvl8pPr>
+              <a:lvl9pPr marL="3657600" algn="l" defTabSz="914400" rtl="0" eaLnBrk="1" latinLnBrk="0" hangingPunct="1">
+                <a:defRPr sz="1800" kern="1200">
+                  <a:solidFill>
+                    <a:schemeClr val="tx1"/>
+                  </a:solidFill>
+                  <a:latin typeface="+mn-lt"/>
+                  <a:ea typeface="+mn-ea"/>
+                  <a:cs typeface="+mn-cs"/>
+                </a:defRPr>
+              </a:lvl9pPr>
+            </a:lstStyle>
+            <a:p>
+              <a:pPr>
+                <a:buClr>
+                  <a:schemeClr val="dk1"/>
+                </a:buClr>
+                <a:buSzPts val="1100"/>
+                <a:buFont typeface="Arial"/>
+                <a:buNone/>
+              </a:pPr>
+              <a:r>
+                <a:rPr lang="en-US" sz="2000" dirty="0">
+                  <a:solidFill>
+                    <a:schemeClr val="tx1"/>
+                  </a:solidFill>
+                  <a:latin typeface="Calibri Light" panose="020F0302020204030204" pitchFamily="34" charset="0"/>
+                  <a:ea typeface="Calibri Light" panose="020F0302020204030204" pitchFamily="34" charset="0"/>
+                  <a:cs typeface="Calibri Light" panose="020F0302020204030204" pitchFamily="34" charset="0"/>
+                </a:rPr>
+                <a:t>Same as </a:t>
+              </a:r>
+              <a:r>
+                <a:rPr lang="en-US" sz="2000" dirty="0" err="1">
+                  <a:solidFill>
+                    <a:schemeClr val="tx1"/>
+                  </a:solidFill>
+                  <a:latin typeface="Calibri Light" panose="020F0302020204030204" pitchFamily="34" charset="0"/>
+                  <a:ea typeface="Calibri Light" panose="020F0302020204030204" pitchFamily="34" charset="0"/>
+                  <a:cs typeface="Calibri Light" panose="020F0302020204030204" pitchFamily="34" charset="0"/>
+                </a:rPr>
+                <a:t>GPTZero</a:t>
+              </a:r>
+              <a:endParaRPr lang="en-US" sz="2000" dirty="0">
+                <a:solidFill>
+                  <a:schemeClr val="tx1"/>
+                </a:solidFill>
+                <a:latin typeface="Calibri Light" panose="020F0302020204030204" pitchFamily="34" charset="0"/>
+                <a:ea typeface="Calibri Light" panose="020F0302020204030204" pitchFamily="34" charset="0"/>
+                <a:cs typeface="Calibri Light" panose="020F0302020204030204" pitchFamily="34" charset="0"/>
+              </a:endParaRPr>
+            </a:p>
+            <a:p>
+              <a:pPr>
+                <a:buClr>
+                  <a:schemeClr val="dk1"/>
+                </a:buClr>
+                <a:buSzPts val="1100"/>
+                <a:buFont typeface="Arial"/>
+                <a:buNone/>
+              </a:pPr>
+              <a:r>
+                <a:rPr lang="en-US" sz="2000" dirty="0">
+                  <a:solidFill>
+                    <a:schemeClr val="tx1"/>
+                  </a:solidFill>
+                  <a:latin typeface="Calibri Light" panose="020F0302020204030204" pitchFamily="34" charset="0"/>
+                  <a:ea typeface="Calibri Light" panose="020F0302020204030204" pitchFamily="34" charset="0"/>
+                  <a:cs typeface="Calibri Light" panose="020F0302020204030204" pitchFamily="34" charset="0"/>
+                </a:rPr>
+                <a:t>Horrible detection </a:t>
+              </a:r>
+            </a:p>
+          </p:txBody>
+        </p:sp>
+        <p:sp>
+          <p:nvSpPr>
+            <p:cNvPr id="15" name="Google Shape;435;p67">
+              <a:extLst>
+                <a:ext uri="{FF2B5EF4-FFF2-40B4-BE49-F238E27FC236}">
+                  <a16:creationId xmlns:a16="http://schemas.microsoft.com/office/drawing/2014/main" id="{9E91508B-512F-F88E-70FE-32AD82B99584}"/>
+                </a:ext>
+              </a:extLst>
+            </p:cNvPr>
+            <p:cNvSpPr/>
+            <p:nvPr/>
+          </p:nvSpPr>
+          <p:spPr>
+            <a:xfrm>
+              <a:off x="2133600" y="4267200"/>
+              <a:ext cx="2472000" cy="1341000"/>
+            </a:xfrm>
+            <a:prstGeom prst="frame">
+              <a:avLst>
+                <a:gd name="adj1" fmla="val 2831"/>
+              </a:avLst>
+            </a:prstGeom>
+            <a:solidFill>
+              <a:schemeClr val="tx1"/>
+            </a:solidFill>
+            <a:ln>
+              <a:noFill/>
+            </a:ln>
+          </p:spPr>
+          <p:style>
+            <a:lnRef idx="2">
+              <a:schemeClr val="accent1"/>
+            </a:lnRef>
+            <a:fillRef idx="1">
+              <a:schemeClr val="lt1"/>
+            </a:fillRef>
+            <a:effectRef idx="0">
+              <a:schemeClr val="accent1"/>
+            </a:effectRef>
+            <a:fontRef idx="minor">
+              <a:schemeClr val="dk1"/>
+            </a:fontRef>
+          </p:style>
+          <p:txBody>
+            <a:bodyPr spcFirstLastPara="1" wrap="square" lIns="91425" tIns="91425" rIns="91425" bIns="91425" anchor="ctr" anchorCtr="0">
+              <a:noAutofit/>
+            </a:bodyPr>
+            <a:lstStyle/>
+            <a:p>
+              <a:pPr marL="0" lvl="0" indent="0" algn="l" rtl="0">
+                <a:spcBef>
+                  <a:spcPts val="0"/>
+                </a:spcBef>
+                <a:spcAft>
+                  <a:spcPts val="0"/>
+                </a:spcAft>
+                <a:buNone/>
+              </a:pPr>
+              <a:endParaRPr dirty="0" err="1"/>
+            </a:p>
+          </p:txBody>
+        </p:sp>
+        <p:sp>
+          <p:nvSpPr>
+            <p:cNvPr id="16" name="Google Shape;436;p67">
+              <a:extLst>
+                <a:ext uri="{FF2B5EF4-FFF2-40B4-BE49-F238E27FC236}">
+                  <a16:creationId xmlns:a16="http://schemas.microsoft.com/office/drawing/2014/main" id="{7B845B13-D533-1488-4DE2-B2DB3C006401}"/>
+                </a:ext>
+              </a:extLst>
+            </p:cNvPr>
+            <p:cNvSpPr/>
+            <p:nvPr/>
+          </p:nvSpPr>
+          <p:spPr>
+            <a:xfrm>
+              <a:off x="4745831" y="4267200"/>
+              <a:ext cx="2472000" cy="1341000"/>
+            </a:xfrm>
+            <a:prstGeom prst="frame">
+              <a:avLst>
+                <a:gd name="adj1" fmla="val 2831"/>
+              </a:avLst>
+            </a:prstGeom>
+            <a:solidFill>
+              <a:schemeClr val="tx1"/>
+            </a:solidFill>
+            <a:ln>
+              <a:noFill/>
+            </a:ln>
+          </p:spPr>
+          <p:txBody>
+            <a:bodyPr spcFirstLastPara="1" wrap="square" lIns="91425" tIns="91425" rIns="91425" bIns="91425" anchor="ctr" anchorCtr="0">
+              <a:noAutofit/>
+            </a:bodyPr>
+            <a:lstStyle/>
+            <a:p>
+              <a:pPr marL="0" lvl="0" indent="0" algn="l" rtl="0">
+                <a:spcBef>
+                  <a:spcPts val="0"/>
+                </a:spcBef>
+                <a:spcAft>
+                  <a:spcPts val="0"/>
+                </a:spcAft>
+                <a:buNone/>
+              </a:pPr>
+              <a:endParaRPr dirty="0"/>
+            </a:p>
+          </p:txBody>
+        </p:sp>
+        <p:pic>
+          <p:nvPicPr>
+            <p:cNvPr id="18" name="Picture 2">
+              <a:extLst>
+                <a:ext uri="{FF2B5EF4-FFF2-40B4-BE49-F238E27FC236}">
+                  <a16:creationId xmlns:a16="http://schemas.microsoft.com/office/drawing/2014/main" id="{199E1AE4-90F7-1E63-EBF6-48B92EB19549}"/>
+                </a:ext>
+              </a:extLst>
+            </p:cNvPr>
+            <p:cNvPicPr>
+              <a:picLocks noChangeAspect="1"/>
+            </p:cNvPicPr>
+            <p:nvPr/>
+          </p:nvPicPr>
+          <p:blipFill rotWithShape="1">
+            <a:blip r:embed="rId2"/>
+            <a:srcRect l="52" t="-235" r="75325" b="-437"/>
+            <a:stretch/>
+          </p:blipFill>
+          <p:spPr>
+            <a:xfrm>
+              <a:off x="2870933" y="2609895"/>
+              <a:ext cx="957199" cy="948150"/>
+            </a:xfrm>
+            <a:prstGeom prst="rect">
+              <a:avLst/>
+            </a:prstGeom>
+            <a:ln>
+              <a:noFill/>
+            </a:ln>
+          </p:spPr>
+        </p:pic>
+        <p:pic>
+          <p:nvPicPr>
+            <p:cNvPr id="19" name="Picture 4" descr="Shape, arrow&#10;&#10;Description automatically generated">
+              <a:extLst>
+                <a:ext uri="{FF2B5EF4-FFF2-40B4-BE49-F238E27FC236}">
+                  <a16:creationId xmlns:a16="http://schemas.microsoft.com/office/drawing/2014/main" id="{7E24A7B6-5AF6-18ED-EF5C-A8A2A0EBCCFB}"/>
+                </a:ext>
+              </a:extLst>
+            </p:cNvPr>
+            <p:cNvPicPr>
+              <a:picLocks noChangeAspect="1"/>
+            </p:cNvPicPr>
+            <p:nvPr/>
+          </p:nvPicPr>
+          <p:blipFill rotWithShape="1">
+            <a:blip r:embed="rId3"/>
+            <a:srcRect l="63359" t="10300" r="8049" b="39657"/>
+            <a:stretch/>
+          </p:blipFill>
+          <p:spPr>
+            <a:xfrm>
+              <a:off x="5534090" y="2606832"/>
+              <a:ext cx="951612" cy="981904"/>
+            </a:xfrm>
+            <a:prstGeom prst="rect">
+              <a:avLst/>
+            </a:prstGeom>
+          </p:spPr>
+        </p:pic>
+      </p:grpSp>
+      <p:pic>
+        <p:nvPicPr>
+          <p:cNvPr id="1026" name="Picture 2" descr="Open Ai Logo PNG Vectors Free Download">
+            <a:extLst>
+              <a:ext uri="{FF2B5EF4-FFF2-40B4-BE49-F238E27FC236}">
+                <a16:creationId xmlns:a16="http://schemas.microsoft.com/office/drawing/2014/main" id="{D6CCA727-465B-5FC6-E787-6AA4CC2E5898}"/>
+              </a:ext>
+            </a:extLst>
+          </p:cNvPr>
+          <p:cNvPicPr>
+            <a:picLocks noChangeAspect="1" noChangeArrowheads="1"/>
+          </p:cNvPicPr>
+          <p:nvPr/>
+        </p:nvPicPr>
+        <p:blipFill>
+          <a:blip r:embed="rId4">
+            <a:extLst>
+              <a:ext uri="{28A0092B-C50C-407E-A947-70E740481C1C}">
+                <a14:useLocalDpi xmlns:a14="http://schemas.microsoft.com/office/drawing/2010/main" val="0"/>
+              </a:ext>
+            </a:extLst>
+          </a:blip>
+          <a:srcRect/>
+          <a:stretch>
+            <a:fillRect/>
+          </a:stretch>
+        </p:blipFill>
+        <p:spPr bwMode="auto">
+          <a:xfrm>
+            <a:off x="8840074" y="2286000"/>
+            <a:ext cx="1253856" cy="1270800"/>
+          </a:xfrm>
+          <a:prstGeom prst="rect">
+            <a:avLst/>
+          </a:prstGeom>
+          <a:noFill/>
+          <a:extLst>
+            <a:ext uri="{909E8E84-426E-40DD-AFC4-6F175D3DCCD1}">
+              <a14:hiddenFill xmlns:a14="http://schemas.microsoft.com/office/drawing/2010/main">
+                <a:solidFill>
+                  <a:srgbClr val="FFFFFF"/>
+                </a:solidFill>
+              </a14:hiddenFill>
+            </a:ext>
+          </a:extLst>
+        </p:spPr>
+      </p:pic>
+      <p:sp>
+        <p:nvSpPr>
+          <p:cNvPr id="24" name="Google Shape;436;p67">
+            <a:extLst>
+              <a:ext uri="{FF2B5EF4-FFF2-40B4-BE49-F238E27FC236}">
+                <a16:creationId xmlns:a16="http://schemas.microsoft.com/office/drawing/2014/main" id="{9776FFC2-1D61-C4CE-A55D-57F7665643B1}"/>
+              </a:ext>
+            </a:extLst>
+          </p:cNvPr>
+          <p:cNvSpPr/>
+          <p:nvPr/>
+        </p:nvSpPr>
+        <p:spPr>
+          <a:xfrm>
+            <a:off x="7866650" y="4262400"/>
+            <a:ext cx="3200707" cy="1736306"/>
+          </a:xfrm>
+          <a:prstGeom prst="frame">
+            <a:avLst>
+              <a:gd name="adj1" fmla="val 2831"/>
+            </a:avLst>
+          </a:prstGeom>
+          <a:solidFill>
+            <a:schemeClr val="tx1"/>
+          </a:solidFill>
+          <a:ln>
+            <a:noFill/>
+          </a:ln>
+        </p:spPr>
+        <p:txBody>
+          <a:bodyPr spcFirstLastPara="1" wrap="square" lIns="91425" tIns="91425" rIns="91425" bIns="91425" anchor="ctr" anchorCtr="0">
+            <a:noAutofit/>
+          </a:bodyPr>
+          <a:lstStyle/>
+          <a:p>
+            <a:pPr marL="0" lvl="0" indent="0" algn="l" rtl="0">
+              <a:spcBef>
+                <a:spcPts val="0"/>
+              </a:spcBef>
+              <a:spcAft>
+                <a:spcPts val="0"/>
+              </a:spcAft>
+              <a:buNone/>
+            </a:pPr>
+            <a:endParaRPr dirty="0"/>
+          </a:p>
+        </p:txBody>
+      </p:sp>
+      <p:sp>
+        <p:nvSpPr>
+          <p:cNvPr id="10" name="object 4">
+            <a:extLst>
+              <a:ext uri="{FF2B5EF4-FFF2-40B4-BE49-F238E27FC236}">
+                <a16:creationId xmlns:a16="http://schemas.microsoft.com/office/drawing/2014/main" id="{A2FCB8B0-FE55-6DE3-D544-6CAF9FED0E4D}"/>
+              </a:ext>
+            </a:extLst>
+          </p:cNvPr>
+          <p:cNvSpPr txBox="1">
+            <a:spLocks noGrp="1"/>
+          </p:cNvSpPr>
+          <p:nvPr>
+            <p:ph type="sldNum" sz="quarter" idx="7"/>
+          </p:nvPr>
+        </p:nvSpPr>
+        <p:spPr>
+          <a:xfrm>
+            <a:off x="11908535" y="6537756"/>
+            <a:ext cx="231140" cy="330200"/>
+          </a:xfrm>
+          <a:prstGeom prst="rect">
+            <a:avLst/>
+          </a:prstGeom>
+        </p:spPr>
+        <p:txBody>
+          <a:bodyPr vert="horz" wrap="square" lIns="0" tIns="0" rIns="0" bIns="0" rtlCol="0">
+            <a:spAutoFit/>
+          </a:bodyPr>
+          <a:lstStyle/>
+          <a:p>
+            <a:pPr marL="38100">
+              <a:lnSpc>
+                <a:spcPts val="2380"/>
+              </a:lnSpc>
+            </a:pPr>
+            <a:fld id="{81D60167-4931-47E6-BA6A-407CBD079E47}" type="slidenum">
+              <a:rPr dirty="0"/>
+              <a:t>4</a:t>
+            </a:fld>
+            <a:endParaRPr dirty="0"/>
+          </a:p>
+        </p:txBody>
+      </p:sp>
+    </p:spTree>
+    <p:extLst>
+      <p:ext uri="{BB962C8B-B14F-4D97-AF65-F5344CB8AC3E}">
+        <p14:creationId xmlns:p14="http://schemas.microsoft.com/office/powerpoint/2010/main" val="1073005147"/>
+      </p:ext>
+    </p:extLst>
+  </p:cSld>
+  <p:clrMapOvr>
+    <a:masterClrMapping/>
+  </p:clrMapOvr>
+</p:sld>
+</file>
+
+<file path=ppt/slides/slide5.xml><?xml version="1.0" encoding="utf-8"?>
 <p:sld xmlns:a="http://schemas.openxmlformats.org/drawingml/2006/main" xmlns:r="http://schemas.openxmlformats.org/officeDocument/2006/relationships" xmlns:p="http://schemas.openxmlformats.org/presentationml/2006/main">
   <p:cSld>
     <p:spTree>
@@ -3026,7 +4001,7 @@
         </p:nvSpPr>
         <p:spPr>
           <a:xfrm>
-            <a:off x="916939" y="288834"/>
+            <a:off x="916939" y="369045"/>
             <a:ext cx="10358120" cy="697230"/>
           </a:xfrm>
         </p:spPr>
@@ -3037,18 +4012,11 @@
           <a:lstStyle/>
           <a:p>
             <a:r>
-              <a:rPr lang="pt-PT" dirty="0">
-                <a:latin typeface="+mj-lt"/>
-                <a:cs typeface="Arial"/>
-              </a:rPr>
-              <a:t>Non </a:t>
-            </a:r>
-            <a:r>
               <a:rPr lang="pt-PT" dirty="0" err="1">
                 <a:latin typeface="+mj-lt"/>
                 <a:cs typeface="Arial"/>
               </a:rPr>
-              <a:t>functional</a:t>
+              <a:t>Main</a:t>
             </a:r>
             <a:r>
               <a:rPr lang="pt-PT" sz="4400" dirty="0">
@@ -3089,8 +4057,8 @@
         </p:nvSpPr>
         <p:spPr>
           <a:xfrm>
-            <a:off x="916939" y="1479884"/>
-            <a:ext cx="10358120" cy="5447645"/>
+            <a:off x="916939" y="1590173"/>
+            <a:ext cx="10358120" cy="4339650"/>
           </a:xfrm>
         </p:spPr>
         <p:txBody>
@@ -3100,6 +4068,83 @@
           <a:lstStyle/>
           <a:p>
             <a:pPr marL="285750" indent="-285750">
+              <a:buFont typeface="Arial,Sans-Serif"/>
+              <a:buChar char="•"/>
+            </a:pPr>
+            <a:r>
+              <a:rPr lang="en-US" sz="2400" dirty="0">
+                <a:latin typeface="Calibri Light"/>
+                <a:ea typeface="Calibri Light" panose="020F0302020204030204" pitchFamily="34" charset="0"/>
+                <a:cs typeface="Calibri Light"/>
+              </a:rPr>
+              <a:t>Overall evaluation of web page or PDF</a:t>
+            </a:r>
+            <a:endParaRPr lang="en-US" sz="2400" dirty="0">
+              <a:ea typeface="+mn-lt"/>
+              <a:cs typeface="+mn-lt"/>
+            </a:endParaRPr>
+          </a:p>
+          <a:p>
+            <a:endParaRPr lang="pt-PT" sz="2400" dirty="0">
+              <a:latin typeface="Calibri Light" panose="020F0302020204030204" pitchFamily="34" charset="0"/>
+              <a:ea typeface="Calibri Light" panose="020F0302020204030204" pitchFamily="34" charset="0"/>
+              <a:cs typeface="Calibri Light" panose="020F0302020204030204" pitchFamily="34" charset="0"/>
+            </a:endParaRPr>
+          </a:p>
+          <a:p>
+            <a:pPr marL="285750" indent="-285750">
+              <a:buFont typeface="Arial" panose="020B0604020202020204" pitchFamily="34" charset="0"/>
+              <a:buChar char="•"/>
+            </a:pPr>
+            <a:r>
+              <a:rPr lang="en-US" sz="2400" dirty="0">
+                <a:latin typeface="Calibri Light" panose="020F0302020204030204" pitchFamily="34" charset="0"/>
+                <a:ea typeface="Calibri Light" panose="020F0302020204030204" pitchFamily="34" charset="0"/>
+                <a:cs typeface="Calibri Light" panose="020F0302020204030204" pitchFamily="34" charset="0"/>
+              </a:rPr>
+              <a:t>Highlight suspicious parts of web page or PDF</a:t>
+            </a:r>
+          </a:p>
+          <a:p>
+            <a:pPr marL="285750" indent="-285750">
+              <a:buFont typeface="Arial" panose="020B0604020202020204" pitchFamily="34" charset="0"/>
+              <a:buChar char="•"/>
+            </a:pPr>
+            <a:endParaRPr lang="en-US" sz="2400" dirty="0">
+              <a:latin typeface="Calibri Light" panose="020F0302020204030204" pitchFamily="34" charset="0"/>
+              <a:ea typeface="Calibri Light" panose="020F0302020204030204" pitchFamily="34" charset="0"/>
+              <a:cs typeface="Calibri Light" panose="020F0302020204030204" pitchFamily="34" charset="0"/>
+            </a:endParaRPr>
+          </a:p>
+          <a:p>
+            <a:pPr marL="285750" indent="-285750">
+              <a:buFont typeface="Arial" panose="020B0604020202020204" pitchFamily="34" charset="0"/>
+              <a:buChar char="•"/>
+            </a:pPr>
+            <a:r>
+              <a:rPr lang="en-US" sz="2400" dirty="0">
+                <a:solidFill>
+                  <a:srgbClr val="000000"/>
+                </a:solidFill>
+                <a:latin typeface="Calibri Light"/>
+                <a:ea typeface="Calibri Light" panose="020F0302020204030204" pitchFamily="34" charset="0"/>
+                <a:cs typeface="Calibri Light"/>
+              </a:rPr>
+              <a:t>Select any text and analyze it</a:t>
+            </a:r>
+          </a:p>
+          <a:p>
+            <a:endParaRPr lang="pt-PT" sz="2400" dirty="0">
+              <a:solidFill>
+                <a:srgbClr val="000000"/>
+              </a:solidFill>
+              <a:latin typeface="Calibri Light" panose="020F0302020204030204" pitchFamily="34" charset="0"/>
+              <a:ea typeface="Calibri Light" panose="020F0302020204030204" pitchFamily="34" charset="0"/>
+              <a:cs typeface="Calibri Light" panose="020F0302020204030204" pitchFamily="34" charset="0"/>
+            </a:endParaRPr>
+          </a:p>
+          <a:p>
+            <a:pPr marL="285750" indent="-285750" algn="l">
               <a:buFont typeface="Arial" panose="020B0604020202020204" pitchFamily="34" charset="0"/>
               <a:buChar char="•"/>
             </a:pPr>
@@ -3109,42 +4154,28 @@
                 <a:ea typeface="Calibri Light" panose="020F0302020204030204" pitchFamily="34" charset="0"/>
                 <a:cs typeface="Calibri Light"/>
               </a:rPr>
-              <a:t>Usability</a:t>
-            </a:r>
-            <a:endParaRPr lang="pt-PT" sz="2400">
-              <a:latin typeface="Calibri Light"/>
-              <a:ea typeface="Calibri Light" panose="020F0302020204030204" pitchFamily="34" charset="0"/>
-              <a:cs typeface="Calibri Light" panose="020F0302020204030204" pitchFamily="34" charset="0"/>
-            </a:endParaRPr>
-          </a:p>
-          <a:p>
-            <a:pPr marL="742950" lvl="1" indent="-285750">
-              <a:buFont typeface="Arial" panose="020B0604020202020204" pitchFamily="34" charset="0"/>
-              <a:buChar char="•"/>
-            </a:pPr>
-            <a:r>
-              <a:rPr lang="pt-PT" sz="2400" dirty="0">
-                <a:latin typeface="Calibri Light"/>
-                <a:cs typeface="Calibri Light"/>
-              </a:rPr>
-              <a:t>UI</a:t>
-            </a:r>
-          </a:p>
-          <a:p>
-            <a:pPr marL="742950" lvl="1" indent="-285750">
-              <a:buFont typeface="Arial" panose="020B0604020202020204" pitchFamily="34" charset="0"/>
-              <a:buChar char="•"/>
-            </a:pPr>
-            <a:r>
-              <a:rPr lang="pt-PT" sz="2400" dirty="0" err="1">
-                <a:latin typeface="Calibri Light"/>
-                <a:cs typeface="Calibri Light"/>
-              </a:rPr>
-              <a:t>Extension</a:t>
+              <a:t>Intuitive</a:t>
             </a:r>
             <a:r>
               <a:rPr lang="pt-PT" sz="2400" dirty="0">
                 <a:latin typeface="Calibri Light"/>
+                <a:ea typeface="Calibri Light" panose="020F0302020204030204" pitchFamily="34" charset="0"/>
+                <a:cs typeface="Calibri Light"/>
+              </a:rPr>
+              <a:t> UI </a:t>
+            </a:r>
+            <a:r>
+              <a:rPr lang="pt-PT" sz="2400" dirty="0" err="1">
+                <a:latin typeface="Calibri Light"/>
+                <a:ea typeface="Calibri Light" panose="020F0302020204030204" pitchFamily="34" charset="0"/>
+                <a:cs typeface="Calibri Light"/>
+              </a:rPr>
+              <a:t>with</a:t>
+            </a:r>
+            <a:r>
+              <a:rPr lang="pt-PT" sz="2400" dirty="0">
+                <a:latin typeface="Calibri Light"/>
+                <a:ea typeface="Calibri Light" panose="020F0302020204030204" pitchFamily="34" charset="0"/>
                 <a:cs typeface="Calibri Light"/>
               </a:rPr>
               <a:t> </a:t>
@@ -3152,366 +4183,73 @@
             <a:r>
               <a:rPr lang="pt-PT" sz="2400" dirty="0" err="1">
                 <a:latin typeface="Calibri Light"/>
+                <a:ea typeface="Calibri Light" panose="020F0302020204030204" pitchFamily="34" charset="0"/>
                 <a:cs typeface="Calibri Light"/>
               </a:rPr>
               <a:t>settings</a:t>
             </a:r>
+            <a:endParaRPr lang="pt-PT" sz="2400" dirty="0" err="1">
+              <a:latin typeface="Calibri Light"/>
+              <a:ea typeface="Calibri Light" panose="020F0302020204030204" pitchFamily="34" charset="0"/>
+              <a:cs typeface="Calibri Light" panose="020F0302020204030204" pitchFamily="34" charset="0"/>
+            </a:endParaRPr>
+          </a:p>
+          <a:p>
             <a:endParaRPr lang="pt-PT" sz="2400" dirty="0">
-              <a:latin typeface="Calibri Light"/>
-              <a:cs typeface="Calibri Light"/>
+              <a:latin typeface="Calibri Light" panose="020F0302020204030204" pitchFamily="34" charset="0"/>
+              <a:ea typeface="Calibri Light" panose="020F0302020204030204" pitchFamily="34" charset="0"/>
+              <a:cs typeface="Calibri Light" panose="020F0302020204030204" pitchFamily="34" charset="0"/>
             </a:endParaRPr>
           </a:p>
           <a:p>
-            <a:pPr marL="742950" lvl="1" indent="-285750">
+            <a:pPr marL="285750" indent="-285750">
               <a:buFont typeface="Arial" panose="020B0604020202020204" pitchFamily="34" charset="0"/>
               <a:buChar char="•"/>
             </a:pPr>
             <a:r>
-              <a:rPr lang="pt-PT" sz="2400" dirty="0">
+              <a:rPr lang="en-US" sz="2400" dirty="0">
+                <a:latin typeface="Calibri Light"/>
+                <a:ea typeface="Calibri Light" panose="020F0302020204030204" pitchFamily="34" charset="0"/>
+                <a:cs typeface="Calibri Light"/>
+              </a:rPr>
+              <a:t>LM flexibility (add/remove) – LM Hub</a:t>
+            </a:r>
+            <a:endParaRPr lang="en-US" sz="2400" dirty="0">
+              <a:latin typeface="Calibri Light"/>
+              <a:ea typeface="Calibri Light" panose="020F0302020204030204" pitchFamily="34" charset="0"/>
+              <a:cs typeface="Calibri Light" panose="020F0302020204030204" pitchFamily="34" charset="0"/>
+            </a:endParaRPr>
+          </a:p>
+          <a:p>
+            <a:pPr marL="285750" indent="-285750">
+              <a:buFont typeface="Arial" panose="020B0604020202020204" pitchFamily="34" charset="0"/>
+              <a:buChar char="•"/>
+            </a:pPr>
+            <a:endParaRPr lang="en-US" sz="2400" dirty="0">
+              <a:latin typeface="Calibri Light"/>
+              <a:cs typeface="Calibri Light"/>
+            </a:endParaRPr>
+          </a:p>
+          <a:p>
+            <a:pPr marL="285750" indent="-285750">
+              <a:buFont typeface="Arial" panose="020B0604020202020204" pitchFamily="34" charset="0"/>
+              <a:buChar char="•"/>
+            </a:pPr>
+            <a:r>
+              <a:rPr lang="en-US" sz="2400" dirty="0">
                 <a:latin typeface="Calibri Light"/>
                 <a:cs typeface="Calibri Light"/>
               </a:rPr>
-              <a:t>LM </a:t>
+              <a:t>Usability, flexibility, reliability, performance</a:t>
             </a:r>
-            <a:r>
-              <a:rPr lang="pt-PT" sz="2400" dirty="0" err="1">
-                <a:latin typeface="Calibri Light"/>
-                <a:cs typeface="Calibri Light"/>
-              </a:rPr>
-              <a:t>Hub</a:t>
-            </a:r>
-            <a:endParaRPr lang="pt-PT" sz="2400">
-              <a:latin typeface="Calibri Light"/>
-              <a:cs typeface="Calibri Light"/>
-            </a:endParaRPr>
-          </a:p>
-          <a:p>
-            <a:pPr marL="742950" lvl="1" indent="-285750">
+          </a:p>
+          <a:p>
+            <a:pPr marL="285750" indent="-285750">
               <a:buFont typeface="Arial" panose="020B0604020202020204" pitchFamily="34" charset="0"/>
               <a:buChar char="•"/>
             </a:pPr>
-            <a:endParaRPr lang="pt-PT" sz="2400" dirty="0">
-              <a:latin typeface="Calibri Light"/>
-              <a:cs typeface="Calibri Light"/>
-            </a:endParaRPr>
-          </a:p>
-          <a:p>
-            <a:pPr marL="285750" indent="-285750">
-              <a:buFont typeface="Arial,Sans-Serif" panose="020B0604020202020204" pitchFamily="34" charset="0"/>
-              <a:buChar char="•"/>
-            </a:pPr>
-            <a:r>
-              <a:rPr lang="pt-PT" sz="2400" dirty="0">
-                <a:latin typeface="Calibri Light"/>
-                <a:cs typeface="Calibri Light"/>
-              </a:rPr>
-              <a:t>Performance</a:t>
-            </a:r>
-            <a:endParaRPr lang="pt-PT" sz="2400">
-              <a:latin typeface="Calibri Light"/>
-              <a:ea typeface="+mn-lt"/>
-              <a:cs typeface="+mn-lt"/>
-            </a:endParaRPr>
-          </a:p>
-          <a:p>
-            <a:pPr marL="742950" lvl="1" indent="-285750">
-              <a:buFont typeface="Arial,Sans-Serif" panose="020B0604020202020204" pitchFamily="34" charset="0"/>
-              <a:buChar char="•"/>
-            </a:pPr>
-            <a:r>
-              <a:rPr lang="pt-PT" sz="2400" dirty="0" err="1">
-                <a:latin typeface="Calibri Light"/>
-                <a:cs typeface="Calibri Light"/>
-              </a:rPr>
-              <a:t>Efficient</a:t>
-            </a:r>
-            <a:r>
-              <a:rPr lang="pt-PT" sz="2400" dirty="0">
-                <a:latin typeface="Calibri Light"/>
-                <a:cs typeface="Calibri Light"/>
-              </a:rPr>
-              <a:t> </a:t>
-            </a:r>
-            <a:r>
-              <a:rPr lang="pt-PT" sz="2400" dirty="0" err="1">
-                <a:latin typeface="Calibri Light"/>
-                <a:cs typeface="Calibri Light"/>
-              </a:rPr>
-              <a:t>and</a:t>
-            </a:r>
-            <a:r>
-              <a:rPr lang="pt-PT" sz="2400" dirty="0">
-                <a:latin typeface="Calibri Light"/>
-                <a:cs typeface="Calibri Light"/>
-              </a:rPr>
-              <a:t> fast </a:t>
-            </a:r>
-            <a:r>
-              <a:rPr lang="pt-PT" sz="2400" dirty="0" err="1">
-                <a:latin typeface="Calibri Light"/>
-                <a:cs typeface="Calibri Light"/>
-              </a:rPr>
-              <a:t>even</a:t>
-            </a:r>
-            <a:r>
-              <a:rPr lang="pt-PT" sz="2400" dirty="0">
-                <a:latin typeface="Calibri Light"/>
-                <a:cs typeface="Calibri Light"/>
-              </a:rPr>
-              <a:t> </a:t>
-            </a:r>
-            <a:r>
-              <a:rPr lang="pt-PT" sz="2400" dirty="0" err="1">
-                <a:latin typeface="Calibri Light"/>
-                <a:cs typeface="Calibri Light"/>
-              </a:rPr>
-              <a:t>on</a:t>
-            </a:r>
-            <a:r>
-              <a:rPr lang="pt-PT" sz="2400" dirty="0">
-                <a:latin typeface="Calibri Light"/>
-                <a:cs typeface="Calibri Light"/>
-              </a:rPr>
-              <a:t> </a:t>
-            </a:r>
-            <a:r>
-              <a:rPr lang="pt-PT" sz="2400" dirty="0" err="1">
-                <a:latin typeface="Calibri Light"/>
-                <a:cs typeface="Calibri Light"/>
-              </a:rPr>
-              <a:t>long</a:t>
-            </a:r>
-            <a:r>
-              <a:rPr lang="pt-PT" sz="2400" dirty="0">
-                <a:latin typeface="Calibri Light"/>
-                <a:cs typeface="Calibri Light"/>
-              </a:rPr>
-              <a:t> web </a:t>
-            </a:r>
-            <a:r>
-              <a:rPr lang="pt-PT" sz="2400" dirty="0" err="1">
-                <a:latin typeface="Calibri Light"/>
-                <a:cs typeface="Calibri Light"/>
-              </a:rPr>
-              <a:t>pages</a:t>
-            </a:r>
-            <a:r>
-              <a:rPr lang="pt-PT" sz="2400" dirty="0">
-                <a:latin typeface="Calibri Light"/>
-                <a:cs typeface="Calibri Light"/>
-              </a:rPr>
-              <a:t> </a:t>
-            </a:r>
-            <a:r>
-              <a:rPr lang="pt-PT" sz="2400" dirty="0" err="1">
-                <a:latin typeface="Calibri Light"/>
-                <a:cs typeface="Calibri Light"/>
-              </a:rPr>
-              <a:t>and</a:t>
-            </a:r>
-            <a:r>
-              <a:rPr lang="pt-PT" sz="2400" dirty="0">
-                <a:latin typeface="Calibri Light"/>
-                <a:cs typeface="Calibri Light"/>
-              </a:rPr>
-              <a:t> </a:t>
-            </a:r>
-            <a:r>
-              <a:rPr lang="pt-PT" sz="2400" dirty="0" err="1">
-                <a:latin typeface="Calibri Light"/>
-                <a:cs typeface="Calibri Light"/>
-              </a:rPr>
-              <a:t>PDFs</a:t>
-            </a:r>
-          </a:p>
-          <a:p>
-            <a:pPr marL="742950" lvl="1" indent="-285750">
-              <a:buFont typeface="Arial,Sans-Serif" panose="020B0604020202020204" pitchFamily="34" charset="0"/>
-              <a:buChar char="•"/>
-            </a:pPr>
-            <a:endParaRPr lang="pt-PT" sz="2400" dirty="0">
-              <a:latin typeface="Calibri Light"/>
-              <a:cs typeface="Calibri Light"/>
-            </a:endParaRPr>
-          </a:p>
-          <a:p>
-            <a:pPr marL="285750" indent="-285750">
-              <a:buFont typeface="Arial,Sans-Serif" panose="020B0604020202020204" pitchFamily="34" charset="0"/>
-              <a:buChar char="•"/>
-            </a:pPr>
-            <a:r>
-              <a:rPr lang="pt-PT" sz="2400" dirty="0" err="1">
-                <a:latin typeface="Calibri Light"/>
-                <a:cs typeface="Calibri Light"/>
-              </a:rPr>
-              <a:t>Reliability</a:t>
-            </a:r>
-            <a:endParaRPr lang="pt-PT" sz="2400">
-              <a:latin typeface="Calibri Light"/>
-              <a:ea typeface="+mn-lt"/>
-              <a:cs typeface="+mn-lt"/>
-            </a:endParaRPr>
-          </a:p>
-          <a:p>
-            <a:pPr marL="742950" lvl="1" indent="-285750">
-              <a:buFont typeface="Arial,Sans-Serif" panose="020B0604020202020204" pitchFamily="34" charset="0"/>
-              <a:buChar char="•"/>
-            </a:pPr>
-            <a:r>
-              <a:rPr lang="pt-PT" sz="2400" dirty="0" err="1">
-                <a:latin typeface="Calibri Light"/>
-                <a:cs typeface="Calibri Light"/>
-              </a:rPr>
-              <a:t>Accurate</a:t>
-            </a:r>
-            <a:r>
-              <a:rPr lang="pt-PT" sz="2400" dirty="0">
-                <a:latin typeface="Calibri Light"/>
-                <a:cs typeface="Calibri Light"/>
-              </a:rPr>
-              <a:t> </a:t>
-            </a:r>
-            <a:r>
-              <a:rPr lang="pt-PT" sz="2400" dirty="0" err="1">
-                <a:latin typeface="Calibri Light"/>
-                <a:cs typeface="Calibri Light"/>
-              </a:rPr>
-              <a:t>detection</a:t>
-            </a:r>
-            <a:endParaRPr lang="pt-PT" sz="2400" dirty="0">
-              <a:latin typeface="Calibri Light"/>
-              <a:cs typeface="Calibri Light"/>
-            </a:endParaRPr>
-          </a:p>
-          <a:p>
-            <a:pPr marL="742950" lvl="1" indent="-285750">
-              <a:buFont typeface="Arial,Sans-Serif" panose="020B0604020202020204" pitchFamily="34" charset="0"/>
-              <a:buChar char="•"/>
-            </a:pPr>
-            <a:r>
-              <a:rPr lang="pt-PT" sz="2400" dirty="0" err="1">
-                <a:latin typeface="Calibri Light"/>
-                <a:cs typeface="Calibri Light"/>
-              </a:rPr>
-              <a:t>Reduced</a:t>
-            </a:r>
-            <a:r>
-              <a:rPr lang="pt-PT" sz="2400" dirty="0">
-                <a:latin typeface="Calibri Light"/>
-                <a:cs typeface="Calibri Light"/>
-              </a:rPr>
-              <a:t> false positives </a:t>
-            </a:r>
-            <a:r>
-              <a:rPr lang="pt-PT" sz="2400" dirty="0" err="1">
-                <a:latin typeface="Calibri Light"/>
-                <a:cs typeface="Calibri Light"/>
-              </a:rPr>
-              <a:t>and</a:t>
-            </a:r>
-            <a:r>
-              <a:rPr lang="pt-PT" sz="2400" dirty="0">
-                <a:latin typeface="Calibri Light"/>
-                <a:cs typeface="Calibri Light"/>
-              </a:rPr>
-              <a:t> negatives</a:t>
-            </a:r>
-          </a:p>
-          <a:p>
-            <a:pPr marL="742950" lvl="1" indent="-285750">
-              <a:buFont typeface="Arial,Sans-Serif" panose="020B0604020202020204" pitchFamily="34" charset="0"/>
-              <a:buChar char="•"/>
-            </a:pPr>
-            <a:endParaRPr lang="pt-PT" sz="2400" dirty="0">
-              <a:latin typeface="Calibri Light"/>
-              <a:cs typeface="Calibri Light"/>
-            </a:endParaRPr>
-          </a:p>
-          <a:p>
-            <a:pPr marL="285750" indent="-285750">
-              <a:buFont typeface="Arial,Sans-Serif" panose="020B0604020202020204" pitchFamily="34" charset="0"/>
-              <a:buChar char="•"/>
-            </a:pPr>
-            <a:r>
-              <a:rPr lang="pt-PT" sz="2400" dirty="0" err="1">
-                <a:latin typeface="Calibri Light"/>
-                <a:cs typeface="Calibri Light"/>
-              </a:rPr>
-              <a:t>Flexibility</a:t>
-            </a:r>
-            <a:endParaRPr lang="pt-PT" sz="2400">
-              <a:latin typeface="Calibri Light"/>
-              <a:ea typeface="+mn-lt"/>
-              <a:cs typeface="+mn-lt"/>
-            </a:endParaRPr>
-          </a:p>
-          <a:p>
-            <a:pPr marL="742950" lvl="1" indent="-285750">
-              <a:buFont typeface="Arial,Sans-Serif" panose="020B0604020202020204" pitchFamily="34" charset="0"/>
-              <a:buChar char="•"/>
-            </a:pPr>
-            <a:r>
-              <a:rPr lang="pt-PT" sz="2400" dirty="0" err="1">
-                <a:latin typeface="Calibri Light"/>
-                <a:cs typeface="Calibri Light"/>
-              </a:rPr>
-              <a:t>LMs</a:t>
-            </a:r>
-            <a:r>
-              <a:rPr lang="pt-PT" sz="2400" dirty="0">
-                <a:latin typeface="Calibri Light"/>
-                <a:cs typeface="Calibri Light"/>
-              </a:rPr>
-              <a:t> </a:t>
-            </a:r>
-            <a:r>
-              <a:rPr lang="pt-PT" sz="2400" dirty="0" err="1">
-                <a:latin typeface="Calibri Light"/>
-                <a:cs typeface="Calibri Light"/>
-              </a:rPr>
-              <a:t>addition</a:t>
-            </a:r>
-            <a:r>
-              <a:rPr lang="pt-PT" sz="2400" dirty="0">
-                <a:latin typeface="Calibri Light"/>
-                <a:cs typeface="Calibri Light"/>
-              </a:rPr>
-              <a:t> </a:t>
-            </a:r>
-            <a:r>
-              <a:rPr lang="pt-PT" sz="2400" dirty="0" err="1">
-                <a:latin typeface="Calibri Light"/>
-                <a:cs typeface="Calibri Light"/>
-              </a:rPr>
-              <a:t>and</a:t>
-            </a:r>
-            <a:r>
-              <a:rPr lang="pt-PT" sz="2400" dirty="0">
-                <a:latin typeface="Calibri Light"/>
-                <a:cs typeface="Calibri Light"/>
-              </a:rPr>
-              <a:t> </a:t>
-            </a:r>
-            <a:r>
-              <a:rPr lang="pt-PT" sz="2400" dirty="0" err="1">
-                <a:latin typeface="Calibri Light"/>
-                <a:cs typeface="Calibri Light"/>
-              </a:rPr>
-              <a:t>removal</a:t>
-            </a:r>
-            <a:endParaRPr lang="pt-PT" dirty="0" err="1">
-              <a:latin typeface="Calibri"/>
+            <a:endParaRPr lang="pt-PT" dirty="0">
               <a:cs typeface="Calibri"/>
-            </a:endParaRPr>
-          </a:p>
-          <a:p>
-            <a:pPr marL="742950" lvl="1" indent="-285750">
-              <a:buFont typeface="Arial,Sans-Serif" panose="020B0604020202020204" pitchFamily="34" charset="0"/>
-              <a:buChar char="•"/>
-            </a:pPr>
-            <a:endParaRPr lang="pt-PT" dirty="0">
-              <a:latin typeface="Calibri Light"/>
-              <a:cs typeface="Calibri Light"/>
             </a:endParaRPr>
           </a:p>
         </p:txBody>
@@ -3554,7 +4292,7 @@
             </a:pPr>
             <a:fld id="{81D60167-4931-47E6-BA6A-407CBD079E47}" type="slidenum">
               <a:rPr dirty="0"/>
-              <a:t>4</a:t>
+              <a:t>5</a:t>
             </a:fld>
             <a:endParaRPr dirty="0"/>
           </a:p>
@@ -3563,7 +4301,7 @@
     </p:spTree>
     <p:extLst>
       <p:ext uri="{BB962C8B-B14F-4D97-AF65-F5344CB8AC3E}">
-        <p14:creationId xmlns:p14="http://schemas.microsoft.com/office/powerpoint/2010/main" val="3720306176"/>
+        <p14:creationId xmlns:p14="http://schemas.microsoft.com/office/powerpoint/2010/main" val="1306777140"/>
       </p:ext>
     </p:extLst>
   </p:cSld>
@@ -3573,7 +4311,7 @@
 </p:sld>
 </file>
 
-<file path=ppt/slides/slide5.xml><?xml version="1.0" encoding="utf-8"?>
+<file path=ppt/slides/slide6.xml><?xml version="1.0" encoding="utf-8"?>
 <p:sld xmlns:a="http://schemas.openxmlformats.org/drawingml/2006/main" xmlns:r="http://schemas.openxmlformats.org/officeDocument/2006/relationships" xmlns:p="http://schemas.openxmlformats.org/presentationml/2006/main">
   <p:cSld>
     <p:spTree>
@@ -3661,7 +4399,7 @@
             </a:pPr>
             <a:fld id="{81D60167-4931-47E6-BA6A-407CBD079E47}" type="slidenum">
               <a:rPr dirty="0"/>
-              <a:t>5</a:t>
+              <a:t>6</a:t>
             </a:fld>
             <a:endParaRPr dirty="0"/>
           </a:p>
@@ -7809,7 +8547,7 @@
 </p:sld>
 </file>
 
-<file path=ppt/slides/slide6.xml><?xml version="1.0" encoding="utf-8"?>
+<file path=ppt/slides/slide7.xml><?xml version="1.0" encoding="utf-8"?>
 <p:sld xmlns:a="http://schemas.openxmlformats.org/drawingml/2006/main" xmlns:r="http://schemas.openxmlformats.org/officeDocument/2006/relationships" xmlns:p="http://schemas.openxmlformats.org/presentationml/2006/main">
   <p:cSld>
     <p:spTree>
@@ -7826,41 +8564,6 @@
           <a:chExt cx="0" cy="0"/>
         </a:xfrm>
       </p:grpSpPr>
-      <p:pic>
-        <p:nvPicPr>
-          <p:cNvPr id="14" name="Imagem 13">
-            <a:extLst>
-              <a:ext uri="{FF2B5EF4-FFF2-40B4-BE49-F238E27FC236}">
-                <a16:creationId xmlns:a16="http://schemas.microsoft.com/office/drawing/2014/main" id="{C5F0C9BB-BB59-DEAE-BA50-9A1A6FD960D4}"/>
-              </a:ext>
-            </a:extLst>
-          </p:cNvPr>
-          <p:cNvPicPr>
-            <a:picLocks noChangeAspect="1"/>
-          </p:cNvPicPr>
-          <p:nvPr/>
-        </p:nvPicPr>
-        <p:blipFill>
-          <a:blip r:embed="rId2">
-            <a:extLst>
-              <a:ext uri="{28A0092B-C50C-407E-A947-70E740481C1C}">
-                <a14:useLocalDpi xmlns:a14="http://schemas.microsoft.com/office/drawing/2010/main" val="0"/>
-              </a:ext>
-            </a:extLst>
-          </a:blip>
-          <a:srcRect/>
-          <a:stretch/>
-        </p:blipFill>
-        <p:spPr>
-          <a:xfrm>
-            <a:off x="1344422" y="22284"/>
-            <a:ext cx="9633498" cy="6803404"/>
-          </a:xfrm>
-          <a:prstGeom prst="rect">
-            <a:avLst/>
-          </a:prstGeom>
-        </p:spPr>
-      </p:pic>
       <p:sp>
         <p:nvSpPr>
           <p:cNvPr id="12" name="object 4">
@@ -7899,12 +8602,42 @@
             </a:pPr>
             <a:fld id="{81D60167-4931-47E6-BA6A-407CBD079E47}" type="slidenum">
               <a:rPr dirty="0"/>
-              <a:t>6</a:t>
+              <a:t>7</a:t>
             </a:fld>
             <a:endParaRPr dirty="0"/>
           </a:p>
         </p:txBody>
       </p:sp>
+      <p:pic>
+        <p:nvPicPr>
+          <p:cNvPr id="2" name="Imagem 2" descr="Uma imagem com diagrama&#10;&#10;Descrição gerada automaticamente">
+            <a:extLst>
+              <a:ext uri="{FF2B5EF4-FFF2-40B4-BE49-F238E27FC236}">
+                <a16:creationId xmlns:a16="http://schemas.microsoft.com/office/drawing/2014/main" id="{555C70EA-FC77-DC37-0546-72D508875785}"/>
+              </a:ext>
+            </a:extLst>
+          </p:cNvPr>
+          <p:cNvPicPr>
+            <a:picLocks noChangeAspect="1"/>
+          </p:cNvPicPr>
+          <p:nvPr/>
+        </p:nvPicPr>
+        <p:blipFill>
+          <a:blip r:embed="rId2"/>
+          <a:stretch>
+            <a:fillRect/>
+          </a:stretch>
+        </p:blipFill>
+        <p:spPr>
+          <a:xfrm>
+            <a:off x="1305426" y="30054"/>
+            <a:ext cx="9681409" cy="6797894"/>
+          </a:xfrm>
+          <a:prstGeom prst="rect">
+            <a:avLst/>
+          </a:prstGeom>
+        </p:spPr>
+      </p:pic>
     </p:spTree>
     <p:extLst>
       <p:ext uri="{BB962C8B-B14F-4D97-AF65-F5344CB8AC3E}">
@@ -7918,7 +8651,7 @@
 </p:sld>
 </file>
 
-<file path=ppt/slides/slide7.xml><?xml version="1.0" encoding="utf-8"?>
+<file path=ppt/slides/slide8.xml><?xml version="1.0" encoding="utf-8"?>
 <p:sld xmlns:a="http://schemas.openxmlformats.org/drawingml/2006/main" xmlns:r="http://schemas.openxmlformats.org/officeDocument/2006/relationships" xmlns:p="http://schemas.openxmlformats.org/presentationml/2006/main">
   <p:cSld>
     <p:spTree>
@@ -8032,7 +8765,7 @@
             </a:pPr>
             <a:fld id="{81D60167-4931-47E6-BA6A-407CBD079E47}" type="slidenum">
               <a:rPr dirty="0"/>
-              <a:t>7</a:t>
+              <a:t>8</a:t>
             </a:fld>
             <a:endParaRPr dirty="0"/>
           </a:p>

--- a/presentation-prototype.pptx
+++ b/presentation-prototype.pptx
@@ -12,8 +12,8 @@
     <p:sldId id="258" r:id="rId3"/>
     <p:sldId id="275" r:id="rId4"/>
     <p:sldId id="274" r:id="rId5"/>
-    <p:sldId id="273" r:id="rId6"/>
-    <p:sldId id="262" r:id="rId7"/>
+    <p:sldId id="262" r:id="rId6"/>
+    <p:sldId id="273" r:id="rId7"/>
     <p:sldId id="264" r:id="rId8"/>
     <p:sldId id="270" r:id="rId9"/>
   </p:sldIdLst>
@@ -3988,351 +3988,6 @@
           <p:cNvPr id="2" name="Título 1">
             <a:extLst>
               <a:ext uri="{FF2B5EF4-FFF2-40B4-BE49-F238E27FC236}">
-                <a16:creationId xmlns:a16="http://schemas.microsoft.com/office/drawing/2014/main" id="{34D2DC7F-147B-28CC-8152-C6B9EB18ABF4}"/>
-              </a:ext>
-            </a:extLst>
-          </p:cNvPr>
-          <p:cNvSpPr>
-            <a:spLocks noGrp="1"/>
-          </p:cNvSpPr>
-          <p:nvPr>
-            <p:ph type="title"/>
-          </p:nvPr>
-        </p:nvSpPr>
-        <p:spPr>
-          <a:xfrm>
-            <a:off x="916939" y="369045"/>
-            <a:ext cx="10358120" cy="697230"/>
-          </a:xfrm>
-        </p:spPr>
-        <p:txBody>
-          <a:bodyPr wrap="square" lIns="0" tIns="0" rIns="0" bIns="0" anchor="t">
-            <a:spAutoFit/>
-          </a:bodyPr>
-          <a:lstStyle/>
-          <a:p>
-            <a:r>
-              <a:rPr lang="pt-PT" dirty="0" err="1">
-                <a:latin typeface="+mj-lt"/>
-                <a:cs typeface="Arial"/>
-              </a:rPr>
-              <a:t>Main</a:t>
-            </a:r>
-            <a:r>
-              <a:rPr lang="pt-PT" sz="4400" dirty="0">
-                <a:latin typeface="+mj-lt"/>
-                <a:cs typeface="Arial"/>
-              </a:rPr>
-              <a:t> </a:t>
-            </a:r>
-            <a:r>
-              <a:rPr lang="pt-PT" sz="4400" dirty="0" err="1">
-                <a:latin typeface="+mj-lt"/>
-                <a:cs typeface="Arial"/>
-              </a:rPr>
-              <a:t>requirements</a:t>
-            </a:r>
-            <a:endParaRPr lang="pt-PT" dirty="0">
-              <a:latin typeface="+mj-lt"/>
-              <a:cs typeface="Arial"/>
-            </a:endParaRPr>
-          </a:p>
-        </p:txBody>
-      </p:sp>
-      <p:sp>
-        <p:nvSpPr>
-          <p:cNvPr id="3" name="Marcador de Posição do Texto 2">
-            <a:extLst>
-              <a:ext uri="{FF2B5EF4-FFF2-40B4-BE49-F238E27FC236}">
-                <a16:creationId xmlns:a16="http://schemas.microsoft.com/office/drawing/2014/main" id="{AF8953A9-B3E3-9AA3-2A00-7FF1803650A1}"/>
-              </a:ext>
-            </a:extLst>
-          </p:cNvPr>
-          <p:cNvSpPr>
-            <a:spLocks noGrp="1"/>
-          </p:cNvSpPr>
-          <p:nvPr>
-            <p:ph type="body" idx="1"/>
-          </p:nvPr>
-        </p:nvSpPr>
-        <p:spPr>
-          <a:xfrm>
-            <a:off x="916939" y="1590173"/>
-            <a:ext cx="10358120" cy="4339650"/>
-          </a:xfrm>
-        </p:spPr>
-        <p:txBody>
-          <a:bodyPr wrap="square" lIns="0" tIns="0" rIns="0" bIns="0" anchor="t">
-            <a:spAutoFit/>
-          </a:bodyPr>
-          <a:lstStyle/>
-          <a:p>
-            <a:pPr marL="285750" indent="-285750">
-              <a:buFont typeface="Arial,Sans-Serif"/>
-              <a:buChar char="•"/>
-            </a:pPr>
-            <a:r>
-              <a:rPr lang="en-US" sz="2400" dirty="0">
-                <a:latin typeface="Calibri Light"/>
-                <a:ea typeface="Calibri Light" panose="020F0302020204030204" pitchFamily="34" charset="0"/>
-                <a:cs typeface="Calibri Light"/>
-              </a:rPr>
-              <a:t>Overall evaluation of web page or PDF</a:t>
-            </a:r>
-            <a:endParaRPr lang="en-US" sz="2400" dirty="0">
-              <a:ea typeface="+mn-lt"/>
-              <a:cs typeface="+mn-lt"/>
-            </a:endParaRPr>
-          </a:p>
-          <a:p>
-            <a:endParaRPr lang="pt-PT" sz="2400" dirty="0">
-              <a:latin typeface="Calibri Light" panose="020F0302020204030204" pitchFamily="34" charset="0"/>
-              <a:ea typeface="Calibri Light" panose="020F0302020204030204" pitchFamily="34" charset="0"/>
-              <a:cs typeface="Calibri Light" panose="020F0302020204030204" pitchFamily="34" charset="0"/>
-            </a:endParaRPr>
-          </a:p>
-          <a:p>
-            <a:pPr marL="285750" indent="-285750">
-              <a:buFont typeface="Arial" panose="020B0604020202020204" pitchFamily="34" charset="0"/>
-              <a:buChar char="•"/>
-            </a:pPr>
-            <a:r>
-              <a:rPr lang="en-US" sz="2400" dirty="0">
-                <a:latin typeface="Calibri Light" panose="020F0302020204030204" pitchFamily="34" charset="0"/>
-                <a:ea typeface="Calibri Light" panose="020F0302020204030204" pitchFamily="34" charset="0"/>
-                <a:cs typeface="Calibri Light" panose="020F0302020204030204" pitchFamily="34" charset="0"/>
-              </a:rPr>
-              <a:t>Highlight suspicious parts of web page or PDF</a:t>
-            </a:r>
-          </a:p>
-          <a:p>
-            <a:pPr marL="285750" indent="-285750">
-              <a:buFont typeface="Arial" panose="020B0604020202020204" pitchFamily="34" charset="0"/>
-              <a:buChar char="•"/>
-            </a:pPr>
-            <a:endParaRPr lang="en-US" sz="2400" dirty="0">
-              <a:latin typeface="Calibri Light" panose="020F0302020204030204" pitchFamily="34" charset="0"/>
-              <a:ea typeface="Calibri Light" panose="020F0302020204030204" pitchFamily="34" charset="0"/>
-              <a:cs typeface="Calibri Light" panose="020F0302020204030204" pitchFamily="34" charset="0"/>
-            </a:endParaRPr>
-          </a:p>
-          <a:p>
-            <a:pPr marL="285750" indent="-285750">
-              <a:buFont typeface="Arial" panose="020B0604020202020204" pitchFamily="34" charset="0"/>
-              <a:buChar char="•"/>
-            </a:pPr>
-            <a:r>
-              <a:rPr lang="en-US" sz="2400" dirty="0">
-                <a:solidFill>
-                  <a:srgbClr val="000000"/>
-                </a:solidFill>
-                <a:latin typeface="Calibri Light"/>
-                <a:ea typeface="Calibri Light" panose="020F0302020204030204" pitchFamily="34" charset="0"/>
-                <a:cs typeface="Calibri Light"/>
-              </a:rPr>
-              <a:t>Select any text and analyze it</a:t>
-            </a:r>
-          </a:p>
-          <a:p>
-            <a:endParaRPr lang="pt-PT" sz="2400" dirty="0">
-              <a:solidFill>
-                <a:srgbClr val="000000"/>
-              </a:solidFill>
-              <a:latin typeface="Calibri Light" panose="020F0302020204030204" pitchFamily="34" charset="0"/>
-              <a:ea typeface="Calibri Light" panose="020F0302020204030204" pitchFamily="34" charset="0"/>
-              <a:cs typeface="Calibri Light" panose="020F0302020204030204" pitchFamily="34" charset="0"/>
-            </a:endParaRPr>
-          </a:p>
-          <a:p>
-            <a:pPr marL="285750" indent="-285750" algn="l">
-              <a:buFont typeface="Arial" panose="020B0604020202020204" pitchFamily="34" charset="0"/>
-              <a:buChar char="•"/>
-            </a:pPr>
-            <a:r>
-              <a:rPr lang="pt-PT" sz="2400" dirty="0" err="1">
-                <a:latin typeface="Calibri Light"/>
-                <a:ea typeface="Calibri Light" panose="020F0302020204030204" pitchFamily="34" charset="0"/>
-                <a:cs typeface="Calibri Light"/>
-              </a:rPr>
-              <a:t>Intuitive</a:t>
-            </a:r>
-            <a:r>
-              <a:rPr lang="pt-PT" sz="2400" dirty="0">
-                <a:latin typeface="Calibri Light"/>
-                <a:ea typeface="Calibri Light" panose="020F0302020204030204" pitchFamily="34" charset="0"/>
-                <a:cs typeface="Calibri Light"/>
-              </a:rPr>
-              <a:t> UI </a:t>
-            </a:r>
-            <a:r>
-              <a:rPr lang="pt-PT" sz="2400" dirty="0" err="1">
-                <a:latin typeface="Calibri Light"/>
-                <a:ea typeface="Calibri Light" panose="020F0302020204030204" pitchFamily="34" charset="0"/>
-                <a:cs typeface="Calibri Light"/>
-              </a:rPr>
-              <a:t>with</a:t>
-            </a:r>
-            <a:r>
-              <a:rPr lang="pt-PT" sz="2400" dirty="0">
-                <a:latin typeface="Calibri Light"/>
-                <a:ea typeface="Calibri Light" panose="020F0302020204030204" pitchFamily="34" charset="0"/>
-                <a:cs typeface="Calibri Light"/>
-              </a:rPr>
-              <a:t> </a:t>
-            </a:r>
-            <a:r>
-              <a:rPr lang="pt-PT" sz="2400" dirty="0" err="1">
-                <a:latin typeface="Calibri Light"/>
-                <a:ea typeface="Calibri Light" panose="020F0302020204030204" pitchFamily="34" charset="0"/>
-                <a:cs typeface="Calibri Light"/>
-              </a:rPr>
-              <a:t>settings</a:t>
-            </a:r>
-            <a:endParaRPr lang="pt-PT" sz="2400" dirty="0" err="1">
-              <a:latin typeface="Calibri Light"/>
-              <a:ea typeface="Calibri Light" panose="020F0302020204030204" pitchFamily="34" charset="0"/>
-              <a:cs typeface="Calibri Light" panose="020F0302020204030204" pitchFamily="34" charset="0"/>
-            </a:endParaRPr>
-          </a:p>
-          <a:p>
-            <a:endParaRPr lang="pt-PT" sz="2400" dirty="0">
-              <a:latin typeface="Calibri Light" panose="020F0302020204030204" pitchFamily="34" charset="0"/>
-              <a:ea typeface="Calibri Light" panose="020F0302020204030204" pitchFamily="34" charset="0"/>
-              <a:cs typeface="Calibri Light" panose="020F0302020204030204" pitchFamily="34" charset="0"/>
-            </a:endParaRPr>
-          </a:p>
-          <a:p>
-            <a:pPr marL="285750" indent="-285750">
-              <a:buFont typeface="Arial" panose="020B0604020202020204" pitchFamily="34" charset="0"/>
-              <a:buChar char="•"/>
-            </a:pPr>
-            <a:r>
-              <a:rPr lang="en-US" sz="2400" dirty="0">
-                <a:latin typeface="Calibri Light"/>
-                <a:ea typeface="Calibri Light" panose="020F0302020204030204" pitchFamily="34" charset="0"/>
-                <a:cs typeface="Calibri Light"/>
-              </a:rPr>
-              <a:t>LM flexibility (add/remove) – LM Hub</a:t>
-            </a:r>
-            <a:endParaRPr lang="en-US" sz="2400" dirty="0">
-              <a:latin typeface="Calibri Light"/>
-              <a:ea typeface="Calibri Light" panose="020F0302020204030204" pitchFamily="34" charset="0"/>
-              <a:cs typeface="Calibri Light" panose="020F0302020204030204" pitchFamily="34" charset="0"/>
-            </a:endParaRPr>
-          </a:p>
-          <a:p>
-            <a:pPr marL="285750" indent="-285750">
-              <a:buFont typeface="Arial" panose="020B0604020202020204" pitchFamily="34" charset="0"/>
-              <a:buChar char="•"/>
-            </a:pPr>
-            <a:endParaRPr lang="en-US" sz="2400" dirty="0">
-              <a:latin typeface="Calibri Light"/>
-              <a:cs typeface="Calibri Light"/>
-            </a:endParaRPr>
-          </a:p>
-          <a:p>
-            <a:pPr marL="285750" indent="-285750">
-              <a:buFont typeface="Arial" panose="020B0604020202020204" pitchFamily="34" charset="0"/>
-              <a:buChar char="•"/>
-            </a:pPr>
-            <a:r>
-              <a:rPr lang="en-US" sz="2400" dirty="0">
-                <a:latin typeface="Calibri Light"/>
-                <a:cs typeface="Calibri Light"/>
-              </a:rPr>
-              <a:t>Usability, flexibility, reliability, performance</a:t>
-            </a:r>
-          </a:p>
-          <a:p>
-            <a:pPr marL="285750" indent="-285750">
-              <a:buFont typeface="Arial" panose="020B0604020202020204" pitchFamily="34" charset="0"/>
-              <a:buChar char="•"/>
-            </a:pPr>
-            <a:endParaRPr lang="pt-PT" dirty="0">
-              <a:cs typeface="Calibri"/>
-            </a:endParaRPr>
-          </a:p>
-        </p:txBody>
-      </p:sp>
-      <p:sp>
-        <p:nvSpPr>
-          <p:cNvPr id="4" name="object 4">
-            <a:extLst>
-              <a:ext uri="{FF2B5EF4-FFF2-40B4-BE49-F238E27FC236}">
-                <a16:creationId xmlns:a16="http://schemas.microsoft.com/office/drawing/2014/main" id="{12F3930D-8B0C-D838-7865-FFA0748E3201}"/>
-              </a:ext>
-            </a:extLst>
-          </p:cNvPr>
-          <p:cNvSpPr txBox="1">
-            <a:spLocks noGrp="1"/>
-          </p:cNvSpPr>
-          <p:nvPr>
-            <p:ph type="sldNum" sz="quarter" idx="7"/>
-          </p:nvPr>
-        </p:nvSpPr>
-        <p:spPr>
-          <a:xfrm>
-            <a:off x="11908535" y="6537756"/>
-            <a:ext cx="231140" cy="330200"/>
-          </a:xfrm>
-          <a:prstGeom prst="rect">
-            <a:avLst/>
-          </a:prstGeom>
-        </p:spPr>
-        <p:txBody>
-          <a:bodyPr vert="horz" wrap="square" lIns="0" tIns="0" rIns="0" bIns="0" rtlCol="0">
-            <a:spAutoFit/>
-          </a:bodyPr>
-          <a:lstStyle/>
-          <a:p>
-            <a:pPr marL="38100">
-              <a:lnSpc>
-                <a:spcPts val="2380"/>
-              </a:lnSpc>
-            </a:pPr>
-            <a:fld id="{81D60167-4931-47E6-BA6A-407CBD079E47}" type="slidenum">
-              <a:rPr dirty="0"/>
-              <a:t>5</a:t>
-            </a:fld>
-            <a:endParaRPr dirty="0"/>
-          </a:p>
-        </p:txBody>
-      </p:sp>
-    </p:spTree>
-    <p:extLst>
-      <p:ext uri="{BB962C8B-B14F-4D97-AF65-F5344CB8AC3E}">
-        <p14:creationId xmlns:p14="http://schemas.microsoft.com/office/powerpoint/2010/main" val="1306777140"/>
-      </p:ext>
-    </p:extLst>
-  </p:cSld>
-  <p:clrMapOvr>
-    <a:masterClrMapping/>
-  </p:clrMapOvr>
-</p:sld>
-</file>
-
-<file path=ppt/slides/slide6.xml><?xml version="1.0" encoding="utf-8"?>
-<p:sld xmlns:a="http://schemas.openxmlformats.org/drawingml/2006/main" xmlns:r="http://schemas.openxmlformats.org/officeDocument/2006/relationships" xmlns:p="http://schemas.openxmlformats.org/presentationml/2006/main">
-  <p:cSld>
-    <p:spTree>
-      <p:nvGrpSpPr>
-        <p:cNvPr id="1" name=""/>
-        <p:cNvGrpSpPr/>
-        <p:nvPr/>
-      </p:nvGrpSpPr>
-      <p:grpSpPr>
-        <a:xfrm>
-          <a:off x="0" y="0"/>
-          <a:ext cx="0" cy="0"/>
-          <a:chOff x="0" y="0"/>
-          <a:chExt cx="0" cy="0"/>
-        </a:xfrm>
-      </p:grpSpPr>
-      <p:sp>
-        <p:nvSpPr>
-          <p:cNvPr id="2" name="Título 1">
-            <a:extLst>
-              <a:ext uri="{FF2B5EF4-FFF2-40B4-BE49-F238E27FC236}">
                 <a16:creationId xmlns:a16="http://schemas.microsoft.com/office/drawing/2014/main" id="{36D3FD89-1446-FF1A-2ADD-A1F89E5EFBA9}"/>
               </a:ext>
             </a:extLst>
@@ -4399,7 +4054,7 @@
             </a:pPr>
             <a:fld id="{81D60167-4931-47E6-BA6A-407CBD079E47}" type="slidenum">
               <a:rPr dirty="0"/>
-              <a:t>6</a:t>
+              <a:t>5</a:t>
             </a:fld>
             <a:endParaRPr dirty="0"/>
           </a:p>
@@ -8547,6 +8202,351 @@
 </p:sld>
 </file>
 
+<file path=ppt/slides/slide6.xml><?xml version="1.0" encoding="utf-8"?>
+<p:sld xmlns:a="http://schemas.openxmlformats.org/drawingml/2006/main" xmlns:r="http://schemas.openxmlformats.org/officeDocument/2006/relationships" xmlns:p="http://schemas.openxmlformats.org/presentationml/2006/main">
+  <p:cSld>
+    <p:spTree>
+      <p:nvGrpSpPr>
+        <p:cNvPr id="1" name=""/>
+        <p:cNvGrpSpPr/>
+        <p:nvPr/>
+      </p:nvGrpSpPr>
+      <p:grpSpPr>
+        <a:xfrm>
+          <a:off x="0" y="0"/>
+          <a:ext cx="0" cy="0"/>
+          <a:chOff x="0" y="0"/>
+          <a:chExt cx="0" cy="0"/>
+        </a:xfrm>
+      </p:grpSpPr>
+      <p:sp>
+        <p:nvSpPr>
+          <p:cNvPr id="2" name="Título 1">
+            <a:extLst>
+              <a:ext uri="{FF2B5EF4-FFF2-40B4-BE49-F238E27FC236}">
+                <a16:creationId xmlns:a16="http://schemas.microsoft.com/office/drawing/2014/main" id="{34D2DC7F-147B-28CC-8152-C6B9EB18ABF4}"/>
+              </a:ext>
+            </a:extLst>
+          </p:cNvPr>
+          <p:cNvSpPr>
+            <a:spLocks noGrp="1"/>
+          </p:cNvSpPr>
+          <p:nvPr>
+            <p:ph type="title"/>
+          </p:nvPr>
+        </p:nvSpPr>
+        <p:spPr>
+          <a:xfrm>
+            <a:off x="916939" y="369045"/>
+            <a:ext cx="10358120" cy="697230"/>
+          </a:xfrm>
+        </p:spPr>
+        <p:txBody>
+          <a:bodyPr wrap="square" lIns="0" tIns="0" rIns="0" bIns="0" anchor="t">
+            <a:spAutoFit/>
+          </a:bodyPr>
+          <a:lstStyle/>
+          <a:p>
+            <a:r>
+              <a:rPr lang="pt-PT" dirty="0" err="1">
+                <a:latin typeface="+mj-lt"/>
+                <a:cs typeface="Arial"/>
+              </a:rPr>
+              <a:t>Main</a:t>
+            </a:r>
+            <a:r>
+              <a:rPr lang="pt-PT" sz="4400" dirty="0">
+                <a:latin typeface="+mj-lt"/>
+                <a:cs typeface="Arial"/>
+              </a:rPr>
+              <a:t> </a:t>
+            </a:r>
+            <a:r>
+              <a:rPr lang="pt-PT" sz="4400" dirty="0" err="1">
+                <a:latin typeface="+mj-lt"/>
+                <a:cs typeface="Arial"/>
+              </a:rPr>
+              <a:t>requirements</a:t>
+            </a:r>
+            <a:endParaRPr lang="pt-PT" dirty="0">
+              <a:latin typeface="+mj-lt"/>
+              <a:cs typeface="Arial"/>
+            </a:endParaRPr>
+          </a:p>
+        </p:txBody>
+      </p:sp>
+      <p:sp>
+        <p:nvSpPr>
+          <p:cNvPr id="3" name="Marcador de Posição do Texto 2">
+            <a:extLst>
+              <a:ext uri="{FF2B5EF4-FFF2-40B4-BE49-F238E27FC236}">
+                <a16:creationId xmlns:a16="http://schemas.microsoft.com/office/drawing/2014/main" id="{AF8953A9-B3E3-9AA3-2A00-7FF1803650A1}"/>
+              </a:ext>
+            </a:extLst>
+          </p:cNvPr>
+          <p:cNvSpPr>
+            <a:spLocks noGrp="1"/>
+          </p:cNvSpPr>
+          <p:nvPr>
+            <p:ph type="body" idx="1"/>
+          </p:nvPr>
+        </p:nvSpPr>
+        <p:spPr>
+          <a:xfrm>
+            <a:off x="916939" y="1590173"/>
+            <a:ext cx="10358120" cy="4339650"/>
+          </a:xfrm>
+        </p:spPr>
+        <p:txBody>
+          <a:bodyPr wrap="square" lIns="0" tIns="0" rIns="0" bIns="0" anchor="t">
+            <a:spAutoFit/>
+          </a:bodyPr>
+          <a:lstStyle/>
+          <a:p>
+            <a:pPr marL="285750" indent="-285750">
+              <a:buFont typeface="Arial,Sans-Serif"/>
+              <a:buChar char="•"/>
+            </a:pPr>
+            <a:r>
+              <a:rPr lang="en-US" sz="2400" dirty="0">
+                <a:latin typeface="Calibri Light"/>
+                <a:ea typeface="Calibri Light" panose="020F0302020204030204" pitchFamily="34" charset="0"/>
+                <a:cs typeface="Calibri Light"/>
+              </a:rPr>
+              <a:t>Overall evaluation of web page or PDF</a:t>
+            </a:r>
+            <a:endParaRPr lang="en-US" sz="2400" dirty="0">
+              <a:ea typeface="+mn-lt"/>
+              <a:cs typeface="+mn-lt"/>
+            </a:endParaRPr>
+          </a:p>
+          <a:p>
+            <a:endParaRPr lang="pt-PT" sz="2400" dirty="0">
+              <a:latin typeface="Calibri Light" panose="020F0302020204030204" pitchFamily="34" charset="0"/>
+              <a:ea typeface="Calibri Light" panose="020F0302020204030204" pitchFamily="34" charset="0"/>
+              <a:cs typeface="Calibri Light" panose="020F0302020204030204" pitchFamily="34" charset="0"/>
+            </a:endParaRPr>
+          </a:p>
+          <a:p>
+            <a:pPr marL="285750" indent="-285750">
+              <a:buFont typeface="Arial" panose="020B0604020202020204" pitchFamily="34" charset="0"/>
+              <a:buChar char="•"/>
+            </a:pPr>
+            <a:r>
+              <a:rPr lang="en-US" sz="2400" dirty="0">
+                <a:latin typeface="Calibri Light" panose="020F0302020204030204" pitchFamily="34" charset="0"/>
+                <a:ea typeface="Calibri Light" panose="020F0302020204030204" pitchFamily="34" charset="0"/>
+                <a:cs typeface="Calibri Light" panose="020F0302020204030204" pitchFamily="34" charset="0"/>
+              </a:rPr>
+              <a:t>Highlight suspicious parts of web page or PDF</a:t>
+            </a:r>
+          </a:p>
+          <a:p>
+            <a:pPr marL="285750" indent="-285750">
+              <a:buFont typeface="Arial" panose="020B0604020202020204" pitchFamily="34" charset="0"/>
+              <a:buChar char="•"/>
+            </a:pPr>
+            <a:endParaRPr lang="en-US" sz="2400" dirty="0">
+              <a:latin typeface="Calibri Light" panose="020F0302020204030204" pitchFamily="34" charset="0"/>
+              <a:ea typeface="Calibri Light" panose="020F0302020204030204" pitchFamily="34" charset="0"/>
+              <a:cs typeface="Calibri Light" panose="020F0302020204030204" pitchFamily="34" charset="0"/>
+            </a:endParaRPr>
+          </a:p>
+          <a:p>
+            <a:pPr marL="285750" indent="-285750">
+              <a:buFont typeface="Arial" panose="020B0604020202020204" pitchFamily="34" charset="0"/>
+              <a:buChar char="•"/>
+            </a:pPr>
+            <a:r>
+              <a:rPr lang="en-US" sz="2400" dirty="0">
+                <a:solidFill>
+                  <a:srgbClr val="000000"/>
+                </a:solidFill>
+                <a:latin typeface="Calibri Light"/>
+                <a:ea typeface="Calibri Light" panose="020F0302020204030204" pitchFamily="34" charset="0"/>
+                <a:cs typeface="Calibri Light"/>
+              </a:rPr>
+              <a:t>Select any text and analyze it</a:t>
+            </a:r>
+          </a:p>
+          <a:p>
+            <a:endParaRPr lang="pt-PT" sz="2400" dirty="0">
+              <a:solidFill>
+                <a:srgbClr val="000000"/>
+              </a:solidFill>
+              <a:latin typeface="Calibri Light" panose="020F0302020204030204" pitchFamily="34" charset="0"/>
+              <a:ea typeface="Calibri Light" panose="020F0302020204030204" pitchFamily="34" charset="0"/>
+              <a:cs typeface="Calibri Light" panose="020F0302020204030204" pitchFamily="34" charset="0"/>
+            </a:endParaRPr>
+          </a:p>
+          <a:p>
+            <a:pPr marL="285750" indent="-285750" algn="l">
+              <a:buFont typeface="Arial" panose="020B0604020202020204" pitchFamily="34" charset="0"/>
+              <a:buChar char="•"/>
+            </a:pPr>
+            <a:r>
+              <a:rPr lang="pt-PT" sz="2400" dirty="0" err="1">
+                <a:latin typeface="Calibri Light"/>
+                <a:ea typeface="Calibri Light" panose="020F0302020204030204" pitchFamily="34" charset="0"/>
+                <a:cs typeface="Calibri Light"/>
+              </a:rPr>
+              <a:t>Intuitive</a:t>
+            </a:r>
+            <a:r>
+              <a:rPr lang="pt-PT" sz="2400" dirty="0">
+                <a:latin typeface="Calibri Light"/>
+                <a:ea typeface="Calibri Light" panose="020F0302020204030204" pitchFamily="34" charset="0"/>
+                <a:cs typeface="Calibri Light"/>
+              </a:rPr>
+              <a:t> UI </a:t>
+            </a:r>
+            <a:r>
+              <a:rPr lang="pt-PT" sz="2400" dirty="0" err="1">
+                <a:latin typeface="Calibri Light"/>
+                <a:ea typeface="Calibri Light" panose="020F0302020204030204" pitchFamily="34" charset="0"/>
+                <a:cs typeface="Calibri Light"/>
+              </a:rPr>
+              <a:t>with</a:t>
+            </a:r>
+            <a:r>
+              <a:rPr lang="pt-PT" sz="2400" dirty="0">
+                <a:latin typeface="Calibri Light"/>
+                <a:ea typeface="Calibri Light" panose="020F0302020204030204" pitchFamily="34" charset="0"/>
+                <a:cs typeface="Calibri Light"/>
+              </a:rPr>
+              <a:t> </a:t>
+            </a:r>
+            <a:r>
+              <a:rPr lang="pt-PT" sz="2400" dirty="0" err="1">
+                <a:latin typeface="Calibri Light"/>
+                <a:ea typeface="Calibri Light" panose="020F0302020204030204" pitchFamily="34" charset="0"/>
+                <a:cs typeface="Calibri Light"/>
+              </a:rPr>
+              <a:t>settings</a:t>
+            </a:r>
+            <a:endParaRPr lang="pt-PT" sz="2400" dirty="0" err="1">
+              <a:latin typeface="Calibri Light"/>
+              <a:ea typeface="Calibri Light" panose="020F0302020204030204" pitchFamily="34" charset="0"/>
+              <a:cs typeface="Calibri Light" panose="020F0302020204030204" pitchFamily="34" charset="0"/>
+            </a:endParaRPr>
+          </a:p>
+          <a:p>
+            <a:endParaRPr lang="pt-PT" sz="2400" dirty="0">
+              <a:latin typeface="Calibri Light" panose="020F0302020204030204" pitchFamily="34" charset="0"/>
+              <a:ea typeface="Calibri Light" panose="020F0302020204030204" pitchFamily="34" charset="0"/>
+              <a:cs typeface="Calibri Light" panose="020F0302020204030204" pitchFamily="34" charset="0"/>
+            </a:endParaRPr>
+          </a:p>
+          <a:p>
+            <a:pPr marL="285750" indent="-285750">
+              <a:buFont typeface="Arial" panose="020B0604020202020204" pitchFamily="34" charset="0"/>
+              <a:buChar char="•"/>
+            </a:pPr>
+            <a:r>
+              <a:rPr lang="en-US" sz="2400" dirty="0">
+                <a:latin typeface="Calibri Light"/>
+                <a:ea typeface="Calibri Light" panose="020F0302020204030204" pitchFamily="34" charset="0"/>
+                <a:cs typeface="Calibri Light"/>
+              </a:rPr>
+              <a:t>LM flexibility (add/remove) – LM Hub</a:t>
+            </a:r>
+            <a:endParaRPr lang="en-US" sz="2400" dirty="0">
+              <a:latin typeface="Calibri Light"/>
+              <a:ea typeface="Calibri Light" panose="020F0302020204030204" pitchFamily="34" charset="0"/>
+              <a:cs typeface="Calibri Light" panose="020F0302020204030204" pitchFamily="34" charset="0"/>
+            </a:endParaRPr>
+          </a:p>
+          <a:p>
+            <a:pPr marL="285750" indent="-285750">
+              <a:buFont typeface="Arial" panose="020B0604020202020204" pitchFamily="34" charset="0"/>
+              <a:buChar char="•"/>
+            </a:pPr>
+            <a:endParaRPr lang="en-US" sz="2400" dirty="0">
+              <a:latin typeface="Calibri Light"/>
+              <a:cs typeface="Calibri Light"/>
+            </a:endParaRPr>
+          </a:p>
+          <a:p>
+            <a:pPr marL="285750" indent="-285750">
+              <a:buFont typeface="Arial" panose="020B0604020202020204" pitchFamily="34" charset="0"/>
+              <a:buChar char="•"/>
+            </a:pPr>
+            <a:r>
+              <a:rPr lang="en-US" sz="2400" dirty="0">
+                <a:latin typeface="Calibri Light"/>
+                <a:cs typeface="Calibri Light"/>
+              </a:rPr>
+              <a:t>Usability, flexibility, reliability, performance</a:t>
+            </a:r>
+          </a:p>
+          <a:p>
+            <a:pPr marL="285750" indent="-285750">
+              <a:buFont typeface="Arial" panose="020B0604020202020204" pitchFamily="34" charset="0"/>
+              <a:buChar char="•"/>
+            </a:pPr>
+            <a:endParaRPr lang="pt-PT" dirty="0">
+              <a:cs typeface="Calibri"/>
+            </a:endParaRPr>
+          </a:p>
+        </p:txBody>
+      </p:sp>
+      <p:sp>
+        <p:nvSpPr>
+          <p:cNvPr id="4" name="object 4">
+            <a:extLst>
+              <a:ext uri="{FF2B5EF4-FFF2-40B4-BE49-F238E27FC236}">
+                <a16:creationId xmlns:a16="http://schemas.microsoft.com/office/drawing/2014/main" id="{12F3930D-8B0C-D838-7865-FFA0748E3201}"/>
+              </a:ext>
+            </a:extLst>
+          </p:cNvPr>
+          <p:cNvSpPr txBox="1">
+            <a:spLocks noGrp="1"/>
+          </p:cNvSpPr>
+          <p:nvPr>
+            <p:ph type="sldNum" sz="quarter" idx="7"/>
+          </p:nvPr>
+        </p:nvSpPr>
+        <p:spPr>
+          <a:xfrm>
+            <a:off x="11908535" y="6537756"/>
+            <a:ext cx="231140" cy="330200"/>
+          </a:xfrm>
+          <a:prstGeom prst="rect">
+            <a:avLst/>
+          </a:prstGeom>
+        </p:spPr>
+        <p:txBody>
+          <a:bodyPr vert="horz" wrap="square" lIns="0" tIns="0" rIns="0" bIns="0" rtlCol="0">
+            <a:spAutoFit/>
+          </a:bodyPr>
+          <a:lstStyle/>
+          <a:p>
+            <a:pPr marL="38100">
+              <a:lnSpc>
+                <a:spcPts val="2380"/>
+              </a:lnSpc>
+            </a:pPr>
+            <a:fld id="{81D60167-4931-47E6-BA6A-407CBD079E47}" type="slidenum">
+              <a:rPr dirty="0"/>
+              <a:t>6</a:t>
+            </a:fld>
+            <a:endParaRPr dirty="0"/>
+          </a:p>
+        </p:txBody>
+      </p:sp>
+    </p:spTree>
+    <p:extLst>
+      <p:ext uri="{BB962C8B-B14F-4D97-AF65-F5344CB8AC3E}">
+        <p14:creationId xmlns:p14="http://schemas.microsoft.com/office/powerpoint/2010/main" val="1306777140"/>
+      </p:ext>
+    </p:extLst>
+  </p:cSld>
+  <p:clrMapOvr>
+    <a:masterClrMapping/>
+  </p:clrMapOvr>
+</p:sld>
+</file>
+
 <file path=ppt/slides/slide7.xml><?xml version="1.0" encoding="utf-8"?>
 <p:sld xmlns:a="http://schemas.openxmlformats.org/drawingml/2006/main" xmlns:r="http://schemas.openxmlformats.org/officeDocument/2006/relationships" xmlns:p="http://schemas.openxmlformats.org/presentationml/2006/main">
   <p:cSld>

--- a/presentation-prototype.pptx
+++ b/presentation-prototype.pptx
@@ -3019,7 +3019,7 @@
                   <a:ea typeface="Calibri Light" panose="020F0302020204030204" pitchFamily="34" charset="0"/>
                   <a:cs typeface="Calibri Light" panose="020F0302020204030204" pitchFamily="34" charset="0"/>
                 </a:rPr>
-                <a:t>Mediocre detection</a:t>
+                <a:t>Unreliable detection</a:t>
               </a:r>
             </a:p>
           </p:txBody>
@@ -3471,8 +3471,8 @@
           </p:nvSpPr>
           <p:spPr>
             <a:xfrm>
-              <a:off x="7740721" y="4539423"/>
-              <a:ext cx="1671856" cy="795600"/>
+              <a:off x="7685787" y="4539423"/>
+              <a:ext cx="1781724" cy="795600"/>
             </a:xfrm>
             <a:prstGeom prst="rect">
               <a:avLst/>
@@ -3637,7 +3637,7 @@
                   <a:ea typeface="Calibri Light" panose="020F0302020204030204" pitchFamily="34" charset="0"/>
                   <a:cs typeface="Calibri Light" panose="020F0302020204030204" pitchFamily="34" charset="0"/>
                 </a:rPr>
-                <a:t>Horrible detection </a:t>
+                <a:t>Unreliable detection </a:t>
               </a:r>
             </a:p>
           </p:txBody>

--- a/presentation-prototype.pptx
+++ b/presentation-prototype.pptx
@@ -225,7 +225,7 @@
           <a:p>
             <a:fld id="{492946F0-055C-43F7-8444-F40AC5AA1FF6}" type="datetimeFigureOut">
               <a:rPr lang="pt-PT" smtClean="0"/>
-              <a:t>11/04/2023</a:t>
+              <a:t>10/04/2023</a:t>
             </a:fld>
             <a:endParaRPr lang="pt-PT"/>
           </a:p>
@@ -383,7 +383,7 @@
           <a:p>
             <a:fld id="{A23BA633-D24B-473E-B335-FB4AC6894846}" type="slidenum">
               <a:rPr lang="pt-PT" smtClean="0"/>
-              <a:t>‹#›</a:t>
+              <a:t>‹nº›</a:t>
             </a:fld>
             <a:endParaRPr lang="pt-PT"/>
           </a:p>
@@ -631,7 +631,7 @@
           <a:p>
             <a:fld id="{1D8BD707-D9CF-40AE-B4C6-C98DA3205C09}" type="datetimeFigureOut">
               <a:rPr lang="en-US"/>
-              <a:t>4/11/2023</a:t>
+              <a:t>4/10/2023</a:t>
             </a:fld>
             <a:endParaRPr lang="en-US"/>
           </a:p>
@@ -669,7 +669,7 @@
             </a:pPr>
             <a:fld id="{81D60167-4931-47E6-BA6A-407CBD079E47}" type="slidenum">
               <a:rPr dirty="0"/>
-              <a:t>‹#›</a:t>
+              <a:t>‹nº›</a:t>
             </a:fld>
             <a:endParaRPr dirty="0"/>
           </a:p>
@@ -812,7 +812,7 @@
           <a:p>
             <a:fld id="{1D8BD707-D9CF-40AE-B4C6-C98DA3205C09}" type="datetimeFigureOut">
               <a:rPr lang="en-US"/>
-              <a:t>4/11/2023</a:t>
+              <a:t>4/10/2023</a:t>
             </a:fld>
             <a:endParaRPr lang="en-US"/>
           </a:p>
@@ -850,7 +850,7 @@
             </a:pPr>
             <a:fld id="{81D60167-4931-47E6-BA6A-407CBD079E47}" type="slidenum">
               <a:rPr dirty="0"/>
-              <a:t>‹#›</a:t>
+              <a:t>‹nº›</a:t>
             </a:fld>
             <a:endParaRPr dirty="0"/>
           </a:p>
@@ -1032,7 +1032,7 @@
           <a:p>
             <a:fld id="{1D8BD707-D9CF-40AE-B4C6-C98DA3205C09}" type="datetimeFigureOut">
               <a:rPr lang="en-US"/>
-              <a:t>4/11/2023</a:t>
+              <a:t>4/10/2023</a:t>
             </a:fld>
             <a:endParaRPr lang="en-US"/>
           </a:p>
@@ -1070,7 +1070,7 @@
             </a:pPr>
             <a:fld id="{81D60167-4931-47E6-BA6A-407CBD079E47}" type="slidenum">
               <a:rPr dirty="0"/>
-              <a:t>‹#›</a:t>
+              <a:t>‹nº›</a:t>
             </a:fld>
             <a:endParaRPr dirty="0"/>
           </a:p>
@@ -1186,7 +1186,7 @@
           <a:p>
             <a:fld id="{1D8BD707-D9CF-40AE-B4C6-C98DA3205C09}" type="datetimeFigureOut">
               <a:rPr lang="en-US"/>
-              <a:t>4/11/2023</a:t>
+              <a:t>4/10/2023</a:t>
             </a:fld>
             <a:endParaRPr lang="en-US"/>
           </a:p>
@@ -1224,7 +1224,7 @@
             </a:pPr>
             <a:fld id="{81D60167-4931-47E6-BA6A-407CBD079E47}" type="slidenum">
               <a:rPr dirty="0"/>
-              <a:t>‹#›</a:t>
+              <a:t>‹nº›</a:t>
             </a:fld>
             <a:endParaRPr dirty="0"/>
           </a:p>
@@ -1341,7 +1341,7 @@
           <a:p>
             <a:fld id="{1D8BD707-D9CF-40AE-B4C6-C98DA3205C09}" type="datetimeFigureOut">
               <a:rPr lang="en-US"/>
-              <a:t>4/11/2023</a:t>
+              <a:t>4/10/2023</a:t>
             </a:fld>
             <a:endParaRPr lang="en-US"/>
           </a:p>
@@ -1379,7 +1379,7 @@
             </a:pPr>
             <a:fld id="{81D60167-4931-47E6-BA6A-407CBD079E47}" type="slidenum">
               <a:rPr dirty="0"/>
-              <a:t>‹#›</a:t>
+              <a:t>‹nº›</a:t>
             </a:fld>
             <a:endParaRPr dirty="0"/>
           </a:p>
@@ -1570,7 +1570,7 @@
           <a:p>
             <a:fld id="{1D8BD707-D9CF-40AE-B4C6-C98DA3205C09}" type="datetimeFigureOut">
               <a:rPr lang="en-US"/>
-              <a:t>4/11/2023</a:t>
+              <a:t>4/10/2023</a:t>
             </a:fld>
             <a:endParaRPr lang="en-US"/>
           </a:p>
@@ -1618,7 +1618,7 @@
             </a:pPr>
             <a:fld id="{81D60167-4931-47E6-BA6A-407CBD079E47}" type="slidenum">
               <a:rPr dirty="0"/>
-              <a:t>‹#›</a:t>
+              <a:t>‹nº›</a:t>
             </a:fld>
             <a:endParaRPr dirty="0"/>
           </a:p>
@@ -8698,12 +8698,30 @@
           <a:p>
             <a:pPr algn="ctr"/>
             <a:r>
-              <a:rPr lang="pt-PT" sz="4000" b="1">
+              <a:rPr lang="pt-PT" sz="4000" b="1" dirty="0">
                 <a:latin typeface="Arial"/>
               </a:rPr>
-              <a:t>Prototype</a:t>
+              <a:t>Project website </a:t>
             </a:r>
-            <a:endParaRPr lang="en-US" sz="4000" b="1" dirty="0">
+            <a:r>
+              <a:rPr lang="pt-PT" sz="4000" b="1" dirty="0" err="1">
+                <a:latin typeface="Arial"/>
+              </a:rPr>
+              <a:t>and</a:t>
+            </a:r>
+            <a:r>
+              <a:rPr lang="pt-PT" sz="4000" b="1" dirty="0">
+                <a:latin typeface="Arial"/>
+              </a:rPr>
+              <a:t> </a:t>
+            </a:r>
+            <a:r>
+              <a:rPr lang="pt-PT" sz="4000" b="1" dirty="0" err="1">
+                <a:latin typeface="Arial"/>
+              </a:rPr>
+              <a:t>prototype</a:t>
+            </a:r>
+            <a:endParaRPr lang="en-US" sz="4000" b="1">
               <a:latin typeface="Arial"/>
             </a:endParaRPr>
           </a:p>
